--- a/material/presentation.pptx
+++ b/material/presentation.pptx
@@ -9,9 +9,10 @@
     <p:sldId id="258" r:id="rId3"/>
     <p:sldId id="257" r:id="rId4"/>
     <p:sldId id="259" r:id="rId5"/>
-    <p:sldId id="260" r:id="rId6"/>
-    <p:sldId id="261" r:id="rId7"/>
-    <p:sldId id="262" r:id="rId8"/>
+    <p:sldId id="263" r:id="rId6"/>
+    <p:sldId id="260" r:id="rId7"/>
+    <p:sldId id="261" r:id="rId8"/>
+    <p:sldId id="262" r:id="rId9"/>
   </p:sldIdLst>
   <p:sldSz cx="12192000" cy="6858000"/>
   <p:notesSz cx="6858000" cy="9144000"/>
@@ -110,6 +111,11 @@
       </a:defRPr>
     </a:lvl9pPr>
   </p:defaultTextStyle>
+  <p:extLst>
+    <p:ext uri="{EFAFB233-063F-42B5-8137-9DF3F51BA10A}">
+      <p15:sldGuideLst xmlns:p15="http://schemas.microsoft.com/office/powerpoint/2012/main"/>
+    </p:ext>
+  </p:extLst>
 </p:presentation>
 </file>
 
@@ -260,7 +266,7 @@
           <a:p>
             <a:fld id="{F40C1254-F1AA-428B-92C5-B10CE42ED55A}" type="datetimeFigureOut">
               <a:rPr lang="zh-CN" altLang="en-US" smtClean="0"/>
-              <a:t>2020/6/8</a:t>
+              <a:t>2020/6/9</a:t>
             </a:fld>
             <a:endParaRPr lang="zh-CN" altLang="en-US"/>
           </a:p>
@@ -458,7 +464,7 @@
           <a:p>
             <a:fld id="{F40C1254-F1AA-428B-92C5-B10CE42ED55A}" type="datetimeFigureOut">
               <a:rPr lang="zh-CN" altLang="en-US" smtClean="0"/>
-              <a:t>2020/6/8</a:t>
+              <a:t>2020/6/9</a:t>
             </a:fld>
             <a:endParaRPr lang="zh-CN" altLang="en-US"/>
           </a:p>
@@ -666,7 +672,7 @@
           <a:p>
             <a:fld id="{F40C1254-F1AA-428B-92C5-B10CE42ED55A}" type="datetimeFigureOut">
               <a:rPr lang="zh-CN" altLang="en-US" smtClean="0"/>
-              <a:t>2020/6/8</a:t>
+              <a:t>2020/6/9</a:t>
             </a:fld>
             <a:endParaRPr lang="zh-CN" altLang="en-US"/>
           </a:p>
@@ -864,7 +870,7 @@
           <a:p>
             <a:fld id="{F40C1254-F1AA-428B-92C5-B10CE42ED55A}" type="datetimeFigureOut">
               <a:rPr lang="zh-CN" altLang="en-US" smtClean="0"/>
-              <a:t>2020/6/8</a:t>
+              <a:t>2020/6/9</a:t>
             </a:fld>
             <a:endParaRPr lang="zh-CN" altLang="en-US"/>
           </a:p>
@@ -1139,7 +1145,7 @@
           <a:p>
             <a:fld id="{F40C1254-F1AA-428B-92C5-B10CE42ED55A}" type="datetimeFigureOut">
               <a:rPr lang="zh-CN" altLang="en-US" smtClean="0"/>
-              <a:t>2020/6/8</a:t>
+              <a:t>2020/6/9</a:t>
             </a:fld>
             <a:endParaRPr lang="zh-CN" altLang="en-US"/>
           </a:p>
@@ -1404,7 +1410,7 @@
           <a:p>
             <a:fld id="{F40C1254-F1AA-428B-92C5-B10CE42ED55A}" type="datetimeFigureOut">
               <a:rPr lang="zh-CN" altLang="en-US" smtClean="0"/>
-              <a:t>2020/6/8</a:t>
+              <a:t>2020/6/9</a:t>
             </a:fld>
             <a:endParaRPr lang="zh-CN" altLang="en-US"/>
           </a:p>
@@ -1816,7 +1822,7 @@
           <a:p>
             <a:fld id="{F40C1254-F1AA-428B-92C5-B10CE42ED55A}" type="datetimeFigureOut">
               <a:rPr lang="zh-CN" altLang="en-US" smtClean="0"/>
-              <a:t>2020/6/8</a:t>
+              <a:t>2020/6/9</a:t>
             </a:fld>
             <a:endParaRPr lang="zh-CN" altLang="en-US"/>
           </a:p>
@@ -1957,7 +1963,7 @@
           <a:p>
             <a:fld id="{F40C1254-F1AA-428B-92C5-B10CE42ED55A}" type="datetimeFigureOut">
               <a:rPr lang="zh-CN" altLang="en-US" smtClean="0"/>
-              <a:t>2020/6/8</a:t>
+              <a:t>2020/6/9</a:t>
             </a:fld>
             <a:endParaRPr lang="zh-CN" altLang="en-US"/>
           </a:p>
@@ -2070,7 +2076,7 @@
           <a:p>
             <a:fld id="{F40C1254-F1AA-428B-92C5-B10CE42ED55A}" type="datetimeFigureOut">
               <a:rPr lang="zh-CN" altLang="en-US" smtClean="0"/>
-              <a:t>2020/6/8</a:t>
+              <a:t>2020/6/9</a:t>
             </a:fld>
             <a:endParaRPr lang="zh-CN" altLang="en-US"/>
           </a:p>
@@ -2381,7 +2387,7 @@
           <a:p>
             <a:fld id="{F40C1254-F1AA-428B-92C5-B10CE42ED55A}" type="datetimeFigureOut">
               <a:rPr lang="zh-CN" altLang="en-US" smtClean="0"/>
-              <a:t>2020/6/8</a:t>
+              <a:t>2020/6/9</a:t>
             </a:fld>
             <a:endParaRPr lang="zh-CN" altLang="en-US"/>
           </a:p>
@@ -2669,7 +2675,7 @@
           <a:p>
             <a:fld id="{F40C1254-F1AA-428B-92C5-B10CE42ED55A}" type="datetimeFigureOut">
               <a:rPr lang="zh-CN" altLang="en-US" smtClean="0"/>
-              <a:t>2020/6/8</a:t>
+              <a:t>2020/6/9</a:t>
             </a:fld>
             <a:endParaRPr lang="zh-CN" altLang="en-US"/>
           </a:p>
@@ -2910,7 +2916,7 @@
           <a:p>
             <a:fld id="{F40C1254-F1AA-428B-92C5-B10CE42ED55A}" type="datetimeFigureOut">
               <a:rPr lang="zh-CN" altLang="en-US" smtClean="0"/>
-              <a:t>2020/6/8</a:t>
+              <a:t>2020/6/9</a:t>
             </a:fld>
             <a:endParaRPr lang="zh-CN" altLang="en-US"/>
           </a:p>
@@ -5122,7 +5128,7 @@
         <p:spPr>
           <a:xfrm>
             <a:off x="992221" y="669303"/>
-            <a:ext cx="3788281" cy="369332"/>
+            <a:ext cx="2121093" cy="369332"/>
           </a:xfrm>
           <a:prstGeom prst="rect">
             <a:avLst/>
@@ -5140,14 +5146,7 @@
                 <a:latin typeface="Arial" panose="020B0604020202020204" pitchFamily="34" charset="0"/>
                 <a:cs typeface="Arial" panose="020B0604020202020204" pitchFamily="34" charset="0"/>
               </a:rPr>
-              <a:t>The implementation of </a:t>
-            </a:r>
-            <a:r>
-              <a:rPr lang="en-US" altLang="zh-CN" b="1" dirty="0" err="1">
-                <a:latin typeface="Arial" panose="020B0604020202020204" pitchFamily="34" charset="0"/>
-                <a:cs typeface="Arial" panose="020B0604020202020204" pitchFamily="34" charset="0"/>
-              </a:rPr>
-              <a:t>VectorNet</a:t>
+              <a:t>Research Interest</a:t>
             </a:r>
             <a:endParaRPr lang="zh-CN" altLang="en-US" b="1" dirty="0">
               <a:latin typeface="Arial" panose="020B0604020202020204" pitchFamily="34" charset="0"/>
@@ -5171,7 +5170,7 @@
         <p:spPr>
           <a:xfrm>
             <a:off x="992221" y="1258242"/>
-            <a:ext cx="10428051" cy="1545295"/>
+            <a:ext cx="10798790" cy="5027017"/>
           </a:xfrm>
           <a:prstGeom prst="rect">
             <a:avLst/>
@@ -5184,135 +5183,68 @@
           </a:bodyPr>
           <a:lstStyle/>
           <a:p>
-            <a:pPr marL="342900" indent="-342900" algn="just">
+            <a:pPr algn="just">
               <a:lnSpc>
-                <a:spcPct val="200000"/>
+                <a:spcPct val="150000"/>
               </a:lnSpc>
-              <a:buAutoNum type="arabicPeriod"/>
             </a:pPr>
             <a:r>
-              <a:rPr lang="en-US" altLang="zh-CN" sz="1600" dirty="0">
-                <a:latin typeface="Arial" panose="020B0604020202020204" pitchFamily="34" charset="0"/>
-                <a:cs typeface="Arial" panose="020B0604020202020204" pitchFamily="34" charset="0"/>
-              </a:rPr>
-              <a:t>Representing trajectories and maps</a:t>
-            </a:r>
-          </a:p>
-          <a:p>
-            <a:pPr marL="342900" indent="-342900" algn="just">
+              <a:rPr lang="en-US" altLang="zh-CN" dirty="0">
+                <a:latin typeface="Arial" panose="020B0604020202020204" pitchFamily="34" charset="0"/>
+                <a:cs typeface="Arial" panose="020B0604020202020204" pitchFamily="34" charset="0"/>
+              </a:rPr>
+              <a:t>        Because of my past research, I may be interested in medical image segmentation, object detection and object track. Actually, I’m not limited to specific computer vision tasks. I’m interested in computer vision tasks which are meaningful and practical. For instance, the tumors and organs at risk automatic contouring on MRI Multi-sequence. MRI Multi-sequence tumors and organs at risk manual contouring is really time consuming and clinical knowledge intensive. So, we use Multi-modality model to perform MRI Multi-sequence automatic contouring which largely reduce the contouring time. </a:t>
+            </a:r>
+          </a:p>
+          <a:p>
+            <a:pPr algn="just">
               <a:lnSpc>
-                <a:spcPct val="200000"/>
+                <a:spcPct val="150000"/>
               </a:lnSpc>
-              <a:buAutoNum type="arabicPeriod"/>
             </a:pPr>
-            <a:r>
-              <a:rPr lang="en-US" altLang="zh-CN" sz="1600" dirty="0">
-                <a:latin typeface="Arial" panose="020B0604020202020204" pitchFamily="34" charset="0"/>
-                <a:cs typeface="Arial" panose="020B0604020202020204" pitchFamily="34" charset="0"/>
-              </a:rPr>
-              <a:t>Constructing the polyline subgraphs</a:t>
-            </a:r>
-          </a:p>
-          <a:p>
-            <a:pPr marL="342900" indent="-342900" algn="just">
-              <a:lnSpc>
-                <a:spcPct val="200000"/>
-              </a:lnSpc>
-              <a:buAutoNum type="arabicPeriod"/>
-            </a:pPr>
-            <a:r>
-              <a:rPr lang="en-US" altLang="zh-CN" sz="1600" dirty="0">
-                <a:latin typeface="Arial" panose="020B0604020202020204" pitchFamily="34" charset="0"/>
-                <a:cs typeface="Arial" panose="020B0604020202020204" pitchFamily="34" charset="0"/>
-              </a:rPr>
-              <a:t>Global graph for high-order interactions</a:t>
-            </a:r>
-          </a:p>
-        </p:txBody>
-      </p:sp>
-      <p:pic>
-        <p:nvPicPr>
-          <p:cNvPr id="2" name="图片 1">
-            <a:extLst>
-              <a:ext uri="{FF2B5EF4-FFF2-40B4-BE49-F238E27FC236}">
-                <a16:creationId xmlns:a16="http://schemas.microsoft.com/office/drawing/2014/main" id="{1CAE9600-A1F7-481A-9535-70A09912EBA5}"/>
-              </a:ext>
-            </a:extLst>
-          </p:cNvPr>
-          <p:cNvPicPr>
-            <a:picLocks noChangeAspect="1"/>
-          </p:cNvPicPr>
-          <p:nvPr/>
-        </p:nvPicPr>
-        <p:blipFill>
-          <a:blip r:embed="rId2"/>
-          <a:stretch>
-            <a:fillRect/>
-          </a:stretch>
-        </p:blipFill>
-        <p:spPr>
-          <a:xfrm>
-            <a:off x="1915527" y="3146254"/>
-            <a:ext cx="7757832" cy="2598645"/>
-          </a:xfrm>
-          <a:prstGeom prst="rect">
-            <a:avLst/>
-          </a:prstGeom>
-        </p:spPr>
-      </p:pic>
-      <p:sp>
-        <p:nvSpPr>
-          <p:cNvPr id="3" name="文本框 2">
-            <a:extLst>
-              <a:ext uri="{FF2B5EF4-FFF2-40B4-BE49-F238E27FC236}">
-                <a16:creationId xmlns:a16="http://schemas.microsoft.com/office/drawing/2014/main" id="{8DF647A1-4A05-4C3B-9587-9B2486A5B3F2}"/>
-              </a:ext>
-            </a:extLst>
-          </p:cNvPr>
-          <p:cNvSpPr txBox="1"/>
-          <p:nvPr/>
-        </p:nvSpPr>
-        <p:spPr>
-          <a:xfrm>
-            <a:off x="3967789" y="5880920"/>
-            <a:ext cx="3653308" cy="307777"/>
-          </a:xfrm>
-          <a:prstGeom prst="rect">
-            <a:avLst/>
-          </a:prstGeom>
-          <a:noFill/>
-        </p:spPr>
-        <p:txBody>
-          <a:bodyPr wrap="none" rtlCol="0">
-            <a:spAutoFit/>
-          </a:bodyPr>
-          <a:lstStyle/>
-          <a:p>
-            <a:r>
-              <a:rPr lang="en-US" altLang="zh-CN" sz="1400" b="1" dirty="0">
-                <a:latin typeface="Arial" panose="020B0604020202020204" pitchFamily="34" charset="0"/>
-                <a:cs typeface="Arial" panose="020B0604020202020204" pitchFamily="34" charset="0"/>
-              </a:rPr>
-              <a:t>Figure 1. The total workflow of </a:t>
-            </a:r>
-            <a:r>
-              <a:rPr lang="en-US" altLang="zh-CN" sz="1400" b="1" dirty="0" err="1">
-                <a:latin typeface="Arial" panose="020B0604020202020204" pitchFamily="34" charset="0"/>
-                <a:cs typeface="Arial" panose="020B0604020202020204" pitchFamily="34" charset="0"/>
-              </a:rPr>
-              <a:t>VectorNet</a:t>
-            </a:r>
-            <a:endParaRPr lang="zh-CN" altLang="en-US" sz="1400" b="1" dirty="0">
+            <a:endParaRPr lang="en-US" altLang="zh-CN" dirty="0">
               <a:latin typeface="Arial" panose="020B0604020202020204" pitchFamily="34" charset="0"/>
               <a:cs typeface="Arial" panose="020B0604020202020204" pitchFamily="34" charset="0"/>
             </a:endParaRPr>
           </a:p>
+          <a:p>
+            <a:pPr algn="just">
+              <a:lnSpc>
+                <a:spcPct val="150000"/>
+              </a:lnSpc>
+            </a:pPr>
+            <a:r>
+              <a:rPr lang="zh-CN" altLang="en-US" dirty="0">
+                <a:latin typeface="Arial" panose="020B0604020202020204" pitchFamily="34" charset="0"/>
+                <a:cs typeface="Arial" panose="020B0604020202020204" pitchFamily="34" charset="0"/>
+              </a:rPr>
+              <a:t>后台</a:t>
+            </a:r>
+            <a:r>
+              <a:rPr lang="en-US" altLang="zh-CN" dirty="0">
+                <a:latin typeface="Arial" panose="020B0604020202020204" pitchFamily="34" charset="0"/>
+                <a:cs typeface="Arial" panose="020B0604020202020204" pitchFamily="34" charset="0"/>
+              </a:rPr>
+              <a:t>: Self-driving is also practical. Self-driving can largely improve the people transport. Although it’s difficult, I’m willing to be faced with it. At last, I express my opinions on research. I don’t want to be a researcher who just see computer vision as paper generator. I want to do meaningful, practical research! I want to do high-quality, more advanced research! I want to do real research!</a:t>
+            </a:r>
+          </a:p>
+          <a:p>
+            <a:pPr algn="just">
+              <a:lnSpc>
+                <a:spcPct val="150000"/>
+              </a:lnSpc>
+            </a:pPr>
+            <a:endParaRPr lang="en-US" altLang="zh-CN" dirty="0">
+              <a:latin typeface="Arial" panose="020B0604020202020204" pitchFamily="34" charset="0"/>
+              <a:cs typeface="Arial" panose="020B0604020202020204" pitchFamily="34" charset="0"/>
+            </a:endParaRPr>
+          </a:p>
         </p:txBody>
       </p:sp>
     </p:spTree>
     <p:extLst>
       <p:ext uri="{BB962C8B-B14F-4D97-AF65-F5344CB8AC3E}">
-        <p14:creationId xmlns:p14="http://schemas.microsoft.com/office/powerpoint/2010/main" val="1251499563"/>
+        <p14:creationId xmlns:p14="http://schemas.microsoft.com/office/powerpoint/2010/main" val="2632657561"/>
       </p:ext>
     </p:extLst>
   </p:cSld>
@@ -5453,6 +5385,337 @@
         <p:spPr>
           <a:xfrm>
             <a:off x="992221" y="669303"/>
+            <a:ext cx="3788281" cy="369332"/>
+          </a:xfrm>
+          <a:prstGeom prst="rect">
+            <a:avLst/>
+          </a:prstGeom>
+          <a:noFill/>
+        </p:spPr>
+        <p:txBody>
+          <a:bodyPr wrap="none" rtlCol="0">
+            <a:spAutoFit/>
+          </a:bodyPr>
+          <a:lstStyle/>
+          <a:p>
+            <a:r>
+              <a:rPr lang="en-US" altLang="zh-CN" b="1" dirty="0">
+                <a:latin typeface="Arial" panose="020B0604020202020204" pitchFamily="34" charset="0"/>
+                <a:cs typeface="Arial" panose="020B0604020202020204" pitchFamily="34" charset="0"/>
+              </a:rPr>
+              <a:t>The implementation of </a:t>
+            </a:r>
+            <a:r>
+              <a:rPr lang="en-US" altLang="zh-CN" b="1" dirty="0" err="1">
+                <a:latin typeface="Arial" panose="020B0604020202020204" pitchFamily="34" charset="0"/>
+                <a:cs typeface="Arial" panose="020B0604020202020204" pitchFamily="34" charset="0"/>
+              </a:rPr>
+              <a:t>VectorNet</a:t>
+            </a:r>
+            <a:endParaRPr lang="zh-CN" altLang="en-US" b="1" dirty="0">
+              <a:latin typeface="Arial" panose="020B0604020202020204" pitchFamily="34" charset="0"/>
+              <a:cs typeface="Arial" panose="020B0604020202020204" pitchFamily="34" charset="0"/>
+            </a:endParaRPr>
+          </a:p>
+        </p:txBody>
+      </p:sp>
+      <p:sp>
+        <p:nvSpPr>
+          <p:cNvPr id="9" name="文本框 8">
+            <a:extLst>
+              <a:ext uri="{FF2B5EF4-FFF2-40B4-BE49-F238E27FC236}">
+                <a16:creationId xmlns:a16="http://schemas.microsoft.com/office/drawing/2014/main" id="{B829983B-D66B-4BAE-95AE-CD2D4EA6EF57}"/>
+              </a:ext>
+            </a:extLst>
+          </p:cNvPr>
+          <p:cNvSpPr txBox="1"/>
+          <p:nvPr/>
+        </p:nvSpPr>
+        <p:spPr>
+          <a:xfrm>
+            <a:off x="992221" y="1258242"/>
+            <a:ext cx="10428051" cy="1545295"/>
+          </a:xfrm>
+          <a:prstGeom prst="rect">
+            <a:avLst/>
+          </a:prstGeom>
+          <a:noFill/>
+        </p:spPr>
+        <p:txBody>
+          <a:bodyPr wrap="square" rtlCol="0">
+            <a:spAutoFit/>
+          </a:bodyPr>
+          <a:lstStyle/>
+          <a:p>
+            <a:pPr marL="342900" indent="-342900" algn="just">
+              <a:lnSpc>
+                <a:spcPct val="200000"/>
+              </a:lnSpc>
+              <a:buAutoNum type="arabicPeriod"/>
+            </a:pPr>
+            <a:r>
+              <a:rPr lang="en-US" altLang="zh-CN" sz="1600" dirty="0">
+                <a:latin typeface="Arial" panose="020B0604020202020204" pitchFamily="34" charset="0"/>
+                <a:cs typeface="Arial" panose="020B0604020202020204" pitchFamily="34" charset="0"/>
+              </a:rPr>
+              <a:t>Representing trajectories and maps</a:t>
+            </a:r>
+          </a:p>
+          <a:p>
+            <a:pPr marL="342900" indent="-342900" algn="just">
+              <a:lnSpc>
+                <a:spcPct val="200000"/>
+              </a:lnSpc>
+              <a:buAutoNum type="arabicPeriod"/>
+            </a:pPr>
+            <a:r>
+              <a:rPr lang="en-US" altLang="zh-CN" sz="1600" dirty="0">
+                <a:latin typeface="Arial" panose="020B0604020202020204" pitchFamily="34" charset="0"/>
+                <a:cs typeface="Arial" panose="020B0604020202020204" pitchFamily="34" charset="0"/>
+              </a:rPr>
+              <a:t>Constructing the polyline subgraphs</a:t>
+            </a:r>
+          </a:p>
+          <a:p>
+            <a:pPr marL="342900" indent="-342900" algn="just">
+              <a:lnSpc>
+                <a:spcPct val="200000"/>
+              </a:lnSpc>
+              <a:buAutoNum type="arabicPeriod"/>
+            </a:pPr>
+            <a:r>
+              <a:rPr lang="en-US" altLang="zh-CN" sz="1600" dirty="0">
+                <a:latin typeface="Arial" panose="020B0604020202020204" pitchFamily="34" charset="0"/>
+                <a:cs typeface="Arial" panose="020B0604020202020204" pitchFamily="34" charset="0"/>
+              </a:rPr>
+              <a:t>Global graph for high-order interactions</a:t>
+            </a:r>
+          </a:p>
+        </p:txBody>
+      </p:sp>
+      <p:pic>
+        <p:nvPicPr>
+          <p:cNvPr id="2" name="图片 1">
+            <a:extLst>
+              <a:ext uri="{FF2B5EF4-FFF2-40B4-BE49-F238E27FC236}">
+                <a16:creationId xmlns:a16="http://schemas.microsoft.com/office/drawing/2014/main" id="{1CAE9600-A1F7-481A-9535-70A09912EBA5}"/>
+              </a:ext>
+            </a:extLst>
+          </p:cNvPr>
+          <p:cNvPicPr>
+            <a:picLocks noChangeAspect="1"/>
+          </p:cNvPicPr>
+          <p:nvPr/>
+        </p:nvPicPr>
+        <p:blipFill>
+          <a:blip r:embed="rId2"/>
+          <a:stretch>
+            <a:fillRect/>
+          </a:stretch>
+        </p:blipFill>
+        <p:spPr>
+          <a:xfrm>
+            <a:off x="1915527" y="3146254"/>
+            <a:ext cx="7757832" cy="2598645"/>
+          </a:xfrm>
+          <a:prstGeom prst="rect">
+            <a:avLst/>
+          </a:prstGeom>
+        </p:spPr>
+      </p:pic>
+      <p:sp>
+        <p:nvSpPr>
+          <p:cNvPr id="3" name="文本框 2">
+            <a:extLst>
+              <a:ext uri="{FF2B5EF4-FFF2-40B4-BE49-F238E27FC236}">
+                <a16:creationId xmlns:a16="http://schemas.microsoft.com/office/drawing/2014/main" id="{8DF647A1-4A05-4C3B-9587-9B2486A5B3F2}"/>
+              </a:ext>
+            </a:extLst>
+          </p:cNvPr>
+          <p:cNvSpPr txBox="1"/>
+          <p:nvPr/>
+        </p:nvSpPr>
+        <p:spPr>
+          <a:xfrm>
+            <a:off x="3967789" y="5880920"/>
+            <a:ext cx="3653308" cy="307777"/>
+          </a:xfrm>
+          <a:prstGeom prst="rect">
+            <a:avLst/>
+          </a:prstGeom>
+          <a:noFill/>
+        </p:spPr>
+        <p:txBody>
+          <a:bodyPr wrap="none" rtlCol="0">
+            <a:spAutoFit/>
+          </a:bodyPr>
+          <a:lstStyle/>
+          <a:p>
+            <a:r>
+              <a:rPr lang="en-US" altLang="zh-CN" sz="1400" b="1" dirty="0">
+                <a:latin typeface="Arial" panose="020B0604020202020204" pitchFamily="34" charset="0"/>
+                <a:cs typeface="Arial" panose="020B0604020202020204" pitchFamily="34" charset="0"/>
+              </a:rPr>
+              <a:t>Figure 1. The total workflow of </a:t>
+            </a:r>
+            <a:r>
+              <a:rPr lang="en-US" altLang="zh-CN" sz="1400" b="1" dirty="0" err="1">
+                <a:latin typeface="Arial" panose="020B0604020202020204" pitchFamily="34" charset="0"/>
+                <a:cs typeface="Arial" panose="020B0604020202020204" pitchFamily="34" charset="0"/>
+              </a:rPr>
+              <a:t>VectorNet</a:t>
+            </a:r>
+            <a:endParaRPr lang="zh-CN" altLang="en-US" sz="1400" b="1" dirty="0">
+              <a:latin typeface="Arial" panose="020B0604020202020204" pitchFamily="34" charset="0"/>
+              <a:cs typeface="Arial" panose="020B0604020202020204" pitchFamily="34" charset="0"/>
+            </a:endParaRPr>
+          </a:p>
+        </p:txBody>
+      </p:sp>
+    </p:spTree>
+    <p:extLst>
+      <p:ext uri="{BB962C8B-B14F-4D97-AF65-F5344CB8AC3E}">
+        <p14:creationId xmlns:p14="http://schemas.microsoft.com/office/powerpoint/2010/main" val="1251499563"/>
+      </p:ext>
+    </p:extLst>
+  </p:cSld>
+  <p:clrMapOvr>
+    <a:masterClrMapping/>
+  </p:clrMapOvr>
+</p:sld>
+</file>
+
+<file path=ppt/slides/slide7.xml><?xml version="1.0" encoding="utf-8"?>
+<p:sld xmlns:a="http://schemas.openxmlformats.org/drawingml/2006/main" xmlns:r="http://schemas.openxmlformats.org/officeDocument/2006/relationships" xmlns:p="http://schemas.openxmlformats.org/presentationml/2006/main">
+  <p:cSld>
+    <p:spTree>
+      <p:nvGrpSpPr>
+        <p:cNvPr id="1" name=""/>
+        <p:cNvGrpSpPr/>
+        <p:nvPr/>
+      </p:nvGrpSpPr>
+      <p:grpSpPr>
+        <a:xfrm>
+          <a:off x="0" y="0"/>
+          <a:ext cx="0" cy="0"/>
+          <a:chOff x="0" y="0"/>
+          <a:chExt cx="0" cy="0"/>
+        </a:xfrm>
+      </p:grpSpPr>
+      <p:sp>
+        <p:nvSpPr>
+          <p:cNvPr id="4" name="矩形 3">
+            <a:extLst>
+              <a:ext uri="{FF2B5EF4-FFF2-40B4-BE49-F238E27FC236}">
+                <a16:creationId xmlns:a16="http://schemas.microsoft.com/office/drawing/2014/main" id="{86CA40CB-69A5-4370-BB91-2BF9FD622FD5}"/>
+              </a:ext>
+            </a:extLst>
+          </p:cNvPr>
+          <p:cNvSpPr/>
+          <p:nvPr/>
+        </p:nvSpPr>
+        <p:spPr>
+          <a:xfrm>
+            <a:off x="603315" y="386499"/>
+            <a:ext cx="197963" cy="565608"/>
+          </a:xfrm>
+          <a:prstGeom prst="rect">
+            <a:avLst/>
+          </a:prstGeom>
+          <a:solidFill>
+            <a:schemeClr val="bg2">
+              <a:lumMod val="75000"/>
+            </a:schemeClr>
+          </a:solidFill>
+          <a:ln>
+            <a:noFill/>
+          </a:ln>
+        </p:spPr>
+        <p:style>
+          <a:lnRef idx="2">
+            <a:schemeClr val="accent1">
+              <a:shade val="50000"/>
+            </a:schemeClr>
+          </a:lnRef>
+          <a:fillRef idx="1">
+            <a:schemeClr val="accent1"/>
+          </a:fillRef>
+          <a:effectRef idx="0">
+            <a:schemeClr val="accent1"/>
+          </a:effectRef>
+          <a:fontRef idx="minor">
+            <a:schemeClr val="lt1"/>
+          </a:fontRef>
+        </p:style>
+        <p:txBody>
+          <a:bodyPr rtlCol="0" anchor="ctr"/>
+          <a:lstStyle/>
+          <a:p>
+            <a:pPr algn="ctr"/>
+            <a:endParaRPr lang="zh-CN" altLang="en-US"/>
+          </a:p>
+        </p:txBody>
+      </p:sp>
+      <p:cxnSp>
+        <p:nvCxnSpPr>
+          <p:cNvPr id="6" name="直接连接符 5">
+            <a:extLst>
+              <a:ext uri="{FF2B5EF4-FFF2-40B4-BE49-F238E27FC236}">
+                <a16:creationId xmlns:a16="http://schemas.microsoft.com/office/drawing/2014/main" id="{89D0ED6E-9637-4BA9-9E46-2653A77A44E3}"/>
+              </a:ext>
+            </a:extLst>
+          </p:cNvPr>
+          <p:cNvCxnSpPr/>
+          <p:nvPr/>
+        </p:nvCxnSpPr>
+        <p:spPr>
+          <a:xfrm>
+            <a:off x="920684" y="584762"/>
+            <a:ext cx="10350631" cy="0"/>
+          </a:xfrm>
+          <a:prstGeom prst="line">
+            <a:avLst/>
+          </a:prstGeom>
+          <a:ln>
+            <a:solidFill>
+              <a:schemeClr val="tx2">
+                <a:lumMod val="40000"/>
+                <a:lumOff val="60000"/>
+              </a:schemeClr>
+            </a:solidFill>
+            <a:prstDash val="dash"/>
+          </a:ln>
+        </p:spPr>
+        <p:style>
+          <a:lnRef idx="1">
+            <a:schemeClr val="accent1"/>
+          </a:lnRef>
+          <a:fillRef idx="0">
+            <a:schemeClr val="accent1"/>
+          </a:fillRef>
+          <a:effectRef idx="0">
+            <a:schemeClr val="accent1"/>
+          </a:effectRef>
+          <a:fontRef idx="minor">
+            <a:schemeClr val="tx1"/>
+          </a:fontRef>
+        </p:style>
+      </p:cxnSp>
+      <p:sp>
+        <p:nvSpPr>
+          <p:cNvPr id="7" name="文本框 6">
+            <a:extLst>
+              <a:ext uri="{FF2B5EF4-FFF2-40B4-BE49-F238E27FC236}">
+                <a16:creationId xmlns:a16="http://schemas.microsoft.com/office/drawing/2014/main" id="{FB657D43-34B0-4FC8-BE54-3C2BA4DDB72B}"/>
+              </a:ext>
+            </a:extLst>
+          </p:cNvPr>
+          <p:cNvSpPr txBox="1"/>
+          <p:nvPr/>
+        </p:nvSpPr>
+        <p:spPr>
+          <a:xfrm>
+            <a:off x="992221" y="669303"/>
             <a:ext cx="4108817" cy="369332"/>
           </a:xfrm>
           <a:prstGeom prst="rect">
@@ -5536,7 +5799,7 @@
 </p:sld>
 </file>
 
-<file path=ppt/slides/slide7.xml><?xml version="1.0" encoding="utf-8"?>
+<file path=ppt/slides/slide8.xml><?xml version="1.0" encoding="utf-8"?>
 <p:sld xmlns:a="http://schemas.openxmlformats.org/drawingml/2006/main" xmlns:r="http://schemas.openxmlformats.org/officeDocument/2006/relationships" xmlns:p="http://schemas.openxmlformats.org/presentationml/2006/main">
   <p:cSld>
     <p:spTree>

--- a/material/presentation.pptx
+++ b/material/presentation.pptx
@@ -5170,7 +5170,7 @@
         <p:spPr>
           <a:xfrm>
             <a:off x="992221" y="1258242"/>
-            <a:ext cx="10798790" cy="5027017"/>
+            <a:ext cx="10798790" cy="6689011"/>
           </a:xfrm>
           <a:prstGeom prst="rect">
             <a:avLst/>
@@ -5225,8 +5225,19 @@
                 <a:latin typeface="Arial" panose="020B0604020202020204" pitchFamily="34" charset="0"/>
                 <a:cs typeface="Arial" panose="020B0604020202020204" pitchFamily="34" charset="0"/>
               </a:rPr>
-              <a:t>: Self-driving is also practical. Self-driving can largely improve the people transport. Although it’s difficult, I’m willing to be faced with it. At last, I express my opinions on research. I don’t want to be a researcher who just see computer vision as paper generator. I want to do meaningful, practical research! I want to do high-quality, more advanced research! I want to do real research!</a:t>
-            </a:r>
+              <a:t>: Self-driving is also practical. Self-driving can largely improve the people transport. Self-driving needs a compound of technology about machine learning so that it may be difficult. Although it’s difficult, I’m willing to be faced with it. At last, I express my opinions on research. I don’t want to be a researcher who just see computer vision as paper generator. I want to do meaningful, practical research! I want to do high-quality, more advanced research! I want to do real research! As you can see, I also publish some low-quality paper which just modify the network and just get the performance a little improvement. But I have to do that. Because It’s the entrance. If I don’t do that, I even can’t qualify for the summer camp. It’s the entrance to higher research. </a:t>
+            </a:r>
+            <a:r>
+              <a:rPr lang="en-US" altLang="zh-CN">
+                <a:latin typeface="Arial" panose="020B0604020202020204" pitchFamily="34" charset="0"/>
+                <a:cs typeface="Arial" panose="020B0604020202020204" pitchFamily="34" charset="0"/>
+              </a:rPr>
+              <a:t>So I have to do that.</a:t>
+            </a:r>
+            <a:endParaRPr lang="en-US" altLang="zh-CN" dirty="0">
+              <a:latin typeface="Arial" panose="020B0604020202020204" pitchFamily="34" charset="0"/>
+              <a:cs typeface="Arial" panose="020B0604020202020204" pitchFamily="34" charset="0"/>
+            </a:endParaRPr>
           </a:p>
           <a:p>
             <a:pPr algn="just">

--- a/material/presentation.pptx
+++ b/material/presentation.pptx
@@ -266,7 +266,7 @@
           <a:p>
             <a:fld id="{F40C1254-F1AA-428B-92C5-B10CE42ED55A}" type="datetimeFigureOut">
               <a:rPr lang="zh-CN" altLang="en-US" smtClean="0"/>
-              <a:t>2020/6/9</a:t>
+              <a:t>2020/6/10</a:t>
             </a:fld>
             <a:endParaRPr lang="zh-CN" altLang="en-US"/>
           </a:p>
@@ -464,7 +464,7 @@
           <a:p>
             <a:fld id="{F40C1254-F1AA-428B-92C5-B10CE42ED55A}" type="datetimeFigureOut">
               <a:rPr lang="zh-CN" altLang="en-US" smtClean="0"/>
-              <a:t>2020/6/9</a:t>
+              <a:t>2020/6/10</a:t>
             </a:fld>
             <a:endParaRPr lang="zh-CN" altLang="en-US"/>
           </a:p>
@@ -672,7 +672,7 @@
           <a:p>
             <a:fld id="{F40C1254-F1AA-428B-92C5-B10CE42ED55A}" type="datetimeFigureOut">
               <a:rPr lang="zh-CN" altLang="en-US" smtClean="0"/>
-              <a:t>2020/6/9</a:t>
+              <a:t>2020/6/10</a:t>
             </a:fld>
             <a:endParaRPr lang="zh-CN" altLang="en-US"/>
           </a:p>
@@ -870,7 +870,7 @@
           <a:p>
             <a:fld id="{F40C1254-F1AA-428B-92C5-B10CE42ED55A}" type="datetimeFigureOut">
               <a:rPr lang="zh-CN" altLang="en-US" smtClean="0"/>
-              <a:t>2020/6/9</a:t>
+              <a:t>2020/6/10</a:t>
             </a:fld>
             <a:endParaRPr lang="zh-CN" altLang="en-US"/>
           </a:p>
@@ -1145,7 +1145,7 @@
           <a:p>
             <a:fld id="{F40C1254-F1AA-428B-92C5-B10CE42ED55A}" type="datetimeFigureOut">
               <a:rPr lang="zh-CN" altLang="en-US" smtClean="0"/>
-              <a:t>2020/6/9</a:t>
+              <a:t>2020/6/10</a:t>
             </a:fld>
             <a:endParaRPr lang="zh-CN" altLang="en-US"/>
           </a:p>
@@ -1410,7 +1410,7 @@
           <a:p>
             <a:fld id="{F40C1254-F1AA-428B-92C5-B10CE42ED55A}" type="datetimeFigureOut">
               <a:rPr lang="zh-CN" altLang="en-US" smtClean="0"/>
-              <a:t>2020/6/9</a:t>
+              <a:t>2020/6/10</a:t>
             </a:fld>
             <a:endParaRPr lang="zh-CN" altLang="en-US"/>
           </a:p>
@@ -1822,7 +1822,7 @@
           <a:p>
             <a:fld id="{F40C1254-F1AA-428B-92C5-B10CE42ED55A}" type="datetimeFigureOut">
               <a:rPr lang="zh-CN" altLang="en-US" smtClean="0"/>
-              <a:t>2020/6/9</a:t>
+              <a:t>2020/6/10</a:t>
             </a:fld>
             <a:endParaRPr lang="zh-CN" altLang="en-US"/>
           </a:p>
@@ -1963,7 +1963,7 @@
           <a:p>
             <a:fld id="{F40C1254-F1AA-428B-92C5-B10CE42ED55A}" type="datetimeFigureOut">
               <a:rPr lang="zh-CN" altLang="en-US" smtClean="0"/>
-              <a:t>2020/6/9</a:t>
+              <a:t>2020/6/10</a:t>
             </a:fld>
             <a:endParaRPr lang="zh-CN" altLang="en-US"/>
           </a:p>
@@ -2076,7 +2076,7 @@
           <a:p>
             <a:fld id="{F40C1254-F1AA-428B-92C5-B10CE42ED55A}" type="datetimeFigureOut">
               <a:rPr lang="zh-CN" altLang="en-US" smtClean="0"/>
-              <a:t>2020/6/9</a:t>
+              <a:t>2020/6/10</a:t>
             </a:fld>
             <a:endParaRPr lang="zh-CN" altLang="en-US"/>
           </a:p>
@@ -2387,7 +2387,7 @@
           <a:p>
             <a:fld id="{F40C1254-F1AA-428B-92C5-B10CE42ED55A}" type="datetimeFigureOut">
               <a:rPr lang="zh-CN" altLang="en-US" smtClean="0"/>
-              <a:t>2020/6/9</a:t>
+              <a:t>2020/6/10</a:t>
             </a:fld>
             <a:endParaRPr lang="zh-CN" altLang="en-US"/>
           </a:p>
@@ -2675,7 +2675,7 @@
           <a:p>
             <a:fld id="{F40C1254-F1AA-428B-92C5-B10CE42ED55A}" type="datetimeFigureOut">
               <a:rPr lang="zh-CN" altLang="en-US" smtClean="0"/>
-              <a:t>2020/6/9</a:t>
+              <a:t>2020/6/10</a:t>
             </a:fld>
             <a:endParaRPr lang="zh-CN" altLang="en-US"/>
           </a:p>
@@ -2916,7 +2916,7 @@
           <a:p>
             <a:fld id="{F40C1254-F1AA-428B-92C5-B10CE42ED55A}" type="datetimeFigureOut">
               <a:rPr lang="zh-CN" altLang="en-US" smtClean="0"/>
-              <a:t>2020/6/9</a:t>
+              <a:t>2020/6/10</a:t>
             </a:fld>
             <a:endParaRPr lang="zh-CN" altLang="en-US"/>
           </a:p>
@@ -5792,7 +5792,21 @@
                 <a:latin typeface="Arial" panose="020B0604020202020204" pitchFamily="34" charset="0"/>
                 <a:cs typeface="Arial" panose="020B0604020202020204" pitchFamily="34" charset="0"/>
               </a:rPr>
-              <a:t>        There are only the agent trajectory and lane needed to represent according to the requirements. So, we firstly extract lane centerline point sets and agent trajectory point sets (I don’t consider the AV and OTHER object). Then I use average lane width to calculate lane two-side edge line point sets which are dummy lines. By incorporating two neighboring into one vector, we convert point sets to vector sets.</a:t>
+              <a:t>        There are only the agent trajectory and lane needed to represent according to the requirements. So, we firstly extract lane centerline point sets and agent trajectory point sets (I don’t consider the AV and OTHER object). Then I use average lane width to calculate lane two-side edge line point sets which are dummy lines. By incorporating two </a:t>
+            </a:r>
+            <a:r>
+              <a:rPr lang="en-US" altLang="zh-CN" sz="1600">
+                <a:latin typeface="Arial" panose="020B0604020202020204" pitchFamily="34" charset="0"/>
+                <a:cs typeface="Arial" panose="020B0604020202020204" pitchFamily="34" charset="0"/>
+              </a:rPr>
+              <a:t>neighboring points into </a:t>
+            </a:r>
+            <a:r>
+              <a:rPr lang="en-US" altLang="zh-CN" sz="1600" dirty="0">
+                <a:latin typeface="Arial" panose="020B0604020202020204" pitchFamily="34" charset="0"/>
+                <a:cs typeface="Arial" panose="020B0604020202020204" pitchFamily="34" charset="0"/>
+              </a:rPr>
+              <a:t>one vector, we convert point sets to vector sets.</a:t>
             </a:r>
           </a:p>
         </p:txBody>

--- a/material/presentation.pptx
+++ b/material/presentation.pptx
@@ -11,8 +11,11 @@
     <p:sldId id="259" r:id="rId5"/>
     <p:sldId id="263" r:id="rId6"/>
     <p:sldId id="260" r:id="rId7"/>
-    <p:sldId id="261" r:id="rId8"/>
-    <p:sldId id="262" r:id="rId9"/>
+    <p:sldId id="264" r:id="rId8"/>
+    <p:sldId id="261" r:id="rId9"/>
+    <p:sldId id="262" r:id="rId10"/>
+    <p:sldId id="265" r:id="rId11"/>
+    <p:sldId id="266" r:id="rId12"/>
   </p:sldIdLst>
   <p:sldSz cx="12192000" cy="6858000"/>
   <p:notesSz cx="6858000" cy="9144000"/>
@@ -3551,19 +3554,8 @@
                 <a:latin typeface="Arial" panose="020B0604020202020204" pitchFamily="34" charset="0"/>
                 <a:cs typeface="Arial" panose="020B0604020202020204" pitchFamily="34" charset="0"/>
               </a:rPr>
-              <a:t>English name: </a:t>
-            </a:r>
-            <a:r>
-              <a:rPr lang="en-US" altLang="zh-CN" sz="1600" dirty="0" err="1">
-                <a:latin typeface="Arial" panose="020B0604020202020204" pitchFamily="34" charset="0"/>
-                <a:cs typeface="Arial" panose="020B0604020202020204" pitchFamily="34" charset="0"/>
-              </a:rPr>
-              <a:t>akko</a:t>
-            </a:r>
-            <a:endParaRPr lang="en-US" altLang="zh-CN" sz="1600" dirty="0">
-              <a:latin typeface="Arial" panose="020B0604020202020204" pitchFamily="34" charset="0"/>
-              <a:cs typeface="Arial" panose="020B0604020202020204" pitchFamily="34" charset="0"/>
-            </a:endParaRPr>
+              <a:t>English name: akko</a:t>
+            </a:r>
           </a:p>
           <a:p>
             <a:pPr>
@@ -3576,21 +3568,7 @@
                 <a:latin typeface="Arial" panose="020B0604020202020204" pitchFamily="34" charset="0"/>
                 <a:cs typeface="Arial" panose="020B0604020202020204" pitchFamily="34" charset="0"/>
               </a:rPr>
-              <a:t>Place of Birth: Hunan </a:t>
-            </a:r>
-            <a:r>
-              <a:rPr lang="en-US" altLang="zh-CN" sz="1600" dirty="0" err="1">
-                <a:latin typeface="Arial" panose="020B0604020202020204" pitchFamily="34" charset="0"/>
-                <a:cs typeface="Arial" panose="020B0604020202020204" pitchFamily="34" charset="0"/>
-              </a:rPr>
-              <a:t>Yongzhou</a:t>
-            </a:r>
-            <a:r>
-              <a:rPr lang="en-US" altLang="zh-CN" sz="1600" dirty="0">
-                <a:latin typeface="Arial" panose="020B0604020202020204" pitchFamily="34" charset="0"/>
-                <a:cs typeface="Arial" panose="020B0604020202020204" pitchFamily="34" charset="0"/>
-              </a:rPr>
-              <a:t> (</a:t>
+              <a:t>Place of Birth: Hunan Yongzhou (</a:t>
             </a:r>
             <a:r>
               <a:rPr lang="zh-CN" altLang="en-US" sz="1600" dirty="0">
@@ -3808,7 +3786,7 @@
 </p:sld>
 </file>
 
-<file path=ppt/slides/slide2.xml><?xml version="1.0" encoding="utf-8"?>
+<file path=ppt/slides/slide10.xml><?xml version="1.0" encoding="utf-8"?>
 <p:sld xmlns:a="http://schemas.openxmlformats.org/drawingml/2006/main" xmlns:r="http://schemas.openxmlformats.org/officeDocument/2006/relationships" xmlns:p="http://schemas.openxmlformats.org/presentationml/2006/main">
   <p:cSld>
     <p:spTree>
@@ -3939,7 +3917,7 @@
         <p:spPr>
           <a:xfrm>
             <a:off x="992221" y="669303"/>
-            <a:ext cx="1014060" cy="369332"/>
+            <a:ext cx="4570482" cy="369332"/>
           </a:xfrm>
           <a:prstGeom prst="rect">
             <a:avLst/>
@@ -3957,7 +3935,7 @@
                 <a:latin typeface="Arial" panose="020B0604020202020204" pitchFamily="34" charset="0"/>
                 <a:cs typeface="Arial" panose="020B0604020202020204" pitchFamily="34" charset="0"/>
               </a:rPr>
-              <a:t>Awards</a:t>
+              <a:t>Global graph for high-order interactions</a:t>
             </a:r>
             <a:endParaRPr lang="zh-CN" altLang="en-US" b="1" dirty="0">
               <a:latin typeface="Arial" panose="020B0604020202020204" pitchFamily="34" charset="0"/>
@@ -3981,7 +3959,7 @@
         <p:spPr>
           <a:xfrm>
             <a:off x="992221" y="1258242"/>
-            <a:ext cx="10798790" cy="2970557"/>
+            <a:ext cx="10428051" cy="1524007"/>
           </a:xfrm>
           <a:prstGeom prst="rect">
             <a:avLst/>
@@ -3994,100 +3972,181 @@
           </a:bodyPr>
           <a:lstStyle/>
           <a:p>
-            <a:pPr marL="342900" indent="-342900" algn="just">
+            <a:pPr algn="just">
               <a:lnSpc>
-                <a:spcPct val="200000"/>
+                <a:spcPct val="150000"/>
               </a:lnSpc>
-              <a:buAutoNum type="arabicPeriod"/>
             </a:pPr>
             <a:r>
               <a:rPr lang="en-US" altLang="zh-CN" sz="1600" dirty="0">
                 <a:latin typeface="Arial" panose="020B0604020202020204" pitchFamily="34" charset="0"/>
                 <a:cs typeface="Arial" panose="020B0604020202020204" pitchFamily="34" charset="0"/>
               </a:rPr>
-              <a:t>National Scholarship (2017 ~ 2018) [Intellectual education: 1st, Comprehensive assessment: 1st]</a:t>
-            </a:r>
-          </a:p>
-          <a:p>
-            <a:pPr marL="342900" indent="-342900" algn="just">
-              <a:lnSpc>
-                <a:spcPct val="200000"/>
-              </a:lnSpc>
-              <a:buAutoNum type="arabicPeriod"/>
-            </a:pPr>
-            <a:r>
-              <a:rPr lang="en-US" altLang="zh-CN" sz="1600" dirty="0">
+              <a:t>        We refer to the self-attention mechanism and analyze the detailed calculation flow of self-attention mechanism. The global graph neural network is related to the multi-head attention to a great extent. They copy raw feature map into three copies and call them query, key, value. Their aim is to use matrix multiplication to get weight matrix from query and key. Then using matrix multiplication to assign weight matrix on value matrix. </a:t>
+            </a:r>
+          </a:p>
+        </p:txBody>
+      </p:sp>
+      <p:pic>
+        <p:nvPicPr>
+          <p:cNvPr id="5" name="图片 4">
+            <a:extLst>
+              <a:ext uri="{FF2B5EF4-FFF2-40B4-BE49-F238E27FC236}">
+                <a16:creationId xmlns:a16="http://schemas.microsoft.com/office/drawing/2014/main" id="{316CE9EF-9D7C-41A7-8F69-EBF7014B1331}"/>
+              </a:ext>
+            </a:extLst>
+          </p:cNvPr>
+          <p:cNvPicPr>
+            <a:picLocks noChangeAspect="1"/>
+          </p:cNvPicPr>
+          <p:nvPr/>
+        </p:nvPicPr>
+        <p:blipFill rotWithShape="1">
+          <a:blip r:embed="rId2">
+            <a:extLst>
+              <a:ext uri="{28A0092B-C50C-407E-A947-70E740481C1C}">
+                <a14:useLocalDpi xmlns:a14="http://schemas.microsoft.com/office/drawing/2010/main" val="0"/>
+              </a:ext>
+            </a:extLst>
+          </a:blip>
+          <a:srcRect b="6237"/>
+          <a:stretch/>
+        </p:blipFill>
+        <p:spPr>
+          <a:xfrm>
+            <a:off x="1543565" y="2832694"/>
+            <a:ext cx="2472497" cy="3266387"/>
+          </a:xfrm>
+          <a:prstGeom prst="rect">
+            <a:avLst/>
+          </a:prstGeom>
+        </p:spPr>
+      </p:pic>
+      <p:sp>
+        <p:nvSpPr>
+          <p:cNvPr id="12" name="文本框 11">
+            <a:extLst>
+              <a:ext uri="{FF2B5EF4-FFF2-40B4-BE49-F238E27FC236}">
+                <a16:creationId xmlns:a16="http://schemas.microsoft.com/office/drawing/2014/main" id="{ABD65FCE-E19D-4056-ADBB-5AAE490C0764}"/>
+              </a:ext>
+            </a:extLst>
+          </p:cNvPr>
+          <p:cNvSpPr txBox="1"/>
+          <p:nvPr/>
+        </p:nvSpPr>
+        <p:spPr>
+          <a:xfrm>
+            <a:off x="1194677" y="6099081"/>
+            <a:ext cx="3170271" cy="461665"/>
+          </a:xfrm>
+          <a:prstGeom prst="rect">
+            <a:avLst/>
+          </a:prstGeom>
+          <a:noFill/>
+        </p:spPr>
+        <p:txBody>
+          <a:bodyPr wrap="square" rtlCol="0">
+            <a:spAutoFit/>
+          </a:bodyPr>
+          <a:lstStyle/>
+          <a:p>
+            <a:pPr algn="ctr"/>
+            <a:r>
+              <a:rPr lang="en-US" altLang="zh-CN" sz="1200" b="1" dirty="0">
                 <a:latin typeface="Arial" panose="020B0604020202020204" pitchFamily="34" charset="0"/>
                 <a:cs typeface="Arial" panose="020B0604020202020204" pitchFamily="34" charset="0"/>
               </a:rPr>
-              <a:t>The Second Prize Scholarship (2018 ~ 2019) [Intellectual education: 1st, Comprehensive assessment: 3st]</a:t>
-            </a:r>
-          </a:p>
-          <a:p>
-            <a:pPr marL="342900" indent="-342900" algn="just">
-              <a:lnSpc>
-                <a:spcPct val="200000"/>
-              </a:lnSpc>
-              <a:buAutoNum type="arabicPeriod"/>
-            </a:pPr>
-            <a:r>
-              <a:rPr lang="en-US" altLang="zh-CN" sz="1600" dirty="0" err="1">
+              <a:t>Figure 6. The total pipeline of self-attention mechanism</a:t>
+            </a:r>
+            <a:endParaRPr lang="zh-CN" altLang="en-US" sz="1200" b="1" dirty="0">
+              <a:latin typeface="Arial" panose="020B0604020202020204" pitchFamily="34" charset="0"/>
+              <a:cs typeface="Arial" panose="020B0604020202020204" pitchFamily="34" charset="0"/>
+            </a:endParaRPr>
+          </a:p>
+        </p:txBody>
+      </p:sp>
+      <p:pic>
+        <p:nvPicPr>
+          <p:cNvPr id="14" name="图片 13">
+            <a:extLst>
+              <a:ext uri="{FF2B5EF4-FFF2-40B4-BE49-F238E27FC236}">
+                <a16:creationId xmlns:a16="http://schemas.microsoft.com/office/drawing/2014/main" id="{62A88A28-2F8A-47AD-95CF-95AFC5FB868F}"/>
+              </a:ext>
+            </a:extLst>
+          </p:cNvPr>
+          <p:cNvPicPr>
+            <a:picLocks noChangeAspect="1"/>
+          </p:cNvPicPr>
+          <p:nvPr/>
+        </p:nvPicPr>
+        <p:blipFill rotWithShape="1">
+          <a:blip r:embed="rId3">
+            <a:extLst>
+              <a:ext uri="{28A0092B-C50C-407E-A947-70E740481C1C}">
+                <a14:useLocalDpi xmlns:a14="http://schemas.microsoft.com/office/drawing/2010/main" val="0"/>
+              </a:ext>
+            </a:extLst>
+          </a:blip>
+          <a:srcRect b="14154"/>
+          <a:stretch/>
+        </p:blipFill>
+        <p:spPr>
+          <a:xfrm>
+            <a:off x="4706217" y="3269519"/>
+            <a:ext cx="5448300" cy="2731059"/>
+          </a:xfrm>
+          <a:prstGeom prst="rect">
+            <a:avLst/>
+          </a:prstGeom>
+        </p:spPr>
+      </p:pic>
+      <p:sp>
+        <p:nvSpPr>
+          <p:cNvPr id="15" name="文本框 14">
+            <a:extLst>
+              <a:ext uri="{FF2B5EF4-FFF2-40B4-BE49-F238E27FC236}">
+                <a16:creationId xmlns:a16="http://schemas.microsoft.com/office/drawing/2014/main" id="{9FF030C3-25C7-44E6-950D-C6B53858F31C}"/>
+              </a:ext>
+            </a:extLst>
+          </p:cNvPr>
+          <p:cNvSpPr txBox="1"/>
+          <p:nvPr/>
+        </p:nvSpPr>
+        <p:spPr>
+          <a:xfrm>
+            <a:off x="5845231" y="6099081"/>
+            <a:ext cx="3170271" cy="646331"/>
+          </a:xfrm>
+          <a:prstGeom prst="rect">
+            <a:avLst/>
+          </a:prstGeom>
+          <a:noFill/>
+        </p:spPr>
+        <p:txBody>
+          <a:bodyPr wrap="square" rtlCol="0">
+            <a:spAutoFit/>
+          </a:bodyPr>
+          <a:lstStyle/>
+          <a:p>
+            <a:pPr algn="ctr"/>
+            <a:r>
+              <a:rPr lang="en-US" altLang="zh-CN" sz="1200" b="1" dirty="0">
                 <a:latin typeface="Arial" panose="020B0604020202020204" pitchFamily="34" charset="0"/>
                 <a:cs typeface="Arial" panose="020B0604020202020204" pitchFamily="34" charset="0"/>
               </a:rPr>
-              <a:t>Cstro</a:t>
-            </a:r>
-            <a:r>
-              <a:rPr lang="en-US" altLang="zh-CN" sz="1600" dirty="0">
-                <a:latin typeface="Arial" panose="020B0604020202020204" pitchFamily="34" charset="0"/>
-                <a:cs typeface="Arial" panose="020B0604020202020204" pitchFamily="34" charset="0"/>
-              </a:rPr>
-              <a:t> 16th Conference -- AI and Big Data Part -- ROI Segmentation Challenge -- Head and Neck OAR track -- Champion</a:t>
-            </a:r>
-          </a:p>
-          <a:p>
-            <a:pPr marL="342900" indent="-342900" algn="just">
-              <a:lnSpc>
-                <a:spcPct val="200000"/>
-              </a:lnSpc>
-              <a:buAutoNum type="arabicPeriod"/>
-            </a:pPr>
-            <a:r>
-              <a:rPr lang="en-US" altLang="zh-CN" sz="1600" dirty="0">
-                <a:latin typeface="Arial" panose="020B0604020202020204" pitchFamily="34" charset="0"/>
-                <a:cs typeface="Arial" panose="020B0604020202020204" pitchFamily="34" charset="0"/>
-              </a:rPr>
-              <a:t>National College Students Mathematical Modeling Competition Provincial Third Prize</a:t>
-            </a:r>
-          </a:p>
-          <a:p>
-            <a:pPr marL="342900" indent="-342900" algn="just">
-              <a:lnSpc>
-                <a:spcPct val="200000"/>
-              </a:lnSpc>
-              <a:buAutoNum type="arabicPeriod"/>
-            </a:pPr>
-            <a:r>
-              <a:rPr lang="en-US" altLang="zh-CN" sz="1600" dirty="0" err="1">
-                <a:latin typeface="Arial" panose="020B0604020202020204" pitchFamily="34" charset="0"/>
-                <a:cs typeface="Arial" panose="020B0604020202020204" pitchFamily="34" charset="0"/>
-              </a:rPr>
-              <a:t>Taidi</a:t>
-            </a:r>
-            <a:r>
-              <a:rPr lang="en-US" altLang="zh-CN" sz="1600" dirty="0">
-                <a:latin typeface="Arial" panose="020B0604020202020204" pitchFamily="34" charset="0"/>
-                <a:cs typeface="Arial" panose="020B0604020202020204" pitchFamily="34" charset="0"/>
-              </a:rPr>
-              <a:t> Cup 8th Data Mining Challenge </a:t>
-            </a:r>
+              <a:t>Figure 7. The detailed architecture of multi-head attention which is the reference of global graph of VectorNet</a:t>
+            </a:r>
+            <a:endParaRPr lang="zh-CN" altLang="en-US" sz="1200" b="1" dirty="0">
+              <a:latin typeface="Arial" panose="020B0604020202020204" pitchFamily="34" charset="0"/>
+              <a:cs typeface="Arial" panose="020B0604020202020204" pitchFamily="34" charset="0"/>
+            </a:endParaRPr>
           </a:p>
         </p:txBody>
       </p:sp>
     </p:spTree>
     <p:extLst>
       <p:ext uri="{BB962C8B-B14F-4D97-AF65-F5344CB8AC3E}">
-        <p14:creationId xmlns:p14="http://schemas.microsoft.com/office/powerpoint/2010/main" val="787618689"/>
+        <p14:creationId xmlns:p14="http://schemas.microsoft.com/office/powerpoint/2010/main" val="3550544184"/>
       </p:ext>
     </p:extLst>
   </p:cSld>
@@ -4097,7 +4156,7 @@
 </p:sld>
 </file>
 
-<file path=ppt/slides/slide3.xml><?xml version="1.0" encoding="utf-8"?>
+<file path=ppt/slides/slide11.xml><?xml version="1.0" encoding="utf-8"?>
 <p:sld xmlns:a="http://schemas.openxmlformats.org/drawingml/2006/main" xmlns:r="http://schemas.openxmlformats.org/officeDocument/2006/relationships" xmlns:p="http://schemas.openxmlformats.org/presentationml/2006/main">
   <p:cSld>
     <p:spTree>
@@ -4228,7 +4287,7 @@
         <p:spPr>
           <a:xfrm>
             <a:off x="992221" y="669303"/>
-            <a:ext cx="2646878" cy="369332"/>
+            <a:ext cx="4570482" cy="369332"/>
           </a:xfrm>
           <a:prstGeom prst="rect">
             <a:avLst/>
@@ -4246,7 +4305,7 @@
                 <a:latin typeface="Arial" panose="020B0604020202020204" pitchFamily="34" charset="0"/>
                 <a:cs typeface="Arial" panose="020B0604020202020204" pitchFamily="34" charset="0"/>
               </a:rPr>
-              <a:t>Research Experiences</a:t>
+              <a:t>Global graph for high-order interactions</a:t>
             </a:r>
             <a:endParaRPr lang="zh-CN" altLang="en-US" b="1" dirty="0">
               <a:latin typeface="Arial" panose="020B0604020202020204" pitchFamily="34" charset="0"/>
@@ -4255,215 +4314,329 @@
           </a:p>
         </p:txBody>
       </p:sp>
-      <p:sp>
-        <p:nvSpPr>
-          <p:cNvPr id="9" name="文本框 8">
-            <a:extLst>
-              <a:ext uri="{FF2B5EF4-FFF2-40B4-BE49-F238E27FC236}">
-                <a16:creationId xmlns:a16="http://schemas.microsoft.com/office/drawing/2014/main" id="{B829983B-D66B-4BAE-95AE-CD2D4EA6EF57}"/>
-              </a:ext>
-            </a:extLst>
-          </p:cNvPr>
-          <p:cNvSpPr txBox="1"/>
+      <mc:AlternateContent xmlns:mc="http://schemas.openxmlformats.org/markup-compatibility/2006">
+        <mc:Choice xmlns:a14="http://schemas.microsoft.com/office/drawing/2010/main" Requires="a14">
+          <p:sp>
+            <p:nvSpPr>
+              <p:cNvPr id="9" name="文本框 8">
+                <a:extLst>
+                  <a:ext uri="{FF2B5EF4-FFF2-40B4-BE49-F238E27FC236}">
+                    <a16:creationId xmlns:a16="http://schemas.microsoft.com/office/drawing/2014/main" id="{B829983B-D66B-4BAE-95AE-CD2D4EA6EF57}"/>
+                  </a:ext>
+                </a:extLst>
+              </p:cNvPr>
+              <p:cNvSpPr txBox="1"/>
+              <p:nvPr/>
+            </p:nvSpPr>
+            <p:spPr>
+              <a:xfrm>
+                <a:off x="992221" y="1258242"/>
+                <a:ext cx="10428051" cy="1913985"/>
+              </a:xfrm>
+              <a:prstGeom prst="rect">
+                <a:avLst/>
+              </a:prstGeom>
+              <a:noFill/>
+            </p:spPr>
+            <p:txBody>
+              <a:bodyPr wrap="square" rtlCol="0">
+                <a:spAutoFit/>
+              </a:bodyPr>
+              <a:lstStyle/>
+              <a:p>
+                <a:pPr algn="just">
+                  <a:lnSpc>
+                    <a:spcPct val="150000"/>
+                  </a:lnSpc>
+                </a:pPr>
+                <a:r>
+                  <a:rPr lang="en-US" altLang="zh-CN" sz="1600" dirty="0">
+                    <a:latin typeface="Arial" panose="020B0604020202020204" pitchFamily="34" charset="0"/>
+                    <a:cs typeface="Arial" panose="020B0604020202020204" pitchFamily="34" charset="0"/>
+                  </a:rPr>
+                  <a:t>        It seems that it has nothing to do with the graph network. In fact, the matrix multiplication operation is just a type of fully connected interaction between different graph node. The graph node features shape as [</a:t>
+                </a:r>
+                <a14:m>
+                  <m:oMath xmlns:m="http://schemas.openxmlformats.org/officeDocument/2006/math">
+                    <m:r>
+                      <a:rPr lang="en-US" altLang="zh-CN" sz="1600" i="1" dirty="0" smtClean="0">
+                        <a:latin typeface="Cambria Math" panose="02040503050406030204" pitchFamily="18" charset="0"/>
+                        <a:cs typeface="Arial" panose="020B0604020202020204" pitchFamily="34" charset="0"/>
+                      </a:rPr>
+                      <m:t>𝑏</m:t>
+                    </m:r>
+                  </m:oMath>
+                </a14:m>
+                <a:r>
+                  <a:rPr lang="en-US" altLang="zh-CN" sz="1600" dirty="0">
+                    <a:latin typeface="Arial" panose="020B0604020202020204" pitchFamily="34" charset="0"/>
+                    <a:cs typeface="Arial" panose="020B0604020202020204" pitchFamily="34" charset="0"/>
+                  </a:rPr>
+                  <a:t>, </a:t>
+                </a:r>
+                <a14:m>
+                  <m:oMath xmlns:m="http://schemas.openxmlformats.org/officeDocument/2006/math">
+                    <m:sSup>
+                      <m:sSupPr>
+                        <m:ctrlPr>
+                          <a:rPr lang="en-US" altLang="zh-CN" sz="1600" b="0" i="1" dirty="0" smtClean="0">
+                            <a:latin typeface="Cambria Math" panose="02040503050406030204" pitchFamily="18" charset="0"/>
+                            <a:cs typeface="Arial" panose="020B0604020202020204" pitchFamily="34" charset="0"/>
+                          </a:rPr>
+                        </m:ctrlPr>
+                      </m:sSupPr>
+                      <m:e>
+                        <m:r>
+                          <a:rPr lang="en-US" altLang="zh-CN" sz="1600" i="1" dirty="0" smtClean="0">
+                            <a:latin typeface="Cambria Math" panose="02040503050406030204" pitchFamily="18" charset="0"/>
+                            <a:cs typeface="Arial" panose="020B0604020202020204" pitchFamily="34" charset="0"/>
+                          </a:rPr>
+                          <m:t>𝐿</m:t>
+                        </m:r>
+                      </m:e>
+                      <m:sup>
+                        <m:r>
+                          <a:rPr lang="en-US" altLang="zh-CN" sz="1600" b="0" i="1" dirty="0" smtClean="0">
+                            <a:latin typeface="Cambria Math" panose="02040503050406030204" pitchFamily="18" charset="0"/>
+                            <a:cs typeface="Arial" panose="020B0604020202020204" pitchFamily="34" charset="0"/>
+                          </a:rPr>
+                          <m:t>𝑓</m:t>
+                        </m:r>
+                      </m:sup>
+                    </m:sSup>
+                  </m:oMath>
+                </a14:m>
+                <a:r>
+                  <a:rPr lang="en-US" altLang="zh-CN" sz="1600" dirty="0">
+                    <a:latin typeface="Arial" panose="020B0604020202020204" pitchFamily="34" charset="0"/>
+                    <a:cs typeface="Arial" panose="020B0604020202020204" pitchFamily="34" charset="0"/>
+                  </a:rPr>
+                  <a:t>, </a:t>
+                </a:r>
+                <a14:m>
+                  <m:oMath xmlns:m="http://schemas.openxmlformats.org/officeDocument/2006/math">
+                    <m:sSup>
+                      <m:sSupPr>
+                        <m:ctrlPr>
+                          <a:rPr lang="en-US" altLang="zh-CN" sz="1600" b="0" i="1" smtClean="0">
+                            <a:latin typeface="Cambria Math" panose="02040503050406030204" pitchFamily="18" charset="0"/>
+                            <a:cs typeface="Arial" panose="020B0604020202020204" pitchFamily="34" charset="0"/>
+                          </a:rPr>
+                        </m:ctrlPr>
+                      </m:sSupPr>
+                      <m:e>
+                        <m:r>
+                          <a:rPr lang="en-US" altLang="zh-CN" sz="1600" b="0" i="1" smtClean="0">
+                            <a:latin typeface="Cambria Math" panose="02040503050406030204" pitchFamily="18" charset="0"/>
+                            <a:cs typeface="Arial" panose="020B0604020202020204" pitchFamily="34" charset="0"/>
+                          </a:rPr>
+                          <m:t>𝑛</m:t>
+                        </m:r>
+                      </m:e>
+                      <m:sup>
+                        <m:r>
+                          <a:rPr lang="en-US" altLang="zh-CN" sz="1600" b="0" i="1" smtClean="0">
+                            <a:latin typeface="Cambria Math" panose="02040503050406030204" pitchFamily="18" charset="0"/>
+                            <a:cs typeface="Arial" panose="020B0604020202020204" pitchFamily="34" charset="0"/>
+                          </a:rPr>
+                          <m:t>𝑝</m:t>
+                        </m:r>
+                      </m:sup>
+                    </m:sSup>
+                  </m:oMath>
+                </a14:m>
+                <a:r>
+                  <a:rPr lang="en-US" altLang="zh-CN" sz="1600" dirty="0">
+                    <a:latin typeface="Arial" panose="020B0604020202020204" pitchFamily="34" charset="0"/>
+                    <a:cs typeface="Arial" panose="020B0604020202020204" pitchFamily="34" charset="0"/>
+                  </a:rPr>
+                  <a:t>] where </a:t>
+                </a:r>
+                <a14:m>
+                  <m:oMath xmlns:m="http://schemas.openxmlformats.org/officeDocument/2006/math">
+                    <m:r>
+                      <a:rPr lang="en-US" altLang="zh-CN" sz="1600" b="0" i="1" smtClean="0">
+                        <a:latin typeface="Cambria Math" panose="02040503050406030204" pitchFamily="18" charset="0"/>
+                        <a:cs typeface="Arial" panose="020B0604020202020204" pitchFamily="34" charset="0"/>
+                      </a:rPr>
+                      <m:t>𝑏</m:t>
+                    </m:r>
+                  </m:oMath>
+                </a14:m>
+                <a:r>
+                  <a:rPr lang="en-US" altLang="zh-CN" sz="1600" dirty="0">
+                    <a:latin typeface="Arial" panose="020B0604020202020204" pitchFamily="34" charset="0"/>
+                    <a:cs typeface="Arial" panose="020B0604020202020204" pitchFamily="34" charset="0"/>
+                  </a:rPr>
+                  <a:t> denotes batch size, </a:t>
+                </a:r>
+                <a14:m>
+                  <m:oMath xmlns:m="http://schemas.openxmlformats.org/officeDocument/2006/math">
+                    <m:sSup>
+                      <m:sSupPr>
+                        <m:ctrlPr>
+                          <a:rPr lang="en-US" altLang="zh-CN" sz="1600" b="0" i="1" smtClean="0">
+                            <a:latin typeface="Cambria Math" panose="02040503050406030204" pitchFamily="18" charset="0"/>
+                            <a:cs typeface="Arial" panose="020B0604020202020204" pitchFamily="34" charset="0"/>
+                          </a:rPr>
+                        </m:ctrlPr>
+                      </m:sSupPr>
+                      <m:e>
+                        <m:r>
+                          <a:rPr lang="en-US" altLang="zh-CN" sz="1600" b="0" i="1" smtClean="0">
+                            <a:latin typeface="Cambria Math" panose="02040503050406030204" pitchFamily="18" charset="0"/>
+                            <a:cs typeface="Arial" panose="020B0604020202020204" pitchFamily="34" charset="0"/>
+                          </a:rPr>
+                          <m:t>𝐿</m:t>
+                        </m:r>
+                      </m:e>
+                      <m:sup>
+                        <m:r>
+                          <a:rPr lang="en-US" altLang="zh-CN" sz="1600" b="0" i="1" smtClean="0">
+                            <a:latin typeface="Cambria Math" panose="02040503050406030204" pitchFamily="18" charset="0"/>
+                            <a:cs typeface="Arial" panose="020B0604020202020204" pitchFamily="34" charset="0"/>
+                          </a:rPr>
+                          <m:t>𝑓</m:t>
+                        </m:r>
+                      </m:sup>
+                    </m:sSup>
+                  </m:oMath>
+                </a14:m>
+                <a:r>
+                  <a:rPr lang="en-US" altLang="zh-CN" sz="1600" dirty="0">
+                    <a:latin typeface="Arial" panose="020B0604020202020204" pitchFamily="34" charset="0"/>
+                    <a:cs typeface="Arial" panose="020B0604020202020204" pitchFamily="34" charset="0"/>
+                  </a:rPr>
+                  <a:t> denotes feature length or the width of global graph, </a:t>
+                </a:r>
+                <a14:m>
+                  <m:oMath xmlns:m="http://schemas.openxmlformats.org/officeDocument/2006/math">
+                    <m:sSup>
+                      <m:sSupPr>
+                        <m:ctrlPr>
+                          <a:rPr lang="en-US" altLang="zh-CN" sz="1600" b="0" i="1" smtClean="0">
+                            <a:latin typeface="Cambria Math" panose="02040503050406030204" pitchFamily="18" charset="0"/>
+                            <a:cs typeface="Arial" panose="020B0604020202020204" pitchFamily="34" charset="0"/>
+                          </a:rPr>
+                        </m:ctrlPr>
+                      </m:sSupPr>
+                      <m:e>
+                        <m:r>
+                          <a:rPr lang="en-US" altLang="zh-CN" sz="1600" b="0" i="1" smtClean="0">
+                            <a:latin typeface="Cambria Math" panose="02040503050406030204" pitchFamily="18" charset="0"/>
+                            <a:cs typeface="Arial" panose="020B0604020202020204" pitchFamily="34" charset="0"/>
+                          </a:rPr>
+                          <m:t>𝑛</m:t>
+                        </m:r>
+                      </m:e>
+                      <m:sup>
+                        <m:r>
+                          <a:rPr lang="en-US" altLang="zh-CN" sz="1600" b="0" i="1" smtClean="0">
+                            <a:latin typeface="Cambria Math" panose="02040503050406030204" pitchFamily="18" charset="0"/>
+                            <a:cs typeface="Arial" panose="020B0604020202020204" pitchFamily="34" charset="0"/>
+                          </a:rPr>
+                          <m:t>𝑝</m:t>
+                        </m:r>
+                      </m:sup>
+                    </m:sSup>
+                  </m:oMath>
+                </a14:m>
+                <a:r>
+                  <a:rPr lang="en-US" altLang="zh-CN" sz="1600" dirty="0">
+                    <a:latin typeface="Arial" panose="020B0604020202020204" pitchFamily="34" charset="0"/>
+                    <a:cs typeface="Arial" panose="020B0604020202020204" pitchFamily="34" charset="0"/>
+                  </a:rPr>
+                  <a:t> denotes polylines count. After interacting with other graph node, agent polyline feature is decoded by MLP and output agent prediction trajectory points. </a:t>
+                </a:r>
+              </a:p>
+            </p:txBody>
+          </p:sp>
+        </mc:Choice>
+        <mc:Fallback>
+          <p:sp>
+            <p:nvSpPr>
+              <p:cNvPr id="9" name="文本框 8">
+                <a:extLst>
+                  <a:ext uri="{FF2B5EF4-FFF2-40B4-BE49-F238E27FC236}">
+                    <a16:creationId xmlns:a16="http://schemas.microsoft.com/office/drawing/2014/main" id="{B829983B-D66B-4BAE-95AE-CD2D4EA6EF57}"/>
+                  </a:ext>
+                </a:extLst>
+              </p:cNvPr>
+              <p:cNvSpPr txBox="1">
+                <a:spLocks noRot="1" noChangeAspect="1" noMove="1" noResize="1" noEditPoints="1" noAdjustHandles="1" noChangeArrowheads="1" noChangeShapeType="1" noTextEdit="1"/>
+              </p:cNvSpPr>
+              <p:nvPr/>
+            </p:nvSpPr>
+            <p:spPr>
+              <a:xfrm>
+                <a:off x="992221" y="1258242"/>
+                <a:ext cx="10428051" cy="1913985"/>
+              </a:xfrm>
+              <a:prstGeom prst="rect">
+                <a:avLst/>
+              </a:prstGeom>
+              <a:blipFill>
+                <a:blip r:embed="rId2"/>
+                <a:stretch>
+                  <a:fillRect l="-351" r="-292" b="-3185"/>
+                </a:stretch>
+              </a:blipFill>
+            </p:spPr>
+            <p:txBody>
+              <a:bodyPr/>
+              <a:lstStyle/>
+              <a:p>
+                <a:r>
+                  <a:rPr lang="zh-CN" altLang="en-US">
+                    <a:noFill/>
+                  </a:rPr>
+                  <a:t> </a:t>
+                </a:r>
+              </a:p>
+            </p:txBody>
+          </p:sp>
+        </mc:Fallback>
+      </mc:AlternateContent>
+      <p:pic>
+        <p:nvPicPr>
+          <p:cNvPr id="3" name="图片 2">
+            <a:extLst>
+              <a:ext uri="{FF2B5EF4-FFF2-40B4-BE49-F238E27FC236}">
+                <a16:creationId xmlns:a16="http://schemas.microsoft.com/office/drawing/2014/main" id="{1146BF12-AB69-4C2B-9A3B-D68E20206AC5}"/>
+              </a:ext>
+            </a:extLst>
+          </p:cNvPr>
+          <p:cNvPicPr>
+            <a:picLocks noChangeAspect="1"/>
+          </p:cNvPicPr>
           <p:nvPr/>
-        </p:nvSpPr>
+        </p:nvPicPr>
+        <p:blipFill>
+          <a:blip r:embed="rId3">
+            <a:extLst>
+              <a:ext uri="{28A0092B-C50C-407E-A947-70E740481C1C}">
+                <a14:useLocalDpi xmlns:a14="http://schemas.microsoft.com/office/drawing/2010/main" val="0"/>
+              </a:ext>
+            </a:extLst>
+          </a:blip>
+          <a:stretch>
+            <a:fillRect/>
+          </a:stretch>
+        </p:blipFill>
         <p:spPr>
           <a:xfrm>
-            <a:off x="992221" y="1258242"/>
-            <a:ext cx="10798790" cy="5359416"/>
+            <a:off x="2874816" y="3234206"/>
+            <a:ext cx="6442366" cy="3039032"/>
           </a:xfrm>
           <a:prstGeom prst="rect">
             <a:avLst/>
           </a:prstGeom>
-          <a:noFill/>
         </p:spPr>
-        <p:txBody>
-          <a:bodyPr wrap="square" rtlCol="0">
-            <a:spAutoFit/>
-          </a:bodyPr>
-          <a:lstStyle/>
-          <a:p>
-            <a:pPr marL="342900" indent="-342900" algn="just">
-              <a:lnSpc>
-                <a:spcPct val="200000"/>
-              </a:lnSpc>
-              <a:buAutoNum type="arabicPeriod"/>
-            </a:pPr>
-            <a:r>
-              <a:rPr lang="en-US" altLang="zh-CN" sz="1600" dirty="0">
-                <a:latin typeface="Arial" panose="020B0604020202020204" pitchFamily="34" charset="0"/>
-                <a:cs typeface="Arial" panose="020B0604020202020204" pitchFamily="34" charset="0"/>
-              </a:rPr>
-              <a:t>Multi-media Emotion recognition (SRP project From 2019.6 to 2020.4)</a:t>
-            </a:r>
-          </a:p>
-          <a:p>
-            <a:pPr marL="342900" indent="-342900" algn="just">
-              <a:lnSpc>
-                <a:spcPct val="200000"/>
-              </a:lnSpc>
-              <a:buAutoNum type="arabicPeriod"/>
-            </a:pPr>
-            <a:r>
-              <a:rPr lang="en-US" altLang="zh-CN" sz="1600" dirty="0">
-                <a:latin typeface="Arial" panose="020B0604020202020204" pitchFamily="34" charset="0"/>
-                <a:cs typeface="Arial" panose="020B0604020202020204" pitchFamily="34" charset="0"/>
-              </a:rPr>
-              <a:t>Sun </a:t>
-            </a:r>
-            <a:r>
-              <a:rPr lang="en-US" altLang="zh-CN" sz="1600" dirty="0" err="1">
-                <a:latin typeface="Arial" panose="020B0604020202020204" pitchFamily="34" charset="0"/>
-                <a:cs typeface="Arial" panose="020B0604020202020204" pitchFamily="34" charset="0"/>
-              </a:rPr>
-              <a:t>Yat</a:t>
-            </a:r>
-            <a:r>
-              <a:rPr lang="en-US" altLang="zh-CN" sz="1600" dirty="0">
-                <a:latin typeface="Arial" panose="020B0604020202020204" pitchFamily="34" charset="0"/>
-                <a:cs typeface="Arial" panose="020B0604020202020204" pitchFamily="34" charset="0"/>
-              </a:rPr>
-              <a:t>-sen University Cancer Center Research Assistant (From 2019.8 to now)</a:t>
-            </a:r>
-          </a:p>
-          <a:p>
-            <a:pPr marL="342900" indent="-342900" algn="just">
-              <a:lnSpc>
-                <a:spcPct val="200000"/>
-              </a:lnSpc>
-              <a:buAutoNum type="arabicPeriod"/>
-            </a:pPr>
-            <a:r>
-              <a:rPr lang="en-US" altLang="zh-CN" sz="1600" dirty="0">
-                <a:latin typeface="Arial" panose="020B0604020202020204" pitchFamily="34" charset="0"/>
-                <a:cs typeface="Arial" panose="020B0604020202020204" pitchFamily="34" charset="0"/>
-              </a:rPr>
-              <a:t>SCUT-</a:t>
-            </a:r>
-            <a:r>
-              <a:rPr lang="en-US" altLang="zh-CN" sz="1600" dirty="0" err="1">
-                <a:latin typeface="Arial" panose="020B0604020202020204" pitchFamily="34" charset="0"/>
-                <a:cs typeface="Arial" panose="020B0604020202020204" pitchFamily="34" charset="0"/>
-              </a:rPr>
-              <a:t>robotlab</a:t>
-            </a:r>
-            <a:r>
-              <a:rPr lang="en-US" altLang="zh-CN" sz="1600" dirty="0">
-                <a:latin typeface="Arial" panose="020B0604020202020204" pitchFamily="34" charset="0"/>
-                <a:cs typeface="Arial" panose="020B0604020202020204" pitchFamily="34" charset="0"/>
-              </a:rPr>
-              <a:t> </a:t>
-            </a:r>
-            <a:r>
-              <a:rPr lang="en-US" altLang="zh-CN" sz="1600" dirty="0" err="1">
-                <a:latin typeface="Arial" panose="020B0604020202020204" pitchFamily="34" charset="0"/>
-                <a:cs typeface="Arial" panose="020B0604020202020204" pitchFamily="34" charset="0"/>
-              </a:rPr>
-              <a:t>Memeber</a:t>
-            </a:r>
-            <a:r>
-              <a:rPr lang="en-US" altLang="zh-CN" sz="1600" dirty="0">
-                <a:latin typeface="Arial" panose="020B0604020202020204" pitchFamily="34" charset="0"/>
-                <a:cs typeface="Arial" panose="020B0604020202020204" pitchFamily="34" charset="0"/>
-              </a:rPr>
-              <a:t> of vision group (From 2019.9 to now) </a:t>
-            </a:r>
-          </a:p>
-          <a:p>
-            <a:pPr marL="342900" indent="-342900" algn="just">
-              <a:lnSpc>
-                <a:spcPct val="150000"/>
-              </a:lnSpc>
-              <a:buAutoNum type="arabicPeriod"/>
-            </a:pPr>
-            <a:endParaRPr lang="en-US" altLang="zh-CN" dirty="0">
-              <a:latin typeface="Arial" panose="020B0604020202020204" pitchFamily="34" charset="0"/>
-              <a:cs typeface="Arial" panose="020B0604020202020204" pitchFamily="34" charset="0"/>
-            </a:endParaRPr>
-          </a:p>
-          <a:p>
-            <a:pPr algn="just">
-              <a:lnSpc>
-                <a:spcPct val="150000"/>
-              </a:lnSpc>
-            </a:pPr>
-            <a:r>
-              <a:rPr lang="en-US" altLang="zh-CN" dirty="0">
-                <a:latin typeface="Arial" panose="020B0604020202020204" pitchFamily="34" charset="0"/>
-                <a:cs typeface="Arial" panose="020B0604020202020204" pitchFamily="34" charset="0"/>
-              </a:rPr>
-              <a:t>Detailed:</a:t>
-            </a:r>
-          </a:p>
-          <a:p>
-            <a:pPr algn="just">
-              <a:lnSpc>
-                <a:spcPct val="120000"/>
-              </a:lnSpc>
-              <a:spcAft>
-                <a:spcPts val="600"/>
-              </a:spcAft>
-            </a:pPr>
-            <a:r>
-              <a:rPr lang="en-US" altLang="zh-CN" sz="1600" dirty="0">
-                <a:latin typeface="Arial" panose="020B0604020202020204" pitchFamily="34" charset="0"/>
-                <a:cs typeface="Arial" panose="020B0604020202020204" pitchFamily="34" charset="0"/>
-              </a:rPr>
-              <a:t>1. Using deep-learning model to extract emotion related feature representation from image, video. Then inputting these feature representation to regression model or classification model to get emotion state.</a:t>
-            </a:r>
-          </a:p>
-          <a:p>
-            <a:pPr algn="just">
-              <a:lnSpc>
-                <a:spcPct val="120000"/>
-              </a:lnSpc>
-              <a:spcAft>
-                <a:spcPts val="600"/>
-              </a:spcAft>
-            </a:pPr>
-            <a:r>
-              <a:rPr lang="en-US" altLang="zh-CN" sz="1600" dirty="0">
-                <a:latin typeface="Arial" panose="020B0604020202020204" pitchFamily="34" charset="0"/>
-                <a:cs typeface="Arial" panose="020B0604020202020204" pitchFamily="34" charset="0"/>
-              </a:rPr>
-              <a:t>2. During radiotherapy workflow, tumors and organs at risk contouring are important but time-consuming. Besides, it requires dozens of clinical experience. So, we try to use deep-learning based semantic image segmentation to perform automatic tumors and organs at risk contouring which can save contouring time largely.</a:t>
-            </a:r>
-          </a:p>
-          <a:p>
-            <a:pPr algn="just">
-              <a:lnSpc>
-                <a:spcPct val="120000"/>
-              </a:lnSpc>
-              <a:spcAft>
-                <a:spcPts val="600"/>
-              </a:spcAft>
-            </a:pPr>
-            <a:r>
-              <a:rPr lang="en-US" altLang="zh-CN" sz="1600" dirty="0">
-                <a:latin typeface="Arial" panose="020B0604020202020204" pitchFamily="34" charset="0"/>
-                <a:cs typeface="Arial" panose="020B0604020202020204" pitchFamily="34" charset="0"/>
-              </a:rPr>
-              <a:t>3.  The robot which I am in charge of is base station. Base station can’t move and just can interact with other robots by referee system. Its usage is using object detection and object track to perform strategy calculation so that it can provide some strategy support for other robots.</a:t>
-            </a:r>
-          </a:p>
-          <a:p>
-            <a:pPr marL="342900" indent="-342900" algn="just">
-              <a:lnSpc>
-                <a:spcPct val="150000"/>
-              </a:lnSpc>
-              <a:buAutoNum type="arabicPeriod"/>
-            </a:pPr>
-            <a:endParaRPr lang="en-US" altLang="zh-CN" dirty="0">
-              <a:latin typeface="Arial" panose="020B0604020202020204" pitchFamily="34" charset="0"/>
-              <a:cs typeface="Arial" panose="020B0604020202020204" pitchFamily="34" charset="0"/>
-            </a:endParaRPr>
-          </a:p>
-        </p:txBody>
-      </p:sp>
+      </p:pic>
     </p:spTree>
     <p:extLst>
       <p:ext uri="{BB962C8B-B14F-4D97-AF65-F5344CB8AC3E}">
-        <p14:creationId xmlns:p14="http://schemas.microsoft.com/office/powerpoint/2010/main" val="2830355095"/>
+        <p14:creationId xmlns:p14="http://schemas.microsoft.com/office/powerpoint/2010/main" val="1942164496"/>
       </p:ext>
     </p:extLst>
   </p:cSld>
@@ -4473,7 +4646,7 @@
 </p:sld>
 </file>
 
-<file path=ppt/slides/slide4.xml><?xml version="1.0" encoding="utf-8"?>
+<file path=ppt/slides/slide2.xml><?xml version="1.0" encoding="utf-8"?>
 <p:sld xmlns:a="http://schemas.openxmlformats.org/drawingml/2006/main" xmlns:r="http://schemas.openxmlformats.org/officeDocument/2006/relationships" xmlns:p="http://schemas.openxmlformats.org/presentationml/2006/main">
   <p:cSld>
     <p:spTree>
@@ -4604,7 +4777,7 @@
         <p:spPr>
           <a:xfrm>
             <a:off x="992221" y="669303"/>
-            <a:ext cx="1556836" cy="369332"/>
+            <a:ext cx="1014060" cy="369332"/>
           </a:xfrm>
           <a:prstGeom prst="rect">
             <a:avLst/>
@@ -4622,7 +4795,7 @@
                 <a:latin typeface="Arial" panose="020B0604020202020204" pitchFamily="34" charset="0"/>
                 <a:cs typeface="Arial" panose="020B0604020202020204" pitchFamily="34" charset="0"/>
               </a:rPr>
-              <a:t>Publications</a:t>
+              <a:t>Awards</a:t>
             </a:r>
             <a:endParaRPr lang="zh-CN" altLang="en-US" b="1" dirty="0">
               <a:latin typeface="Arial" panose="020B0604020202020204" pitchFamily="34" charset="0"/>
@@ -4646,7 +4819,7 @@
         <p:spPr>
           <a:xfrm>
             <a:off x="992221" y="1258242"/>
-            <a:ext cx="10798790" cy="4940327"/>
+            <a:ext cx="10798790" cy="2970557"/>
           </a:xfrm>
           <a:prstGeom prst="rect">
             <a:avLst/>
@@ -4659,327 +4832,78 @@
           </a:bodyPr>
           <a:lstStyle/>
           <a:p>
-            <a:pPr>
+            <a:pPr marL="342900" indent="-342900" algn="just">
               <a:lnSpc>
                 <a:spcPct val="200000"/>
               </a:lnSpc>
+              <a:buAutoNum type="arabicPeriod"/>
             </a:pPr>
             <a:r>
               <a:rPr lang="en-US" altLang="zh-CN" sz="1600" dirty="0">
                 <a:latin typeface="Arial" panose="020B0604020202020204" pitchFamily="34" charset="0"/>
                 <a:cs typeface="Arial" panose="020B0604020202020204" pitchFamily="34" charset="0"/>
               </a:rPr>
-              <a:t>《</a:t>
-            </a:r>
-            <a:r>
-              <a:rPr lang="zh-CN" altLang="en-US" sz="1600" dirty="0">
-                <a:latin typeface="Arial" panose="020B0604020202020204" pitchFamily="34" charset="0"/>
-                <a:cs typeface="Arial" panose="020B0604020202020204" pitchFamily="34" charset="0"/>
-              </a:rPr>
-              <a:t>基于深度学习的医学图像配准综述</a:t>
-            </a:r>
+              <a:t>National Scholarship (2017 ~ 2018) [Intellectual education: 1st, Comprehensive assessment: 1st]</a:t>
+            </a:r>
+          </a:p>
+          <a:p>
+            <a:pPr marL="342900" indent="-342900" algn="just">
+              <a:lnSpc>
+                <a:spcPct val="200000"/>
+              </a:lnSpc>
+              <a:buAutoNum type="arabicPeriod"/>
+            </a:pPr>
             <a:r>
               <a:rPr lang="en-US" altLang="zh-CN" sz="1600" dirty="0">
                 <a:latin typeface="Arial" panose="020B0604020202020204" pitchFamily="34" charset="0"/>
                 <a:cs typeface="Arial" panose="020B0604020202020204" pitchFamily="34" charset="0"/>
               </a:rPr>
-              <a:t>》 </a:t>
-            </a:r>
-          </a:p>
-          <a:p>
-            <a:pPr>
+              <a:t>The Second Prize Scholarship (2018 ~ 2019) [Intellectual education: 1st, Comprehensive assessment: 3st]</a:t>
+            </a:r>
+          </a:p>
+          <a:p>
+            <a:pPr marL="342900" indent="-342900" algn="just">
               <a:lnSpc>
                 <a:spcPct val="200000"/>
               </a:lnSpc>
+              <a:buAutoNum type="arabicPeriod"/>
             </a:pPr>
             <a:r>
               <a:rPr lang="en-US" altLang="zh-CN" sz="1600" dirty="0">
                 <a:latin typeface="Arial" panose="020B0604020202020204" pitchFamily="34" charset="0"/>
                 <a:cs typeface="Arial" panose="020B0604020202020204" pitchFamily="34" charset="0"/>
               </a:rPr>
-              <a:t>       p.s. [</a:t>
-            </a:r>
-            <a:r>
-              <a:rPr lang="en-US" altLang="zh-CN" sz="1600" b="1" dirty="0">
-                <a:solidFill>
-                  <a:srgbClr val="FF0000"/>
-                </a:solidFill>
-                <a:latin typeface="Arial" panose="020B0604020202020204" pitchFamily="34" charset="0"/>
-                <a:cs typeface="Arial" panose="020B0604020202020204" pitchFamily="34" charset="0"/>
-              </a:rPr>
-              <a:t>rejected</a:t>
-            </a:r>
+              <a:t>Cstro 16th Conference -- AI and Big Data Part -- ROI Segmentation Challenge -- Head and Neck OAR track -- Champion</a:t>
+            </a:r>
+          </a:p>
+          <a:p>
+            <a:pPr marL="342900" indent="-342900" algn="just">
+              <a:lnSpc>
+                <a:spcPct val="200000"/>
+              </a:lnSpc>
+              <a:buAutoNum type="arabicPeriod"/>
+            </a:pPr>
             <a:r>
               <a:rPr lang="en-US" altLang="zh-CN" sz="1600" dirty="0">
                 <a:latin typeface="Arial" panose="020B0604020202020204" pitchFamily="34" charset="0"/>
                 <a:cs typeface="Arial" panose="020B0604020202020204" pitchFamily="34" charset="0"/>
               </a:rPr>
-              <a:t>]</a:t>
-            </a:r>
-          </a:p>
-          <a:p>
-            <a:pPr>
+              <a:t>National College Students Mathematical Modeling Competition Provincial Third Prize</a:t>
+            </a:r>
+          </a:p>
+          <a:p>
+            <a:pPr marL="342900" indent="-342900" algn="just">
               <a:lnSpc>
                 <a:spcPct val="200000"/>
               </a:lnSpc>
+              <a:buAutoNum type="arabicPeriod"/>
             </a:pPr>
             <a:r>
               <a:rPr lang="en-US" altLang="zh-CN" sz="1600" dirty="0">
                 <a:latin typeface="Arial" panose="020B0604020202020204" pitchFamily="34" charset="0"/>
                 <a:cs typeface="Arial" panose="020B0604020202020204" pitchFamily="34" charset="0"/>
               </a:rPr>
-              <a:t>《</a:t>
-            </a:r>
-            <a:r>
-              <a:rPr lang="en-US" altLang="zh-CN" sz="1600" dirty="0" err="1">
-                <a:latin typeface="Arial" panose="020B0604020202020204" pitchFamily="34" charset="0"/>
-                <a:cs typeface="Arial" panose="020B0604020202020204" pitchFamily="34" charset="0"/>
-              </a:rPr>
-              <a:t>AutoSegmentation</a:t>
-            </a:r>
-            <a:r>
-              <a:rPr lang="en-US" altLang="zh-CN" sz="1600" dirty="0">
-                <a:latin typeface="Arial" panose="020B0604020202020204" pitchFamily="34" charset="0"/>
-                <a:cs typeface="Arial" panose="020B0604020202020204" pitchFamily="34" charset="0"/>
-              </a:rPr>
-              <a:t> of Pelvic OARs On MRI Multi-Sequence Using An Fused-Unet》</a:t>
-            </a:r>
-          </a:p>
-          <a:p>
-            <a:pPr>
-              <a:lnSpc>
-                <a:spcPct val="200000"/>
-              </a:lnSpc>
-            </a:pPr>
-            <a:r>
-              <a:rPr lang="en-US" altLang="zh-CN" sz="1600" dirty="0">
-                <a:latin typeface="Arial" panose="020B0604020202020204" pitchFamily="34" charset="0"/>
-                <a:cs typeface="Arial" panose="020B0604020202020204" pitchFamily="34" charset="0"/>
-              </a:rPr>
-              <a:t>       p.s. [</a:t>
-            </a:r>
-            <a:r>
-              <a:rPr lang="en-US" altLang="zh-CN" sz="1600" b="1" dirty="0">
-                <a:solidFill>
-                  <a:schemeClr val="accent6">
-                    <a:lumMod val="75000"/>
-                  </a:schemeClr>
-                </a:solidFill>
-                <a:latin typeface="Arial" panose="020B0604020202020204" pitchFamily="34" charset="0"/>
-                <a:cs typeface="Arial" panose="020B0604020202020204" pitchFamily="34" charset="0"/>
-              </a:rPr>
-              <a:t>received</a:t>
-            </a:r>
-            <a:r>
-              <a:rPr lang="en-US" altLang="zh-CN" sz="1600" dirty="0">
-                <a:latin typeface="Arial" panose="020B0604020202020204" pitchFamily="34" charset="0"/>
-                <a:cs typeface="Arial" panose="020B0604020202020204" pitchFamily="34" charset="0"/>
-              </a:rPr>
-              <a:t>] (AAPM 2020 </a:t>
-            </a:r>
-            <a:r>
-              <a:rPr lang="en-US" altLang="zh-CN" sz="1600" b="1" dirty="0">
-                <a:latin typeface="Arial" panose="020B0604020202020204" pitchFamily="34" charset="0"/>
-                <a:cs typeface="Arial" panose="020B0604020202020204" pitchFamily="34" charset="0"/>
-              </a:rPr>
-              <a:t>oral presentation </a:t>
-            </a:r>
-            <a:r>
-              <a:rPr lang="en-US" altLang="zh-CN" sz="1600" dirty="0">
-                <a:latin typeface="Arial" panose="020B0604020202020204" pitchFamily="34" charset="0"/>
-                <a:cs typeface="Arial" panose="020B0604020202020204" pitchFamily="34" charset="0"/>
-              </a:rPr>
-              <a:t>&amp; </a:t>
-            </a:r>
-            <a:r>
-              <a:rPr lang="en-US" altLang="zh-CN" sz="1600" b="1" dirty="0">
-                <a:latin typeface="Arial" panose="020B0604020202020204" pitchFamily="34" charset="0"/>
-                <a:cs typeface="Arial" panose="020B0604020202020204" pitchFamily="34" charset="0"/>
-              </a:rPr>
-              <a:t>BLUE RIBBON </a:t>
-            </a:r>
-            <a:r>
-              <a:rPr lang="en-US" altLang="zh-CN" sz="1600" b="1" dirty="0" err="1">
-                <a:latin typeface="Arial" panose="020B0604020202020204" pitchFamily="34" charset="0"/>
-                <a:cs typeface="Arial" panose="020B0604020202020204" pitchFamily="34" charset="0"/>
-              </a:rPr>
-              <a:t>ePOSTER</a:t>
-            </a:r>
-            <a:r>
-              <a:rPr lang="en-US" altLang="zh-CN" sz="1600" dirty="0">
-                <a:latin typeface="Arial" panose="020B0604020202020204" pitchFamily="34" charset="0"/>
-                <a:cs typeface="Arial" panose="020B0604020202020204" pitchFamily="34" charset="0"/>
-              </a:rPr>
-              <a:t>)</a:t>
-            </a:r>
-          </a:p>
-          <a:p>
-            <a:pPr>
-              <a:lnSpc>
-                <a:spcPct val="200000"/>
-              </a:lnSpc>
-            </a:pPr>
-            <a:r>
-              <a:rPr lang="en-US" altLang="zh-CN" sz="1600" dirty="0">
-                <a:latin typeface="Arial" panose="020B0604020202020204" pitchFamily="34" charset="0"/>
-                <a:cs typeface="Arial" panose="020B0604020202020204" pitchFamily="34" charset="0"/>
-              </a:rPr>
-              <a:t>《A Novel Hybrid Network for H&amp;N Organs At Risk Segmentation》 </a:t>
-            </a:r>
-          </a:p>
-          <a:p>
-            <a:pPr>
-              <a:lnSpc>
-                <a:spcPct val="200000"/>
-              </a:lnSpc>
-            </a:pPr>
-            <a:r>
-              <a:rPr lang="en-US" altLang="zh-CN" sz="1600" dirty="0">
-                <a:latin typeface="Arial" panose="020B0604020202020204" pitchFamily="34" charset="0"/>
-                <a:cs typeface="Arial" panose="020B0604020202020204" pitchFamily="34" charset="0"/>
-              </a:rPr>
-              <a:t>       p.s. [</a:t>
-            </a:r>
-            <a:r>
-              <a:rPr lang="en-US" altLang="zh-CN" sz="1600" b="1" dirty="0">
-                <a:solidFill>
-                  <a:schemeClr val="accent6">
-                    <a:lumMod val="75000"/>
-                  </a:schemeClr>
-                </a:solidFill>
-                <a:latin typeface="Arial" panose="020B0604020202020204" pitchFamily="34" charset="0"/>
-                <a:cs typeface="Arial" panose="020B0604020202020204" pitchFamily="34" charset="0"/>
-              </a:rPr>
-              <a:t>received</a:t>
-            </a:r>
-            <a:r>
-              <a:rPr lang="en-US" altLang="zh-CN" sz="1600" dirty="0">
-                <a:latin typeface="Arial" panose="020B0604020202020204" pitchFamily="34" charset="0"/>
-                <a:cs typeface="Arial" panose="020B0604020202020204" pitchFamily="34" charset="0"/>
-              </a:rPr>
-              <a:t>] (ICBIP 2020 </a:t>
-            </a:r>
-            <a:r>
-              <a:rPr lang="en-US" altLang="zh-CN" sz="1600" b="1" dirty="0">
-                <a:latin typeface="Arial" panose="020B0604020202020204" pitchFamily="34" charset="0"/>
-                <a:cs typeface="Arial" panose="020B0604020202020204" pitchFamily="34" charset="0"/>
-              </a:rPr>
-              <a:t>oral presentation</a:t>
-            </a:r>
-            <a:r>
-              <a:rPr lang="en-US" altLang="zh-CN" sz="1600" dirty="0">
-                <a:latin typeface="Arial" panose="020B0604020202020204" pitchFamily="34" charset="0"/>
-                <a:cs typeface="Arial" panose="020B0604020202020204" pitchFamily="34" charset="0"/>
-              </a:rPr>
-              <a:t>) -- Corresponding SCI Under Review</a:t>
-            </a:r>
-          </a:p>
-          <a:p>
-            <a:pPr>
-              <a:lnSpc>
-                <a:spcPct val="200000"/>
-              </a:lnSpc>
-            </a:pPr>
-            <a:r>
-              <a:rPr lang="en-US" altLang="zh-CN" sz="1600" dirty="0">
-                <a:latin typeface="Arial" panose="020B0604020202020204" pitchFamily="34" charset="0"/>
-                <a:cs typeface="Arial" panose="020B0604020202020204" pitchFamily="34" charset="0"/>
-              </a:rPr>
-              <a:t>《Attention V-Net: A Residual U-Net with Attention Gate Block for Lung Organ At Risk Segmentation》 </a:t>
-            </a:r>
-          </a:p>
-          <a:p>
-            <a:pPr>
-              <a:lnSpc>
-                <a:spcPct val="200000"/>
-              </a:lnSpc>
-            </a:pPr>
-            <a:r>
-              <a:rPr lang="en-US" altLang="zh-CN" sz="1600" dirty="0">
-                <a:latin typeface="Arial" panose="020B0604020202020204" pitchFamily="34" charset="0"/>
-                <a:cs typeface="Arial" panose="020B0604020202020204" pitchFamily="34" charset="0"/>
-              </a:rPr>
-              <a:t>       p.s. [</a:t>
-            </a:r>
-            <a:r>
-              <a:rPr lang="en-US" altLang="zh-CN" sz="1600" b="1" dirty="0">
-                <a:solidFill>
-                  <a:schemeClr val="accent6">
-                    <a:lumMod val="75000"/>
-                  </a:schemeClr>
-                </a:solidFill>
-                <a:latin typeface="Arial" panose="020B0604020202020204" pitchFamily="34" charset="0"/>
-                <a:cs typeface="Arial" panose="020B0604020202020204" pitchFamily="34" charset="0"/>
-              </a:rPr>
-              <a:t>received</a:t>
-            </a:r>
-            <a:r>
-              <a:rPr lang="en-US" altLang="zh-CN" sz="1600" dirty="0">
-                <a:latin typeface="Arial" panose="020B0604020202020204" pitchFamily="34" charset="0"/>
-                <a:cs typeface="Arial" panose="020B0604020202020204" pitchFamily="34" charset="0"/>
-              </a:rPr>
-              <a:t>] (CSAE 2020) -- Corresponding SCI Under Review</a:t>
-            </a:r>
-          </a:p>
-          <a:p>
-            <a:pPr>
-              <a:lnSpc>
-                <a:spcPct val="200000"/>
-              </a:lnSpc>
-            </a:pPr>
-            <a:r>
-              <a:rPr lang="en-US" altLang="zh-CN" sz="1600" dirty="0">
-                <a:latin typeface="Arial" panose="020B0604020202020204" pitchFamily="34" charset="0"/>
-                <a:cs typeface="Arial" panose="020B0604020202020204" pitchFamily="34" charset="0"/>
-              </a:rPr>
-              <a:t>《</a:t>
-            </a:r>
-            <a:r>
-              <a:rPr lang="en-US" altLang="zh-CN" sz="1600" dirty="0" err="1">
-                <a:latin typeface="Arial" panose="020B0604020202020204" pitchFamily="34" charset="0"/>
-                <a:cs typeface="Arial" panose="020B0604020202020204" pitchFamily="34" charset="0"/>
-              </a:rPr>
-              <a:t>ZigZag</a:t>
-            </a:r>
-            <a:r>
-              <a:rPr lang="en-US" altLang="zh-CN" sz="1600" dirty="0">
-                <a:latin typeface="Arial" panose="020B0604020202020204" pitchFamily="34" charset="0"/>
-                <a:cs typeface="Arial" panose="020B0604020202020204" pitchFamily="34" charset="0"/>
-              </a:rPr>
-              <a:t> U-Net: Multi-stage medical segmentation network》 </a:t>
-            </a:r>
-          </a:p>
-          <a:p>
-            <a:pPr>
-              <a:lnSpc>
-                <a:spcPct val="200000"/>
-              </a:lnSpc>
-            </a:pPr>
-            <a:r>
-              <a:rPr lang="en-US" altLang="zh-CN" sz="1600" dirty="0">
-                <a:latin typeface="Arial" panose="020B0604020202020204" pitchFamily="34" charset="0"/>
-                <a:cs typeface="Arial" panose="020B0604020202020204" pitchFamily="34" charset="0"/>
-              </a:rPr>
-              <a:t>       p.s. [</a:t>
-            </a:r>
-            <a:r>
-              <a:rPr lang="en-US" altLang="zh-CN" sz="1600" b="1" dirty="0">
-                <a:solidFill>
-                  <a:schemeClr val="accent5">
-                    <a:lumMod val="75000"/>
-                  </a:schemeClr>
-                </a:solidFill>
-                <a:latin typeface="Arial" panose="020B0604020202020204" pitchFamily="34" charset="0"/>
-                <a:cs typeface="Arial" panose="020B0604020202020204" pitchFamily="34" charset="0"/>
-              </a:rPr>
-              <a:t>to be submitted</a:t>
-            </a:r>
-            <a:r>
-              <a:rPr lang="en-US" altLang="zh-CN" sz="1600" dirty="0">
-                <a:latin typeface="Arial" panose="020B0604020202020204" pitchFamily="34" charset="0"/>
-                <a:cs typeface="Arial" panose="020B0604020202020204" pitchFamily="34" charset="0"/>
-              </a:rPr>
-              <a:t>] (inspired by CB-Net)</a:t>
+              <a:t>Taidi Cup 8th Data Mining Challenge Second Prize</a:t>
             </a:r>
           </a:p>
         </p:txBody>
@@ -4987,7 +4911,7 @@
     </p:spTree>
     <p:extLst>
       <p:ext uri="{BB962C8B-B14F-4D97-AF65-F5344CB8AC3E}">
-        <p14:creationId xmlns:p14="http://schemas.microsoft.com/office/powerpoint/2010/main" val="3035732194"/>
+        <p14:creationId xmlns:p14="http://schemas.microsoft.com/office/powerpoint/2010/main" val="787618689"/>
       </p:ext>
     </p:extLst>
   </p:cSld>
@@ -4997,7 +4921,7 @@
 </p:sld>
 </file>
 
-<file path=ppt/slides/slide5.xml><?xml version="1.0" encoding="utf-8"?>
+<file path=ppt/slides/slide3.xml><?xml version="1.0" encoding="utf-8"?>
 <p:sld xmlns:a="http://schemas.openxmlformats.org/drawingml/2006/main" xmlns:r="http://schemas.openxmlformats.org/officeDocument/2006/relationships" xmlns:p="http://schemas.openxmlformats.org/presentationml/2006/main">
   <p:cSld>
     <p:spTree>
@@ -5128,7 +5052,7 @@
         <p:spPr>
           <a:xfrm>
             <a:off x="992221" y="669303"/>
-            <a:ext cx="2121093" cy="369332"/>
+            <a:ext cx="2646878" cy="369332"/>
           </a:xfrm>
           <a:prstGeom prst="rect">
             <a:avLst/>
@@ -5146,7 +5070,7 @@
                 <a:latin typeface="Arial" panose="020B0604020202020204" pitchFamily="34" charset="0"/>
                 <a:cs typeface="Arial" panose="020B0604020202020204" pitchFamily="34" charset="0"/>
               </a:rPr>
-              <a:t>Research Interest</a:t>
+              <a:t>Research Experiences</a:t>
             </a:r>
             <a:endParaRPr lang="zh-CN" altLang="en-US" b="1" dirty="0">
               <a:latin typeface="Arial" panose="020B0604020202020204" pitchFamily="34" charset="0"/>
@@ -5170,7 +5094,7 @@
         <p:spPr>
           <a:xfrm>
             <a:off x="992221" y="1258242"/>
-            <a:ext cx="10798790" cy="6689011"/>
+            <a:ext cx="10798790" cy="4968027"/>
           </a:xfrm>
           <a:prstGeom prst="rect">
             <a:avLst/>
@@ -5183,6 +5107,63 @@
           </a:bodyPr>
           <a:lstStyle/>
           <a:p>
+            <a:pPr marL="342900" indent="-342900" algn="just">
+              <a:lnSpc>
+                <a:spcPct val="200000"/>
+              </a:lnSpc>
+              <a:buAutoNum type="arabicPeriod"/>
+            </a:pPr>
+            <a:r>
+              <a:rPr lang="en-US" altLang="zh-CN" sz="1600" dirty="0">
+                <a:latin typeface="Arial" panose="020B0604020202020204" pitchFamily="34" charset="0"/>
+                <a:cs typeface="Arial" panose="020B0604020202020204" pitchFamily="34" charset="0"/>
+              </a:rPr>
+              <a:t>Multi-media Emotion Recognition (SRP project From 2019.6 to 2020.4)</a:t>
+            </a:r>
+          </a:p>
+          <a:p>
+            <a:pPr marL="342900" indent="-342900" algn="just">
+              <a:lnSpc>
+                <a:spcPct val="200000"/>
+              </a:lnSpc>
+              <a:buAutoNum type="arabicPeriod"/>
+            </a:pPr>
+            <a:r>
+              <a:rPr lang="en-US" altLang="zh-CN" sz="1600" dirty="0">
+                <a:latin typeface="Arial" panose="020B0604020202020204" pitchFamily="34" charset="0"/>
+                <a:cs typeface="Arial" panose="020B0604020202020204" pitchFamily="34" charset="0"/>
+              </a:rPr>
+              <a:t>Sun Yat-sen University Cancer Center Research Assistant (From 2019.8 to now)</a:t>
+            </a:r>
+          </a:p>
+          <a:p>
+            <a:pPr marL="342900" indent="-342900" algn="just">
+              <a:lnSpc>
+                <a:spcPct val="200000"/>
+              </a:lnSpc>
+              <a:buAutoNum type="arabicPeriod"/>
+            </a:pPr>
+            <a:r>
+              <a:rPr lang="en-US" altLang="zh-CN" sz="1600" dirty="0">
+                <a:latin typeface="Arial" panose="020B0604020202020204" pitchFamily="34" charset="0"/>
+                <a:cs typeface="Arial" panose="020B0604020202020204" pitchFamily="34" charset="0"/>
+              </a:rPr>
+              <a:t>SCUT-Robot lab Member of vision group (From 2019.9 to now) </a:t>
+            </a:r>
+          </a:p>
+          <a:p>
+            <a:pPr marL="342900" indent="-342900" algn="just">
+              <a:lnSpc>
+                <a:spcPct val="150000"/>
+              </a:lnSpc>
+              <a:buAutoNum type="arabicPeriod"/>
+            </a:pPr>
+            <a:endParaRPr lang="en-US" altLang="zh-CN" dirty="0">
+              <a:latin typeface="Arial" panose="020B0604020202020204" pitchFamily="34" charset="0"/>
+              <a:cs typeface="Arial" panose="020B0604020202020204" pitchFamily="34" charset="0"/>
+            </a:endParaRPr>
+          </a:p>
+          <a:p>
             <a:pPr algn="just">
               <a:lnSpc>
                 <a:spcPct val="150000"/>
@@ -5193,16 +5174,33 @@
                 <a:latin typeface="Arial" panose="020B0604020202020204" pitchFamily="34" charset="0"/>
                 <a:cs typeface="Arial" panose="020B0604020202020204" pitchFamily="34" charset="0"/>
               </a:rPr>
-              <a:t>        Because of my past research, I may be interested in medical image segmentation, object detection and object track. Actually, I’m not limited to specific computer vision tasks. I’m interested in computer vision tasks which are meaningful and practical. For instance, the tumors and organs at risk automatic contouring on MRI Multi-sequence. MRI Multi-sequence tumors and organs at risk manual contouring is really time consuming and clinical knowledge intensive. So, we use Multi-modality model to perform MRI Multi-sequence automatic contouring which largely reduce the contouring time. </a:t>
+              <a:t>Detailed:</a:t>
             </a:r>
           </a:p>
           <a:p>
             <a:pPr algn="just">
               <a:lnSpc>
-                <a:spcPct val="150000"/>
+                <a:spcPct val="120000"/>
               </a:lnSpc>
+              <a:spcAft>
+                <a:spcPts val="600"/>
+              </a:spcAft>
             </a:pPr>
-            <a:endParaRPr lang="en-US" altLang="zh-CN" dirty="0">
+            <a:r>
+              <a:rPr lang="en-US" altLang="zh-CN" sz="1600" dirty="0">
+                <a:latin typeface="Arial" panose="020B0604020202020204" pitchFamily="34" charset="0"/>
+                <a:cs typeface="Arial" panose="020B0604020202020204" pitchFamily="34" charset="0"/>
+              </a:rPr>
+              <a:t>1. In this project, I’m mainly in charge of implementation. We try to use neural network to extract the emotion feature representation from Multi-media data like image, video etc. Then we use regression and classification model to model the </a:t>
+            </a:r>
+            <a:r>
+              <a:rPr lang="en-US" altLang="zh-CN" sz="1600">
+                <a:latin typeface="Arial" panose="020B0604020202020204" pitchFamily="34" charset="0"/>
+                <a:cs typeface="Arial" panose="020B0604020202020204" pitchFamily="34" charset="0"/>
+              </a:rPr>
+              <a:t>emotion state.</a:t>
+            </a:r>
+            <a:endParaRPr lang="en-US" altLang="zh-CN" sz="1600" dirty="0">
               <a:latin typeface="Arial" panose="020B0604020202020204" pitchFamily="34" charset="0"/>
               <a:cs typeface="Arial" panose="020B0604020202020204" pitchFamily="34" charset="0"/>
             </a:endParaRPr>
@@ -5210,52 +5208,43 @@
           <a:p>
             <a:pPr algn="just">
               <a:lnSpc>
-                <a:spcPct val="150000"/>
+                <a:spcPct val="120000"/>
               </a:lnSpc>
+              <a:spcAft>
+                <a:spcPts val="600"/>
+              </a:spcAft>
             </a:pPr>
             <a:r>
-              <a:rPr lang="zh-CN" altLang="en-US" dirty="0">
+              <a:rPr lang="en-US" altLang="zh-CN" sz="1600" dirty="0">
                 <a:latin typeface="Arial" panose="020B0604020202020204" pitchFamily="34" charset="0"/>
                 <a:cs typeface="Arial" panose="020B0604020202020204" pitchFamily="34" charset="0"/>
               </a:rPr>
-              <a:t>后台</a:t>
-            </a:r>
-            <a:r>
-              <a:rPr lang="en-US" altLang="zh-CN" dirty="0">
+              <a:t>2. I’m the research assistant of MIACA research group Sun Yat-sen University Cancer Center. I focus on medical image segmentation especially multi-modality medical image segmentation. Besides, I am also interested in medical image registration and medical image generation.</a:t>
+            </a:r>
+          </a:p>
+          <a:p>
+            <a:pPr algn="just">
+              <a:lnSpc>
+                <a:spcPct val="120000"/>
+              </a:lnSpc>
+              <a:spcAft>
+                <a:spcPts val="600"/>
+              </a:spcAft>
+            </a:pPr>
+            <a:r>
+              <a:rPr lang="en-US" altLang="zh-CN" sz="1600" dirty="0">
                 <a:latin typeface="Arial" panose="020B0604020202020204" pitchFamily="34" charset="0"/>
                 <a:cs typeface="Arial" panose="020B0604020202020204" pitchFamily="34" charset="0"/>
               </a:rPr>
-              <a:t>: Self-driving is also practical. Self-driving can largely improve the people transport. Self-driving needs a compound of technology about machine learning so that it may be difficult. Although it’s difficult, I’m willing to be faced with it. At last, I express my opinions on research. I don’t want to be a researcher who just see computer vision as paper generator. I want to do meaningful, practical research! I want to do high-quality, more advanced research! I want to do real research! As you can see, I also publish some low-quality paper which just modify the network and just get the performance a little improvement. But I have to do that. Because It’s the entrance. If I don’t do that, I even can’t qualify for the summer camp. It’s the entrance to higher research. </a:t>
-            </a:r>
-            <a:r>
-              <a:rPr lang="en-US" altLang="zh-CN">
-                <a:latin typeface="Arial" panose="020B0604020202020204" pitchFamily="34" charset="0"/>
-                <a:cs typeface="Arial" panose="020B0604020202020204" pitchFamily="34" charset="0"/>
-              </a:rPr>
-              <a:t>So I have to do that.</a:t>
-            </a:r>
-            <a:endParaRPr lang="en-US" altLang="zh-CN" dirty="0">
-              <a:latin typeface="Arial" panose="020B0604020202020204" pitchFamily="34" charset="0"/>
-              <a:cs typeface="Arial" panose="020B0604020202020204" pitchFamily="34" charset="0"/>
-            </a:endParaRPr>
-          </a:p>
-          <a:p>
-            <a:pPr algn="just">
-              <a:lnSpc>
-                <a:spcPct val="150000"/>
-              </a:lnSpc>
-            </a:pPr>
-            <a:endParaRPr lang="en-US" altLang="zh-CN" dirty="0">
-              <a:latin typeface="Arial" panose="020B0604020202020204" pitchFamily="34" charset="0"/>
-              <a:cs typeface="Arial" panose="020B0604020202020204" pitchFamily="34" charset="0"/>
-            </a:endParaRPr>
+              <a:t>3. I’m a member of Vision Group. I’m mainly in charge of base station. Base station can use object detection, object track and motion forecasting to strategy calculation so that it can provide some strategy support for other robots.</a:t>
+            </a:r>
           </a:p>
         </p:txBody>
       </p:sp>
     </p:spTree>
     <p:extLst>
       <p:ext uri="{BB962C8B-B14F-4D97-AF65-F5344CB8AC3E}">
-        <p14:creationId xmlns:p14="http://schemas.microsoft.com/office/powerpoint/2010/main" val="2632657561"/>
+        <p14:creationId xmlns:p14="http://schemas.microsoft.com/office/powerpoint/2010/main" val="2830355095"/>
       </p:ext>
     </p:extLst>
   </p:cSld>
@@ -5265,7 +5254,7 @@
 </p:sld>
 </file>
 
-<file path=ppt/slides/slide6.xml><?xml version="1.0" encoding="utf-8"?>
+<file path=ppt/slides/slide4.xml><?xml version="1.0" encoding="utf-8"?>
 <p:sld xmlns:a="http://schemas.openxmlformats.org/drawingml/2006/main" xmlns:r="http://schemas.openxmlformats.org/officeDocument/2006/relationships" xmlns:p="http://schemas.openxmlformats.org/presentationml/2006/main">
   <p:cSld>
     <p:spTree>
@@ -5396,7 +5385,7 @@
         <p:spPr>
           <a:xfrm>
             <a:off x="992221" y="669303"/>
-            <a:ext cx="3788281" cy="369332"/>
+            <a:ext cx="1556836" cy="369332"/>
           </a:xfrm>
           <a:prstGeom prst="rect">
             <a:avLst/>
@@ -5414,14 +5403,7 @@
                 <a:latin typeface="Arial" panose="020B0604020202020204" pitchFamily="34" charset="0"/>
                 <a:cs typeface="Arial" panose="020B0604020202020204" pitchFamily="34" charset="0"/>
               </a:rPr>
-              <a:t>The implementation of </a:t>
-            </a:r>
-            <a:r>
-              <a:rPr lang="en-US" altLang="zh-CN" b="1" dirty="0" err="1">
-                <a:latin typeface="Arial" panose="020B0604020202020204" pitchFamily="34" charset="0"/>
-                <a:cs typeface="Arial" panose="020B0604020202020204" pitchFamily="34" charset="0"/>
-              </a:rPr>
-              <a:t>VectorNet</a:t>
+              <a:t>Publications</a:t>
             </a:r>
             <a:endParaRPr lang="zh-CN" altLang="en-US" b="1" dirty="0">
               <a:latin typeface="Arial" panose="020B0604020202020204" pitchFamily="34" charset="0"/>
@@ -5445,7 +5427,7 @@
         <p:spPr>
           <a:xfrm>
             <a:off x="992221" y="1258242"/>
-            <a:ext cx="10428051" cy="1545295"/>
+            <a:ext cx="10798790" cy="4940327"/>
           </a:xfrm>
           <a:prstGeom prst="rect">
             <a:avLst/>
@@ -5458,135 +5440,300 @@
           </a:bodyPr>
           <a:lstStyle/>
           <a:p>
-            <a:pPr marL="342900" indent="-342900" algn="just">
+            <a:pPr>
               <a:lnSpc>
                 <a:spcPct val="200000"/>
               </a:lnSpc>
-              <a:buAutoNum type="arabicPeriod"/>
             </a:pPr>
             <a:r>
               <a:rPr lang="en-US" altLang="zh-CN" sz="1600" dirty="0">
                 <a:latin typeface="Arial" panose="020B0604020202020204" pitchFamily="34" charset="0"/>
                 <a:cs typeface="Arial" panose="020B0604020202020204" pitchFamily="34" charset="0"/>
               </a:rPr>
-              <a:t>Representing trajectories and maps</a:t>
-            </a:r>
-          </a:p>
-          <a:p>
-            <a:pPr marL="342900" indent="-342900" algn="just">
-              <a:lnSpc>
-                <a:spcPct val="200000"/>
-              </a:lnSpc>
-              <a:buAutoNum type="arabicPeriod"/>
-            </a:pPr>
+              <a:t>《</a:t>
+            </a:r>
+            <a:r>
+              <a:rPr lang="zh-CN" altLang="en-US" sz="1600" dirty="0">
+                <a:latin typeface="Arial" panose="020B0604020202020204" pitchFamily="34" charset="0"/>
+                <a:cs typeface="Arial" panose="020B0604020202020204" pitchFamily="34" charset="0"/>
+              </a:rPr>
+              <a:t>基于深度学习的医学图像配准综述</a:t>
+            </a:r>
             <a:r>
               <a:rPr lang="en-US" altLang="zh-CN" sz="1600" dirty="0">
                 <a:latin typeface="Arial" panose="020B0604020202020204" pitchFamily="34" charset="0"/>
                 <a:cs typeface="Arial" panose="020B0604020202020204" pitchFamily="34" charset="0"/>
               </a:rPr>
-              <a:t>Constructing the polyline subgraphs</a:t>
-            </a:r>
-          </a:p>
-          <a:p>
-            <a:pPr marL="342900" indent="-342900" algn="just">
+              <a:t>》 </a:t>
+            </a:r>
+          </a:p>
+          <a:p>
+            <a:pPr>
               <a:lnSpc>
                 <a:spcPct val="200000"/>
               </a:lnSpc>
-              <a:buAutoNum type="arabicPeriod"/>
             </a:pPr>
             <a:r>
               <a:rPr lang="en-US" altLang="zh-CN" sz="1600" dirty="0">
                 <a:latin typeface="Arial" panose="020B0604020202020204" pitchFamily="34" charset="0"/>
                 <a:cs typeface="Arial" panose="020B0604020202020204" pitchFamily="34" charset="0"/>
               </a:rPr>
-              <a:t>Global graph for high-order interactions</a:t>
-            </a:r>
-          </a:p>
-        </p:txBody>
-      </p:sp>
-      <p:pic>
-        <p:nvPicPr>
-          <p:cNvPr id="2" name="图片 1">
-            <a:extLst>
-              <a:ext uri="{FF2B5EF4-FFF2-40B4-BE49-F238E27FC236}">
-                <a16:creationId xmlns:a16="http://schemas.microsoft.com/office/drawing/2014/main" id="{1CAE9600-A1F7-481A-9535-70A09912EBA5}"/>
-              </a:ext>
-            </a:extLst>
-          </p:cNvPr>
-          <p:cNvPicPr>
-            <a:picLocks noChangeAspect="1"/>
-          </p:cNvPicPr>
-          <p:nvPr/>
-        </p:nvPicPr>
-        <p:blipFill>
-          <a:blip r:embed="rId2"/>
-          <a:stretch>
-            <a:fillRect/>
-          </a:stretch>
-        </p:blipFill>
-        <p:spPr>
-          <a:xfrm>
-            <a:off x="1915527" y="3146254"/>
-            <a:ext cx="7757832" cy="2598645"/>
-          </a:xfrm>
-          <a:prstGeom prst="rect">
-            <a:avLst/>
-          </a:prstGeom>
-        </p:spPr>
-      </p:pic>
-      <p:sp>
-        <p:nvSpPr>
-          <p:cNvPr id="3" name="文本框 2">
-            <a:extLst>
-              <a:ext uri="{FF2B5EF4-FFF2-40B4-BE49-F238E27FC236}">
-                <a16:creationId xmlns:a16="http://schemas.microsoft.com/office/drawing/2014/main" id="{8DF647A1-4A05-4C3B-9587-9B2486A5B3F2}"/>
-              </a:ext>
-            </a:extLst>
-          </p:cNvPr>
-          <p:cNvSpPr txBox="1"/>
-          <p:nvPr/>
-        </p:nvSpPr>
-        <p:spPr>
-          <a:xfrm>
-            <a:off x="3967789" y="5880920"/>
-            <a:ext cx="3653308" cy="307777"/>
-          </a:xfrm>
-          <a:prstGeom prst="rect">
-            <a:avLst/>
-          </a:prstGeom>
-          <a:noFill/>
-        </p:spPr>
-        <p:txBody>
-          <a:bodyPr wrap="none" rtlCol="0">
-            <a:spAutoFit/>
-          </a:bodyPr>
-          <a:lstStyle/>
-          <a:p>
-            <a:r>
-              <a:rPr lang="en-US" altLang="zh-CN" sz="1400" b="1" dirty="0">
+              <a:t>       p.s. [</a:t>
+            </a:r>
+            <a:r>
+              <a:rPr lang="en-US" altLang="zh-CN" sz="1600" b="1" dirty="0">
+                <a:solidFill>
+                  <a:srgbClr val="FF0000"/>
+                </a:solidFill>
                 <a:latin typeface="Arial" panose="020B0604020202020204" pitchFamily="34" charset="0"/>
                 <a:cs typeface="Arial" panose="020B0604020202020204" pitchFamily="34" charset="0"/>
               </a:rPr>
-              <a:t>Figure 1. The total workflow of </a:t>
-            </a:r>
-            <a:r>
-              <a:rPr lang="en-US" altLang="zh-CN" sz="1400" b="1" dirty="0" err="1">
+              <a:t>rejected</a:t>
+            </a:r>
+            <a:r>
+              <a:rPr lang="en-US" altLang="zh-CN" sz="1600" dirty="0">
                 <a:latin typeface="Arial" panose="020B0604020202020204" pitchFamily="34" charset="0"/>
                 <a:cs typeface="Arial" panose="020B0604020202020204" pitchFamily="34" charset="0"/>
               </a:rPr>
-              <a:t>VectorNet</a:t>
-            </a:r>
-            <a:endParaRPr lang="zh-CN" altLang="en-US" sz="1400" b="1" dirty="0">
-              <a:latin typeface="Arial" panose="020B0604020202020204" pitchFamily="34" charset="0"/>
-              <a:cs typeface="Arial" panose="020B0604020202020204" pitchFamily="34" charset="0"/>
-            </a:endParaRPr>
+              <a:t>]</a:t>
+            </a:r>
+          </a:p>
+          <a:p>
+            <a:pPr>
+              <a:lnSpc>
+                <a:spcPct val="200000"/>
+              </a:lnSpc>
+            </a:pPr>
+            <a:r>
+              <a:rPr lang="en-US" altLang="zh-CN" sz="1600" dirty="0">
+                <a:latin typeface="Arial" panose="020B0604020202020204" pitchFamily="34" charset="0"/>
+                <a:cs typeface="Arial" panose="020B0604020202020204" pitchFamily="34" charset="0"/>
+              </a:rPr>
+              <a:t>《Auto Segmentation of Pelvic OARs On MRI Multi-Sequence Using An Fused-Unet》</a:t>
+            </a:r>
+          </a:p>
+          <a:p>
+            <a:pPr>
+              <a:lnSpc>
+                <a:spcPct val="200000"/>
+              </a:lnSpc>
+            </a:pPr>
+            <a:r>
+              <a:rPr lang="en-US" altLang="zh-CN" sz="1600" dirty="0">
+                <a:latin typeface="Arial" panose="020B0604020202020204" pitchFamily="34" charset="0"/>
+                <a:cs typeface="Arial" panose="020B0604020202020204" pitchFamily="34" charset="0"/>
+              </a:rPr>
+              <a:t>       p.s. [</a:t>
+            </a:r>
+            <a:r>
+              <a:rPr lang="en-US" altLang="zh-CN" sz="1600" b="1" dirty="0">
+                <a:solidFill>
+                  <a:schemeClr val="accent6">
+                    <a:lumMod val="75000"/>
+                  </a:schemeClr>
+                </a:solidFill>
+                <a:latin typeface="Arial" panose="020B0604020202020204" pitchFamily="34" charset="0"/>
+                <a:cs typeface="Arial" panose="020B0604020202020204" pitchFamily="34" charset="0"/>
+              </a:rPr>
+              <a:t>received</a:t>
+            </a:r>
+            <a:r>
+              <a:rPr lang="en-US" altLang="zh-CN" sz="1600" dirty="0">
+                <a:latin typeface="Arial" panose="020B0604020202020204" pitchFamily="34" charset="0"/>
+                <a:cs typeface="Arial" panose="020B0604020202020204" pitchFamily="34" charset="0"/>
+              </a:rPr>
+              <a:t>] (AAPM 2020 </a:t>
+            </a:r>
+            <a:r>
+              <a:rPr lang="en-US" altLang="zh-CN" sz="1600" b="1" dirty="0">
+                <a:latin typeface="Arial" panose="020B0604020202020204" pitchFamily="34" charset="0"/>
+                <a:cs typeface="Arial" panose="020B0604020202020204" pitchFamily="34" charset="0"/>
+              </a:rPr>
+              <a:t>oral presentation </a:t>
+            </a:r>
+            <a:r>
+              <a:rPr lang="en-US" altLang="zh-CN" sz="1600" dirty="0">
+                <a:latin typeface="Arial" panose="020B0604020202020204" pitchFamily="34" charset="0"/>
+                <a:cs typeface="Arial" panose="020B0604020202020204" pitchFamily="34" charset="0"/>
+              </a:rPr>
+              <a:t>&amp; </a:t>
+            </a:r>
+            <a:r>
+              <a:rPr lang="en-US" altLang="zh-CN" sz="1600" b="1" dirty="0">
+                <a:latin typeface="Arial" panose="020B0604020202020204" pitchFamily="34" charset="0"/>
+                <a:cs typeface="Arial" panose="020B0604020202020204" pitchFamily="34" charset="0"/>
+              </a:rPr>
+              <a:t>BLUE RIBBON ePOSTER</a:t>
+            </a:r>
+            <a:r>
+              <a:rPr lang="en-US" altLang="zh-CN" sz="1600" dirty="0">
+                <a:latin typeface="Arial" panose="020B0604020202020204" pitchFamily="34" charset="0"/>
+                <a:cs typeface="Arial" panose="020B0604020202020204" pitchFamily="34" charset="0"/>
+              </a:rPr>
+              <a:t>)</a:t>
+            </a:r>
+          </a:p>
+          <a:p>
+            <a:pPr>
+              <a:lnSpc>
+                <a:spcPct val="200000"/>
+              </a:lnSpc>
+            </a:pPr>
+            <a:r>
+              <a:rPr lang="en-US" altLang="zh-CN" sz="1600" dirty="0">
+                <a:latin typeface="Arial" panose="020B0604020202020204" pitchFamily="34" charset="0"/>
+                <a:cs typeface="Arial" panose="020B0604020202020204" pitchFamily="34" charset="0"/>
+              </a:rPr>
+              <a:t>《A Novel Hybrid Network for H&amp;N Organs At Risk Segmentation》 </a:t>
+            </a:r>
+          </a:p>
+          <a:p>
+            <a:pPr>
+              <a:lnSpc>
+                <a:spcPct val="200000"/>
+              </a:lnSpc>
+            </a:pPr>
+            <a:r>
+              <a:rPr lang="en-US" altLang="zh-CN" sz="1600" dirty="0">
+                <a:latin typeface="Arial" panose="020B0604020202020204" pitchFamily="34" charset="0"/>
+                <a:cs typeface="Arial" panose="020B0604020202020204" pitchFamily="34" charset="0"/>
+              </a:rPr>
+              <a:t>       p.s. [</a:t>
+            </a:r>
+            <a:r>
+              <a:rPr lang="en-US" altLang="zh-CN" sz="1600" b="1" dirty="0">
+                <a:solidFill>
+                  <a:schemeClr val="accent6">
+                    <a:lumMod val="75000"/>
+                  </a:schemeClr>
+                </a:solidFill>
+                <a:latin typeface="Arial" panose="020B0604020202020204" pitchFamily="34" charset="0"/>
+                <a:cs typeface="Arial" panose="020B0604020202020204" pitchFamily="34" charset="0"/>
+              </a:rPr>
+              <a:t>received</a:t>
+            </a:r>
+            <a:r>
+              <a:rPr lang="en-US" altLang="zh-CN" sz="1600" dirty="0">
+                <a:latin typeface="Arial" panose="020B0604020202020204" pitchFamily="34" charset="0"/>
+                <a:cs typeface="Arial" panose="020B0604020202020204" pitchFamily="34" charset="0"/>
+              </a:rPr>
+              <a:t>] (ICBIP 2020 </a:t>
+            </a:r>
+            <a:r>
+              <a:rPr lang="en-US" altLang="zh-CN" sz="1600" b="1" dirty="0">
+                <a:latin typeface="Arial" panose="020B0604020202020204" pitchFamily="34" charset="0"/>
+                <a:cs typeface="Arial" panose="020B0604020202020204" pitchFamily="34" charset="0"/>
+              </a:rPr>
+              <a:t>oral presentation</a:t>
+            </a:r>
+            <a:r>
+              <a:rPr lang="en-US" altLang="zh-CN" sz="1600" dirty="0">
+                <a:latin typeface="Arial" panose="020B0604020202020204" pitchFamily="34" charset="0"/>
+                <a:cs typeface="Arial" panose="020B0604020202020204" pitchFamily="34" charset="0"/>
+              </a:rPr>
+              <a:t>) -- Corresponding SCI Under Review</a:t>
+            </a:r>
+          </a:p>
+          <a:p>
+            <a:pPr>
+              <a:lnSpc>
+                <a:spcPct val="200000"/>
+              </a:lnSpc>
+            </a:pPr>
+            <a:r>
+              <a:rPr lang="en-US" altLang="zh-CN" sz="1600" dirty="0">
+                <a:latin typeface="Arial" panose="020B0604020202020204" pitchFamily="34" charset="0"/>
+                <a:cs typeface="Arial" panose="020B0604020202020204" pitchFamily="34" charset="0"/>
+              </a:rPr>
+              <a:t>《Attention V-Net: A Residual U-Net with Attention Gate Block for Lung Organ At Risk Segmentation》 </a:t>
+            </a:r>
+          </a:p>
+          <a:p>
+            <a:pPr>
+              <a:lnSpc>
+                <a:spcPct val="200000"/>
+              </a:lnSpc>
+            </a:pPr>
+            <a:r>
+              <a:rPr lang="en-US" altLang="zh-CN" sz="1600" dirty="0">
+                <a:latin typeface="Arial" panose="020B0604020202020204" pitchFamily="34" charset="0"/>
+                <a:cs typeface="Arial" panose="020B0604020202020204" pitchFamily="34" charset="0"/>
+              </a:rPr>
+              <a:t>       p.s. [</a:t>
+            </a:r>
+            <a:r>
+              <a:rPr lang="en-US" altLang="zh-CN" sz="1600" b="1" dirty="0">
+                <a:solidFill>
+                  <a:schemeClr val="accent6">
+                    <a:lumMod val="75000"/>
+                  </a:schemeClr>
+                </a:solidFill>
+                <a:latin typeface="Arial" panose="020B0604020202020204" pitchFamily="34" charset="0"/>
+                <a:cs typeface="Arial" panose="020B0604020202020204" pitchFamily="34" charset="0"/>
+              </a:rPr>
+              <a:t>received</a:t>
+            </a:r>
+            <a:r>
+              <a:rPr lang="en-US" altLang="zh-CN" sz="1600" dirty="0">
+                <a:latin typeface="Arial" panose="020B0604020202020204" pitchFamily="34" charset="0"/>
+                <a:cs typeface="Arial" panose="020B0604020202020204" pitchFamily="34" charset="0"/>
+              </a:rPr>
+              <a:t>] (CSAE 2020) -- Corresponding SCI Under Review</a:t>
+            </a:r>
+          </a:p>
+          <a:p>
+            <a:pPr>
+              <a:lnSpc>
+                <a:spcPct val="200000"/>
+              </a:lnSpc>
+            </a:pPr>
+            <a:r>
+              <a:rPr lang="en-US" altLang="zh-CN" sz="1600" dirty="0">
+                <a:latin typeface="Arial" panose="020B0604020202020204" pitchFamily="34" charset="0"/>
+                <a:cs typeface="Arial" panose="020B0604020202020204" pitchFamily="34" charset="0"/>
+              </a:rPr>
+              <a:t>《ZigZag U-Net: Multi-stage medical segmentation network》 </a:t>
+            </a:r>
+          </a:p>
+          <a:p>
+            <a:pPr>
+              <a:lnSpc>
+                <a:spcPct val="200000"/>
+              </a:lnSpc>
+            </a:pPr>
+            <a:r>
+              <a:rPr lang="en-US" altLang="zh-CN" sz="1600" dirty="0">
+                <a:latin typeface="Arial" panose="020B0604020202020204" pitchFamily="34" charset="0"/>
+                <a:cs typeface="Arial" panose="020B0604020202020204" pitchFamily="34" charset="0"/>
+              </a:rPr>
+              <a:t>       p.s. [</a:t>
+            </a:r>
+            <a:r>
+              <a:rPr lang="en-US" altLang="zh-CN" sz="1600" b="1" dirty="0">
+                <a:solidFill>
+                  <a:schemeClr val="accent5">
+                    <a:lumMod val="75000"/>
+                  </a:schemeClr>
+                </a:solidFill>
+                <a:latin typeface="Arial" panose="020B0604020202020204" pitchFamily="34" charset="0"/>
+                <a:cs typeface="Arial" panose="020B0604020202020204" pitchFamily="34" charset="0"/>
+              </a:rPr>
+              <a:t>to be submitted</a:t>
+            </a:r>
+            <a:r>
+              <a:rPr lang="en-US" altLang="zh-CN" sz="1600" dirty="0">
+                <a:latin typeface="Arial" panose="020B0604020202020204" pitchFamily="34" charset="0"/>
+                <a:cs typeface="Arial" panose="020B0604020202020204" pitchFamily="34" charset="0"/>
+              </a:rPr>
+              <a:t>] (inspired by CB-Net)</a:t>
+            </a:r>
           </a:p>
         </p:txBody>
       </p:sp>
     </p:spTree>
     <p:extLst>
       <p:ext uri="{BB962C8B-B14F-4D97-AF65-F5344CB8AC3E}">
-        <p14:creationId xmlns:p14="http://schemas.microsoft.com/office/powerpoint/2010/main" val="1251499563"/>
+        <p14:creationId xmlns:p14="http://schemas.microsoft.com/office/powerpoint/2010/main" val="3035732194"/>
       </p:ext>
     </p:extLst>
   </p:cSld>
@@ -5596,7 +5743,7 @@
 </p:sld>
 </file>
 
-<file path=ppt/slides/slide7.xml><?xml version="1.0" encoding="utf-8"?>
+<file path=ppt/slides/slide5.xml><?xml version="1.0" encoding="utf-8"?>
 <p:sld xmlns:a="http://schemas.openxmlformats.org/drawingml/2006/main" xmlns:r="http://schemas.openxmlformats.org/officeDocument/2006/relationships" xmlns:p="http://schemas.openxmlformats.org/presentationml/2006/main">
   <p:cSld>
     <p:spTree>
@@ -5727,7 +5874,7 @@
         <p:spPr>
           <a:xfrm>
             <a:off x="992221" y="669303"/>
-            <a:ext cx="4108817" cy="369332"/>
+            <a:ext cx="2121093" cy="369332"/>
           </a:xfrm>
           <a:prstGeom prst="rect">
             <a:avLst/>
@@ -5745,7 +5892,7 @@
                 <a:latin typeface="Arial" panose="020B0604020202020204" pitchFamily="34" charset="0"/>
                 <a:cs typeface="Arial" panose="020B0604020202020204" pitchFamily="34" charset="0"/>
               </a:rPr>
-              <a:t>Representing trajectories and maps</a:t>
+              <a:t>Research Interest</a:t>
             </a:r>
             <a:endParaRPr lang="zh-CN" altLang="en-US" b="1" dirty="0">
               <a:latin typeface="Arial" panose="020B0604020202020204" pitchFamily="34" charset="0"/>
@@ -5769,7 +5916,7 @@
         <p:spPr>
           <a:xfrm>
             <a:off x="992221" y="1258242"/>
-            <a:ext cx="10428051" cy="1524007"/>
+            <a:ext cx="10798790" cy="2534027"/>
           </a:xfrm>
           <a:prstGeom prst="rect">
             <a:avLst/>
@@ -5788,25 +5935,11 @@
               </a:lnSpc>
             </a:pPr>
             <a:r>
-              <a:rPr lang="en-US" altLang="zh-CN" sz="1600" dirty="0">
+              <a:rPr lang="en-US" altLang="zh-CN" dirty="0">
                 <a:latin typeface="Arial" panose="020B0604020202020204" pitchFamily="34" charset="0"/>
                 <a:cs typeface="Arial" panose="020B0604020202020204" pitchFamily="34" charset="0"/>
               </a:rPr>
-              <a:t>        There are only the agent trajectory and lane needed to represent according to the requirements. So, we firstly extract lane centerline point sets and agent trajectory point sets (I don’t consider the AV and OTHER object). Then I use average lane width to calculate lane two-side edge line point sets which are dummy lines. By incorporating two </a:t>
-            </a:r>
-            <a:r>
-              <a:rPr lang="en-US" altLang="zh-CN" sz="1600">
-                <a:latin typeface="Arial" panose="020B0604020202020204" pitchFamily="34" charset="0"/>
-                <a:cs typeface="Arial" panose="020B0604020202020204" pitchFamily="34" charset="0"/>
-              </a:rPr>
-              <a:t>neighboring points into </a:t>
-            </a:r>
-            <a:r>
-              <a:rPr lang="en-US" altLang="zh-CN" sz="1600" dirty="0">
-                <a:latin typeface="Arial" panose="020B0604020202020204" pitchFamily="34" charset="0"/>
-                <a:cs typeface="Arial" panose="020B0604020202020204" pitchFamily="34" charset="0"/>
-              </a:rPr>
-              <a:t>one vector, we convert point sets to vector sets.</a:t>
+              <a:t>        Because of my past research, I may be interested in medical image segmentation, object detection and object track. Actually, I’m not limited to specific computer vision tasks. I’m interested in computer vision tasks which are meaningful and practical. For instance, the tumors and organs at risk automatic contouring on MRI Multi-sequence. MRI Multi-sequence tumors and organs at risk manual contouring is really time consuming and clinical knowledge intensive. So, we use Multi-modality model to perform MRI Multi-sequence automatic contouring which largely reduce the contouring time. </a:t>
             </a:r>
           </a:p>
         </p:txBody>
@@ -5814,7 +5947,7 @@
     </p:spTree>
     <p:extLst>
       <p:ext uri="{BB962C8B-B14F-4D97-AF65-F5344CB8AC3E}">
-        <p14:creationId xmlns:p14="http://schemas.microsoft.com/office/powerpoint/2010/main" val="1450827884"/>
+        <p14:creationId xmlns:p14="http://schemas.microsoft.com/office/powerpoint/2010/main" val="2632657561"/>
       </p:ext>
     </p:extLst>
   </p:cSld>
@@ -5824,7 +5957,7 @@
 </p:sld>
 </file>
 
-<file path=ppt/slides/slide8.xml><?xml version="1.0" encoding="utf-8"?>
+<file path=ppt/slides/slide6.xml><?xml version="1.0" encoding="utf-8"?>
 <p:sld xmlns:a="http://schemas.openxmlformats.org/drawingml/2006/main" xmlns:r="http://schemas.openxmlformats.org/officeDocument/2006/relationships" xmlns:p="http://schemas.openxmlformats.org/presentationml/2006/main">
   <p:cSld>
     <p:spTree>
@@ -5955,6 +6088,1005 @@
         <p:spPr>
           <a:xfrm>
             <a:off x="992221" y="669303"/>
+            <a:ext cx="3788281" cy="369332"/>
+          </a:xfrm>
+          <a:prstGeom prst="rect">
+            <a:avLst/>
+          </a:prstGeom>
+          <a:noFill/>
+        </p:spPr>
+        <p:txBody>
+          <a:bodyPr wrap="none" rtlCol="0">
+            <a:spAutoFit/>
+          </a:bodyPr>
+          <a:lstStyle/>
+          <a:p>
+            <a:r>
+              <a:rPr lang="en-US" altLang="zh-CN" b="1" dirty="0">
+                <a:latin typeface="Arial" panose="020B0604020202020204" pitchFamily="34" charset="0"/>
+                <a:cs typeface="Arial" panose="020B0604020202020204" pitchFamily="34" charset="0"/>
+              </a:rPr>
+              <a:t>The implementation of VectorNet</a:t>
+            </a:r>
+            <a:endParaRPr lang="zh-CN" altLang="en-US" b="1" dirty="0">
+              <a:latin typeface="Arial" panose="020B0604020202020204" pitchFamily="34" charset="0"/>
+              <a:cs typeface="Arial" panose="020B0604020202020204" pitchFamily="34" charset="0"/>
+            </a:endParaRPr>
+          </a:p>
+        </p:txBody>
+      </p:sp>
+      <p:sp>
+        <p:nvSpPr>
+          <p:cNvPr id="9" name="文本框 8">
+            <a:extLst>
+              <a:ext uri="{FF2B5EF4-FFF2-40B4-BE49-F238E27FC236}">
+                <a16:creationId xmlns:a16="http://schemas.microsoft.com/office/drawing/2014/main" id="{B829983B-D66B-4BAE-95AE-CD2D4EA6EF57}"/>
+              </a:ext>
+            </a:extLst>
+          </p:cNvPr>
+          <p:cNvSpPr txBox="1"/>
+          <p:nvPr/>
+        </p:nvSpPr>
+        <p:spPr>
+          <a:xfrm>
+            <a:off x="992221" y="1258242"/>
+            <a:ext cx="10428051" cy="1545295"/>
+          </a:xfrm>
+          <a:prstGeom prst="rect">
+            <a:avLst/>
+          </a:prstGeom>
+          <a:noFill/>
+        </p:spPr>
+        <p:txBody>
+          <a:bodyPr wrap="square" rtlCol="0">
+            <a:spAutoFit/>
+          </a:bodyPr>
+          <a:lstStyle/>
+          <a:p>
+            <a:pPr marL="342900" indent="-342900" algn="just">
+              <a:lnSpc>
+                <a:spcPct val="200000"/>
+              </a:lnSpc>
+              <a:buAutoNum type="arabicPeriod"/>
+            </a:pPr>
+            <a:r>
+              <a:rPr lang="en-US" altLang="zh-CN" sz="1600" dirty="0">
+                <a:latin typeface="Arial" panose="020B0604020202020204" pitchFamily="34" charset="0"/>
+                <a:cs typeface="Arial" panose="020B0604020202020204" pitchFamily="34" charset="0"/>
+              </a:rPr>
+              <a:t>Representing trajectories and maps</a:t>
+            </a:r>
+          </a:p>
+          <a:p>
+            <a:pPr marL="342900" indent="-342900" algn="just">
+              <a:lnSpc>
+                <a:spcPct val="200000"/>
+              </a:lnSpc>
+              <a:buAutoNum type="arabicPeriod"/>
+            </a:pPr>
+            <a:r>
+              <a:rPr lang="en-US" altLang="zh-CN" sz="1600" dirty="0">
+                <a:latin typeface="Arial" panose="020B0604020202020204" pitchFamily="34" charset="0"/>
+                <a:cs typeface="Arial" panose="020B0604020202020204" pitchFamily="34" charset="0"/>
+              </a:rPr>
+              <a:t>Constructing the polyline subgraphs</a:t>
+            </a:r>
+          </a:p>
+          <a:p>
+            <a:pPr marL="342900" indent="-342900" algn="just">
+              <a:lnSpc>
+                <a:spcPct val="200000"/>
+              </a:lnSpc>
+              <a:buAutoNum type="arabicPeriod"/>
+            </a:pPr>
+            <a:r>
+              <a:rPr lang="en-US" altLang="zh-CN" sz="1600" dirty="0">
+                <a:latin typeface="Arial" panose="020B0604020202020204" pitchFamily="34" charset="0"/>
+                <a:cs typeface="Arial" panose="020B0604020202020204" pitchFamily="34" charset="0"/>
+              </a:rPr>
+              <a:t>Global graph for high-order interactions</a:t>
+            </a:r>
+          </a:p>
+        </p:txBody>
+      </p:sp>
+      <p:pic>
+        <p:nvPicPr>
+          <p:cNvPr id="2" name="图片 1">
+            <a:extLst>
+              <a:ext uri="{FF2B5EF4-FFF2-40B4-BE49-F238E27FC236}">
+                <a16:creationId xmlns:a16="http://schemas.microsoft.com/office/drawing/2014/main" id="{1CAE9600-A1F7-481A-9535-70A09912EBA5}"/>
+              </a:ext>
+            </a:extLst>
+          </p:cNvPr>
+          <p:cNvPicPr>
+            <a:picLocks noChangeAspect="1"/>
+          </p:cNvPicPr>
+          <p:nvPr/>
+        </p:nvPicPr>
+        <p:blipFill>
+          <a:blip r:embed="rId2"/>
+          <a:stretch>
+            <a:fillRect/>
+          </a:stretch>
+        </p:blipFill>
+        <p:spPr>
+          <a:xfrm>
+            <a:off x="1915527" y="3146254"/>
+            <a:ext cx="7757832" cy="2598645"/>
+          </a:xfrm>
+          <a:prstGeom prst="rect">
+            <a:avLst/>
+          </a:prstGeom>
+        </p:spPr>
+      </p:pic>
+      <p:sp>
+        <p:nvSpPr>
+          <p:cNvPr id="3" name="文本框 2">
+            <a:extLst>
+              <a:ext uri="{FF2B5EF4-FFF2-40B4-BE49-F238E27FC236}">
+                <a16:creationId xmlns:a16="http://schemas.microsoft.com/office/drawing/2014/main" id="{8DF647A1-4A05-4C3B-9587-9B2486A5B3F2}"/>
+              </a:ext>
+            </a:extLst>
+          </p:cNvPr>
+          <p:cNvSpPr txBox="1"/>
+          <p:nvPr/>
+        </p:nvSpPr>
+        <p:spPr>
+          <a:xfrm>
+            <a:off x="3967789" y="5880920"/>
+            <a:ext cx="3653308" cy="307777"/>
+          </a:xfrm>
+          <a:prstGeom prst="rect">
+            <a:avLst/>
+          </a:prstGeom>
+          <a:noFill/>
+        </p:spPr>
+        <p:txBody>
+          <a:bodyPr wrap="none" rtlCol="0">
+            <a:spAutoFit/>
+          </a:bodyPr>
+          <a:lstStyle/>
+          <a:p>
+            <a:r>
+              <a:rPr lang="en-US" altLang="zh-CN" sz="1400" b="1" dirty="0">
+                <a:latin typeface="Arial" panose="020B0604020202020204" pitchFamily="34" charset="0"/>
+                <a:cs typeface="Arial" panose="020B0604020202020204" pitchFamily="34" charset="0"/>
+              </a:rPr>
+              <a:t>Figure 1. The total workflow of VectorNet</a:t>
+            </a:r>
+            <a:endParaRPr lang="zh-CN" altLang="en-US" sz="1400" b="1" dirty="0">
+              <a:latin typeface="Arial" panose="020B0604020202020204" pitchFamily="34" charset="0"/>
+              <a:cs typeface="Arial" panose="020B0604020202020204" pitchFamily="34" charset="0"/>
+            </a:endParaRPr>
+          </a:p>
+        </p:txBody>
+      </p:sp>
+    </p:spTree>
+    <p:extLst>
+      <p:ext uri="{BB962C8B-B14F-4D97-AF65-F5344CB8AC3E}">
+        <p14:creationId xmlns:p14="http://schemas.microsoft.com/office/powerpoint/2010/main" val="1251499563"/>
+      </p:ext>
+    </p:extLst>
+  </p:cSld>
+  <p:clrMapOvr>
+    <a:masterClrMapping/>
+  </p:clrMapOvr>
+</p:sld>
+</file>
+
+<file path=ppt/slides/slide7.xml><?xml version="1.0" encoding="utf-8"?>
+<p:sld xmlns:a="http://schemas.openxmlformats.org/drawingml/2006/main" xmlns:r="http://schemas.openxmlformats.org/officeDocument/2006/relationships" xmlns:p="http://schemas.openxmlformats.org/presentationml/2006/main">
+  <p:cSld>
+    <p:spTree>
+      <p:nvGrpSpPr>
+        <p:cNvPr id="1" name=""/>
+        <p:cNvGrpSpPr/>
+        <p:nvPr/>
+      </p:nvGrpSpPr>
+      <p:grpSpPr>
+        <a:xfrm>
+          <a:off x="0" y="0"/>
+          <a:ext cx="0" cy="0"/>
+          <a:chOff x="0" y="0"/>
+          <a:chExt cx="0" cy="0"/>
+        </a:xfrm>
+      </p:grpSpPr>
+      <p:sp>
+        <p:nvSpPr>
+          <p:cNvPr id="4" name="矩形 3">
+            <a:extLst>
+              <a:ext uri="{FF2B5EF4-FFF2-40B4-BE49-F238E27FC236}">
+                <a16:creationId xmlns:a16="http://schemas.microsoft.com/office/drawing/2014/main" id="{86CA40CB-69A5-4370-BB91-2BF9FD622FD5}"/>
+              </a:ext>
+            </a:extLst>
+          </p:cNvPr>
+          <p:cNvSpPr/>
+          <p:nvPr/>
+        </p:nvSpPr>
+        <p:spPr>
+          <a:xfrm>
+            <a:off x="603315" y="386499"/>
+            <a:ext cx="197963" cy="565608"/>
+          </a:xfrm>
+          <a:prstGeom prst="rect">
+            <a:avLst/>
+          </a:prstGeom>
+          <a:solidFill>
+            <a:schemeClr val="bg2">
+              <a:lumMod val="75000"/>
+            </a:schemeClr>
+          </a:solidFill>
+          <a:ln>
+            <a:noFill/>
+          </a:ln>
+        </p:spPr>
+        <p:style>
+          <a:lnRef idx="2">
+            <a:schemeClr val="accent1">
+              <a:shade val="50000"/>
+            </a:schemeClr>
+          </a:lnRef>
+          <a:fillRef idx="1">
+            <a:schemeClr val="accent1"/>
+          </a:fillRef>
+          <a:effectRef idx="0">
+            <a:schemeClr val="accent1"/>
+          </a:effectRef>
+          <a:fontRef idx="minor">
+            <a:schemeClr val="lt1"/>
+          </a:fontRef>
+        </p:style>
+        <p:txBody>
+          <a:bodyPr rtlCol="0" anchor="ctr"/>
+          <a:lstStyle/>
+          <a:p>
+            <a:pPr algn="ctr"/>
+            <a:endParaRPr lang="zh-CN" altLang="en-US"/>
+          </a:p>
+        </p:txBody>
+      </p:sp>
+      <p:cxnSp>
+        <p:nvCxnSpPr>
+          <p:cNvPr id="6" name="直接连接符 5">
+            <a:extLst>
+              <a:ext uri="{FF2B5EF4-FFF2-40B4-BE49-F238E27FC236}">
+                <a16:creationId xmlns:a16="http://schemas.microsoft.com/office/drawing/2014/main" id="{89D0ED6E-9637-4BA9-9E46-2653A77A44E3}"/>
+              </a:ext>
+            </a:extLst>
+          </p:cNvPr>
+          <p:cNvCxnSpPr/>
+          <p:nvPr/>
+        </p:nvCxnSpPr>
+        <p:spPr>
+          <a:xfrm>
+            <a:off x="920684" y="584762"/>
+            <a:ext cx="10350631" cy="0"/>
+          </a:xfrm>
+          <a:prstGeom prst="line">
+            <a:avLst/>
+          </a:prstGeom>
+          <a:ln>
+            <a:solidFill>
+              <a:schemeClr val="tx2">
+                <a:lumMod val="40000"/>
+                <a:lumOff val="60000"/>
+              </a:schemeClr>
+            </a:solidFill>
+            <a:prstDash val="dash"/>
+          </a:ln>
+        </p:spPr>
+        <p:style>
+          <a:lnRef idx="1">
+            <a:schemeClr val="accent1"/>
+          </a:lnRef>
+          <a:fillRef idx="0">
+            <a:schemeClr val="accent1"/>
+          </a:fillRef>
+          <a:effectRef idx="0">
+            <a:schemeClr val="accent1"/>
+          </a:effectRef>
+          <a:fontRef idx="minor">
+            <a:schemeClr val="tx1"/>
+          </a:fontRef>
+        </p:style>
+      </p:cxnSp>
+      <p:sp>
+        <p:nvSpPr>
+          <p:cNvPr id="7" name="文本框 6">
+            <a:extLst>
+              <a:ext uri="{FF2B5EF4-FFF2-40B4-BE49-F238E27FC236}">
+                <a16:creationId xmlns:a16="http://schemas.microsoft.com/office/drawing/2014/main" id="{FB657D43-34B0-4FC8-BE54-3C2BA4DDB72B}"/>
+              </a:ext>
+            </a:extLst>
+          </p:cNvPr>
+          <p:cNvSpPr txBox="1"/>
+          <p:nvPr/>
+        </p:nvSpPr>
+        <p:spPr>
+          <a:xfrm>
+            <a:off x="992221" y="669303"/>
+            <a:ext cx="4108817" cy="369332"/>
+          </a:xfrm>
+          <a:prstGeom prst="rect">
+            <a:avLst/>
+          </a:prstGeom>
+          <a:noFill/>
+        </p:spPr>
+        <p:txBody>
+          <a:bodyPr wrap="none" rtlCol="0">
+            <a:spAutoFit/>
+          </a:bodyPr>
+          <a:lstStyle/>
+          <a:p>
+            <a:r>
+              <a:rPr lang="en-US" altLang="zh-CN" b="1" dirty="0">
+                <a:latin typeface="Arial" panose="020B0604020202020204" pitchFamily="34" charset="0"/>
+                <a:cs typeface="Arial" panose="020B0604020202020204" pitchFamily="34" charset="0"/>
+              </a:rPr>
+              <a:t>Representing trajectories and maps</a:t>
+            </a:r>
+            <a:endParaRPr lang="zh-CN" altLang="en-US" b="1" dirty="0">
+              <a:latin typeface="Arial" panose="020B0604020202020204" pitchFamily="34" charset="0"/>
+              <a:cs typeface="Arial" panose="020B0604020202020204" pitchFamily="34" charset="0"/>
+            </a:endParaRPr>
+          </a:p>
+        </p:txBody>
+      </p:sp>
+      <p:sp>
+        <p:nvSpPr>
+          <p:cNvPr id="9" name="文本框 8">
+            <a:extLst>
+              <a:ext uri="{FF2B5EF4-FFF2-40B4-BE49-F238E27FC236}">
+                <a16:creationId xmlns:a16="http://schemas.microsoft.com/office/drawing/2014/main" id="{B829983B-D66B-4BAE-95AE-CD2D4EA6EF57}"/>
+              </a:ext>
+            </a:extLst>
+          </p:cNvPr>
+          <p:cNvSpPr txBox="1"/>
+          <p:nvPr/>
+        </p:nvSpPr>
+        <p:spPr>
+          <a:xfrm>
+            <a:off x="992221" y="1258242"/>
+            <a:ext cx="10428051" cy="1154675"/>
+          </a:xfrm>
+          <a:prstGeom prst="rect">
+            <a:avLst/>
+          </a:prstGeom>
+          <a:noFill/>
+        </p:spPr>
+        <p:txBody>
+          <a:bodyPr wrap="square" rtlCol="0">
+            <a:spAutoFit/>
+          </a:bodyPr>
+          <a:lstStyle/>
+          <a:p>
+            <a:pPr algn="just">
+              <a:lnSpc>
+                <a:spcPct val="150000"/>
+              </a:lnSpc>
+            </a:pPr>
+            <a:r>
+              <a:rPr lang="en-US" altLang="zh-CN" sz="1600" dirty="0">
+                <a:latin typeface="Arial" panose="020B0604020202020204" pitchFamily="34" charset="0"/>
+                <a:cs typeface="Arial" panose="020B0604020202020204" pitchFamily="34" charset="0"/>
+              </a:rPr>
+              <a:t>        There are only the agent trajectory and lane needed to represent according to the requirements. In order to represent lane better, I use average lane width to calculate lane two-side edge line. Besides, I split the trajectory into observed trajectory [0s, 2s) and future trajectory [2s, 5s). </a:t>
+            </a:r>
+          </a:p>
+        </p:txBody>
+      </p:sp>
+      <p:pic>
+        <p:nvPicPr>
+          <p:cNvPr id="3" name="图片 2">
+            <a:extLst>
+              <a:ext uri="{FF2B5EF4-FFF2-40B4-BE49-F238E27FC236}">
+                <a16:creationId xmlns:a16="http://schemas.microsoft.com/office/drawing/2014/main" id="{CC22A32B-AA3F-4AF9-A9AD-3133731D02A1}"/>
+              </a:ext>
+            </a:extLst>
+          </p:cNvPr>
+          <p:cNvPicPr>
+            <a:picLocks noChangeAspect="1"/>
+          </p:cNvPicPr>
+          <p:nvPr/>
+        </p:nvPicPr>
+        <p:blipFill rotWithShape="1">
+          <a:blip r:embed="rId2">
+            <a:extLst>
+              <a:ext uri="{28A0092B-C50C-407E-A947-70E740481C1C}">
+                <a14:useLocalDpi xmlns:a14="http://schemas.microsoft.com/office/drawing/2010/main" val="0"/>
+              </a:ext>
+            </a:extLst>
+          </a:blip>
+          <a:srcRect l="15115" t="12235" r="9311" b="13203"/>
+          <a:stretch/>
+        </p:blipFill>
+        <p:spPr>
+          <a:xfrm>
+            <a:off x="1206646" y="2451731"/>
+            <a:ext cx="4458864" cy="3849299"/>
+          </a:xfrm>
+          <a:prstGeom prst="rect">
+            <a:avLst/>
+          </a:prstGeom>
+        </p:spPr>
+      </p:pic>
+      <p:pic>
+        <p:nvPicPr>
+          <p:cNvPr id="8" name="图片 7">
+            <a:extLst>
+              <a:ext uri="{FF2B5EF4-FFF2-40B4-BE49-F238E27FC236}">
+                <a16:creationId xmlns:a16="http://schemas.microsoft.com/office/drawing/2014/main" id="{62CA7196-30C8-4E5E-98F7-4A39C97F5A59}"/>
+              </a:ext>
+            </a:extLst>
+          </p:cNvPr>
+          <p:cNvPicPr>
+            <a:picLocks noChangeAspect="1"/>
+          </p:cNvPicPr>
+          <p:nvPr/>
+        </p:nvPicPr>
+        <p:blipFill rotWithShape="1">
+          <a:blip r:embed="rId3">
+            <a:extLst>
+              <a:ext uri="{28A0092B-C50C-407E-A947-70E740481C1C}">
+                <a14:useLocalDpi xmlns:a14="http://schemas.microsoft.com/office/drawing/2010/main" val="0"/>
+              </a:ext>
+            </a:extLst>
+          </a:blip>
+          <a:srcRect l="15114" t="10922" r="8738" b="12985"/>
+          <a:stretch/>
+        </p:blipFill>
+        <p:spPr>
+          <a:xfrm>
+            <a:off x="6095999" y="2427027"/>
+            <a:ext cx="4458864" cy="3898706"/>
+          </a:xfrm>
+          <a:prstGeom prst="rect">
+            <a:avLst/>
+          </a:prstGeom>
+        </p:spPr>
+      </p:pic>
+      <p:sp>
+        <p:nvSpPr>
+          <p:cNvPr id="10" name="文本框 9">
+            <a:extLst>
+              <a:ext uri="{FF2B5EF4-FFF2-40B4-BE49-F238E27FC236}">
+                <a16:creationId xmlns:a16="http://schemas.microsoft.com/office/drawing/2014/main" id="{23974CE9-34E5-4450-BA8B-BF97B8F877F1}"/>
+              </a:ext>
+            </a:extLst>
+          </p:cNvPr>
+          <p:cNvSpPr txBox="1"/>
+          <p:nvPr/>
+        </p:nvSpPr>
+        <p:spPr>
+          <a:xfrm>
+            <a:off x="1371249" y="6325733"/>
+            <a:ext cx="4129657" cy="276999"/>
+          </a:xfrm>
+          <a:prstGeom prst="rect">
+            <a:avLst/>
+          </a:prstGeom>
+          <a:noFill/>
+        </p:spPr>
+        <p:txBody>
+          <a:bodyPr wrap="none" rtlCol="0">
+            <a:spAutoFit/>
+          </a:bodyPr>
+          <a:lstStyle/>
+          <a:p>
+            <a:r>
+              <a:rPr lang="en-US" altLang="zh-CN" sz="1200" b="1" dirty="0">
+                <a:latin typeface="Arial" panose="020B0604020202020204" pitchFamily="34" charset="0"/>
+                <a:cs typeface="Arial" panose="020B0604020202020204" pitchFamily="34" charset="0"/>
+              </a:rPr>
+              <a:t>Figure 1. lane centerline and edgeline representations</a:t>
+            </a:r>
+            <a:endParaRPr lang="zh-CN" altLang="en-US" sz="1200" b="1" dirty="0">
+              <a:latin typeface="Arial" panose="020B0604020202020204" pitchFamily="34" charset="0"/>
+              <a:cs typeface="Arial" panose="020B0604020202020204" pitchFamily="34" charset="0"/>
+            </a:endParaRPr>
+          </a:p>
+        </p:txBody>
+      </p:sp>
+      <p:sp>
+        <p:nvSpPr>
+          <p:cNvPr id="11" name="文本框 10">
+            <a:extLst>
+              <a:ext uri="{FF2B5EF4-FFF2-40B4-BE49-F238E27FC236}">
+                <a16:creationId xmlns:a16="http://schemas.microsoft.com/office/drawing/2014/main" id="{6AF40A3B-86E9-4540-8CAD-5A5F463FD615}"/>
+              </a:ext>
+            </a:extLst>
+          </p:cNvPr>
+          <p:cNvSpPr txBox="1"/>
+          <p:nvPr/>
+        </p:nvSpPr>
+        <p:spPr>
+          <a:xfrm>
+            <a:off x="6191770" y="6301030"/>
+            <a:ext cx="4267322" cy="461665"/>
+          </a:xfrm>
+          <a:prstGeom prst="rect">
+            <a:avLst/>
+          </a:prstGeom>
+          <a:noFill/>
+        </p:spPr>
+        <p:txBody>
+          <a:bodyPr wrap="none" rtlCol="0">
+            <a:spAutoFit/>
+          </a:bodyPr>
+          <a:lstStyle/>
+          <a:p>
+            <a:pPr algn="ctr"/>
+            <a:r>
+              <a:rPr lang="en-US" altLang="zh-CN" sz="1200" b="1" dirty="0">
+                <a:latin typeface="Arial" panose="020B0604020202020204" pitchFamily="34" charset="0"/>
+                <a:cs typeface="Arial" panose="020B0604020202020204" pitchFamily="34" charset="0"/>
+              </a:rPr>
+              <a:t>Figure 2. lane centerline and edgeline representations, </a:t>
+            </a:r>
+          </a:p>
+          <a:p>
+            <a:pPr algn="ctr"/>
+            <a:r>
+              <a:rPr lang="en-US" altLang="zh-CN" sz="1200" b="1" dirty="0">
+                <a:latin typeface="Arial" panose="020B0604020202020204" pitchFamily="34" charset="0"/>
+                <a:cs typeface="Arial" panose="020B0604020202020204" pitchFamily="34" charset="0"/>
+              </a:rPr>
+              <a:t>agent observed trajectory, agent future agent trajectory </a:t>
+            </a:r>
+            <a:endParaRPr lang="zh-CN" altLang="en-US" sz="1200" b="1" dirty="0">
+              <a:latin typeface="Arial" panose="020B0604020202020204" pitchFamily="34" charset="0"/>
+              <a:cs typeface="Arial" panose="020B0604020202020204" pitchFamily="34" charset="0"/>
+            </a:endParaRPr>
+          </a:p>
+        </p:txBody>
+      </p:sp>
+    </p:spTree>
+    <p:extLst>
+      <p:ext uri="{BB962C8B-B14F-4D97-AF65-F5344CB8AC3E}">
+        <p14:creationId xmlns:p14="http://schemas.microsoft.com/office/powerpoint/2010/main" val="472302188"/>
+      </p:ext>
+    </p:extLst>
+  </p:cSld>
+  <p:clrMapOvr>
+    <a:masterClrMapping/>
+  </p:clrMapOvr>
+</p:sld>
+</file>
+
+<file path=ppt/slides/slide8.xml><?xml version="1.0" encoding="utf-8"?>
+<p:sld xmlns:a="http://schemas.openxmlformats.org/drawingml/2006/main" xmlns:r="http://schemas.openxmlformats.org/officeDocument/2006/relationships" xmlns:p="http://schemas.openxmlformats.org/presentationml/2006/main">
+  <p:cSld>
+    <p:spTree>
+      <p:nvGrpSpPr>
+        <p:cNvPr id="1" name=""/>
+        <p:cNvGrpSpPr/>
+        <p:nvPr/>
+      </p:nvGrpSpPr>
+      <p:grpSpPr>
+        <a:xfrm>
+          <a:off x="0" y="0"/>
+          <a:ext cx="0" cy="0"/>
+          <a:chOff x="0" y="0"/>
+          <a:chExt cx="0" cy="0"/>
+        </a:xfrm>
+      </p:grpSpPr>
+      <p:pic>
+        <p:nvPicPr>
+          <p:cNvPr id="15" name="图片 14">
+            <a:extLst>
+              <a:ext uri="{FF2B5EF4-FFF2-40B4-BE49-F238E27FC236}">
+                <a16:creationId xmlns:a16="http://schemas.microsoft.com/office/drawing/2014/main" id="{133DA28E-B742-4CA9-8346-F15B2C20A945}"/>
+              </a:ext>
+            </a:extLst>
+          </p:cNvPr>
+          <p:cNvPicPr>
+            <a:picLocks noChangeAspect="1"/>
+          </p:cNvPicPr>
+          <p:nvPr/>
+        </p:nvPicPr>
+        <p:blipFill>
+          <a:blip r:embed="rId2">
+            <a:extLst>
+              <a:ext uri="{28A0092B-C50C-407E-A947-70E740481C1C}">
+                <a14:useLocalDpi xmlns:a14="http://schemas.microsoft.com/office/drawing/2010/main" val="0"/>
+              </a:ext>
+            </a:extLst>
+          </a:blip>
+          <a:stretch>
+            <a:fillRect/>
+          </a:stretch>
+        </p:blipFill>
+        <p:spPr>
+          <a:xfrm>
+            <a:off x="229362" y="2772697"/>
+            <a:ext cx="11733272" cy="2466000"/>
+          </a:xfrm>
+          <a:prstGeom prst="rect">
+            <a:avLst/>
+          </a:prstGeom>
+        </p:spPr>
+      </p:pic>
+      <p:sp>
+        <p:nvSpPr>
+          <p:cNvPr id="4" name="矩形 3">
+            <a:extLst>
+              <a:ext uri="{FF2B5EF4-FFF2-40B4-BE49-F238E27FC236}">
+                <a16:creationId xmlns:a16="http://schemas.microsoft.com/office/drawing/2014/main" id="{86CA40CB-69A5-4370-BB91-2BF9FD622FD5}"/>
+              </a:ext>
+            </a:extLst>
+          </p:cNvPr>
+          <p:cNvSpPr/>
+          <p:nvPr/>
+        </p:nvSpPr>
+        <p:spPr>
+          <a:xfrm>
+            <a:off x="603315" y="386499"/>
+            <a:ext cx="197963" cy="565608"/>
+          </a:xfrm>
+          <a:prstGeom prst="rect">
+            <a:avLst/>
+          </a:prstGeom>
+          <a:solidFill>
+            <a:schemeClr val="bg2">
+              <a:lumMod val="75000"/>
+            </a:schemeClr>
+          </a:solidFill>
+          <a:ln>
+            <a:noFill/>
+          </a:ln>
+        </p:spPr>
+        <p:style>
+          <a:lnRef idx="2">
+            <a:schemeClr val="accent1">
+              <a:shade val="50000"/>
+            </a:schemeClr>
+          </a:lnRef>
+          <a:fillRef idx="1">
+            <a:schemeClr val="accent1"/>
+          </a:fillRef>
+          <a:effectRef idx="0">
+            <a:schemeClr val="accent1"/>
+          </a:effectRef>
+          <a:fontRef idx="minor">
+            <a:schemeClr val="lt1"/>
+          </a:fontRef>
+        </p:style>
+        <p:txBody>
+          <a:bodyPr rtlCol="0" anchor="ctr"/>
+          <a:lstStyle/>
+          <a:p>
+            <a:pPr algn="ctr"/>
+            <a:endParaRPr lang="zh-CN" altLang="en-US"/>
+          </a:p>
+        </p:txBody>
+      </p:sp>
+      <p:cxnSp>
+        <p:nvCxnSpPr>
+          <p:cNvPr id="6" name="直接连接符 5">
+            <a:extLst>
+              <a:ext uri="{FF2B5EF4-FFF2-40B4-BE49-F238E27FC236}">
+                <a16:creationId xmlns:a16="http://schemas.microsoft.com/office/drawing/2014/main" id="{89D0ED6E-9637-4BA9-9E46-2653A77A44E3}"/>
+              </a:ext>
+            </a:extLst>
+          </p:cNvPr>
+          <p:cNvCxnSpPr/>
+          <p:nvPr/>
+        </p:nvCxnSpPr>
+        <p:spPr>
+          <a:xfrm>
+            <a:off x="920684" y="584762"/>
+            <a:ext cx="10350631" cy="0"/>
+          </a:xfrm>
+          <a:prstGeom prst="line">
+            <a:avLst/>
+          </a:prstGeom>
+          <a:ln>
+            <a:solidFill>
+              <a:schemeClr val="tx2">
+                <a:lumMod val="40000"/>
+                <a:lumOff val="60000"/>
+              </a:schemeClr>
+            </a:solidFill>
+            <a:prstDash val="dash"/>
+          </a:ln>
+        </p:spPr>
+        <p:style>
+          <a:lnRef idx="1">
+            <a:schemeClr val="accent1"/>
+          </a:lnRef>
+          <a:fillRef idx="0">
+            <a:schemeClr val="accent1"/>
+          </a:fillRef>
+          <a:effectRef idx="0">
+            <a:schemeClr val="accent1"/>
+          </a:effectRef>
+          <a:fontRef idx="minor">
+            <a:schemeClr val="tx1"/>
+          </a:fontRef>
+        </p:style>
+      </p:cxnSp>
+      <p:sp>
+        <p:nvSpPr>
+          <p:cNvPr id="7" name="文本框 6">
+            <a:extLst>
+              <a:ext uri="{FF2B5EF4-FFF2-40B4-BE49-F238E27FC236}">
+                <a16:creationId xmlns:a16="http://schemas.microsoft.com/office/drawing/2014/main" id="{FB657D43-34B0-4FC8-BE54-3C2BA4DDB72B}"/>
+              </a:ext>
+            </a:extLst>
+          </p:cNvPr>
+          <p:cNvSpPr txBox="1"/>
+          <p:nvPr/>
+        </p:nvSpPr>
+        <p:spPr>
+          <a:xfrm>
+            <a:off x="992221" y="669303"/>
+            <a:ext cx="4108817" cy="369332"/>
+          </a:xfrm>
+          <a:prstGeom prst="rect">
+            <a:avLst/>
+          </a:prstGeom>
+          <a:noFill/>
+        </p:spPr>
+        <p:txBody>
+          <a:bodyPr wrap="none" rtlCol="0">
+            <a:spAutoFit/>
+          </a:bodyPr>
+          <a:lstStyle/>
+          <a:p>
+            <a:r>
+              <a:rPr lang="en-US" altLang="zh-CN" b="1" dirty="0">
+                <a:latin typeface="Arial" panose="020B0604020202020204" pitchFamily="34" charset="0"/>
+                <a:cs typeface="Arial" panose="020B0604020202020204" pitchFamily="34" charset="0"/>
+              </a:rPr>
+              <a:t>Representing trajectories and maps</a:t>
+            </a:r>
+            <a:endParaRPr lang="zh-CN" altLang="en-US" b="1" dirty="0">
+              <a:latin typeface="Arial" panose="020B0604020202020204" pitchFamily="34" charset="0"/>
+              <a:cs typeface="Arial" panose="020B0604020202020204" pitchFamily="34" charset="0"/>
+            </a:endParaRPr>
+          </a:p>
+        </p:txBody>
+      </p:sp>
+      <p:sp>
+        <p:nvSpPr>
+          <p:cNvPr id="9" name="文本框 8">
+            <a:extLst>
+              <a:ext uri="{FF2B5EF4-FFF2-40B4-BE49-F238E27FC236}">
+                <a16:creationId xmlns:a16="http://schemas.microsoft.com/office/drawing/2014/main" id="{B829983B-D66B-4BAE-95AE-CD2D4EA6EF57}"/>
+              </a:ext>
+            </a:extLst>
+          </p:cNvPr>
+          <p:cNvSpPr txBox="1"/>
+          <p:nvPr/>
+        </p:nvSpPr>
+        <p:spPr>
+          <a:xfrm>
+            <a:off x="992221" y="1258242"/>
+            <a:ext cx="10428051" cy="1154675"/>
+          </a:xfrm>
+          <a:prstGeom prst="rect">
+            <a:avLst/>
+          </a:prstGeom>
+          <a:noFill/>
+        </p:spPr>
+        <p:txBody>
+          <a:bodyPr wrap="square" rtlCol="0">
+            <a:spAutoFit/>
+          </a:bodyPr>
+          <a:lstStyle/>
+          <a:p>
+            <a:pPr algn="just">
+              <a:lnSpc>
+                <a:spcPct val="150000"/>
+              </a:lnSpc>
+            </a:pPr>
+            <a:r>
+              <a:rPr lang="en-US" altLang="zh-CN" sz="1600" dirty="0">
+                <a:latin typeface="Arial" panose="020B0604020202020204" pitchFamily="34" charset="0"/>
+                <a:cs typeface="Arial" panose="020B0604020202020204" pitchFamily="34" charset="0"/>
+              </a:rPr>
+              <a:t>        Because all of the lanes and trajectories are represented by point sets initially. So, we need to incorporate neighboring two point to vectorize these points and construct vector sets. Then we keep vector sets and remove point sets. Because the future trajectory sample points are our predict target, so we keep them.</a:t>
+            </a:r>
+          </a:p>
+        </p:txBody>
+      </p:sp>
+      <p:sp>
+        <p:nvSpPr>
+          <p:cNvPr id="10" name="文本框 9">
+            <a:extLst>
+              <a:ext uri="{FF2B5EF4-FFF2-40B4-BE49-F238E27FC236}">
+                <a16:creationId xmlns:a16="http://schemas.microsoft.com/office/drawing/2014/main" id="{AC339B83-E3FC-4060-B702-715D9808DA26}"/>
+              </a:ext>
+            </a:extLst>
+          </p:cNvPr>
+          <p:cNvSpPr txBox="1"/>
+          <p:nvPr/>
+        </p:nvSpPr>
+        <p:spPr>
+          <a:xfrm>
+            <a:off x="4115328" y="5484425"/>
+            <a:ext cx="3961341" cy="461665"/>
+          </a:xfrm>
+          <a:prstGeom prst="rect">
+            <a:avLst/>
+          </a:prstGeom>
+          <a:noFill/>
+        </p:spPr>
+        <p:txBody>
+          <a:bodyPr wrap="none" rtlCol="0">
+            <a:spAutoFit/>
+          </a:bodyPr>
+          <a:lstStyle/>
+          <a:p>
+            <a:pPr algn="ctr"/>
+            <a:r>
+              <a:rPr lang="en-US" altLang="zh-CN" sz="1200" b="1" dirty="0">
+                <a:latin typeface="Arial" panose="020B0604020202020204" pitchFamily="34" charset="0"/>
+                <a:cs typeface="Arial" panose="020B0604020202020204" pitchFamily="34" charset="0"/>
+              </a:rPr>
+              <a:t>Figure 3. The process of vectorization of agent and </a:t>
+            </a:r>
+          </a:p>
+          <a:p>
+            <a:pPr algn="ctr"/>
+            <a:r>
+              <a:rPr lang="en-US" altLang="zh-CN" sz="1200" b="1" dirty="0">
+                <a:latin typeface="Arial" panose="020B0604020202020204" pitchFamily="34" charset="0"/>
+                <a:cs typeface="Arial" panose="020B0604020202020204" pitchFamily="34" charset="0"/>
+              </a:rPr>
+              <a:t>observed trajectory sample points</a:t>
+            </a:r>
+            <a:endParaRPr lang="zh-CN" altLang="en-US" sz="1200" b="1" dirty="0">
+              <a:latin typeface="Arial" panose="020B0604020202020204" pitchFamily="34" charset="0"/>
+              <a:cs typeface="Arial" panose="020B0604020202020204" pitchFamily="34" charset="0"/>
+            </a:endParaRPr>
+          </a:p>
+        </p:txBody>
+      </p:sp>
+    </p:spTree>
+    <p:extLst>
+      <p:ext uri="{BB962C8B-B14F-4D97-AF65-F5344CB8AC3E}">
+        <p14:creationId xmlns:p14="http://schemas.microsoft.com/office/powerpoint/2010/main" val="1450827884"/>
+      </p:ext>
+    </p:extLst>
+  </p:cSld>
+  <p:clrMapOvr>
+    <a:masterClrMapping/>
+  </p:clrMapOvr>
+</p:sld>
+</file>
+
+<file path=ppt/slides/slide9.xml><?xml version="1.0" encoding="utf-8"?>
+<p:sld xmlns:a="http://schemas.openxmlformats.org/drawingml/2006/main" xmlns:r="http://schemas.openxmlformats.org/officeDocument/2006/relationships" xmlns:p="http://schemas.openxmlformats.org/presentationml/2006/main">
+  <p:cSld>
+    <p:spTree>
+      <p:nvGrpSpPr>
+        <p:cNvPr id="1" name=""/>
+        <p:cNvGrpSpPr/>
+        <p:nvPr/>
+      </p:nvGrpSpPr>
+      <p:grpSpPr>
+        <a:xfrm>
+          <a:off x="0" y="0"/>
+          <a:ext cx="0" cy="0"/>
+          <a:chOff x="0" y="0"/>
+          <a:chExt cx="0" cy="0"/>
+        </a:xfrm>
+      </p:grpSpPr>
+      <p:sp>
+        <p:nvSpPr>
+          <p:cNvPr id="4" name="矩形 3">
+            <a:extLst>
+              <a:ext uri="{FF2B5EF4-FFF2-40B4-BE49-F238E27FC236}">
+                <a16:creationId xmlns:a16="http://schemas.microsoft.com/office/drawing/2014/main" id="{86CA40CB-69A5-4370-BB91-2BF9FD622FD5}"/>
+              </a:ext>
+            </a:extLst>
+          </p:cNvPr>
+          <p:cNvSpPr/>
+          <p:nvPr/>
+        </p:nvSpPr>
+        <p:spPr>
+          <a:xfrm>
+            <a:off x="603315" y="386499"/>
+            <a:ext cx="197963" cy="565608"/>
+          </a:xfrm>
+          <a:prstGeom prst="rect">
+            <a:avLst/>
+          </a:prstGeom>
+          <a:solidFill>
+            <a:schemeClr val="bg2">
+              <a:lumMod val="75000"/>
+            </a:schemeClr>
+          </a:solidFill>
+          <a:ln>
+            <a:noFill/>
+          </a:ln>
+        </p:spPr>
+        <p:style>
+          <a:lnRef idx="2">
+            <a:schemeClr val="accent1">
+              <a:shade val="50000"/>
+            </a:schemeClr>
+          </a:lnRef>
+          <a:fillRef idx="1">
+            <a:schemeClr val="accent1"/>
+          </a:fillRef>
+          <a:effectRef idx="0">
+            <a:schemeClr val="accent1"/>
+          </a:effectRef>
+          <a:fontRef idx="minor">
+            <a:schemeClr val="lt1"/>
+          </a:fontRef>
+        </p:style>
+        <p:txBody>
+          <a:bodyPr rtlCol="0" anchor="ctr"/>
+          <a:lstStyle/>
+          <a:p>
+            <a:pPr algn="ctr"/>
+            <a:endParaRPr lang="zh-CN" altLang="en-US"/>
+          </a:p>
+        </p:txBody>
+      </p:sp>
+      <p:cxnSp>
+        <p:nvCxnSpPr>
+          <p:cNvPr id="6" name="直接连接符 5">
+            <a:extLst>
+              <a:ext uri="{FF2B5EF4-FFF2-40B4-BE49-F238E27FC236}">
+                <a16:creationId xmlns:a16="http://schemas.microsoft.com/office/drawing/2014/main" id="{89D0ED6E-9637-4BA9-9E46-2653A77A44E3}"/>
+              </a:ext>
+            </a:extLst>
+          </p:cNvPr>
+          <p:cNvCxnSpPr/>
+          <p:nvPr/>
+        </p:nvCxnSpPr>
+        <p:spPr>
+          <a:xfrm>
+            <a:off x="920684" y="584762"/>
+            <a:ext cx="10350631" cy="0"/>
+          </a:xfrm>
+          <a:prstGeom prst="line">
+            <a:avLst/>
+          </a:prstGeom>
+          <a:ln>
+            <a:solidFill>
+              <a:schemeClr val="tx2">
+                <a:lumMod val="40000"/>
+                <a:lumOff val="60000"/>
+              </a:schemeClr>
+            </a:solidFill>
+            <a:prstDash val="dash"/>
+          </a:ln>
+        </p:spPr>
+        <p:style>
+          <a:lnRef idx="1">
+            <a:schemeClr val="accent1"/>
+          </a:lnRef>
+          <a:fillRef idx="0">
+            <a:schemeClr val="accent1"/>
+          </a:fillRef>
+          <a:effectRef idx="0">
+            <a:schemeClr val="accent1"/>
+          </a:effectRef>
+          <a:fontRef idx="minor">
+            <a:schemeClr val="tx1"/>
+          </a:fontRef>
+        </p:style>
+      </p:cxnSp>
+      <p:sp>
+        <p:nvSpPr>
+          <p:cNvPr id="7" name="文本框 6">
+            <a:extLst>
+              <a:ext uri="{FF2B5EF4-FFF2-40B4-BE49-F238E27FC236}">
+                <a16:creationId xmlns:a16="http://schemas.microsoft.com/office/drawing/2014/main" id="{FB657D43-34B0-4FC8-BE54-3C2BA4DDB72B}"/>
+              </a:ext>
+            </a:extLst>
+          </p:cNvPr>
+          <p:cNvSpPr txBox="1"/>
+          <p:nvPr/>
+        </p:nvSpPr>
+        <p:spPr>
+          <a:xfrm>
+            <a:off x="992221" y="669303"/>
             <a:ext cx="4339650" cy="369332"/>
           </a:xfrm>
           <a:prstGeom prst="rect">
@@ -5997,7 +7129,7 @@
         <p:spPr>
           <a:xfrm>
             <a:off x="992221" y="1258242"/>
-            <a:ext cx="10428051" cy="416011"/>
+            <a:ext cx="10428051" cy="1154675"/>
           </a:xfrm>
           <a:prstGeom prst="rect">
             <a:avLst/>
@@ -6016,19 +7148,1763 @@
               </a:lnSpc>
             </a:pPr>
             <a:r>
-              <a:rPr lang="en-US" altLang="zh-CN" sz="1600">
+              <a:rPr lang="en-US" altLang="zh-CN" sz="1600" dirty="0">
                 <a:latin typeface="Arial" panose="020B0604020202020204" pitchFamily="34" charset="0"/>
                 <a:cs typeface="Arial" panose="020B0604020202020204" pitchFamily="34" charset="0"/>
               </a:rPr>
-              <a:t>        There</a:t>
-            </a:r>
-            <a:endParaRPr lang="en-US" altLang="zh-CN" sz="1600" dirty="0">
-              <a:latin typeface="Arial" panose="020B0604020202020204" pitchFamily="34" charset="0"/>
-              <a:cs typeface="Arial" panose="020B0604020202020204" pitchFamily="34" charset="0"/>
-            </a:endParaRPr>
-          </a:p>
-        </p:txBody>
-      </p:sp>
+              <a:t>        According to the paper, one vector set can be represented a polyline. As stated before, one lane represent a vector set and the observed is also a vector set. So, we need to see lane vector sets and observed trajectory vector sets as polylines. Then constructing the polyline subgraphs to convert them to polyline level features.  </a:t>
+            </a:r>
+          </a:p>
+        </p:txBody>
+      </p:sp>
+      <p:pic>
+        <p:nvPicPr>
+          <p:cNvPr id="3" name="图片 2">
+            <a:extLst>
+              <a:ext uri="{FF2B5EF4-FFF2-40B4-BE49-F238E27FC236}">
+                <a16:creationId xmlns:a16="http://schemas.microsoft.com/office/drawing/2014/main" id="{C1E5190E-AA1C-46CD-9763-295588503720}"/>
+              </a:ext>
+            </a:extLst>
+          </p:cNvPr>
+          <p:cNvPicPr>
+            <a:picLocks noChangeAspect="1"/>
+          </p:cNvPicPr>
+          <p:nvPr/>
+        </p:nvPicPr>
+        <p:blipFill>
+          <a:blip r:embed="rId2">
+            <a:extLst>
+              <a:ext uri="{28A0092B-C50C-407E-A947-70E740481C1C}">
+                <a14:useLocalDpi xmlns:a14="http://schemas.microsoft.com/office/drawing/2010/main" val="0"/>
+              </a:ext>
+            </a:extLst>
+          </a:blip>
+          <a:stretch>
+            <a:fillRect/>
+          </a:stretch>
+        </p:blipFill>
+        <p:spPr>
+          <a:xfrm>
+            <a:off x="1388196" y="2507187"/>
+            <a:ext cx="3149599" cy="3578009"/>
+          </a:xfrm>
+          <a:prstGeom prst="rect">
+            <a:avLst/>
+          </a:prstGeom>
+        </p:spPr>
+      </p:pic>
+      <mc:AlternateContent xmlns:mc="http://schemas.openxmlformats.org/markup-compatibility/2006">
+        <mc:Choice xmlns:a14="http://schemas.microsoft.com/office/drawing/2010/main" Requires="a14">
+          <p:sp>
+            <p:nvSpPr>
+              <p:cNvPr id="10" name="文本框 9">
+                <a:extLst>
+                  <a:ext uri="{FF2B5EF4-FFF2-40B4-BE49-F238E27FC236}">
+                    <a16:creationId xmlns:a16="http://schemas.microsoft.com/office/drawing/2014/main" id="{577D50C5-3860-4078-AB49-4A4A1B7711F4}"/>
+                  </a:ext>
+                </a:extLst>
+              </p:cNvPr>
+              <p:cNvSpPr txBox="1"/>
+              <p:nvPr/>
+            </p:nvSpPr>
+            <p:spPr>
+              <a:xfrm>
+                <a:off x="701007" y="6212264"/>
+                <a:ext cx="4523995" cy="518091"/>
+              </a:xfrm>
+              <a:prstGeom prst="rect">
+                <a:avLst/>
+              </a:prstGeom>
+              <a:noFill/>
+            </p:spPr>
+            <p:txBody>
+              <a:bodyPr wrap="none" rtlCol="0">
+                <a:spAutoFit/>
+              </a:bodyPr>
+              <a:lstStyle/>
+              <a:p>
+                <a:pPr algn="ctr"/>
+                <a:r>
+                  <a:rPr lang="en-US" altLang="zh-CN" sz="1200" b="1" dirty="0">
+                    <a:latin typeface="Arial" panose="020B0604020202020204" pitchFamily="34" charset="0"/>
+                    <a:cs typeface="Arial" panose="020B0604020202020204" pitchFamily="34" charset="0"/>
+                  </a:rPr>
+                  <a:t>Figure 4. The detailed operation flow about how to get </a:t>
+                </a:r>
+                <a14:m>
+                  <m:oMath xmlns:m="http://schemas.openxmlformats.org/officeDocument/2006/math">
+                    <m:sSubSup>
+                      <m:sSubSupPr>
+                        <m:ctrlPr>
+                          <a:rPr lang="en-US" altLang="zh-CN" sz="1200" b="1" i="1" smtClean="0">
+                            <a:latin typeface="Cambria Math" panose="02040503050406030204" pitchFamily="18" charset="0"/>
+                            <a:cs typeface="Arial" panose="020B0604020202020204" pitchFamily="34" charset="0"/>
+                          </a:rPr>
+                        </m:ctrlPr>
+                      </m:sSubSupPr>
+                      <m:e>
+                        <m:r>
+                          <a:rPr lang="en-US" altLang="zh-CN" sz="1200" b="1" i="1" smtClean="0">
+                            <a:latin typeface="Cambria Math" panose="02040503050406030204" pitchFamily="18" charset="0"/>
+                            <a:cs typeface="Arial" panose="020B0604020202020204" pitchFamily="34" charset="0"/>
+                          </a:rPr>
+                          <m:t>𝒗</m:t>
+                        </m:r>
+                      </m:e>
+                      <m:sub>
+                        <m:r>
+                          <a:rPr lang="en-US" altLang="zh-CN" sz="1200" b="1" i="1" smtClean="0">
+                            <a:latin typeface="Cambria Math" panose="02040503050406030204" pitchFamily="18" charset="0"/>
+                            <a:cs typeface="Arial" panose="020B0604020202020204" pitchFamily="34" charset="0"/>
+                          </a:rPr>
+                          <m:t>𝒊</m:t>
+                        </m:r>
+                      </m:sub>
+                      <m:sup>
+                        <m:r>
+                          <a:rPr lang="en-US" altLang="zh-CN" sz="1200" b="1" i="1" smtClean="0">
+                            <a:latin typeface="Cambria Math" panose="02040503050406030204" pitchFamily="18" charset="0"/>
+                            <a:cs typeface="Arial" panose="020B0604020202020204" pitchFamily="34" charset="0"/>
+                          </a:rPr>
+                          <m:t>𝒍</m:t>
+                        </m:r>
+                        <m:r>
+                          <a:rPr lang="en-US" altLang="zh-CN" sz="1200" b="1" i="1" smtClean="0">
+                            <a:latin typeface="Cambria Math" panose="02040503050406030204" pitchFamily="18" charset="0"/>
+                            <a:cs typeface="Arial" panose="020B0604020202020204" pitchFamily="34" charset="0"/>
+                          </a:rPr>
+                          <m:t>+</m:t>
+                        </m:r>
+                        <m:r>
+                          <a:rPr lang="en-US" altLang="zh-CN" sz="1200" b="1" i="1" smtClean="0">
+                            <a:latin typeface="Cambria Math" panose="02040503050406030204" pitchFamily="18" charset="0"/>
+                            <a:cs typeface="Arial" panose="020B0604020202020204" pitchFamily="34" charset="0"/>
+                          </a:rPr>
+                          <m:t>𝟏</m:t>
+                        </m:r>
+                      </m:sup>
+                    </m:sSubSup>
+                  </m:oMath>
+                </a14:m>
+                <a:r>
+                  <a:rPr lang="zh-CN" altLang="en-US" sz="1200" b="1" dirty="0">
+                    <a:latin typeface="Arial" panose="020B0604020202020204" pitchFamily="34" charset="0"/>
+                    <a:cs typeface="Arial" panose="020B0604020202020204" pitchFamily="34" charset="0"/>
+                  </a:rPr>
+                  <a:t> </a:t>
+                </a:r>
+                <a:endParaRPr lang="en-US" altLang="zh-CN" sz="1200" b="1" dirty="0">
+                  <a:latin typeface="Arial" panose="020B0604020202020204" pitchFamily="34" charset="0"/>
+                  <a:cs typeface="Arial" panose="020B0604020202020204" pitchFamily="34" charset="0"/>
+                </a:endParaRPr>
+              </a:p>
+              <a:p>
+                <a:pPr algn="ctr"/>
+                <a:r>
+                  <a:rPr lang="en-US" altLang="zh-CN" sz="1200" b="1" dirty="0">
+                    <a:latin typeface="Arial" panose="020B0604020202020204" pitchFamily="34" charset="0"/>
+                    <a:cs typeface="Arial" panose="020B0604020202020204" pitchFamily="34" charset="0"/>
+                  </a:rPr>
+                  <a:t>from </a:t>
+                </a:r>
+                <a14:m>
+                  <m:oMath xmlns:m="http://schemas.openxmlformats.org/officeDocument/2006/math">
+                    <m:r>
+                      <a:rPr lang="en-US" altLang="zh-CN" sz="1200" b="1" i="0" smtClean="0">
+                        <a:latin typeface="Cambria Math" panose="02040503050406030204" pitchFamily="18" charset="0"/>
+                        <a:cs typeface="Arial" panose="020B0604020202020204" pitchFamily="34" charset="0"/>
+                      </a:rPr>
+                      <m:t>{</m:t>
+                    </m:r>
+                    <m:sSubSup>
+                      <m:sSubSupPr>
+                        <m:ctrlPr>
+                          <a:rPr lang="en-US" altLang="zh-CN" sz="1200" b="1" i="1" smtClean="0">
+                            <a:latin typeface="Cambria Math" panose="02040503050406030204" pitchFamily="18" charset="0"/>
+                            <a:cs typeface="Arial" panose="020B0604020202020204" pitchFamily="34" charset="0"/>
+                          </a:rPr>
+                        </m:ctrlPr>
+                      </m:sSubSupPr>
+                      <m:e>
+                        <m:r>
+                          <a:rPr lang="en-US" altLang="zh-CN" sz="1200" b="1" i="1" smtClean="0">
+                            <a:latin typeface="Cambria Math" panose="02040503050406030204" pitchFamily="18" charset="0"/>
+                            <a:cs typeface="Arial" panose="020B0604020202020204" pitchFamily="34" charset="0"/>
+                          </a:rPr>
+                          <m:t>𝒗</m:t>
+                        </m:r>
+                      </m:e>
+                      <m:sub>
+                        <m:r>
+                          <a:rPr lang="en-US" altLang="zh-CN" sz="1200" b="1" i="1" smtClean="0">
+                            <a:latin typeface="Cambria Math" panose="02040503050406030204" pitchFamily="18" charset="0"/>
+                            <a:cs typeface="Arial" panose="020B0604020202020204" pitchFamily="34" charset="0"/>
+                          </a:rPr>
+                          <m:t>𝟏</m:t>
+                        </m:r>
+                      </m:sub>
+                      <m:sup>
+                        <m:r>
+                          <a:rPr lang="en-US" altLang="zh-CN" sz="1200" b="1" i="1" smtClean="0">
+                            <a:latin typeface="Cambria Math" panose="02040503050406030204" pitchFamily="18" charset="0"/>
+                            <a:cs typeface="Arial" panose="020B0604020202020204" pitchFamily="34" charset="0"/>
+                          </a:rPr>
+                          <m:t>𝒍</m:t>
+                        </m:r>
+                      </m:sup>
+                    </m:sSubSup>
+                  </m:oMath>
+                </a14:m>
+                <a:r>
+                  <a:rPr lang="en-US" altLang="zh-CN" sz="1200" b="1" dirty="0">
+                    <a:latin typeface="Arial" panose="020B0604020202020204" pitchFamily="34" charset="0"/>
+                    <a:cs typeface="Arial" panose="020B0604020202020204" pitchFamily="34" charset="0"/>
+                  </a:rPr>
+                  <a:t>, </a:t>
+                </a:r>
+                <a14:m>
+                  <m:oMath xmlns:m="http://schemas.openxmlformats.org/officeDocument/2006/math">
+                    <m:sSubSup>
+                      <m:sSubSupPr>
+                        <m:ctrlPr>
+                          <a:rPr lang="en-US" altLang="zh-CN" sz="1200" b="1" i="1" smtClean="0">
+                            <a:latin typeface="Cambria Math" panose="02040503050406030204" pitchFamily="18" charset="0"/>
+                            <a:cs typeface="Arial" panose="020B0604020202020204" pitchFamily="34" charset="0"/>
+                          </a:rPr>
+                        </m:ctrlPr>
+                      </m:sSubSupPr>
+                      <m:e>
+                        <m:r>
+                          <a:rPr lang="en-US" altLang="zh-CN" sz="1200" b="1" i="1" smtClean="0">
+                            <a:latin typeface="Cambria Math" panose="02040503050406030204" pitchFamily="18" charset="0"/>
+                            <a:cs typeface="Arial" panose="020B0604020202020204" pitchFamily="34" charset="0"/>
+                          </a:rPr>
+                          <m:t>𝒗</m:t>
+                        </m:r>
+                      </m:e>
+                      <m:sub>
+                        <m:r>
+                          <a:rPr lang="en-US" altLang="zh-CN" sz="1200" b="1" i="1" smtClean="0">
+                            <a:latin typeface="Cambria Math" panose="02040503050406030204" pitchFamily="18" charset="0"/>
+                            <a:cs typeface="Arial" panose="020B0604020202020204" pitchFamily="34" charset="0"/>
+                          </a:rPr>
+                          <m:t>𝟐</m:t>
+                        </m:r>
+                      </m:sub>
+                      <m:sup>
+                        <m:r>
+                          <a:rPr lang="en-US" altLang="zh-CN" sz="1200" b="1" i="1" smtClean="0">
+                            <a:latin typeface="Cambria Math" panose="02040503050406030204" pitchFamily="18" charset="0"/>
+                            <a:cs typeface="Arial" panose="020B0604020202020204" pitchFamily="34" charset="0"/>
+                          </a:rPr>
+                          <m:t>𝒍</m:t>
+                        </m:r>
+                      </m:sup>
+                    </m:sSubSup>
+                  </m:oMath>
+                </a14:m>
+                <a:r>
+                  <a:rPr lang="en-US" altLang="zh-CN" sz="1200" b="1" dirty="0">
+                    <a:latin typeface="Arial" panose="020B0604020202020204" pitchFamily="34" charset="0"/>
+                    <a:cs typeface="Arial" panose="020B0604020202020204" pitchFamily="34" charset="0"/>
+                  </a:rPr>
+                  <a:t>, </a:t>
+                </a:r>
+                <a14:m>
+                  <m:oMath xmlns:m="http://schemas.openxmlformats.org/officeDocument/2006/math">
+                    <m:r>
+                      <a:rPr lang="en-US" altLang="zh-CN" sz="1200" b="1" i="1" smtClean="0">
+                        <a:latin typeface="Cambria Math" panose="02040503050406030204" pitchFamily="18" charset="0"/>
+                        <a:ea typeface="Cambria Math" panose="02040503050406030204" pitchFamily="18" charset="0"/>
+                        <a:cs typeface="Arial" panose="020B0604020202020204" pitchFamily="34" charset="0"/>
+                      </a:rPr>
+                      <m:t>⋯⋯</m:t>
+                    </m:r>
+                  </m:oMath>
+                </a14:m>
+                <a:r>
+                  <a:rPr lang="en-US" altLang="zh-CN" sz="1200" b="1" dirty="0">
+                    <a:latin typeface="Arial" panose="020B0604020202020204" pitchFamily="34" charset="0"/>
+                    <a:cs typeface="Arial" panose="020B0604020202020204" pitchFamily="34" charset="0"/>
+                  </a:rPr>
+                  <a:t>, </a:t>
+                </a:r>
+                <a14:m>
+                  <m:oMath xmlns:m="http://schemas.openxmlformats.org/officeDocument/2006/math">
+                    <m:sSubSup>
+                      <m:sSubSupPr>
+                        <m:ctrlPr>
+                          <a:rPr lang="en-US" altLang="zh-CN" sz="1200" b="1" i="1" smtClean="0">
+                            <a:latin typeface="Cambria Math" panose="02040503050406030204" pitchFamily="18" charset="0"/>
+                            <a:cs typeface="Arial" panose="020B0604020202020204" pitchFamily="34" charset="0"/>
+                          </a:rPr>
+                        </m:ctrlPr>
+                      </m:sSubSupPr>
+                      <m:e>
+                        <m:r>
+                          <a:rPr lang="en-US" altLang="zh-CN" sz="1200" b="1" i="1" smtClean="0">
+                            <a:latin typeface="Cambria Math" panose="02040503050406030204" pitchFamily="18" charset="0"/>
+                            <a:cs typeface="Arial" panose="020B0604020202020204" pitchFamily="34" charset="0"/>
+                          </a:rPr>
+                          <m:t>𝒗</m:t>
+                        </m:r>
+                      </m:e>
+                      <m:sub>
+                        <m:r>
+                          <a:rPr lang="en-US" altLang="zh-CN" sz="1200" b="1" i="1" smtClean="0">
+                            <a:latin typeface="Cambria Math" panose="02040503050406030204" pitchFamily="18" charset="0"/>
+                            <a:cs typeface="Arial" panose="020B0604020202020204" pitchFamily="34" charset="0"/>
+                          </a:rPr>
+                          <m:t>𝒊</m:t>
+                        </m:r>
+                      </m:sub>
+                      <m:sup>
+                        <m:r>
+                          <a:rPr lang="en-US" altLang="zh-CN" sz="1200" b="1" i="1" smtClean="0">
+                            <a:latin typeface="Cambria Math" panose="02040503050406030204" pitchFamily="18" charset="0"/>
+                            <a:cs typeface="Arial" panose="020B0604020202020204" pitchFamily="34" charset="0"/>
+                          </a:rPr>
+                          <m:t>𝒍</m:t>
+                        </m:r>
+                      </m:sup>
+                    </m:sSubSup>
+                  </m:oMath>
+                </a14:m>
+                <a:r>
+                  <a:rPr lang="en-US" altLang="zh-CN" sz="1200" b="1" dirty="0">
+                    <a:latin typeface="Arial" panose="020B0604020202020204" pitchFamily="34" charset="0"/>
+                    <a:cs typeface="Arial" panose="020B0604020202020204" pitchFamily="34" charset="0"/>
+                  </a:rPr>
+                  <a:t>, </a:t>
+                </a:r>
+                <a14:m>
+                  <m:oMath xmlns:m="http://schemas.openxmlformats.org/officeDocument/2006/math">
+                    <m:r>
+                      <a:rPr lang="en-US" altLang="zh-CN" sz="1200" b="1" i="1" smtClean="0">
+                        <a:latin typeface="Cambria Math" panose="02040503050406030204" pitchFamily="18" charset="0"/>
+                        <a:ea typeface="Cambria Math" panose="02040503050406030204" pitchFamily="18" charset="0"/>
+                        <a:cs typeface="Arial" panose="020B0604020202020204" pitchFamily="34" charset="0"/>
+                      </a:rPr>
+                      <m:t>⋯⋯</m:t>
+                    </m:r>
+                  </m:oMath>
+                </a14:m>
+                <a:r>
+                  <a:rPr lang="en-US" altLang="zh-CN" sz="1200" b="1" dirty="0">
+                    <a:latin typeface="Arial" panose="020B0604020202020204" pitchFamily="34" charset="0"/>
+                    <a:cs typeface="Arial" panose="020B0604020202020204" pitchFamily="34" charset="0"/>
+                  </a:rPr>
+                  <a:t>, </a:t>
+                </a:r>
+                <a14:m>
+                  <m:oMath xmlns:m="http://schemas.openxmlformats.org/officeDocument/2006/math">
+                    <m:sSubSup>
+                      <m:sSubSupPr>
+                        <m:ctrlPr>
+                          <a:rPr lang="en-US" altLang="zh-CN" sz="1200" b="1" i="1" smtClean="0">
+                            <a:latin typeface="Cambria Math" panose="02040503050406030204" pitchFamily="18" charset="0"/>
+                            <a:cs typeface="Arial" panose="020B0604020202020204" pitchFamily="34" charset="0"/>
+                          </a:rPr>
+                        </m:ctrlPr>
+                      </m:sSubSupPr>
+                      <m:e>
+                        <m:r>
+                          <a:rPr lang="en-US" altLang="zh-CN" sz="1200" b="1" i="1" smtClean="0">
+                            <a:latin typeface="Cambria Math" panose="02040503050406030204" pitchFamily="18" charset="0"/>
+                            <a:cs typeface="Arial" panose="020B0604020202020204" pitchFamily="34" charset="0"/>
+                          </a:rPr>
+                          <m:t>𝒗</m:t>
+                        </m:r>
+                      </m:e>
+                      <m:sub>
+                        <m:r>
+                          <a:rPr lang="en-US" altLang="zh-CN" sz="1200" b="1" i="1" smtClean="0">
+                            <a:latin typeface="Cambria Math" panose="02040503050406030204" pitchFamily="18" charset="0"/>
+                            <a:cs typeface="Arial" panose="020B0604020202020204" pitchFamily="34" charset="0"/>
+                          </a:rPr>
+                          <m:t>𝒑</m:t>
+                        </m:r>
+                        <m:r>
+                          <a:rPr lang="en-US" altLang="zh-CN" sz="1200" b="1" i="1" smtClean="0">
+                            <a:latin typeface="Cambria Math" panose="02040503050406030204" pitchFamily="18" charset="0"/>
+                            <a:cs typeface="Arial" panose="020B0604020202020204" pitchFamily="34" charset="0"/>
+                          </a:rPr>
+                          <m:t>−</m:t>
+                        </m:r>
+                        <m:r>
+                          <a:rPr lang="en-US" altLang="zh-CN" sz="1200" b="1" i="1" smtClean="0">
+                            <a:latin typeface="Cambria Math" panose="02040503050406030204" pitchFamily="18" charset="0"/>
+                            <a:cs typeface="Arial" panose="020B0604020202020204" pitchFamily="34" charset="0"/>
+                          </a:rPr>
+                          <m:t>𝟏</m:t>
+                        </m:r>
+                      </m:sub>
+                      <m:sup>
+                        <m:r>
+                          <a:rPr lang="en-US" altLang="zh-CN" sz="1200" b="1" i="1" smtClean="0">
+                            <a:latin typeface="Cambria Math" panose="02040503050406030204" pitchFamily="18" charset="0"/>
+                            <a:cs typeface="Arial" panose="020B0604020202020204" pitchFamily="34" charset="0"/>
+                          </a:rPr>
+                          <m:t>𝒍</m:t>
+                        </m:r>
+                      </m:sup>
+                    </m:sSubSup>
+                  </m:oMath>
+                </a14:m>
+                <a:r>
+                  <a:rPr lang="en-US" altLang="zh-CN" sz="1200" b="1" dirty="0">
+                    <a:latin typeface="Arial" panose="020B0604020202020204" pitchFamily="34" charset="0"/>
+                    <a:cs typeface="Arial" panose="020B0604020202020204" pitchFamily="34" charset="0"/>
+                  </a:rPr>
+                  <a:t>, </a:t>
+                </a:r>
+                <a14:m>
+                  <m:oMath xmlns:m="http://schemas.openxmlformats.org/officeDocument/2006/math">
+                    <m:sSubSup>
+                      <m:sSubSupPr>
+                        <m:ctrlPr>
+                          <a:rPr lang="en-US" altLang="zh-CN" sz="1200" b="1" i="1" smtClean="0">
+                            <a:latin typeface="Cambria Math" panose="02040503050406030204" pitchFamily="18" charset="0"/>
+                            <a:cs typeface="Arial" panose="020B0604020202020204" pitchFamily="34" charset="0"/>
+                          </a:rPr>
+                        </m:ctrlPr>
+                      </m:sSubSupPr>
+                      <m:e>
+                        <m:r>
+                          <a:rPr lang="en-US" altLang="zh-CN" sz="1200" b="1" i="1" smtClean="0">
+                            <a:latin typeface="Cambria Math" panose="02040503050406030204" pitchFamily="18" charset="0"/>
+                            <a:cs typeface="Arial" panose="020B0604020202020204" pitchFamily="34" charset="0"/>
+                          </a:rPr>
+                          <m:t>𝒗</m:t>
+                        </m:r>
+                      </m:e>
+                      <m:sub>
+                        <m:r>
+                          <a:rPr lang="en-US" altLang="zh-CN" sz="1200" b="1" i="1" smtClean="0">
+                            <a:latin typeface="Cambria Math" panose="02040503050406030204" pitchFamily="18" charset="0"/>
+                            <a:cs typeface="Arial" panose="020B0604020202020204" pitchFamily="34" charset="0"/>
+                          </a:rPr>
+                          <m:t>𝒑</m:t>
+                        </m:r>
+                      </m:sub>
+                      <m:sup>
+                        <m:r>
+                          <a:rPr lang="en-US" altLang="zh-CN" sz="1200" b="1" i="1" smtClean="0">
+                            <a:latin typeface="Cambria Math" panose="02040503050406030204" pitchFamily="18" charset="0"/>
+                            <a:cs typeface="Arial" panose="020B0604020202020204" pitchFamily="34" charset="0"/>
+                          </a:rPr>
+                          <m:t>𝒍</m:t>
+                        </m:r>
+                      </m:sup>
+                    </m:sSubSup>
+                    <m:r>
+                      <a:rPr lang="en-US" altLang="zh-CN" sz="1200" b="1" i="1" smtClean="0">
+                        <a:latin typeface="Cambria Math" panose="02040503050406030204" pitchFamily="18" charset="0"/>
+                        <a:cs typeface="Arial" panose="020B0604020202020204" pitchFamily="34" charset="0"/>
+                      </a:rPr>
+                      <m:t>}</m:t>
+                    </m:r>
+                  </m:oMath>
+                </a14:m>
+                <a:endParaRPr lang="zh-CN" altLang="en-US" sz="1200" b="1" dirty="0">
+                  <a:latin typeface="Arial" panose="020B0604020202020204" pitchFamily="34" charset="0"/>
+                  <a:cs typeface="Arial" panose="020B0604020202020204" pitchFamily="34" charset="0"/>
+                </a:endParaRPr>
+              </a:p>
+            </p:txBody>
+          </p:sp>
+        </mc:Choice>
+        <mc:Fallback>
+          <p:sp>
+            <p:nvSpPr>
+              <p:cNvPr id="10" name="文本框 9">
+                <a:extLst>
+                  <a:ext uri="{FF2B5EF4-FFF2-40B4-BE49-F238E27FC236}">
+                    <a16:creationId xmlns:a16="http://schemas.microsoft.com/office/drawing/2014/main" id="{577D50C5-3860-4078-AB49-4A4A1B7711F4}"/>
+                  </a:ext>
+                </a:extLst>
+              </p:cNvPr>
+              <p:cNvSpPr txBox="1">
+                <a:spLocks noRot="1" noChangeAspect="1" noMove="1" noResize="1" noEditPoints="1" noAdjustHandles="1" noChangeArrowheads="1" noChangeShapeType="1" noTextEdit="1"/>
+              </p:cNvSpPr>
+              <p:nvPr/>
+            </p:nvSpPr>
+            <p:spPr>
+              <a:xfrm>
+                <a:off x="701007" y="6212264"/>
+                <a:ext cx="4523995" cy="518091"/>
+              </a:xfrm>
+              <a:prstGeom prst="rect">
+                <a:avLst/>
+              </a:prstGeom>
+              <a:blipFill>
+                <a:blip r:embed="rId3"/>
+                <a:stretch>
+                  <a:fillRect b="-2353"/>
+                </a:stretch>
+              </a:blipFill>
+            </p:spPr>
+            <p:txBody>
+              <a:bodyPr/>
+              <a:lstStyle/>
+              <a:p>
+                <a:r>
+                  <a:rPr lang="zh-CN" altLang="en-US">
+                    <a:noFill/>
+                  </a:rPr>
+                  <a:t> </a:t>
+                </a:r>
+              </a:p>
+            </p:txBody>
+          </p:sp>
+        </mc:Fallback>
+      </mc:AlternateContent>
+      <p:pic>
+        <p:nvPicPr>
+          <p:cNvPr id="44" name="图片 43">
+            <a:extLst>
+              <a:ext uri="{FF2B5EF4-FFF2-40B4-BE49-F238E27FC236}">
+                <a16:creationId xmlns:a16="http://schemas.microsoft.com/office/drawing/2014/main" id="{84F0CC1D-1F0A-4501-AE18-870A7D9C18B2}"/>
+              </a:ext>
+            </a:extLst>
+          </p:cNvPr>
+          <p:cNvPicPr>
+            <a:picLocks noChangeAspect="1"/>
+          </p:cNvPicPr>
+          <p:nvPr/>
+        </p:nvPicPr>
+        <p:blipFill>
+          <a:blip r:embed="rId4">
+            <a:extLst>
+              <a:ext uri="{28A0092B-C50C-407E-A947-70E740481C1C}">
+                <a14:useLocalDpi xmlns:a14="http://schemas.microsoft.com/office/drawing/2010/main" val="0"/>
+              </a:ext>
+            </a:extLst>
+          </a:blip>
+          <a:stretch>
+            <a:fillRect/>
+          </a:stretch>
+        </p:blipFill>
+        <p:spPr>
+          <a:xfrm>
+            <a:off x="5833055" y="4201921"/>
+            <a:ext cx="4291956" cy="1304657"/>
+          </a:xfrm>
+          <a:prstGeom prst="rect">
+            <a:avLst/>
+          </a:prstGeom>
+        </p:spPr>
+      </p:pic>
+      <mc:AlternateContent xmlns:mc="http://schemas.openxmlformats.org/markup-compatibility/2006">
+        <mc:Choice xmlns:a14="http://schemas.microsoft.com/office/drawing/2010/main" Requires="a14">
+          <p:sp>
+            <p:nvSpPr>
+              <p:cNvPr id="45" name="文本框 44">
+                <a:extLst>
+                  <a:ext uri="{FF2B5EF4-FFF2-40B4-BE49-F238E27FC236}">
+                    <a16:creationId xmlns:a16="http://schemas.microsoft.com/office/drawing/2014/main" id="{174E2F84-10D0-4EB8-A84F-AF159A6E154A}"/>
+                  </a:ext>
+                </a:extLst>
+              </p:cNvPr>
+              <p:cNvSpPr txBox="1"/>
+              <p:nvPr/>
+            </p:nvSpPr>
+            <p:spPr>
+              <a:xfrm>
+                <a:off x="5566353" y="6212264"/>
+                <a:ext cx="4825360" cy="500971"/>
+              </a:xfrm>
+              <a:prstGeom prst="rect">
+                <a:avLst/>
+              </a:prstGeom>
+              <a:noFill/>
+            </p:spPr>
+            <p:txBody>
+              <a:bodyPr wrap="none" rtlCol="0">
+                <a:spAutoFit/>
+              </a:bodyPr>
+              <a:lstStyle/>
+              <a:p>
+                <a:pPr algn="ctr"/>
+                <a:r>
+                  <a:rPr lang="en-US" altLang="zh-CN" sz="1200" b="1" dirty="0">
+                    <a:latin typeface="Arial" panose="020B0604020202020204" pitchFamily="34" charset="0"/>
+                    <a:cs typeface="Arial" panose="020B0604020202020204" pitchFamily="34" charset="0"/>
+                  </a:rPr>
+                  <a:t>Figure 5. The detail operation flow of aggregating </a:t>
+                </a:r>
+              </a:p>
+              <a:p>
+                <a:pPr algn="ctr"/>
+                <a14:m>
+                  <m:oMath xmlns:m="http://schemas.openxmlformats.org/officeDocument/2006/math">
+                    <m:r>
+                      <a:rPr lang="en-US" altLang="zh-CN" sz="1200" b="1">
+                        <a:latin typeface="Cambria Math" panose="02040503050406030204" pitchFamily="18" charset="0"/>
+                        <a:cs typeface="Arial" panose="020B0604020202020204" pitchFamily="34" charset="0"/>
+                      </a:rPr>
+                      <m:t>{</m:t>
+                    </m:r>
+                    <m:sSubSup>
+                      <m:sSubSupPr>
+                        <m:ctrlPr>
+                          <a:rPr lang="en-US" altLang="zh-CN" sz="1200" b="1" i="1">
+                            <a:latin typeface="Cambria Math" panose="02040503050406030204" pitchFamily="18" charset="0"/>
+                            <a:cs typeface="Arial" panose="020B0604020202020204" pitchFamily="34" charset="0"/>
+                          </a:rPr>
+                        </m:ctrlPr>
+                      </m:sSubSupPr>
+                      <m:e>
+                        <m:r>
+                          <a:rPr lang="en-US" altLang="zh-CN" sz="1200" b="1" i="1">
+                            <a:latin typeface="Cambria Math" panose="02040503050406030204" pitchFamily="18" charset="0"/>
+                            <a:cs typeface="Arial" panose="020B0604020202020204" pitchFamily="34" charset="0"/>
+                          </a:rPr>
+                          <m:t>𝒗</m:t>
+                        </m:r>
+                      </m:e>
+                      <m:sub>
+                        <m:r>
+                          <a:rPr lang="en-US" altLang="zh-CN" sz="1200" b="1" i="1">
+                            <a:latin typeface="Cambria Math" panose="02040503050406030204" pitchFamily="18" charset="0"/>
+                            <a:cs typeface="Arial" panose="020B0604020202020204" pitchFamily="34" charset="0"/>
+                          </a:rPr>
+                          <m:t>𝟏</m:t>
+                        </m:r>
+                      </m:sub>
+                      <m:sup>
+                        <m:r>
+                          <a:rPr lang="en-US" altLang="zh-CN" sz="1200" b="1" i="1">
+                            <a:latin typeface="Cambria Math" panose="02040503050406030204" pitchFamily="18" charset="0"/>
+                            <a:cs typeface="Arial" panose="020B0604020202020204" pitchFamily="34" charset="0"/>
+                          </a:rPr>
+                          <m:t>𝒍</m:t>
+                        </m:r>
+                        <m:r>
+                          <a:rPr lang="en-US" altLang="zh-CN" sz="1200" b="1" i="1" smtClean="0">
+                            <a:latin typeface="Cambria Math" panose="02040503050406030204" pitchFamily="18" charset="0"/>
+                            <a:cs typeface="Arial" panose="020B0604020202020204" pitchFamily="34" charset="0"/>
+                          </a:rPr>
+                          <m:t>+</m:t>
+                        </m:r>
+                        <m:r>
+                          <a:rPr lang="en-US" altLang="zh-CN" sz="1200" b="1" i="1" smtClean="0">
+                            <a:latin typeface="Cambria Math" panose="02040503050406030204" pitchFamily="18" charset="0"/>
+                            <a:cs typeface="Arial" panose="020B0604020202020204" pitchFamily="34" charset="0"/>
+                          </a:rPr>
+                          <m:t>𝟏</m:t>
+                        </m:r>
+                      </m:sup>
+                    </m:sSubSup>
+                  </m:oMath>
+                </a14:m>
+                <a:r>
+                  <a:rPr lang="en-US" altLang="zh-CN" sz="1200" b="1" dirty="0">
+                    <a:latin typeface="Arial" panose="020B0604020202020204" pitchFamily="34" charset="0"/>
+                    <a:cs typeface="Arial" panose="020B0604020202020204" pitchFamily="34" charset="0"/>
+                  </a:rPr>
+                  <a:t>, </a:t>
+                </a:r>
+                <a14:m>
+                  <m:oMath xmlns:m="http://schemas.openxmlformats.org/officeDocument/2006/math">
+                    <m:sSubSup>
+                      <m:sSubSupPr>
+                        <m:ctrlPr>
+                          <a:rPr lang="en-US" altLang="zh-CN" sz="1200" b="1" i="1">
+                            <a:latin typeface="Cambria Math" panose="02040503050406030204" pitchFamily="18" charset="0"/>
+                            <a:cs typeface="Arial" panose="020B0604020202020204" pitchFamily="34" charset="0"/>
+                          </a:rPr>
+                        </m:ctrlPr>
+                      </m:sSubSupPr>
+                      <m:e>
+                        <m:r>
+                          <a:rPr lang="en-US" altLang="zh-CN" sz="1200" b="1" i="1">
+                            <a:latin typeface="Cambria Math" panose="02040503050406030204" pitchFamily="18" charset="0"/>
+                            <a:cs typeface="Arial" panose="020B0604020202020204" pitchFamily="34" charset="0"/>
+                          </a:rPr>
+                          <m:t>𝒗</m:t>
+                        </m:r>
+                      </m:e>
+                      <m:sub>
+                        <m:r>
+                          <a:rPr lang="en-US" altLang="zh-CN" sz="1200" b="1" i="1">
+                            <a:latin typeface="Cambria Math" panose="02040503050406030204" pitchFamily="18" charset="0"/>
+                            <a:cs typeface="Arial" panose="020B0604020202020204" pitchFamily="34" charset="0"/>
+                          </a:rPr>
+                          <m:t>𝟐</m:t>
+                        </m:r>
+                      </m:sub>
+                      <m:sup>
+                        <m:r>
+                          <a:rPr lang="en-US" altLang="zh-CN" sz="1200" b="1" i="1">
+                            <a:latin typeface="Cambria Math" panose="02040503050406030204" pitchFamily="18" charset="0"/>
+                            <a:cs typeface="Arial" panose="020B0604020202020204" pitchFamily="34" charset="0"/>
+                          </a:rPr>
+                          <m:t>𝒍</m:t>
+                        </m:r>
+                        <m:r>
+                          <a:rPr lang="en-US" altLang="zh-CN" sz="1200" b="1" i="1" smtClean="0">
+                            <a:latin typeface="Cambria Math" panose="02040503050406030204" pitchFamily="18" charset="0"/>
+                            <a:cs typeface="Arial" panose="020B0604020202020204" pitchFamily="34" charset="0"/>
+                          </a:rPr>
+                          <m:t>+</m:t>
+                        </m:r>
+                        <m:r>
+                          <a:rPr lang="en-US" altLang="zh-CN" sz="1200" b="1" i="1" smtClean="0">
+                            <a:latin typeface="Cambria Math" panose="02040503050406030204" pitchFamily="18" charset="0"/>
+                            <a:cs typeface="Arial" panose="020B0604020202020204" pitchFamily="34" charset="0"/>
+                          </a:rPr>
+                          <m:t>𝟏</m:t>
+                        </m:r>
+                      </m:sup>
+                    </m:sSubSup>
+                  </m:oMath>
+                </a14:m>
+                <a:r>
+                  <a:rPr lang="en-US" altLang="zh-CN" sz="1200" b="1" dirty="0">
+                    <a:latin typeface="Arial" panose="020B0604020202020204" pitchFamily="34" charset="0"/>
+                    <a:cs typeface="Arial" panose="020B0604020202020204" pitchFamily="34" charset="0"/>
+                  </a:rPr>
+                  <a:t>, </a:t>
+                </a:r>
+                <a14:m>
+                  <m:oMath xmlns:m="http://schemas.openxmlformats.org/officeDocument/2006/math">
+                    <m:r>
+                      <a:rPr lang="en-US" altLang="zh-CN" sz="1200" b="1" i="1">
+                        <a:latin typeface="Cambria Math" panose="02040503050406030204" pitchFamily="18" charset="0"/>
+                        <a:ea typeface="Cambria Math" panose="02040503050406030204" pitchFamily="18" charset="0"/>
+                        <a:cs typeface="Arial" panose="020B0604020202020204" pitchFamily="34" charset="0"/>
+                      </a:rPr>
+                      <m:t>⋯⋯</m:t>
+                    </m:r>
+                  </m:oMath>
+                </a14:m>
+                <a:r>
+                  <a:rPr lang="en-US" altLang="zh-CN" sz="1200" b="1" dirty="0">
+                    <a:latin typeface="Arial" panose="020B0604020202020204" pitchFamily="34" charset="0"/>
+                    <a:cs typeface="Arial" panose="020B0604020202020204" pitchFamily="34" charset="0"/>
+                  </a:rPr>
+                  <a:t>, </a:t>
+                </a:r>
+                <a14:m>
+                  <m:oMath xmlns:m="http://schemas.openxmlformats.org/officeDocument/2006/math">
+                    <m:sSubSup>
+                      <m:sSubSupPr>
+                        <m:ctrlPr>
+                          <a:rPr lang="en-US" altLang="zh-CN" sz="1200" b="1" i="1">
+                            <a:latin typeface="Cambria Math" panose="02040503050406030204" pitchFamily="18" charset="0"/>
+                            <a:cs typeface="Arial" panose="020B0604020202020204" pitchFamily="34" charset="0"/>
+                          </a:rPr>
+                        </m:ctrlPr>
+                      </m:sSubSupPr>
+                      <m:e>
+                        <m:r>
+                          <a:rPr lang="en-US" altLang="zh-CN" sz="1200" b="1" i="1">
+                            <a:latin typeface="Cambria Math" panose="02040503050406030204" pitchFamily="18" charset="0"/>
+                            <a:cs typeface="Arial" panose="020B0604020202020204" pitchFamily="34" charset="0"/>
+                          </a:rPr>
+                          <m:t>𝒗</m:t>
+                        </m:r>
+                      </m:e>
+                      <m:sub>
+                        <m:r>
+                          <a:rPr lang="en-US" altLang="zh-CN" sz="1200" b="1" i="1">
+                            <a:latin typeface="Cambria Math" panose="02040503050406030204" pitchFamily="18" charset="0"/>
+                            <a:cs typeface="Arial" panose="020B0604020202020204" pitchFamily="34" charset="0"/>
+                          </a:rPr>
+                          <m:t>𝒊</m:t>
+                        </m:r>
+                      </m:sub>
+                      <m:sup>
+                        <m:r>
+                          <a:rPr lang="en-US" altLang="zh-CN" sz="1200" b="1" i="1">
+                            <a:latin typeface="Cambria Math" panose="02040503050406030204" pitchFamily="18" charset="0"/>
+                            <a:cs typeface="Arial" panose="020B0604020202020204" pitchFamily="34" charset="0"/>
+                          </a:rPr>
+                          <m:t>𝒍</m:t>
+                        </m:r>
+                        <m:r>
+                          <a:rPr lang="en-US" altLang="zh-CN" sz="1200" b="1" i="1" smtClean="0">
+                            <a:latin typeface="Cambria Math" panose="02040503050406030204" pitchFamily="18" charset="0"/>
+                            <a:cs typeface="Arial" panose="020B0604020202020204" pitchFamily="34" charset="0"/>
+                          </a:rPr>
+                          <m:t>+</m:t>
+                        </m:r>
+                        <m:r>
+                          <a:rPr lang="en-US" altLang="zh-CN" sz="1200" b="1" i="1" smtClean="0">
+                            <a:latin typeface="Cambria Math" panose="02040503050406030204" pitchFamily="18" charset="0"/>
+                            <a:cs typeface="Arial" panose="020B0604020202020204" pitchFamily="34" charset="0"/>
+                          </a:rPr>
+                          <m:t>𝟏</m:t>
+                        </m:r>
+                      </m:sup>
+                    </m:sSubSup>
+                  </m:oMath>
+                </a14:m>
+                <a:r>
+                  <a:rPr lang="en-US" altLang="zh-CN" sz="1200" b="1" dirty="0">
+                    <a:latin typeface="Arial" panose="020B0604020202020204" pitchFamily="34" charset="0"/>
+                    <a:cs typeface="Arial" panose="020B0604020202020204" pitchFamily="34" charset="0"/>
+                  </a:rPr>
+                  <a:t>, </a:t>
+                </a:r>
+                <a14:m>
+                  <m:oMath xmlns:m="http://schemas.openxmlformats.org/officeDocument/2006/math">
+                    <m:r>
+                      <a:rPr lang="en-US" altLang="zh-CN" sz="1200" b="1" i="1">
+                        <a:latin typeface="Cambria Math" panose="02040503050406030204" pitchFamily="18" charset="0"/>
+                        <a:ea typeface="Cambria Math" panose="02040503050406030204" pitchFamily="18" charset="0"/>
+                        <a:cs typeface="Arial" panose="020B0604020202020204" pitchFamily="34" charset="0"/>
+                      </a:rPr>
+                      <m:t>⋯⋯</m:t>
+                    </m:r>
+                  </m:oMath>
+                </a14:m>
+                <a:r>
+                  <a:rPr lang="en-US" altLang="zh-CN" sz="1200" b="1" dirty="0">
+                    <a:latin typeface="Arial" panose="020B0604020202020204" pitchFamily="34" charset="0"/>
+                    <a:cs typeface="Arial" panose="020B0604020202020204" pitchFamily="34" charset="0"/>
+                  </a:rPr>
+                  <a:t>, </a:t>
+                </a:r>
+                <a14:m>
+                  <m:oMath xmlns:m="http://schemas.openxmlformats.org/officeDocument/2006/math">
+                    <m:sSubSup>
+                      <m:sSubSupPr>
+                        <m:ctrlPr>
+                          <a:rPr lang="en-US" altLang="zh-CN" sz="1200" b="1" i="1">
+                            <a:latin typeface="Cambria Math" panose="02040503050406030204" pitchFamily="18" charset="0"/>
+                            <a:cs typeface="Arial" panose="020B0604020202020204" pitchFamily="34" charset="0"/>
+                          </a:rPr>
+                        </m:ctrlPr>
+                      </m:sSubSupPr>
+                      <m:e>
+                        <m:r>
+                          <a:rPr lang="en-US" altLang="zh-CN" sz="1200" b="1" i="1">
+                            <a:latin typeface="Cambria Math" panose="02040503050406030204" pitchFamily="18" charset="0"/>
+                            <a:cs typeface="Arial" panose="020B0604020202020204" pitchFamily="34" charset="0"/>
+                          </a:rPr>
+                          <m:t>𝒗</m:t>
+                        </m:r>
+                      </m:e>
+                      <m:sub>
+                        <m:r>
+                          <a:rPr lang="en-US" altLang="zh-CN" sz="1200" b="1" i="1">
+                            <a:latin typeface="Cambria Math" panose="02040503050406030204" pitchFamily="18" charset="0"/>
+                            <a:cs typeface="Arial" panose="020B0604020202020204" pitchFamily="34" charset="0"/>
+                          </a:rPr>
+                          <m:t>𝒑</m:t>
+                        </m:r>
+                        <m:r>
+                          <a:rPr lang="en-US" altLang="zh-CN" sz="1200" b="1" i="1">
+                            <a:latin typeface="Cambria Math" panose="02040503050406030204" pitchFamily="18" charset="0"/>
+                            <a:cs typeface="Arial" panose="020B0604020202020204" pitchFamily="34" charset="0"/>
+                          </a:rPr>
+                          <m:t>−</m:t>
+                        </m:r>
+                        <m:r>
+                          <a:rPr lang="en-US" altLang="zh-CN" sz="1200" b="1" i="1">
+                            <a:latin typeface="Cambria Math" panose="02040503050406030204" pitchFamily="18" charset="0"/>
+                            <a:cs typeface="Arial" panose="020B0604020202020204" pitchFamily="34" charset="0"/>
+                          </a:rPr>
+                          <m:t>𝟏</m:t>
+                        </m:r>
+                      </m:sub>
+                      <m:sup>
+                        <m:r>
+                          <a:rPr lang="en-US" altLang="zh-CN" sz="1200" b="1" i="1">
+                            <a:latin typeface="Cambria Math" panose="02040503050406030204" pitchFamily="18" charset="0"/>
+                            <a:cs typeface="Arial" panose="020B0604020202020204" pitchFamily="34" charset="0"/>
+                          </a:rPr>
+                          <m:t>𝒍</m:t>
+                        </m:r>
+                        <m:r>
+                          <a:rPr lang="en-US" altLang="zh-CN" sz="1200" b="1" i="1" smtClean="0">
+                            <a:latin typeface="Cambria Math" panose="02040503050406030204" pitchFamily="18" charset="0"/>
+                            <a:cs typeface="Arial" panose="020B0604020202020204" pitchFamily="34" charset="0"/>
+                          </a:rPr>
+                          <m:t>+</m:t>
+                        </m:r>
+                        <m:r>
+                          <a:rPr lang="en-US" altLang="zh-CN" sz="1200" b="1" i="1" smtClean="0">
+                            <a:latin typeface="Cambria Math" panose="02040503050406030204" pitchFamily="18" charset="0"/>
+                            <a:cs typeface="Arial" panose="020B0604020202020204" pitchFamily="34" charset="0"/>
+                          </a:rPr>
+                          <m:t>𝟏</m:t>
+                        </m:r>
+                      </m:sup>
+                    </m:sSubSup>
+                  </m:oMath>
+                </a14:m>
+                <a:r>
+                  <a:rPr lang="en-US" altLang="zh-CN" sz="1200" b="1" dirty="0">
+                    <a:latin typeface="Arial" panose="020B0604020202020204" pitchFamily="34" charset="0"/>
+                    <a:cs typeface="Arial" panose="020B0604020202020204" pitchFamily="34" charset="0"/>
+                  </a:rPr>
+                  <a:t>, </a:t>
+                </a:r>
+                <a14:m>
+                  <m:oMath xmlns:m="http://schemas.openxmlformats.org/officeDocument/2006/math">
+                    <m:sSubSup>
+                      <m:sSubSupPr>
+                        <m:ctrlPr>
+                          <a:rPr lang="en-US" altLang="zh-CN" sz="1200" b="1" i="1">
+                            <a:latin typeface="Cambria Math" panose="02040503050406030204" pitchFamily="18" charset="0"/>
+                            <a:cs typeface="Arial" panose="020B0604020202020204" pitchFamily="34" charset="0"/>
+                          </a:rPr>
+                        </m:ctrlPr>
+                      </m:sSubSupPr>
+                      <m:e>
+                        <m:r>
+                          <a:rPr lang="en-US" altLang="zh-CN" sz="1200" b="1" i="1">
+                            <a:latin typeface="Cambria Math" panose="02040503050406030204" pitchFamily="18" charset="0"/>
+                            <a:cs typeface="Arial" panose="020B0604020202020204" pitchFamily="34" charset="0"/>
+                          </a:rPr>
+                          <m:t>𝒗</m:t>
+                        </m:r>
+                      </m:e>
+                      <m:sub>
+                        <m:r>
+                          <a:rPr lang="en-US" altLang="zh-CN" sz="1200" b="1" i="1">
+                            <a:latin typeface="Cambria Math" panose="02040503050406030204" pitchFamily="18" charset="0"/>
+                            <a:cs typeface="Arial" panose="020B0604020202020204" pitchFamily="34" charset="0"/>
+                          </a:rPr>
+                          <m:t>𝒑</m:t>
+                        </m:r>
+                      </m:sub>
+                      <m:sup>
+                        <m:r>
+                          <a:rPr lang="en-US" altLang="zh-CN" sz="1200" b="1" i="1">
+                            <a:latin typeface="Cambria Math" panose="02040503050406030204" pitchFamily="18" charset="0"/>
+                            <a:cs typeface="Arial" panose="020B0604020202020204" pitchFamily="34" charset="0"/>
+                          </a:rPr>
+                          <m:t>𝒍</m:t>
+                        </m:r>
+                        <m:r>
+                          <a:rPr lang="en-US" altLang="zh-CN" sz="1200" b="1" i="1" smtClean="0">
+                            <a:latin typeface="Cambria Math" panose="02040503050406030204" pitchFamily="18" charset="0"/>
+                            <a:cs typeface="Arial" panose="020B0604020202020204" pitchFamily="34" charset="0"/>
+                          </a:rPr>
+                          <m:t>+</m:t>
+                        </m:r>
+                        <m:r>
+                          <a:rPr lang="en-US" altLang="zh-CN" sz="1200" b="1" i="1" smtClean="0">
+                            <a:latin typeface="Cambria Math" panose="02040503050406030204" pitchFamily="18" charset="0"/>
+                            <a:cs typeface="Arial" panose="020B0604020202020204" pitchFamily="34" charset="0"/>
+                          </a:rPr>
+                          <m:t>𝟏</m:t>
+                        </m:r>
+                      </m:sup>
+                    </m:sSubSup>
+                    <m:r>
+                      <a:rPr lang="en-US" altLang="zh-CN" sz="1200" b="1" i="1">
+                        <a:latin typeface="Cambria Math" panose="02040503050406030204" pitchFamily="18" charset="0"/>
+                        <a:cs typeface="Arial" panose="020B0604020202020204" pitchFamily="34" charset="0"/>
+                      </a:rPr>
+                      <m:t>}</m:t>
+                    </m:r>
+                  </m:oMath>
+                </a14:m>
+                <a:r>
+                  <a:rPr lang="en-US" altLang="zh-CN" sz="1200" b="1" dirty="0">
+                    <a:latin typeface="Arial" panose="020B0604020202020204" pitchFamily="34" charset="0"/>
+                    <a:cs typeface="Arial" panose="020B0604020202020204" pitchFamily="34" charset="0"/>
+                  </a:rPr>
+                  <a:t> to polyline level feature </a:t>
+                </a:r>
+                <a14:m>
+                  <m:oMath xmlns:m="http://schemas.openxmlformats.org/officeDocument/2006/math">
+                    <m:r>
+                      <a:rPr lang="en-US" altLang="zh-CN" sz="1200" b="1" i="1" smtClean="0">
+                        <a:latin typeface="Cambria Math" panose="02040503050406030204" pitchFamily="18" charset="0"/>
+                        <a:cs typeface="Arial" panose="020B0604020202020204" pitchFamily="34" charset="0"/>
+                      </a:rPr>
+                      <m:t>𝑷</m:t>
+                    </m:r>
+                  </m:oMath>
+                </a14:m>
+                <a:r>
+                  <a:rPr lang="en-US" altLang="zh-CN" sz="1200" b="1" dirty="0">
+                    <a:latin typeface="Arial" panose="020B0604020202020204" pitchFamily="34" charset="0"/>
+                    <a:cs typeface="Arial" panose="020B0604020202020204" pitchFamily="34" charset="0"/>
+                  </a:rPr>
+                  <a:t> </a:t>
+                </a:r>
+                <a:endParaRPr lang="zh-CN" altLang="en-US" sz="1200" b="1" dirty="0">
+                  <a:latin typeface="Arial" panose="020B0604020202020204" pitchFamily="34" charset="0"/>
+                  <a:cs typeface="Arial" panose="020B0604020202020204" pitchFamily="34" charset="0"/>
+                </a:endParaRPr>
+              </a:p>
+            </p:txBody>
+          </p:sp>
+        </mc:Choice>
+        <mc:Fallback>
+          <p:sp>
+            <p:nvSpPr>
+              <p:cNvPr id="45" name="文本框 44">
+                <a:extLst>
+                  <a:ext uri="{FF2B5EF4-FFF2-40B4-BE49-F238E27FC236}">
+                    <a16:creationId xmlns:a16="http://schemas.microsoft.com/office/drawing/2014/main" id="{174E2F84-10D0-4EB8-A84F-AF159A6E154A}"/>
+                  </a:ext>
+                </a:extLst>
+              </p:cNvPr>
+              <p:cNvSpPr txBox="1">
+                <a:spLocks noRot="1" noChangeAspect="1" noMove="1" noResize="1" noEditPoints="1" noAdjustHandles="1" noChangeArrowheads="1" noChangeShapeType="1" noTextEdit="1"/>
+              </p:cNvSpPr>
+              <p:nvPr/>
+            </p:nvSpPr>
+            <p:spPr>
+              <a:xfrm>
+                <a:off x="5566353" y="6212264"/>
+                <a:ext cx="4825360" cy="500971"/>
+              </a:xfrm>
+              <a:prstGeom prst="rect">
+                <a:avLst/>
+              </a:prstGeom>
+              <a:blipFill>
+                <a:blip r:embed="rId5"/>
+                <a:stretch>
+                  <a:fillRect t="-1220" b="-3659"/>
+                </a:stretch>
+              </a:blipFill>
+            </p:spPr>
+            <p:txBody>
+              <a:bodyPr/>
+              <a:lstStyle/>
+              <a:p>
+                <a:r>
+                  <a:rPr lang="zh-CN" altLang="en-US">
+                    <a:noFill/>
+                  </a:rPr>
+                  <a:t> </a:t>
+                </a:r>
+              </a:p>
+            </p:txBody>
+          </p:sp>
+        </mc:Fallback>
+      </mc:AlternateContent>
+      <mc:AlternateContent xmlns:mc="http://schemas.openxmlformats.org/markup-compatibility/2006">
+        <mc:Choice xmlns:a14="http://schemas.microsoft.com/office/drawing/2010/main" Requires="a14">
+          <p:sp>
+            <p:nvSpPr>
+              <p:cNvPr id="46" name="矩形 45">
+                <a:extLst>
+                  <a:ext uri="{FF2B5EF4-FFF2-40B4-BE49-F238E27FC236}">
+                    <a16:creationId xmlns:a16="http://schemas.microsoft.com/office/drawing/2014/main" id="{5EFB45B4-59CE-4B77-B552-66E307BAB4F5}"/>
+                  </a:ext>
+                </a:extLst>
+              </p:cNvPr>
+              <p:cNvSpPr/>
+              <p:nvPr/>
+            </p:nvSpPr>
+            <p:spPr>
+              <a:xfrm>
+                <a:off x="4900324" y="2821013"/>
+                <a:ext cx="7291676" cy="607987"/>
+              </a:xfrm>
+              <a:prstGeom prst="rect">
+                <a:avLst/>
+              </a:prstGeom>
+            </p:spPr>
+            <p:txBody>
+              <a:bodyPr wrap="none">
+                <a:spAutoFit/>
+              </a:bodyPr>
+              <a:lstStyle/>
+              <a:p>
+                <a14:m>
+                  <m:oMath xmlns:m="http://schemas.openxmlformats.org/officeDocument/2006/math">
+                    <m:r>
+                      <a:rPr lang="en-US" altLang="zh-CN" sz="1400" b="1" smtClean="0">
+                        <a:latin typeface="Cambria Math" panose="02040503050406030204" pitchFamily="18" charset="0"/>
+                        <a:cs typeface="Arial" panose="020B0604020202020204" pitchFamily="34" charset="0"/>
+                      </a:rPr>
+                      <m:t>{</m:t>
+                    </m:r>
+                    <m:sSubSup>
+                      <m:sSubSupPr>
+                        <m:ctrlPr>
+                          <a:rPr lang="en-US" altLang="zh-CN" sz="1400" b="1" i="1">
+                            <a:latin typeface="Cambria Math" panose="02040503050406030204" pitchFamily="18" charset="0"/>
+                            <a:cs typeface="Arial" panose="020B0604020202020204" pitchFamily="34" charset="0"/>
+                          </a:rPr>
+                        </m:ctrlPr>
+                      </m:sSubSupPr>
+                      <m:e>
+                        <m:r>
+                          <a:rPr lang="en-US" altLang="zh-CN" sz="1400" b="1" i="1">
+                            <a:latin typeface="Cambria Math" panose="02040503050406030204" pitchFamily="18" charset="0"/>
+                            <a:cs typeface="Arial" panose="020B0604020202020204" pitchFamily="34" charset="0"/>
+                          </a:rPr>
+                          <m:t>𝒗</m:t>
+                        </m:r>
+                      </m:e>
+                      <m:sub>
+                        <m:r>
+                          <a:rPr lang="en-US" altLang="zh-CN" sz="1400" b="1" i="1">
+                            <a:latin typeface="Cambria Math" panose="02040503050406030204" pitchFamily="18" charset="0"/>
+                            <a:cs typeface="Arial" panose="020B0604020202020204" pitchFamily="34" charset="0"/>
+                          </a:rPr>
+                          <m:t>𝟏</m:t>
+                        </m:r>
+                      </m:sub>
+                      <m:sup>
+                        <m:r>
+                          <a:rPr lang="en-US" altLang="zh-CN" sz="1400" b="1" i="1" smtClean="0">
+                            <a:latin typeface="Cambria Math" panose="02040503050406030204" pitchFamily="18" charset="0"/>
+                            <a:cs typeface="Arial" panose="020B0604020202020204" pitchFamily="34" charset="0"/>
+                          </a:rPr>
+                          <m:t>𝟎</m:t>
+                        </m:r>
+                      </m:sup>
+                    </m:sSubSup>
+                  </m:oMath>
+                </a14:m>
+                <a:r>
+                  <a:rPr lang="en-US" altLang="zh-CN" sz="1400" b="1" dirty="0">
+                    <a:latin typeface="Arial" panose="020B0604020202020204" pitchFamily="34" charset="0"/>
+                    <a:cs typeface="Arial" panose="020B0604020202020204" pitchFamily="34" charset="0"/>
+                  </a:rPr>
+                  <a:t>, </a:t>
+                </a:r>
+                <a14:m>
+                  <m:oMath xmlns:m="http://schemas.openxmlformats.org/officeDocument/2006/math">
+                    <m:sSubSup>
+                      <m:sSubSupPr>
+                        <m:ctrlPr>
+                          <a:rPr lang="en-US" altLang="zh-CN" sz="1400" b="1" i="1">
+                            <a:latin typeface="Cambria Math" panose="02040503050406030204" pitchFamily="18" charset="0"/>
+                            <a:cs typeface="Arial" panose="020B0604020202020204" pitchFamily="34" charset="0"/>
+                          </a:rPr>
+                        </m:ctrlPr>
+                      </m:sSubSupPr>
+                      <m:e>
+                        <m:r>
+                          <a:rPr lang="en-US" altLang="zh-CN" sz="1400" b="1" i="1">
+                            <a:latin typeface="Cambria Math" panose="02040503050406030204" pitchFamily="18" charset="0"/>
+                            <a:cs typeface="Arial" panose="020B0604020202020204" pitchFamily="34" charset="0"/>
+                          </a:rPr>
+                          <m:t>𝒗</m:t>
+                        </m:r>
+                      </m:e>
+                      <m:sub>
+                        <m:r>
+                          <a:rPr lang="en-US" altLang="zh-CN" sz="1400" b="1" i="1">
+                            <a:latin typeface="Cambria Math" panose="02040503050406030204" pitchFamily="18" charset="0"/>
+                            <a:cs typeface="Arial" panose="020B0604020202020204" pitchFamily="34" charset="0"/>
+                          </a:rPr>
+                          <m:t>𝟐</m:t>
+                        </m:r>
+                      </m:sub>
+                      <m:sup>
+                        <m:r>
+                          <a:rPr lang="en-US" altLang="zh-CN" sz="1400" b="1" i="1" smtClean="0">
+                            <a:latin typeface="Cambria Math" panose="02040503050406030204" pitchFamily="18" charset="0"/>
+                            <a:cs typeface="Arial" panose="020B0604020202020204" pitchFamily="34" charset="0"/>
+                          </a:rPr>
+                          <m:t>𝟎</m:t>
+                        </m:r>
+                      </m:sup>
+                    </m:sSubSup>
+                  </m:oMath>
+                </a14:m>
+                <a:r>
+                  <a:rPr lang="en-US" altLang="zh-CN" sz="1400" b="1" dirty="0">
+                    <a:latin typeface="Arial" panose="020B0604020202020204" pitchFamily="34" charset="0"/>
+                    <a:cs typeface="Arial" panose="020B0604020202020204" pitchFamily="34" charset="0"/>
+                  </a:rPr>
+                  <a:t>, </a:t>
+                </a:r>
+                <a14:m>
+                  <m:oMath xmlns:m="http://schemas.openxmlformats.org/officeDocument/2006/math">
+                    <m:r>
+                      <a:rPr lang="en-US" altLang="zh-CN" sz="1400" b="1" i="1">
+                        <a:latin typeface="Cambria Math" panose="02040503050406030204" pitchFamily="18" charset="0"/>
+                        <a:ea typeface="Cambria Math" panose="02040503050406030204" pitchFamily="18" charset="0"/>
+                        <a:cs typeface="Arial" panose="020B0604020202020204" pitchFamily="34" charset="0"/>
+                      </a:rPr>
+                      <m:t>⋯⋯</m:t>
+                    </m:r>
+                  </m:oMath>
+                </a14:m>
+                <a:r>
+                  <a:rPr lang="en-US" altLang="zh-CN" sz="1400" b="1" dirty="0">
+                    <a:latin typeface="Arial" panose="020B0604020202020204" pitchFamily="34" charset="0"/>
+                    <a:cs typeface="Arial" panose="020B0604020202020204" pitchFamily="34" charset="0"/>
+                  </a:rPr>
+                  <a:t>, </a:t>
+                </a:r>
+                <a14:m>
+                  <m:oMath xmlns:m="http://schemas.openxmlformats.org/officeDocument/2006/math">
+                    <m:sSubSup>
+                      <m:sSubSupPr>
+                        <m:ctrlPr>
+                          <a:rPr lang="en-US" altLang="zh-CN" sz="1400" b="1" i="1">
+                            <a:latin typeface="Cambria Math" panose="02040503050406030204" pitchFamily="18" charset="0"/>
+                            <a:cs typeface="Arial" panose="020B0604020202020204" pitchFamily="34" charset="0"/>
+                          </a:rPr>
+                        </m:ctrlPr>
+                      </m:sSubSupPr>
+                      <m:e>
+                        <m:r>
+                          <a:rPr lang="en-US" altLang="zh-CN" sz="1400" b="1" i="1">
+                            <a:latin typeface="Cambria Math" panose="02040503050406030204" pitchFamily="18" charset="0"/>
+                            <a:cs typeface="Arial" panose="020B0604020202020204" pitchFamily="34" charset="0"/>
+                          </a:rPr>
+                          <m:t>𝒗</m:t>
+                        </m:r>
+                      </m:e>
+                      <m:sub>
+                        <m:r>
+                          <a:rPr lang="en-US" altLang="zh-CN" sz="1400" b="1" i="1">
+                            <a:latin typeface="Cambria Math" panose="02040503050406030204" pitchFamily="18" charset="0"/>
+                            <a:cs typeface="Arial" panose="020B0604020202020204" pitchFamily="34" charset="0"/>
+                          </a:rPr>
+                          <m:t>𝒊</m:t>
+                        </m:r>
+                      </m:sub>
+                      <m:sup>
+                        <m:r>
+                          <a:rPr lang="en-US" altLang="zh-CN" sz="1400" b="1" i="1" smtClean="0">
+                            <a:latin typeface="Cambria Math" panose="02040503050406030204" pitchFamily="18" charset="0"/>
+                            <a:cs typeface="Arial" panose="020B0604020202020204" pitchFamily="34" charset="0"/>
+                          </a:rPr>
+                          <m:t>𝟎</m:t>
+                        </m:r>
+                      </m:sup>
+                    </m:sSubSup>
+                  </m:oMath>
+                </a14:m>
+                <a:r>
+                  <a:rPr lang="en-US" altLang="zh-CN" sz="1400" b="1" dirty="0">
+                    <a:latin typeface="Arial" panose="020B0604020202020204" pitchFamily="34" charset="0"/>
+                    <a:cs typeface="Arial" panose="020B0604020202020204" pitchFamily="34" charset="0"/>
+                  </a:rPr>
+                  <a:t>, </a:t>
+                </a:r>
+                <a14:m>
+                  <m:oMath xmlns:m="http://schemas.openxmlformats.org/officeDocument/2006/math">
+                    <m:r>
+                      <a:rPr lang="en-US" altLang="zh-CN" sz="1400" b="1" i="1">
+                        <a:latin typeface="Cambria Math" panose="02040503050406030204" pitchFamily="18" charset="0"/>
+                        <a:ea typeface="Cambria Math" panose="02040503050406030204" pitchFamily="18" charset="0"/>
+                        <a:cs typeface="Arial" panose="020B0604020202020204" pitchFamily="34" charset="0"/>
+                      </a:rPr>
+                      <m:t>⋯⋯</m:t>
+                    </m:r>
+                  </m:oMath>
+                </a14:m>
+                <a:r>
+                  <a:rPr lang="en-US" altLang="zh-CN" sz="1400" b="1" dirty="0">
+                    <a:latin typeface="Arial" panose="020B0604020202020204" pitchFamily="34" charset="0"/>
+                    <a:cs typeface="Arial" panose="020B0604020202020204" pitchFamily="34" charset="0"/>
+                  </a:rPr>
+                  <a:t>, </a:t>
+                </a:r>
+                <a14:m>
+                  <m:oMath xmlns:m="http://schemas.openxmlformats.org/officeDocument/2006/math">
+                    <m:sSubSup>
+                      <m:sSubSupPr>
+                        <m:ctrlPr>
+                          <a:rPr lang="en-US" altLang="zh-CN" sz="1400" b="1" i="1">
+                            <a:latin typeface="Cambria Math" panose="02040503050406030204" pitchFamily="18" charset="0"/>
+                            <a:cs typeface="Arial" panose="020B0604020202020204" pitchFamily="34" charset="0"/>
+                          </a:rPr>
+                        </m:ctrlPr>
+                      </m:sSubSupPr>
+                      <m:e>
+                        <m:r>
+                          <a:rPr lang="en-US" altLang="zh-CN" sz="1400" b="1" i="1">
+                            <a:latin typeface="Cambria Math" panose="02040503050406030204" pitchFamily="18" charset="0"/>
+                            <a:cs typeface="Arial" panose="020B0604020202020204" pitchFamily="34" charset="0"/>
+                          </a:rPr>
+                          <m:t>𝒗</m:t>
+                        </m:r>
+                      </m:e>
+                      <m:sub>
+                        <m:r>
+                          <a:rPr lang="en-US" altLang="zh-CN" sz="1400" b="1" i="1">
+                            <a:latin typeface="Cambria Math" panose="02040503050406030204" pitchFamily="18" charset="0"/>
+                            <a:cs typeface="Arial" panose="020B0604020202020204" pitchFamily="34" charset="0"/>
+                          </a:rPr>
+                          <m:t>𝒑</m:t>
+                        </m:r>
+                        <m:r>
+                          <a:rPr lang="en-US" altLang="zh-CN" sz="1400" b="1" i="1">
+                            <a:latin typeface="Cambria Math" panose="02040503050406030204" pitchFamily="18" charset="0"/>
+                            <a:cs typeface="Arial" panose="020B0604020202020204" pitchFamily="34" charset="0"/>
+                          </a:rPr>
+                          <m:t>−</m:t>
+                        </m:r>
+                        <m:r>
+                          <a:rPr lang="en-US" altLang="zh-CN" sz="1400" b="1" i="1">
+                            <a:latin typeface="Cambria Math" panose="02040503050406030204" pitchFamily="18" charset="0"/>
+                            <a:cs typeface="Arial" panose="020B0604020202020204" pitchFamily="34" charset="0"/>
+                          </a:rPr>
+                          <m:t>𝟏</m:t>
+                        </m:r>
+                      </m:sub>
+                      <m:sup>
+                        <m:r>
+                          <a:rPr lang="en-US" altLang="zh-CN" sz="1400" b="1" i="1" smtClean="0">
+                            <a:latin typeface="Cambria Math" panose="02040503050406030204" pitchFamily="18" charset="0"/>
+                            <a:cs typeface="Arial" panose="020B0604020202020204" pitchFamily="34" charset="0"/>
+                          </a:rPr>
+                          <m:t>𝟎</m:t>
+                        </m:r>
+                      </m:sup>
+                    </m:sSubSup>
+                  </m:oMath>
+                </a14:m>
+                <a:r>
+                  <a:rPr lang="en-US" altLang="zh-CN" sz="1400" b="1" dirty="0">
+                    <a:latin typeface="Arial" panose="020B0604020202020204" pitchFamily="34" charset="0"/>
+                    <a:cs typeface="Arial" panose="020B0604020202020204" pitchFamily="34" charset="0"/>
+                  </a:rPr>
+                  <a:t>, </a:t>
+                </a:r>
+                <a14:m>
+                  <m:oMath xmlns:m="http://schemas.openxmlformats.org/officeDocument/2006/math">
+                    <m:sSubSup>
+                      <m:sSubSupPr>
+                        <m:ctrlPr>
+                          <a:rPr lang="en-US" altLang="zh-CN" sz="1400" b="1" i="1">
+                            <a:latin typeface="Cambria Math" panose="02040503050406030204" pitchFamily="18" charset="0"/>
+                            <a:cs typeface="Arial" panose="020B0604020202020204" pitchFamily="34" charset="0"/>
+                          </a:rPr>
+                        </m:ctrlPr>
+                      </m:sSubSupPr>
+                      <m:e>
+                        <m:r>
+                          <a:rPr lang="en-US" altLang="zh-CN" sz="1400" b="1" i="1">
+                            <a:latin typeface="Cambria Math" panose="02040503050406030204" pitchFamily="18" charset="0"/>
+                            <a:cs typeface="Arial" panose="020B0604020202020204" pitchFamily="34" charset="0"/>
+                          </a:rPr>
+                          <m:t>𝒗</m:t>
+                        </m:r>
+                      </m:e>
+                      <m:sub>
+                        <m:r>
+                          <a:rPr lang="en-US" altLang="zh-CN" sz="1400" b="1" i="1">
+                            <a:latin typeface="Cambria Math" panose="02040503050406030204" pitchFamily="18" charset="0"/>
+                            <a:cs typeface="Arial" panose="020B0604020202020204" pitchFamily="34" charset="0"/>
+                          </a:rPr>
+                          <m:t>𝒑</m:t>
+                        </m:r>
+                      </m:sub>
+                      <m:sup>
+                        <m:r>
+                          <a:rPr lang="en-US" altLang="zh-CN" sz="1400" b="1" i="1" smtClean="0">
+                            <a:latin typeface="Cambria Math" panose="02040503050406030204" pitchFamily="18" charset="0"/>
+                            <a:cs typeface="Arial" panose="020B0604020202020204" pitchFamily="34" charset="0"/>
+                          </a:rPr>
+                          <m:t>𝟎</m:t>
+                        </m:r>
+                      </m:sup>
+                    </m:sSubSup>
+                    <m:r>
+                      <a:rPr lang="en-US" altLang="zh-CN" sz="1400" b="1" i="1">
+                        <a:latin typeface="Cambria Math" panose="02040503050406030204" pitchFamily="18" charset="0"/>
+                        <a:cs typeface="Arial" panose="020B0604020202020204" pitchFamily="34" charset="0"/>
+                      </a:rPr>
+                      <m:t>}</m:t>
+                    </m:r>
+                  </m:oMath>
+                </a14:m>
+                <a:r>
+                  <a:rPr lang="zh-CN" altLang="en-US" sz="1400" dirty="0"/>
+                  <a:t> </a:t>
+                </a:r>
+                <a:r>
+                  <a:rPr lang="en-US" altLang="zh-CN" sz="1400" dirty="0">
+                    <a:latin typeface="Arial" panose="020B0604020202020204" pitchFamily="34" charset="0"/>
+                    <a:cs typeface="Arial" panose="020B0604020202020204" pitchFamily="34" charset="0"/>
+                  </a:rPr>
+                  <a:t>representing raw vector sets.</a:t>
+                </a:r>
+                <a:endParaRPr lang="en-US" altLang="zh-CN" sz="1200" dirty="0">
+                  <a:latin typeface="Arial" panose="020B0604020202020204" pitchFamily="34" charset="0"/>
+                  <a:cs typeface="Arial" panose="020B0604020202020204" pitchFamily="34" charset="0"/>
+                </a:endParaRPr>
+              </a:p>
+              <a:p>
+                <a14:m>
+                  <m:oMath xmlns:m="http://schemas.openxmlformats.org/officeDocument/2006/math">
+                    <m:r>
+                      <a:rPr lang="en-US" altLang="zh-CN" sz="1400" b="1">
+                        <a:latin typeface="Cambria Math" panose="02040503050406030204" pitchFamily="18" charset="0"/>
+                        <a:cs typeface="Arial" panose="020B0604020202020204" pitchFamily="34" charset="0"/>
+                      </a:rPr>
+                      <m:t>{</m:t>
+                    </m:r>
+                    <m:sSubSup>
+                      <m:sSubSupPr>
+                        <m:ctrlPr>
+                          <a:rPr lang="en-US" altLang="zh-CN" sz="1400" b="1" i="1">
+                            <a:latin typeface="Cambria Math" panose="02040503050406030204" pitchFamily="18" charset="0"/>
+                            <a:cs typeface="Arial" panose="020B0604020202020204" pitchFamily="34" charset="0"/>
+                          </a:rPr>
+                        </m:ctrlPr>
+                      </m:sSubSupPr>
+                      <m:e>
+                        <m:r>
+                          <a:rPr lang="en-US" altLang="zh-CN" sz="1400" b="1" i="1">
+                            <a:latin typeface="Cambria Math" panose="02040503050406030204" pitchFamily="18" charset="0"/>
+                            <a:cs typeface="Arial" panose="020B0604020202020204" pitchFamily="34" charset="0"/>
+                          </a:rPr>
+                          <m:t>𝒗</m:t>
+                        </m:r>
+                      </m:e>
+                      <m:sub>
+                        <m:r>
+                          <a:rPr lang="en-US" altLang="zh-CN" sz="1400" b="1" i="1">
+                            <a:latin typeface="Cambria Math" panose="02040503050406030204" pitchFamily="18" charset="0"/>
+                            <a:cs typeface="Arial" panose="020B0604020202020204" pitchFamily="34" charset="0"/>
+                          </a:rPr>
+                          <m:t>𝟏</m:t>
+                        </m:r>
+                      </m:sub>
+                      <m:sup>
+                        <m:r>
+                          <a:rPr lang="en-US" altLang="zh-CN" sz="1400" b="1" i="1">
+                            <a:latin typeface="Cambria Math" panose="02040503050406030204" pitchFamily="18" charset="0"/>
+                            <a:cs typeface="Arial" panose="020B0604020202020204" pitchFamily="34" charset="0"/>
+                          </a:rPr>
+                          <m:t>𝟎</m:t>
+                        </m:r>
+                      </m:sup>
+                    </m:sSubSup>
+                  </m:oMath>
+                </a14:m>
+                <a:r>
+                  <a:rPr lang="en-US" altLang="zh-CN" sz="1400" b="1" dirty="0">
+                    <a:latin typeface="Arial" panose="020B0604020202020204" pitchFamily="34" charset="0"/>
+                    <a:cs typeface="Arial" panose="020B0604020202020204" pitchFamily="34" charset="0"/>
+                  </a:rPr>
+                  <a:t>, </a:t>
+                </a:r>
+                <a14:m>
+                  <m:oMath xmlns:m="http://schemas.openxmlformats.org/officeDocument/2006/math">
+                    <m:sSubSup>
+                      <m:sSubSupPr>
+                        <m:ctrlPr>
+                          <a:rPr lang="en-US" altLang="zh-CN" sz="1400" b="1" i="1">
+                            <a:latin typeface="Cambria Math" panose="02040503050406030204" pitchFamily="18" charset="0"/>
+                            <a:cs typeface="Arial" panose="020B0604020202020204" pitchFamily="34" charset="0"/>
+                          </a:rPr>
+                        </m:ctrlPr>
+                      </m:sSubSupPr>
+                      <m:e>
+                        <m:r>
+                          <a:rPr lang="en-US" altLang="zh-CN" sz="1400" b="1" i="1">
+                            <a:latin typeface="Cambria Math" panose="02040503050406030204" pitchFamily="18" charset="0"/>
+                            <a:cs typeface="Arial" panose="020B0604020202020204" pitchFamily="34" charset="0"/>
+                          </a:rPr>
+                          <m:t>𝒗</m:t>
+                        </m:r>
+                      </m:e>
+                      <m:sub>
+                        <m:r>
+                          <a:rPr lang="en-US" altLang="zh-CN" sz="1400" b="1" i="1">
+                            <a:latin typeface="Cambria Math" panose="02040503050406030204" pitchFamily="18" charset="0"/>
+                            <a:cs typeface="Arial" panose="020B0604020202020204" pitchFamily="34" charset="0"/>
+                          </a:rPr>
+                          <m:t>𝟐</m:t>
+                        </m:r>
+                      </m:sub>
+                      <m:sup>
+                        <m:r>
+                          <a:rPr lang="en-US" altLang="zh-CN" sz="1400" b="1" i="1">
+                            <a:latin typeface="Cambria Math" panose="02040503050406030204" pitchFamily="18" charset="0"/>
+                            <a:cs typeface="Arial" panose="020B0604020202020204" pitchFamily="34" charset="0"/>
+                          </a:rPr>
+                          <m:t>𝟎</m:t>
+                        </m:r>
+                      </m:sup>
+                    </m:sSubSup>
+                  </m:oMath>
+                </a14:m>
+                <a:r>
+                  <a:rPr lang="en-US" altLang="zh-CN" sz="1400" b="1" dirty="0">
+                    <a:latin typeface="Arial" panose="020B0604020202020204" pitchFamily="34" charset="0"/>
+                    <a:cs typeface="Arial" panose="020B0604020202020204" pitchFamily="34" charset="0"/>
+                  </a:rPr>
+                  <a:t>, </a:t>
+                </a:r>
+                <a14:m>
+                  <m:oMath xmlns:m="http://schemas.openxmlformats.org/officeDocument/2006/math">
+                    <m:r>
+                      <a:rPr lang="en-US" altLang="zh-CN" sz="1400" b="1" i="1">
+                        <a:latin typeface="Cambria Math" panose="02040503050406030204" pitchFamily="18" charset="0"/>
+                        <a:ea typeface="Cambria Math" panose="02040503050406030204" pitchFamily="18" charset="0"/>
+                        <a:cs typeface="Arial" panose="020B0604020202020204" pitchFamily="34" charset="0"/>
+                      </a:rPr>
+                      <m:t>⋯⋯</m:t>
+                    </m:r>
+                  </m:oMath>
+                </a14:m>
+                <a:r>
+                  <a:rPr lang="en-US" altLang="zh-CN" sz="1400" b="1" dirty="0">
+                    <a:latin typeface="Arial" panose="020B0604020202020204" pitchFamily="34" charset="0"/>
+                    <a:cs typeface="Arial" panose="020B0604020202020204" pitchFamily="34" charset="0"/>
+                  </a:rPr>
+                  <a:t>, </a:t>
+                </a:r>
+                <a14:m>
+                  <m:oMath xmlns:m="http://schemas.openxmlformats.org/officeDocument/2006/math">
+                    <m:sSubSup>
+                      <m:sSubSupPr>
+                        <m:ctrlPr>
+                          <a:rPr lang="en-US" altLang="zh-CN" sz="1400" b="1" i="1">
+                            <a:latin typeface="Cambria Math" panose="02040503050406030204" pitchFamily="18" charset="0"/>
+                            <a:cs typeface="Arial" panose="020B0604020202020204" pitchFamily="34" charset="0"/>
+                          </a:rPr>
+                        </m:ctrlPr>
+                      </m:sSubSupPr>
+                      <m:e>
+                        <m:r>
+                          <a:rPr lang="en-US" altLang="zh-CN" sz="1400" b="1" i="1">
+                            <a:latin typeface="Cambria Math" panose="02040503050406030204" pitchFamily="18" charset="0"/>
+                            <a:cs typeface="Arial" panose="020B0604020202020204" pitchFamily="34" charset="0"/>
+                          </a:rPr>
+                          <m:t>𝒗</m:t>
+                        </m:r>
+                      </m:e>
+                      <m:sub>
+                        <m:r>
+                          <a:rPr lang="en-US" altLang="zh-CN" sz="1400" b="1" i="1">
+                            <a:latin typeface="Cambria Math" panose="02040503050406030204" pitchFamily="18" charset="0"/>
+                            <a:cs typeface="Arial" panose="020B0604020202020204" pitchFamily="34" charset="0"/>
+                          </a:rPr>
+                          <m:t>𝒊</m:t>
+                        </m:r>
+                      </m:sub>
+                      <m:sup>
+                        <m:r>
+                          <a:rPr lang="en-US" altLang="zh-CN" sz="1400" b="1" i="1">
+                            <a:latin typeface="Cambria Math" panose="02040503050406030204" pitchFamily="18" charset="0"/>
+                            <a:cs typeface="Arial" panose="020B0604020202020204" pitchFamily="34" charset="0"/>
+                          </a:rPr>
+                          <m:t>𝟎</m:t>
+                        </m:r>
+                      </m:sup>
+                    </m:sSubSup>
+                  </m:oMath>
+                </a14:m>
+                <a:r>
+                  <a:rPr lang="en-US" altLang="zh-CN" sz="1400" b="1" dirty="0">
+                    <a:latin typeface="Arial" panose="020B0604020202020204" pitchFamily="34" charset="0"/>
+                    <a:cs typeface="Arial" panose="020B0604020202020204" pitchFamily="34" charset="0"/>
+                  </a:rPr>
+                  <a:t>, </a:t>
+                </a:r>
+                <a14:m>
+                  <m:oMath xmlns:m="http://schemas.openxmlformats.org/officeDocument/2006/math">
+                    <m:r>
+                      <a:rPr lang="en-US" altLang="zh-CN" sz="1400" b="1" i="1">
+                        <a:latin typeface="Cambria Math" panose="02040503050406030204" pitchFamily="18" charset="0"/>
+                        <a:ea typeface="Cambria Math" panose="02040503050406030204" pitchFamily="18" charset="0"/>
+                        <a:cs typeface="Arial" panose="020B0604020202020204" pitchFamily="34" charset="0"/>
+                      </a:rPr>
+                      <m:t>⋯⋯</m:t>
+                    </m:r>
+                  </m:oMath>
+                </a14:m>
+                <a:r>
+                  <a:rPr lang="en-US" altLang="zh-CN" sz="1400" b="1" dirty="0">
+                    <a:latin typeface="Arial" panose="020B0604020202020204" pitchFamily="34" charset="0"/>
+                    <a:cs typeface="Arial" panose="020B0604020202020204" pitchFamily="34" charset="0"/>
+                  </a:rPr>
+                  <a:t>, </a:t>
+                </a:r>
+                <a14:m>
+                  <m:oMath xmlns:m="http://schemas.openxmlformats.org/officeDocument/2006/math">
+                    <m:sSubSup>
+                      <m:sSubSupPr>
+                        <m:ctrlPr>
+                          <a:rPr lang="en-US" altLang="zh-CN" sz="1400" b="1" i="1">
+                            <a:latin typeface="Cambria Math" panose="02040503050406030204" pitchFamily="18" charset="0"/>
+                            <a:cs typeface="Arial" panose="020B0604020202020204" pitchFamily="34" charset="0"/>
+                          </a:rPr>
+                        </m:ctrlPr>
+                      </m:sSubSupPr>
+                      <m:e>
+                        <m:r>
+                          <a:rPr lang="en-US" altLang="zh-CN" sz="1400" b="1" i="1">
+                            <a:latin typeface="Cambria Math" panose="02040503050406030204" pitchFamily="18" charset="0"/>
+                            <a:cs typeface="Arial" panose="020B0604020202020204" pitchFamily="34" charset="0"/>
+                          </a:rPr>
+                          <m:t>𝒗</m:t>
+                        </m:r>
+                      </m:e>
+                      <m:sub>
+                        <m:r>
+                          <a:rPr lang="en-US" altLang="zh-CN" sz="1400" b="1" i="1">
+                            <a:latin typeface="Cambria Math" panose="02040503050406030204" pitchFamily="18" charset="0"/>
+                            <a:cs typeface="Arial" panose="020B0604020202020204" pitchFamily="34" charset="0"/>
+                          </a:rPr>
+                          <m:t>𝒑</m:t>
+                        </m:r>
+                        <m:r>
+                          <a:rPr lang="en-US" altLang="zh-CN" sz="1400" b="1" i="1">
+                            <a:latin typeface="Cambria Math" panose="02040503050406030204" pitchFamily="18" charset="0"/>
+                            <a:cs typeface="Arial" panose="020B0604020202020204" pitchFamily="34" charset="0"/>
+                          </a:rPr>
+                          <m:t>−</m:t>
+                        </m:r>
+                        <m:r>
+                          <a:rPr lang="en-US" altLang="zh-CN" sz="1400" b="1" i="1">
+                            <a:latin typeface="Cambria Math" panose="02040503050406030204" pitchFamily="18" charset="0"/>
+                            <a:cs typeface="Arial" panose="020B0604020202020204" pitchFamily="34" charset="0"/>
+                          </a:rPr>
+                          <m:t>𝟏</m:t>
+                        </m:r>
+                      </m:sub>
+                      <m:sup>
+                        <m:r>
+                          <a:rPr lang="en-US" altLang="zh-CN" sz="1400" b="1" i="1">
+                            <a:latin typeface="Cambria Math" panose="02040503050406030204" pitchFamily="18" charset="0"/>
+                            <a:cs typeface="Arial" panose="020B0604020202020204" pitchFamily="34" charset="0"/>
+                          </a:rPr>
+                          <m:t>𝟎</m:t>
+                        </m:r>
+                      </m:sup>
+                    </m:sSubSup>
+                  </m:oMath>
+                </a14:m>
+                <a:r>
+                  <a:rPr lang="en-US" altLang="zh-CN" sz="1400" b="1" dirty="0">
+                    <a:latin typeface="Arial" panose="020B0604020202020204" pitchFamily="34" charset="0"/>
+                    <a:cs typeface="Arial" panose="020B0604020202020204" pitchFamily="34" charset="0"/>
+                  </a:rPr>
+                  <a:t>, </a:t>
+                </a:r>
+                <a14:m>
+                  <m:oMath xmlns:m="http://schemas.openxmlformats.org/officeDocument/2006/math">
+                    <m:sSubSup>
+                      <m:sSubSupPr>
+                        <m:ctrlPr>
+                          <a:rPr lang="en-US" altLang="zh-CN" sz="1400" b="1" i="1">
+                            <a:latin typeface="Cambria Math" panose="02040503050406030204" pitchFamily="18" charset="0"/>
+                            <a:cs typeface="Arial" panose="020B0604020202020204" pitchFamily="34" charset="0"/>
+                          </a:rPr>
+                        </m:ctrlPr>
+                      </m:sSubSupPr>
+                      <m:e>
+                        <m:r>
+                          <a:rPr lang="en-US" altLang="zh-CN" sz="1400" b="1" i="1">
+                            <a:latin typeface="Cambria Math" panose="02040503050406030204" pitchFamily="18" charset="0"/>
+                            <a:cs typeface="Arial" panose="020B0604020202020204" pitchFamily="34" charset="0"/>
+                          </a:rPr>
+                          <m:t>𝒗</m:t>
+                        </m:r>
+                      </m:e>
+                      <m:sub>
+                        <m:r>
+                          <a:rPr lang="en-US" altLang="zh-CN" sz="1400" b="1" i="1">
+                            <a:latin typeface="Cambria Math" panose="02040503050406030204" pitchFamily="18" charset="0"/>
+                            <a:cs typeface="Arial" panose="020B0604020202020204" pitchFamily="34" charset="0"/>
+                          </a:rPr>
+                          <m:t>𝒑</m:t>
+                        </m:r>
+                      </m:sub>
+                      <m:sup>
+                        <m:r>
+                          <a:rPr lang="en-US" altLang="zh-CN" sz="1400" b="1" i="1">
+                            <a:latin typeface="Cambria Math" panose="02040503050406030204" pitchFamily="18" charset="0"/>
+                            <a:cs typeface="Arial" panose="020B0604020202020204" pitchFamily="34" charset="0"/>
+                          </a:rPr>
+                          <m:t>𝟎</m:t>
+                        </m:r>
+                      </m:sup>
+                    </m:sSubSup>
+                    <m:r>
+                      <a:rPr lang="en-US" altLang="zh-CN" sz="1400" b="1" i="1">
+                        <a:latin typeface="Cambria Math" panose="02040503050406030204" pitchFamily="18" charset="0"/>
+                        <a:cs typeface="Arial" panose="020B0604020202020204" pitchFamily="34" charset="0"/>
+                      </a:rPr>
+                      <m:t>} </m:t>
+                    </m:r>
+                  </m:oMath>
+                </a14:m>
+                <a:r>
+                  <a:rPr lang="en-US" altLang="zh-CN" sz="1400" dirty="0">
+                    <a:latin typeface="Arial" panose="020B0604020202020204" pitchFamily="34" charset="0"/>
+                    <a:cs typeface="Arial" panose="020B0604020202020204" pitchFamily="34" charset="0"/>
+                  </a:rPr>
+                  <a:t>representing vector sets which has been operated </a:t>
+                </a:r>
+                <a14:m>
+                  <m:oMath xmlns:m="http://schemas.openxmlformats.org/officeDocument/2006/math">
+                    <m:r>
+                      <a:rPr lang="en-US" altLang="zh-CN" sz="1400" dirty="0">
+                        <a:latin typeface="Arial" panose="020B0604020202020204" pitchFamily="34" charset="0"/>
+                        <a:cs typeface="Arial" panose="020B0604020202020204" pitchFamily="34" charset="0"/>
+                      </a:rPr>
+                      <m:t>𝒍</m:t>
+                    </m:r>
+                  </m:oMath>
+                </a14:m>
+                <a:r>
+                  <a:rPr lang="en-US" altLang="zh-CN" sz="1400" dirty="0">
+                    <a:latin typeface="Arial" panose="020B0604020202020204" pitchFamily="34" charset="0"/>
+                    <a:cs typeface="Arial" panose="020B0604020202020204" pitchFamily="34" charset="0"/>
+                  </a:rPr>
+                  <a:t> time.</a:t>
+                </a:r>
+                <a:endParaRPr lang="zh-CN" altLang="en-US" sz="1200" dirty="0">
+                  <a:latin typeface="Arial" panose="020B0604020202020204" pitchFamily="34" charset="0"/>
+                  <a:cs typeface="Arial" panose="020B0604020202020204" pitchFamily="34" charset="0"/>
+                </a:endParaRPr>
+              </a:p>
+            </p:txBody>
+          </p:sp>
+        </mc:Choice>
+        <mc:Fallback>
+          <p:sp>
+            <p:nvSpPr>
+              <p:cNvPr id="46" name="矩形 45">
+                <a:extLst>
+                  <a:ext uri="{FF2B5EF4-FFF2-40B4-BE49-F238E27FC236}">
+                    <a16:creationId xmlns:a16="http://schemas.microsoft.com/office/drawing/2014/main" id="{5EFB45B4-59CE-4B77-B552-66E307BAB4F5}"/>
+                  </a:ext>
+                </a:extLst>
+              </p:cNvPr>
+              <p:cNvSpPr>
+                <a:spLocks noRot="1" noChangeAspect="1" noMove="1" noResize="1" noEditPoints="1" noAdjustHandles="1" noChangeArrowheads="1" noChangeShapeType="1" noTextEdit="1"/>
+              </p:cNvSpPr>
+              <p:nvPr/>
+            </p:nvSpPr>
+            <p:spPr>
+              <a:xfrm>
+                <a:off x="4900324" y="2821013"/>
+                <a:ext cx="7291676" cy="607987"/>
+              </a:xfrm>
+              <a:prstGeom prst="rect">
+                <a:avLst/>
+              </a:prstGeom>
+              <a:blipFill>
+                <a:blip r:embed="rId6"/>
+                <a:stretch>
+                  <a:fillRect b="-4000"/>
+                </a:stretch>
+              </a:blipFill>
+            </p:spPr>
+            <p:txBody>
+              <a:bodyPr/>
+              <a:lstStyle/>
+              <a:p>
+                <a:r>
+                  <a:rPr lang="zh-CN" altLang="en-US">
+                    <a:noFill/>
+                  </a:rPr>
+                  <a:t> </a:t>
+                </a:r>
+              </a:p>
+            </p:txBody>
+          </p:sp>
+        </mc:Fallback>
+      </mc:AlternateContent>
     </p:spTree>
     <p:extLst>
       <p:ext uri="{BB962C8B-B14F-4D97-AF65-F5344CB8AC3E}">

--- a/material/presentation.pptx
+++ b/material/presentation.pptx
@@ -269,7 +269,7 @@
           <a:p>
             <a:fld id="{F40C1254-F1AA-428B-92C5-B10CE42ED55A}" type="datetimeFigureOut">
               <a:rPr lang="zh-CN" altLang="en-US" smtClean="0"/>
-              <a:t>2020/6/10</a:t>
+              <a:t>2020/6/11</a:t>
             </a:fld>
             <a:endParaRPr lang="zh-CN" altLang="en-US"/>
           </a:p>
@@ -467,7 +467,7 @@
           <a:p>
             <a:fld id="{F40C1254-F1AA-428B-92C5-B10CE42ED55A}" type="datetimeFigureOut">
               <a:rPr lang="zh-CN" altLang="en-US" smtClean="0"/>
-              <a:t>2020/6/10</a:t>
+              <a:t>2020/6/11</a:t>
             </a:fld>
             <a:endParaRPr lang="zh-CN" altLang="en-US"/>
           </a:p>
@@ -675,7 +675,7 @@
           <a:p>
             <a:fld id="{F40C1254-F1AA-428B-92C5-B10CE42ED55A}" type="datetimeFigureOut">
               <a:rPr lang="zh-CN" altLang="en-US" smtClean="0"/>
-              <a:t>2020/6/10</a:t>
+              <a:t>2020/6/11</a:t>
             </a:fld>
             <a:endParaRPr lang="zh-CN" altLang="en-US"/>
           </a:p>
@@ -873,7 +873,7 @@
           <a:p>
             <a:fld id="{F40C1254-F1AA-428B-92C5-B10CE42ED55A}" type="datetimeFigureOut">
               <a:rPr lang="zh-CN" altLang="en-US" smtClean="0"/>
-              <a:t>2020/6/10</a:t>
+              <a:t>2020/6/11</a:t>
             </a:fld>
             <a:endParaRPr lang="zh-CN" altLang="en-US"/>
           </a:p>
@@ -1148,7 +1148,7 @@
           <a:p>
             <a:fld id="{F40C1254-F1AA-428B-92C5-B10CE42ED55A}" type="datetimeFigureOut">
               <a:rPr lang="zh-CN" altLang="en-US" smtClean="0"/>
-              <a:t>2020/6/10</a:t>
+              <a:t>2020/6/11</a:t>
             </a:fld>
             <a:endParaRPr lang="zh-CN" altLang="en-US"/>
           </a:p>
@@ -1413,7 +1413,7 @@
           <a:p>
             <a:fld id="{F40C1254-F1AA-428B-92C5-B10CE42ED55A}" type="datetimeFigureOut">
               <a:rPr lang="zh-CN" altLang="en-US" smtClean="0"/>
-              <a:t>2020/6/10</a:t>
+              <a:t>2020/6/11</a:t>
             </a:fld>
             <a:endParaRPr lang="zh-CN" altLang="en-US"/>
           </a:p>
@@ -1825,7 +1825,7 @@
           <a:p>
             <a:fld id="{F40C1254-F1AA-428B-92C5-B10CE42ED55A}" type="datetimeFigureOut">
               <a:rPr lang="zh-CN" altLang="en-US" smtClean="0"/>
-              <a:t>2020/6/10</a:t>
+              <a:t>2020/6/11</a:t>
             </a:fld>
             <a:endParaRPr lang="zh-CN" altLang="en-US"/>
           </a:p>
@@ -1966,7 +1966,7 @@
           <a:p>
             <a:fld id="{F40C1254-F1AA-428B-92C5-B10CE42ED55A}" type="datetimeFigureOut">
               <a:rPr lang="zh-CN" altLang="en-US" smtClean="0"/>
-              <a:t>2020/6/10</a:t>
+              <a:t>2020/6/11</a:t>
             </a:fld>
             <a:endParaRPr lang="zh-CN" altLang="en-US"/>
           </a:p>
@@ -2079,7 +2079,7 @@
           <a:p>
             <a:fld id="{F40C1254-F1AA-428B-92C5-B10CE42ED55A}" type="datetimeFigureOut">
               <a:rPr lang="zh-CN" altLang="en-US" smtClean="0"/>
-              <a:t>2020/6/10</a:t>
+              <a:t>2020/6/11</a:t>
             </a:fld>
             <a:endParaRPr lang="zh-CN" altLang="en-US"/>
           </a:p>
@@ -2390,7 +2390,7 @@
           <a:p>
             <a:fld id="{F40C1254-F1AA-428B-92C5-B10CE42ED55A}" type="datetimeFigureOut">
               <a:rPr lang="zh-CN" altLang="en-US" smtClean="0"/>
-              <a:t>2020/6/10</a:t>
+              <a:t>2020/6/11</a:t>
             </a:fld>
             <a:endParaRPr lang="zh-CN" altLang="en-US"/>
           </a:p>
@@ -2678,7 +2678,7 @@
           <a:p>
             <a:fld id="{F40C1254-F1AA-428B-92C5-B10CE42ED55A}" type="datetimeFigureOut">
               <a:rPr lang="zh-CN" altLang="en-US" smtClean="0"/>
-              <a:t>2020/6/10</a:t>
+              <a:t>2020/6/11</a:t>
             </a:fld>
             <a:endParaRPr lang="zh-CN" altLang="en-US"/>
           </a:p>
@@ -2919,7 +2919,7 @@
           <a:p>
             <a:fld id="{F40C1254-F1AA-428B-92C5-B10CE42ED55A}" type="datetimeFigureOut">
               <a:rPr lang="zh-CN" altLang="en-US" smtClean="0"/>
-              <a:t>2020/6/10</a:t>
+              <a:t>2020/6/11</a:t>
             </a:fld>
             <a:endParaRPr lang="zh-CN" altLang="en-US"/>
           </a:p>
@@ -4314,8 +4314,8 @@
           </a:p>
         </p:txBody>
       </p:sp>
-      <mc:AlternateContent xmlns:mc="http://schemas.openxmlformats.org/markup-compatibility/2006">
-        <mc:Choice xmlns:a14="http://schemas.microsoft.com/office/drawing/2010/main" Requires="a14">
+      <mc:AlternateContent xmlns:mc="http://schemas.openxmlformats.org/markup-compatibility/2006" xmlns:a14="http://schemas.microsoft.com/office/drawing/2010/main">
+        <mc:Choice Requires="a14">
           <p:sp>
             <p:nvSpPr>
               <p:cNvPr id="9" name="文本框 8">
@@ -4552,7 +4552,7 @@
             </p:txBody>
           </p:sp>
         </mc:Choice>
-        <mc:Fallback>
+        <mc:Fallback xmlns="">
           <p:sp>
             <p:nvSpPr>
               <p:cNvPr id="9" name="文本框 8">
@@ -7152,7 +7152,21 @@
                 <a:latin typeface="Arial" panose="020B0604020202020204" pitchFamily="34" charset="0"/>
                 <a:cs typeface="Arial" panose="020B0604020202020204" pitchFamily="34" charset="0"/>
               </a:rPr>
-              <a:t>        According to the paper, one vector set can be represented a polyline. As stated before, one lane represent a vector set and the observed is also a vector set. So, we need to see lane vector sets and observed trajectory vector sets as polylines. Then constructing the polyline subgraphs to convert them to polyline level features.  </a:t>
+              <a:t>        This stage is actually the </a:t>
+            </a:r>
+            <a:r>
+              <a:rPr lang="en-US" altLang="zh-CN" sz="1600">
+                <a:latin typeface="Arial" panose="020B0604020202020204" pitchFamily="34" charset="0"/>
+                <a:cs typeface="Arial" panose="020B0604020202020204" pitchFamily="34" charset="0"/>
+              </a:rPr>
+              <a:t>embedding stage. </a:t>
+            </a:r>
+            <a:r>
+              <a:rPr lang="en-US" altLang="zh-CN" sz="1600" dirty="0">
+                <a:latin typeface="Arial" panose="020B0604020202020204" pitchFamily="34" charset="0"/>
+                <a:cs typeface="Arial" panose="020B0604020202020204" pitchFamily="34" charset="0"/>
+              </a:rPr>
+              <a:t>According to the paper, one vector set represents a polyline. As stated before, one lane can be seen as a polyline and the observed trajectory can also be seen as a polyline. So, we will convert these vector sets to polyline level features by constructing the polyline subgraphs.</a:t>
             </a:r>
           </a:p>
         </p:txBody>
@@ -7193,8 +7207,8 @@
           </a:prstGeom>
         </p:spPr>
       </p:pic>
-      <mc:AlternateContent xmlns:mc="http://schemas.openxmlformats.org/markup-compatibility/2006">
-        <mc:Choice xmlns:a14="http://schemas.microsoft.com/office/drawing/2010/main" Requires="a14">
+      <mc:AlternateContent xmlns:mc="http://schemas.openxmlformats.org/markup-compatibility/2006" xmlns:a14="http://schemas.microsoft.com/office/drawing/2010/main">
+        <mc:Choice Requires="a14">
           <p:sp>
             <p:nvSpPr>
               <p:cNvPr id="10" name="文本框 9">
@@ -7614,7 +7628,7 @@
             </p:txBody>
           </p:sp>
         </mc:Choice>
-        <mc:Fallback>
+        <mc:Fallback xmlns="">
           <p:sp>
             <p:nvSpPr>
               <p:cNvPr id="10" name="文本框 9">
@@ -7695,8 +7709,8 @@
           </a:prstGeom>
         </p:spPr>
       </p:pic>
-      <mc:AlternateContent xmlns:mc="http://schemas.openxmlformats.org/markup-compatibility/2006">
-        <mc:Choice xmlns:a14="http://schemas.microsoft.com/office/drawing/2010/main" Requires="a14">
+      <mc:AlternateContent xmlns:mc="http://schemas.openxmlformats.org/markup-compatibility/2006" xmlns:a14="http://schemas.microsoft.com/office/drawing/2010/main">
+        <mc:Choice Requires="a14">
           <p:sp>
             <p:nvSpPr>
               <p:cNvPr id="45" name="文本框 44">
@@ -8138,7 +8152,7 @@
             </p:txBody>
           </p:sp>
         </mc:Choice>
-        <mc:Fallback>
+        <mc:Fallback xmlns="">
           <p:sp>
             <p:nvSpPr>
               <p:cNvPr id="45" name="文本框 44">
@@ -8183,8 +8197,8 @@
           </p:sp>
         </mc:Fallback>
       </mc:AlternateContent>
-      <mc:AlternateContent xmlns:mc="http://schemas.openxmlformats.org/markup-compatibility/2006">
-        <mc:Choice xmlns:a14="http://schemas.microsoft.com/office/drawing/2010/main" Requires="a14">
+      <mc:AlternateContent xmlns:mc="http://schemas.openxmlformats.org/markup-compatibility/2006" xmlns:a14="http://schemas.microsoft.com/office/drawing/2010/main">
+        <mc:Choice Requires="a14">
           <p:sp>
             <p:nvSpPr>
               <p:cNvPr id="46" name="矩形 45">
@@ -8838,7 +8852,7 @@
                   <m:oMath xmlns:m="http://schemas.openxmlformats.org/officeDocument/2006/math">
                     <m:r>
                       <a:rPr lang="en-US" altLang="zh-CN" sz="1400" dirty="0">
-                        <a:latin typeface="Arial" panose="020B0604020202020204" pitchFamily="34" charset="0"/>
+                        <a:latin typeface="Cambria Math" panose="02040503050406030204" pitchFamily="18" charset="0"/>
                         <a:cs typeface="Arial" panose="020B0604020202020204" pitchFamily="34" charset="0"/>
                       </a:rPr>
                       <m:t>𝒍</m:t>
@@ -8860,7 +8874,7 @@
             </p:txBody>
           </p:sp>
         </mc:Choice>
-        <mc:Fallback>
+        <mc:Fallback xmlns="">
           <p:sp>
             <p:nvSpPr>
               <p:cNvPr id="46" name="矩形 45">

--- a/material/presentation.pptx
+++ b/material/presentation.pptx
@@ -16,6 +16,8 @@
     <p:sldId id="262" r:id="rId10"/>
     <p:sldId id="265" r:id="rId11"/>
     <p:sldId id="266" r:id="rId12"/>
+    <p:sldId id="267" r:id="rId13"/>
+    <p:sldId id="268" r:id="rId14"/>
   </p:sldIdLst>
   <p:sldSz cx="12192000" cy="6858000"/>
   <p:notesSz cx="6858000" cy="9144000"/>
@@ -4646,7 +4648,7 @@
 </p:sld>
 </file>
 
-<file path=ppt/slides/slide2.xml><?xml version="1.0" encoding="utf-8"?>
+<file path=ppt/slides/slide12.xml><?xml version="1.0" encoding="utf-8"?>
 <p:sld xmlns:a="http://schemas.openxmlformats.org/drawingml/2006/main" xmlns:r="http://schemas.openxmlformats.org/officeDocument/2006/relationships" xmlns:p="http://schemas.openxmlformats.org/presentationml/2006/main">
   <p:cSld>
     <p:spTree>
@@ -4777,7 +4779,7 @@
         <p:spPr>
           <a:xfrm>
             <a:off x="992221" y="669303"/>
-            <a:ext cx="1014060" cy="369332"/>
+            <a:ext cx="1826141" cy="369332"/>
           </a:xfrm>
           <a:prstGeom prst="rect">
             <a:avLst/>
@@ -4795,7 +4797,7 @@
                 <a:latin typeface="Arial" panose="020B0604020202020204" pitchFamily="34" charset="0"/>
                 <a:cs typeface="Arial" panose="020B0604020202020204" pitchFamily="34" charset="0"/>
               </a:rPr>
-              <a:t>Awards</a:t>
+              <a:t>Other methods</a:t>
             </a:r>
             <a:endParaRPr lang="zh-CN" altLang="en-US" b="1" dirty="0">
               <a:latin typeface="Arial" panose="020B0604020202020204" pitchFamily="34" charset="0"/>
@@ -4819,7 +4821,7 @@
         <p:spPr>
           <a:xfrm>
             <a:off x="992221" y="1258242"/>
-            <a:ext cx="10798790" cy="2970557"/>
+            <a:ext cx="10428051" cy="5586658"/>
           </a:xfrm>
           <a:prstGeom prst="rect">
             <a:avLst/>
@@ -4834,8 +4836,9 @@
           <a:p>
             <a:pPr marL="342900" indent="-342900" algn="just">
               <a:lnSpc>
-                <a:spcPct val="200000"/>
+                <a:spcPct val="150000"/>
               </a:lnSpc>
+              <a:buFontTx/>
               <a:buAutoNum type="arabicPeriod"/>
             </a:pPr>
             <a:r>
@@ -4843,13 +4846,13 @@
                 <a:latin typeface="Arial" panose="020B0604020202020204" pitchFamily="34" charset="0"/>
                 <a:cs typeface="Arial" panose="020B0604020202020204" pitchFamily="34" charset="0"/>
               </a:rPr>
-              <a:t>National Scholarship (2017 ~ 2018) [Intellectual education: 1st, Comprehensive assessment: 1st]</a:t>
+              <a:t>Fast and Furious (a end-to-end compound of regular computer vision task)</a:t>
             </a:r>
           </a:p>
           <a:p>
             <a:pPr marL="342900" indent="-342900" algn="just">
               <a:lnSpc>
-                <a:spcPct val="200000"/>
+                <a:spcPct val="150000"/>
               </a:lnSpc>
               <a:buAutoNum type="arabicPeriod"/>
             </a:pPr>
@@ -4858,13 +4861,13 @@
                 <a:latin typeface="Arial" panose="020B0604020202020204" pitchFamily="34" charset="0"/>
                 <a:cs typeface="Arial" panose="020B0604020202020204" pitchFamily="34" charset="0"/>
               </a:rPr>
-              <a:t>The Second Prize Scholarship (2018 ~ 2019) [Intellectual education: 1st, Comprehensive assessment: 3st]</a:t>
+              <a:t>IntentNet (an improved FaF by adding rendered HD map)</a:t>
             </a:r>
           </a:p>
           <a:p>
             <a:pPr marL="342900" indent="-342900" algn="just">
               <a:lnSpc>
-                <a:spcPct val="200000"/>
+                <a:spcPct val="150000"/>
               </a:lnSpc>
               <a:buAutoNum type="arabicPeriod"/>
             </a:pPr>
@@ -4873,28 +4876,39 @@
                 <a:latin typeface="Arial" panose="020B0604020202020204" pitchFamily="34" charset="0"/>
                 <a:cs typeface="Arial" panose="020B0604020202020204" pitchFamily="34" charset="0"/>
               </a:rPr>
-              <a:t>Cstro 16th Conference -- AI and Big Data Part -- ROI Segmentation Challenge -- Head and Neck OAR track -- Champion</a:t>
+              <a:t>Rules of the Road (modeling the semantic label by convolution)</a:t>
             </a:r>
           </a:p>
           <a:p>
             <a:pPr marL="342900" indent="-342900" algn="just">
               <a:lnSpc>
-                <a:spcPct val="200000"/>
+                <a:spcPct val="150000"/>
               </a:lnSpc>
               <a:buAutoNum type="arabicPeriod"/>
+            </a:pPr>
+            <a:endParaRPr lang="en-US" altLang="zh-CN" sz="1600" dirty="0">
+              <a:latin typeface="Arial" panose="020B0604020202020204" pitchFamily="34" charset="0"/>
+              <a:cs typeface="Arial" panose="020B0604020202020204" pitchFamily="34" charset="0"/>
+            </a:endParaRPr>
+          </a:p>
+          <a:p>
+            <a:pPr algn="just">
+              <a:lnSpc>
+                <a:spcPct val="150000"/>
+              </a:lnSpc>
             </a:pPr>
             <a:r>
               <a:rPr lang="en-US" altLang="zh-CN" sz="1600" dirty="0">
                 <a:latin typeface="Arial" panose="020B0604020202020204" pitchFamily="34" charset="0"/>
                 <a:cs typeface="Arial" panose="020B0604020202020204" pitchFamily="34" charset="0"/>
               </a:rPr>
-              <a:t>National College Students Mathematical Modeling Competition Provincial Third Prize</a:t>
+              <a:t>Detailed:</a:t>
             </a:r>
           </a:p>
           <a:p>
             <a:pPr marL="342900" indent="-342900" algn="just">
               <a:lnSpc>
-                <a:spcPct val="200000"/>
+                <a:spcPct val="150000"/>
               </a:lnSpc>
               <a:buAutoNum type="arabicPeriod"/>
             </a:pPr>
@@ -4903,7 +4917,37 @@
                 <a:latin typeface="Arial" panose="020B0604020202020204" pitchFamily="34" charset="0"/>
                 <a:cs typeface="Arial" panose="020B0604020202020204" pitchFamily="34" charset="0"/>
               </a:rPr>
-              <a:t>Taidi Cup 8th Data Mining Challenge Second Prize</a:t>
+              <a:t>Firstly, converting the Lidar 3D point clouds as 3D tensor which is a type of regular data which can be encoded by ConvNet. Then stacking 5 timestamps voxelized point clouds as a block. Inputting this block into the ConvNet and the ConvNet will output current and future bounding box.</a:t>
+            </a:r>
+          </a:p>
+          <a:p>
+            <a:pPr marL="342900" indent="-342900" algn="just">
+              <a:lnSpc>
+                <a:spcPct val="150000"/>
+              </a:lnSpc>
+              <a:buAutoNum type="arabicPeriod"/>
+            </a:pPr>
+            <a:r>
+              <a:rPr lang="en-US" altLang="zh-CN" sz="1600" dirty="0">
+                <a:latin typeface="Arial" panose="020B0604020202020204" pitchFamily="34" charset="0"/>
+                <a:cs typeface="Arial" panose="020B0604020202020204" pitchFamily="34" charset="0"/>
+              </a:rPr>
+              <a:t>The method of this paper is really similar to the IntentNet. Except inputting voxelized point clouds, they also input rasterized map. Besides, they also perform a new task intention classification and the output format is different with FaF. They directly output the trajectory points.</a:t>
+            </a:r>
+          </a:p>
+          <a:p>
+            <a:pPr marL="342900" indent="-342900" algn="just">
+              <a:lnSpc>
+                <a:spcPct val="150000"/>
+              </a:lnSpc>
+              <a:buAutoNum type="arabicPeriod"/>
+            </a:pPr>
+            <a:r>
+              <a:rPr lang="en-US" altLang="zh-CN" sz="1600" dirty="0">
+                <a:latin typeface="Arial" panose="020B0604020202020204" pitchFamily="34" charset="0"/>
+                <a:cs typeface="Arial" panose="020B0604020202020204" pitchFamily="34" charset="0"/>
+              </a:rPr>
+              <a:t>They deliver the scene representation into the network by just inputting rasterized map. Besides, they input the motion state scales of target entity and other entities like velocity, acceleration etc. The network of them will output probabilistic grid map which denote the entity state probability of each position. In fact, they also have other different output format like trajectory points. </a:t>
             </a:r>
           </a:p>
         </p:txBody>
@@ -4911,7 +4955,7 @@
     </p:spTree>
     <p:extLst>
       <p:ext uri="{BB962C8B-B14F-4D97-AF65-F5344CB8AC3E}">
-        <p14:creationId xmlns:p14="http://schemas.microsoft.com/office/powerpoint/2010/main" val="787618689"/>
+        <p14:creationId xmlns:p14="http://schemas.microsoft.com/office/powerpoint/2010/main" val="899886768"/>
       </p:ext>
     </p:extLst>
   </p:cSld>
@@ -4921,7 +4965,7 @@
 </p:sld>
 </file>
 
-<file path=ppt/slides/slide3.xml><?xml version="1.0" encoding="utf-8"?>
+<file path=ppt/slides/slide13.xml><?xml version="1.0" encoding="utf-8"?>
 <p:sld xmlns:a="http://schemas.openxmlformats.org/drawingml/2006/main" xmlns:r="http://schemas.openxmlformats.org/officeDocument/2006/relationships" xmlns:p="http://schemas.openxmlformats.org/presentationml/2006/main">
   <p:cSld>
     <p:spTree>
@@ -5052,7 +5096,7 @@
         <p:spPr>
           <a:xfrm>
             <a:off x="992221" y="669303"/>
-            <a:ext cx="2646878" cy="369332"/>
+            <a:ext cx="1313180" cy="369332"/>
           </a:xfrm>
           <a:prstGeom prst="rect">
             <a:avLst/>
@@ -5070,7 +5114,7 @@
                 <a:latin typeface="Arial" panose="020B0604020202020204" pitchFamily="34" charset="0"/>
                 <a:cs typeface="Arial" panose="020B0604020202020204" pitchFamily="34" charset="0"/>
               </a:rPr>
-              <a:t>Research Experiences</a:t>
+              <a:t>My feeling</a:t>
             </a:r>
             <a:endParaRPr lang="zh-CN" altLang="en-US" b="1" dirty="0">
               <a:latin typeface="Arial" panose="020B0604020202020204" pitchFamily="34" charset="0"/>
@@ -5081,10 +5125,10 @@
       </p:sp>
       <p:sp>
         <p:nvSpPr>
-          <p:cNvPr id="9" name="文本框 8">
-            <a:extLst>
-              <a:ext uri="{FF2B5EF4-FFF2-40B4-BE49-F238E27FC236}">
-                <a16:creationId xmlns:a16="http://schemas.microsoft.com/office/drawing/2014/main" id="{B829983B-D66B-4BAE-95AE-CD2D4EA6EF57}"/>
+          <p:cNvPr id="8" name="文本框 7">
+            <a:extLst>
+              <a:ext uri="{FF2B5EF4-FFF2-40B4-BE49-F238E27FC236}">
+                <a16:creationId xmlns:a16="http://schemas.microsoft.com/office/drawing/2014/main" id="{D747C2E3-2AAD-4AA6-B118-7BFF22A3EE41}"/>
               </a:ext>
             </a:extLst>
           </p:cNvPr>
@@ -5094,7 +5138,7 @@
         <p:spPr>
           <a:xfrm>
             <a:off x="992221" y="1258242"/>
-            <a:ext cx="10798790" cy="4968027"/>
+            <a:ext cx="10428051" cy="3370666"/>
           </a:xfrm>
           <a:prstGeom prst="rect">
             <a:avLst/>
@@ -5107,136 +5151,17 @@
           </a:bodyPr>
           <a:lstStyle/>
           <a:p>
-            <a:pPr marL="342900" indent="-342900" algn="just">
-              <a:lnSpc>
-                <a:spcPct val="200000"/>
-              </a:lnSpc>
-              <a:buAutoNum type="arabicPeriod"/>
-            </a:pPr>
-            <a:r>
-              <a:rPr lang="en-US" altLang="zh-CN" sz="1600" dirty="0">
-                <a:latin typeface="Arial" panose="020B0604020202020204" pitchFamily="34" charset="0"/>
-                <a:cs typeface="Arial" panose="020B0604020202020204" pitchFamily="34" charset="0"/>
-              </a:rPr>
-              <a:t>Multi-media Emotion Recognition (SRP project From 2019.6 to 2020.4)</a:t>
-            </a:r>
-          </a:p>
-          <a:p>
-            <a:pPr marL="342900" indent="-342900" algn="just">
-              <a:lnSpc>
-                <a:spcPct val="200000"/>
-              </a:lnSpc>
-              <a:buAutoNum type="arabicPeriod"/>
-            </a:pPr>
-            <a:r>
-              <a:rPr lang="en-US" altLang="zh-CN" sz="1600" dirty="0">
-                <a:latin typeface="Arial" panose="020B0604020202020204" pitchFamily="34" charset="0"/>
-                <a:cs typeface="Arial" panose="020B0604020202020204" pitchFamily="34" charset="0"/>
-              </a:rPr>
-              <a:t>Sun Yat-sen University Cancer Center Research Assistant (From 2019.8 to now)</a:t>
-            </a:r>
-          </a:p>
-          <a:p>
-            <a:pPr marL="342900" indent="-342900" algn="just">
-              <a:lnSpc>
-                <a:spcPct val="200000"/>
-              </a:lnSpc>
-              <a:buAutoNum type="arabicPeriod"/>
-            </a:pPr>
-            <a:r>
-              <a:rPr lang="en-US" altLang="zh-CN" sz="1600" dirty="0">
-                <a:latin typeface="Arial" panose="020B0604020202020204" pitchFamily="34" charset="0"/>
-                <a:cs typeface="Arial" panose="020B0604020202020204" pitchFamily="34" charset="0"/>
-              </a:rPr>
-              <a:t>SCUT-Robot lab Member of vision group (From 2019.9 to now) </a:t>
-            </a:r>
-          </a:p>
-          <a:p>
-            <a:pPr marL="342900" indent="-342900" algn="just">
-              <a:lnSpc>
-                <a:spcPct val="150000"/>
-              </a:lnSpc>
-              <a:buAutoNum type="arabicPeriod"/>
-            </a:pPr>
-            <a:endParaRPr lang="en-US" altLang="zh-CN" dirty="0">
-              <a:latin typeface="Arial" panose="020B0604020202020204" pitchFamily="34" charset="0"/>
-              <a:cs typeface="Arial" panose="020B0604020202020204" pitchFamily="34" charset="0"/>
-            </a:endParaRPr>
-          </a:p>
-          <a:p>
             <a:pPr algn="just">
               <a:lnSpc>
                 <a:spcPct val="150000"/>
               </a:lnSpc>
             </a:pPr>
             <a:r>
-              <a:rPr lang="en-US" altLang="zh-CN" dirty="0">
-                <a:latin typeface="Arial" panose="020B0604020202020204" pitchFamily="34" charset="0"/>
-                <a:cs typeface="Arial" panose="020B0604020202020204" pitchFamily="34" charset="0"/>
-              </a:rPr>
-              <a:t>Detailed:</a:t>
-            </a:r>
-          </a:p>
-          <a:p>
-            <a:pPr algn="just">
-              <a:lnSpc>
-                <a:spcPct val="120000"/>
-              </a:lnSpc>
-              <a:spcAft>
-                <a:spcPts val="600"/>
-              </a:spcAft>
-            </a:pPr>
-            <a:r>
               <a:rPr lang="en-US" altLang="zh-CN" sz="1600" dirty="0">
                 <a:latin typeface="Arial" panose="020B0604020202020204" pitchFamily="34" charset="0"/>
                 <a:cs typeface="Arial" panose="020B0604020202020204" pitchFamily="34" charset="0"/>
               </a:rPr>
-              <a:t>1. In this project, I’m mainly in charge of implementation. We try to use neural network to extract the emotion feature representation from Multi-media data like image, video etc. Then we use regression and classification model to model the </a:t>
-            </a:r>
-            <a:r>
-              <a:rPr lang="en-US" altLang="zh-CN" sz="1600">
-                <a:latin typeface="Arial" panose="020B0604020202020204" pitchFamily="34" charset="0"/>
-                <a:cs typeface="Arial" panose="020B0604020202020204" pitchFamily="34" charset="0"/>
-              </a:rPr>
-              <a:t>emotion state.</a:t>
-            </a:r>
-            <a:endParaRPr lang="en-US" altLang="zh-CN" sz="1600" dirty="0">
-              <a:latin typeface="Arial" panose="020B0604020202020204" pitchFamily="34" charset="0"/>
-              <a:cs typeface="Arial" panose="020B0604020202020204" pitchFamily="34" charset="0"/>
-            </a:endParaRPr>
-          </a:p>
-          <a:p>
-            <a:pPr algn="just">
-              <a:lnSpc>
-                <a:spcPct val="120000"/>
-              </a:lnSpc>
-              <a:spcAft>
-                <a:spcPts val="600"/>
-              </a:spcAft>
-            </a:pPr>
-            <a:r>
-              <a:rPr lang="en-US" altLang="zh-CN" sz="1600" dirty="0">
-                <a:latin typeface="Arial" panose="020B0604020202020204" pitchFamily="34" charset="0"/>
-                <a:cs typeface="Arial" panose="020B0604020202020204" pitchFamily="34" charset="0"/>
-              </a:rPr>
-              <a:t>2. I’m the research assistant of MIACA research group Sun Yat-sen University Cancer Center. I focus on medical image segmentation especially multi-modality medical image segmentation. Besides, I am also interested in medical image registration and medical image generation.</a:t>
-            </a:r>
-          </a:p>
-          <a:p>
-            <a:pPr algn="just">
-              <a:lnSpc>
-                <a:spcPct val="120000"/>
-              </a:lnSpc>
-              <a:spcAft>
-                <a:spcPts val="600"/>
-              </a:spcAft>
-            </a:pPr>
-            <a:r>
-              <a:rPr lang="en-US" altLang="zh-CN" sz="1600" dirty="0">
-                <a:latin typeface="Arial" panose="020B0604020202020204" pitchFamily="34" charset="0"/>
-                <a:cs typeface="Arial" panose="020B0604020202020204" pitchFamily="34" charset="0"/>
-              </a:rPr>
-              <a:t>3. I’m a member of Vision Group. I’m mainly in charge of base station. Base station can use object detection, object track and motion forecasting to strategy calculation so that it can provide some strategy support for other robots.</a:t>
+              <a:t>        Motion forecasting is a very important task in self-driving domain. Because, the autonomous vehicle have to share roads with human drivers who are really stochastic. The main aim of motion forecasting is to avoid the autonomous vehicle crashing with other vehicles. But the main problem of motion forecasting is that there is not a unified representation which can model the road context and other vehicle motions. Before VectorNet, researchers try to rasterize this information because they really want to use ConvNet to encode them. But VectorNet, I think, is really innovative and efficient. VectorNet is more straightforward to utilize the structed HD map. However, VectorNet also have problem. It may be too idealistic. Because the structed HD map may difficult to get in real-time. Besides, the observed trajectory of agent is also difficult to acquire in real-time. So There is still a gap to let VectorNet equipped in the autonomous vehicle.</a:t>
             </a:r>
           </a:p>
         </p:txBody>
@@ -5244,7 +5169,7 @@
     </p:spTree>
     <p:extLst>
       <p:ext uri="{BB962C8B-B14F-4D97-AF65-F5344CB8AC3E}">
-        <p14:creationId xmlns:p14="http://schemas.microsoft.com/office/powerpoint/2010/main" val="2830355095"/>
+        <p14:creationId xmlns:p14="http://schemas.microsoft.com/office/powerpoint/2010/main" val="2096972689"/>
       </p:ext>
     </p:extLst>
   </p:cSld>
@@ -5254,7 +5179,7 @@
 </p:sld>
 </file>
 
-<file path=ppt/slides/slide4.xml><?xml version="1.0" encoding="utf-8"?>
+<file path=ppt/slides/slide2.xml><?xml version="1.0" encoding="utf-8"?>
 <p:sld xmlns:a="http://schemas.openxmlformats.org/drawingml/2006/main" xmlns:r="http://schemas.openxmlformats.org/officeDocument/2006/relationships" xmlns:p="http://schemas.openxmlformats.org/presentationml/2006/main">
   <p:cSld>
     <p:spTree>
@@ -5385,7 +5310,7 @@
         <p:spPr>
           <a:xfrm>
             <a:off x="992221" y="669303"/>
-            <a:ext cx="1556836" cy="369332"/>
+            <a:ext cx="1014060" cy="369332"/>
           </a:xfrm>
           <a:prstGeom prst="rect">
             <a:avLst/>
@@ -5403,7 +5328,7 @@
                 <a:latin typeface="Arial" panose="020B0604020202020204" pitchFamily="34" charset="0"/>
                 <a:cs typeface="Arial" panose="020B0604020202020204" pitchFamily="34" charset="0"/>
               </a:rPr>
-              <a:t>Publications</a:t>
+              <a:t>Awards</a:t>
             </a:r>
             <a:endParaRPr lang="zh-CN" altLang="en-US" b="1" dirty="0">
               <a:latin typeface="Arial" panose="020B0604020202020204" pitchFamily="34" charset="0"/>
@@ -5427,7 +5352,7 @@
         <p:spPr>
           <a:xfrm>
             <a:off x="992221" y="1258242"/>
-            <a:ext cx="10798790" cy="4940327"/>
+            <a:ext cx="10798790" cy="2970557"/>
           </a:xfrm>
           <a:prstGeom prst="rect">
             <a:avLst/>
@@ -5440,292 +5365,78 @@
           </a:bodyPr>
           <a:lstStyle/>
           <a:p>
-            <a:pPr>
+            <a:pPr marL="342900" indent="-342900" algn="just">
               <a:lnSpc>
                 <a:spcPct val="200000"/>
               </a:lnSpc>
+              <a:buAutoNum type="arabicPeriod"/>
             </a:pPr>
             <a:r>
               <a:rPr lang="en-US" altLang="zh-CN" sz="1600" dirty="0">
                 <a:latin typeface="Arial" panose="020B0604020202020204" pitchFamily="34" charset="0"/>
                 <a:cs typeface="Arial" panose="020B0604020202020204" pitchFamily="34" charset="0"/>
               </a:rPr>
-              <a:t>《</a:t>
-            </a:r>
-            <a:r>
-              <a:rPr lang="zh-CN" altLang="en-US" sz="1600" dirty="0">
-                <a:latin typeface="Arial" panose="020B0604020202020204" pitchFamily="34" charset="0"/>
-                <a:cs typeface="Arial" panose="020B0604020202020204" pitchFamily="34" charset="0"/>
-              </a:rPr>
-              <a:t>基于深度学习的医学图像配准综述</a:t>
-            </a:r>
+              <a:t>National Scholarship (2017 ~ 2018) [Intellectual education: 1st, Comprehensive assessment: 1st]</a:t>
+            </a:r>
+          </a:p>
+          <a:p>
+            <a:pPr marL="342900" indent="-342900" algn="just">
+              <a:lnSpc>
+                <a:spcPct val="200000"/>
+              </a:lnSpc>
+              <a:buAutoNum type="arabicPeriod"/>
+            </a:pPr>
             <a:r>
               <a:rPr lang="en-US" altLang="zh-CN" sz="1600" dirty="0">
                 <a:latin typeface="Arial" panose="020B0604020202020204" pitchFamily="34" charset="0"/>
                 <a:cs typeface="Arial" panose="020B0604020202020204" pitchFamily="34" charset="0"/>
               </a:rPr>
-              <a:t>》 </a:t>
-            </a:r>
-          </a:p>
-          <a:p>
-            <a:pPr>
+              <a:t>The Second Prize Scholarship (2018 ~ 2019) [Intellectual education: 1st, Comprehensive assessment: 3st]</a:t>
+            </a:r>
+          </a:p>
+          <a:p>
+            <a:pPr marL="342900" indent="-342900" algn="just">
               <a:lnSpc>
                 <a:spcPct val="200000"/>
               </a:lnSpc>
+              <a:buAutoNum type="arabicPeriod"/>
             </a:pPr>
             <a:r>
               <a:rPr lang="en-US" altLang="zh-CN" sz="1600" dirty="0">
                 <a:latin typeface="Arial" panose="020B0604020202020204" pitchFamily="34" charset="0"/>
                 <a:cs typeface="Arial" panose="020B0604020202020204" pitchFamily="34" charset="0"/>
               </a:rPr>
-              <a:t>       p.s. [</a:t>
-            </a:r>
-            <a:r>
-              <a:rPr lang="en-US" altLang="zh-CN" sz="1600" b="1" dirty="0">
-                <a:solidFill>
-                  <a:srgbClr val="FF0000"/>
-                </a:solidFill>
-                <a:latin typeface="Arial" panose="020B0604020202020204" pitchFamily="34" charset="0"/>
-                <a:cs typeface="Arial" panose="020B0604020202020204" pitchFamily="34" charset="0"/>
-              </a:rPr>
-              <a:t>rejected</a:t>
-            </a:r>
+              <a:t>Cstro 16th Conference -- AI and Big Data Part -- ROI Segmentation Challenge -- Head and Neck OAR track -- Champion</a:t>
+            </a:r>
+          </a:p>
+          <a:p>
+            <a:pPr marL="342900" indent="-342900" algn="just">
+              <a:lnSpc>
+                <a:spcPct val="200000"/>
+              </a:lnSpc>
+              <a:buAutoNum type="arabicPeriod"/>
+            </a:pPr>
             <a:r>
               <a:rPr lang="en-US" altLang="zh-CN" sz="1600" dirty="0">
                 <a:latin typeface="Arial" panose="020B0604020202020204" pitchFamily="34" charset="0"/>
                 <a:cs typeface="Arial" panose="020B0604020202020204" pitchFamily="34" charset="0"/>
               </a:rPr>
-              <a:t>]</a:t>
-            </a:r>
-          </a:p>
-          <a:p>
-            <a:pPr>
+              <a:t>National College Students Mathematical Modeling Competition Provincial Third Prize</a:t>
+            </a:r>
+          </a:p>
+          <a:p>
+            <a:pPr marL="342900" indent="-342900" algn="just">
               <a:lnSpc>
                 <a:spcPct val="200000"/>
               </a:lnSpc>
+              <a:buAutoNum type="arabicPeriod"/>
             </a:pPr>
             <a:r>
               <a:rPr lang="en-US" altLang="zh-CN" sz="1600" dirty="0">
                 <a:latin typeface="Arial" panose="020B0604020202020204" pitchFamily="34" charset="0"/>
                 <a:cs typeface="Arial" panose="020B0604020202020204" pitchFamily="34" charset="0"/>
               </a:rPr>
-              <a:t>《Auto Segmentation of Pelvic OARs On MRI Multi-Sequence Using An Fused-Unet》</a:t>
-            </a:r>
-          </a:p>
-          <a:p>
-            <a:pPr>
-              <a:lnSpc>
-                <a:spcPct val="200000"/>
-              </a:lnSpc>
-            </a:pPr>
-            <a:r>
-              <a:rPr lang="en-US" altLang="zh-CN" sz="1600" dirty="0">
-                <a:latin typeface="Arial" panose="020B0604020202020204" pitchFamily="34" charset="0"/>
-                <a:cs typeface="Arial" panose="020B0604020202020204" pitchFamily="34" charset="0"/>
-              </a:rPr>
-              <a:t>       p.s. [</a:t>
-            </a:r>
-            <a:r>
-              <a:rPr lang="en-US" altLang="zh-CN" sz="1600" b="1" dirty="0">
-                <a:solidFill>
-                  <a:schemeClr val="accent6">
-                    <a:lumMod val="75000"/>
-                  </a:schemeClr>
-                </a:solidFill>
-                <a:latin typeface="Arial" panose="020B0604020202020204" pitchFamily="34" charset="0"/>
-                <a:cs typeface="Arial" panose="020B0604020202020204" pitchFamily="34" charset="0"/>
-              </a:rPr>
-              <a:t>received</a:t>
-            </a:r>
-            <a:r>
-              <a:rPr lang="en-US" altLang="zh-CN" sz="1600" dirty="0">
-                <a:latin typeface="Arial" panose="020B0604020202020204" pitchFamily="34" charset="0"/>
-                <a:cs typeface="Arial" panose="020B0604020202020204" pitchFamily="34" charset="0"/>
-              </a:rPr>
-              <a:t>] (AAPM 2020 </a:t>
-            </a:r>
-            <a:r>
-              <a:rPr lang="en-US" altLang="zh-CN" sz="1600" b="1" dirty="0">
-                <a:latin typeface="Arial" panose="020B0604020202020204" pitchFamily="34" charset="0"/>
-                <a:cs typeface="Arial" panose="020B0604020202020204" pitchFamily="34" charset="0"/>
-              </a:rPr>
-              <a:t>oral presentation </a:t>
-            </a:r>
-            <a:r>
-              <a:rPr lang="en-US" altLang="zh-CN" sz="1600" dirty="0">
-                <a:latin typeface="Arial" panose="020B0604020202020204" pitchFamily="34" charset="0"/>
-                <a:cs typeface="Arial" panose="020B0604020202020204" pitchFamily="34" charset="0"/>
-              </a:rPr>
-              <a:t>&amp; </a:t>
-            </a:r>
-            <a:r>
-              <a:rPr lang="en-US" altLang="zh-CN" sz="1600" b="1" dirty="0">
-                <a:latin typeface="Arial" panose="020B0604020202020204" pitchFamily="34" charset="0"/>
-                <a:cs typeface="Arial" panose="020B0604020202020204" pitchFamily="34" charset="0"/>
-              </a:rPr>
-              <a:t>BLUE RIBBON ePOSTER</a:t>
-            </a:r>
-            <a:r>
-              <a:rPr lang="en-US" altLang="zh-CN" sz="1600" dirty="0">
-                <a:latin typeface="Arial" panose="020B0604020202020204" pitchFamily="34" charset="0"/>
-                <a:cs typeface="Arial" panose="020B0604020202020204" pitchFamily="34" charset="0"/>
-              </a:rPr>
-              <a:t>)</a:t>
-            </a:r>
-          </a:p>
-          <a:p>
-            <a:pPr>
-              <a:lnSpc>
-                <a:spcPct val="200000"/>
-              </a:lnSpc>
-            </a:pPr>
-            <a:r>
-              <a:rPr lang="en-US" altLang="zh-CN" sz="1600" dirty="0">
-                <a:latin typeface="Arial" panose="020B0604020202020204" pitchFamily="34" charset="0"/>
-                <a:cs typeface="Arial" panose="020B0604020202020204" pitchFamily="34" charset="0"/>
-              </a:rPr>
-              <a:t>《A Novel Hybrid Network for H&amp;N Organs At Risk Segmentation》 </a:t>
-            </a:r>
-          </a:p>
-          <a:p>
-            <a:pPr>
-              <a:lnSpc>
-                <a:spcPct val="200000"/>
-              </a:lnSpc>
-            </a:pPr>
-            <a:r>
-              <a:rPr lang="en-US" altLang="zh-CN" sz="1600" dirty="0">
-                <a:latin typeface="Arial" panose="020B0604020202020204" pitchFamily="34" charset="0"/>
-                <a:cs typeface="Arial" panose="020B0604020202020204" pitchFamily="34" charset="0"/>
-              </a:rPr>
-              <a:t>       p.s. [</a:t>
-            </a:r>
-            <a:r>
-              <a:rPr lang="en-US" altLang="zh-CN" sz="1600" b="1" dirty="0">
-                <a:solidFill>
-                  <a:schemeClr val="accent6">
-                    <a:lumMod val="75000"/>
-                  </a:schemeClr>
-                </a:solidFill>
-                <a:latin typeface="Arial" panose="020B0604020202020204" pitchFamily="34" charset="0"/>
-                <a:cs typeface="Arial" panose="020B0604020202020204" pitchFamily="34" charset="0"/>
-              </a:rPr>
-              <a:t>received</a:t>
-            </a:r>
-            <a:r>
-              <a:rPr lang="en-US" altLang="zh-CN" sz="1600" dirty="0">
-                <a:latin typeface="Arial" panose="020B0604020202020204" pitchFamily="34" charset="0"/>
-                <a:cs typeface="Arial" panose="020B0604020202020204" pitchFamily="34" charset="0"/>
-              </a:rPr>
-              <a:t>] (ICBIP 2020 </a:t>
-            </a:r>
-            <a:r>
-              <a:rPr lang="en-US" altLang="zh-CN" sz="1600" b="1" dirty="0">
-                <a:latin typeface="Arial" panose="020B0604020202020204" pitchFamily="34" charset="0"/>
-                <a:cs typeface="Arial" panose="020B0604020202020204" pitchFamily="34" charset="0"/>
-              </a:rPr>
-              <a:t>oral presentation</a:t>
-            </a:r>
-            <a:r>
-              <a:rPr lang="en-US" altLang="zh-CN" sz="1600" dirty="0">
-                <a:latin typeface="Arial" panose="020B0604020202020204" pitchFamily="34" charset="0"/>
-                <a:cs typeface="Arial" panose="020B0604020202020204" pitchFamily="34" charset="0"/>
-              </a:rPr>
-              <a:t>) -- Corresponding SCI Under Review</a:t>
-            </a:r>
-          </a:p>
-          <a:p>
-            <a:pPr>
-              <a:lnSpc>
-                <a:spcPct val="200000"/>
-              </a:lnSpc>
-            </a:pPr>
-            <a:r>
-              <a:rPr lang="en-US" altLang="zh-CN" sz="1600" dirty="0">
-                <a:latin typeface="Arial" panose="020B0604020202020204" pitchFamily="34" charset="0"/>
-                <a:cs typeface="Arial" panose="020B0604020202020204" pitchFamily="34" charset="0"/>
-              </a:rPr>
-              <a:t>《Attention V-Net: A Residual U-Net with Attention Gate Block for Lung Organ At Risk Segmentation》 </a:t>
-            </a:r>
-          </a:p>
-          <a:p>
-            <a:pPr>
-              <a:lnSpc>
-                <a:spcPct val="200000"/>
-              </a:lnSpc>
-            </a:pPr>
-            <a:r>
-              <a:rPr lang="en-US" altLang="zh-CN" sz="1600" dirty="0">
-                <a:latin typeface="Arial" panose="020B0604020202020204" pitchFamily="34" charset="0"/>
-                <a:cs typeface="Arial" panose="020B0604020202020204" pitchFamily="34" charset="0"/>
-              </a:rPr>
-              <a:t>       p.s. [</a:t>
-            </a:r>
-            <a:r>
-              <a:rPr lang="en-US" altLang="zh-CN" sz="1600" b="1" dirty="0">
-                <a:solidFill>
-                  <a:schemeClr val="accent6">
-                    <a:lumMod val="75000"/>
-                  </a:schemeClr>
-                </a:solidFill>
-                <a:latin typeface="Arial" panose="020B0604020202020204" pitchFamily="34" charset="0"/>
-                <a:cs typeface="Arial" panose="020B0604020202020204" pitchFamily="34" charset="0"/>
-              </a:rPr>
-              <a:t>received</a:t>
-            </a:r>
-            <a:r>
-              <a:rPr lang="en-US" altLang="zh-CN" sz="1600" dirty="0">
-                <a:latin typeface="Arial" panose="020B0604020202020204" pitchFamily="34" charset="0"/>
-                <a:cs typeface="Arial" panose="020B0604020202020204" pitchFamily="34" charset="0"/>
-              </a:rPr>
-              <a:t>] (CSAE 2020) -- Corresponding SCI Under Review</a:t>
-            </a:r>
-          </a:p>
-          <a:p>
-            <a:pPr>
-              <a:lnSpc>
-                <a:spcPct val="200000"/>
-              </a:lnSpc>
-            </a:pPr>
-            <a:r>
-              <a:rPr lang="en-US" altLang="zh-CN" sz="1600" dirty="0">
-                <a:latin typeface="Arial" panose="020B0604020202020204" pitchFamily="34" charset="0"/>
-                <a:cs typeface="Arial" panose="020B0604020202020204" pitchFamily="34" charset="0"/>
-              </a:rPr>
-              <a:t>《ZigZag U-Net: Multi-stage medical segmentation network》 </a:t>
-            </a:r>
-          </a:p>
-          <a:p>
-            <a:pPr>
-              <a:lnSpc>
-                <a:spcPct val="200000"/>
-              </a:lnSpc>
-            </a:pPr>
-            <a:r>
-              <a:rPr lang="en-US" altLang="zh-CN" sz="1600" dirty="0">
-                <a:latin typeface="Arial" panose="020B0604020202020204" pitchFamily="34" charset="0"/>
-                <a:cs typeface="Arial" panose="020B0604020202020204" pitchFamily="34" charset="0"/>
-              </a:rPr>
-              <a:t>       p.s. [</a:t>
-            </a:r>
-            <a:r>
-              <a:rPr lang="en-US" altLang="zh-CN" sz="1600" b="1" dirty="0">
-                <a:solidFill>
-                  <a:schemeClr val="accent5">
-                    <a:lumMod val="75000"/>
-                  </a:schemeClr>
-                </a:solidFill>
-                <a:latin typeface="Arial" panose="020B0604020202020204" pitchFamily="34" charset="0"/>
-                <a:cs typeface="Arial" panose="020B0604020202020204" pitchFamily="34" charset="0"/>
-              </a:rPr>
-              <a:t>to be submitted</a:t>
-            </a:r>
-            <a:r>
-              <a:rPr lang="en-US" altLang="zh-CN" sz="1600" dirty="0">
-                <a:latin typeface="Arial" panose="020B0604020202020204" pitchFamily="34" charset="0"/>
-                <a:cs typeface="Arial" panose="020B0604020202020204" pitchFamily="34" charset="0"/>
-              </a:rPr>
-              <a:t>] (inspired by CB-Net)</a:t>
+              <a:t>Taidi Cup 8th Data Mining Challenge Second Prize</a:t>
             </a:r>
           </a:p>
         </p:txBody>
@@ -5733,7 +5444,7 @@
     </p:spTree>
     <p:extLst>
       <p:ext uri="{BB962C8B-B14F-4D97-AF65-F5344CB8AC3E}">
-        <p14:creationId xmlns:p14="http://schemas.microsoft.com/office/powerpoint/2010/main" val="3035732194"/>
+        <p14:creationId xmlns:p14="http://schemas.microsoft.com/office/powerpoint/2010/main" val="787618689"/>
       </p:ext>
     </p:extLst>
   </p:cSld>
@@ -5743,7 +5454,7 @@
 </p:sld>
 </file>
 
-<file path=ppt/slides/slide5.xml><?xml version="1.0" encoding="utf-8"?>
+<file path=ppt/slides/slide3.xml><?xml version="1.0" encoding="utf-8"?>
 <p:sld xmlns:a="http://schemas.openxmlformats.org/drawingml/2006/main" xmlns:r="http://schemas.openxmlformats.org/officeDocument/2006/relationships" xmlns:p="http://schemas.openxmlformats.org/presentationml/2006/main">
   <p:cSld>
     <p:spTree>
@@ -5874,7 +5585,7 @@
         <p:spPr>
           <a:xfrm>
             <a:off x="992221" y="669303"/>
-            <a:ext cx="2121093" cy="369332"/>
+            <a:ext cx="2646878" cy="369332"/>
           </a:xfrm>
           <a:prstGeom prst="rect">
             <a:avLst/>
@@ -5892,7 +5603,7 @@
                 <a:latin typeface="Arial" panose="020B0604020202020204" pitchFamily="34" charset="0"/>
                 <a:cs typeface="Arial" panose="020B0604020202020204" pitchFamily="34" charset="0"/>
               </a:rPr>
-              <a:t>Research Interest</a:t>
+              <a:t>Research Experiences</a:t>
             </a:r>
             <a:endParaRPr lang="zh-CN" altLang="en-US" b="1" dirty="0">
               <a:latin typeface="Arial" panose="020B0604020202020204" pitchFamily="34" charset="0"/>
@@ -5916,7 +5627,7 @@
         <p:spPr>
           <a:xfrm>
             <a:off x="992221" y="1258242"/>
-            <a:ext cx="10798790" cy="2534027"/>
+            <a:ext cx="10798790" cy="4968027"/>
           </a:xfrm>
           <a:prstGeom prst="rect">
             <a:avLst/>
@@ -5929,6 +5640,63 @@
           </a:bodyPr>
           <a:lstStyle/>
           <a:p>
+            <a:pPr marL="342900" indent="-342900" algn="just">
+              <a:lnSpc>
+                <a:spcPct val="200000"/>
+              </a:lnSpc>
+              <a:buAutoNum type="arabicPeriod"/>
+            </a:pPr>
+            <a:r>
+              <a:rPr lang="en-US" altLang="zh-CN" sz="1600" dirty="0">
+                <a:latin typeface="Arial" panose="020B0604020202020204" pitchFamily="34" charset="0"/>
+                <a:cs typeface="Arial" panose="020B0604020202020204" pitchFamily="34" charset="0"/>
+              </a:rPr>
+              <a:t>Multi-media Emotion Recognition (SRP project From 2019.6 to 2020.4)</a:t>
+            </a:r>
+          </a:p>
+          <a:p>
+            <a:pPr marL="342900" indent="-342900" algn="just">
+              <a:lnSpc>
+                <a:spcPct val="200000"/>
+              </a:lnSpc>
+              <a:buAutoNum type="arabicPeriod"/>
+            </a:pPr>
+            <a:r>
+              <a:rPr lang="en-US" altLang="zh-CN" sz="1600" dirty="0">
+                <a:latin typeface="Arial" panose="020B0604020202020204" pitchFamily="34" charset="0"/>
+                <a:cs typeface="Arial" panose="020B0604020202020204" pitchFamily="34" charset="0"/>
+              </a:rPr>
+              <a:t>Sun Yat-sen University Cancer Center Research Assistant (From 2019.8 to now)</a:t>
+            </a:r>
+          </a:p>
+          <a:p>
+            <a:pPr marL="342900" indent="-342900" algn="just">
+              <a:lnSpc>
+                <a:spcPct val="200000"/>
+              </a:lnSpc>
+              <a:buAutoNum type="arabicPeriod"/>
+            </a:pPr>
+            <a:r>
+              <a:rPr lang="en-US" altLang="zh-CN" sz="1600" dirty="0">
+                <a:latin typeface="Arial" panose="020B0604020202020204" pitchFamily="34" charset="0"/>
+                <a:cs typeface="Arial" panose="020B0604020202020204" pitchFamily="34" charset="0"/>
+              </a:rPr>
+              <a:t>SCUT-Robot lab Member of vision group (From 2019.9 to now) </a:t>
+            </a:r>
+          </a:p>
+          <a:p>
+            <a:pPr marL="342900" indent="-342900" algn="just">
+              <a:lnSpc>
+                <a:spcPct val="150000"/>
+              </a:lnSpc>
+              <a:buAutoNum type="arabicPeriod"/>
+            </a:pPr>
+            <a:endParaRPr lang="en-US" altLang="zh-CN" dirty="0">
+              <a:latin typeface="Arial" panose="020B0604020202020204" pitchFamily="34" charset="0"/>
+              <a:cs typeface="Arial" panose="020B0604020202020204" pitchFamily="34" charset="0"/>
+            </a:endParaRPr>
+          </a:p>
+          <a:p>
             <a:pPr algn="just">
               <a:lnSpc>
                 <a:spcPct val="150000"/>
@@ -5939,7 +5707,58 @@
                 <a:latin typeface="Arial" panose="020B0604020202020204" pitchFamily="34" charset="0"/>
                 <a:cs typeface="Arial" panose="020B0604020202020204" pitchFamily="34" charset="0"/>
               </a:rPr>
-              <a:t>        Because of my past research, I may be interested in medical image segmentation, object detection and object track. Actually, I’m not limited to specific computer vision tasks. I’m interested in computer vision tasks which are meaningful and practical. For instance, the tumors and organs at risk automatic contouring on MRI Multi-sequence. MRI Multi-sequence tumors and organs at risk manual contouring is really time consuming and clinical knowledge intensive. So, we use Multi-modality model to perform MRI Multi-sequence automatic contouring which largely reduce the contouring time. </a:t>
+              <a:t>Detailed:</a:t>
+            </a:r>
+          </a:p>
+          <a:p>
+            <a:pPr algn="just">
+              <a:lnSpc>
+                <a:spcPct val="120000"/>
+              </a:lnSpc>
+              <a:spcAft>
+                <a:spcPts val="600"/>
+              </a:spcAft>
+            </a:pPr>
+            <a:r>
+              <a:rPr lang="en-US" altLang="zh-CN" sz="1600" dirty="0">
+                <a:latin typeface="Arial" panose="020B0604020202020204" pitchFamily="34" charset="0"/>
+                <a:cs typeface="Arial" panose="020B0604020202020204" pitchFamily="34" charset="0"/>
+              </a:rPr>
+              <a:t>1. In this project, I’m mainly in charge of implementation. We try to use neural network to extract the emotion feature representation from Multi-media data like image, video etc. Then we use regression and classification model to model the emotion state.</a:t>
+            </a:r>
+          </a:p>
+          <a:p>
+            <a:pPr algn="just">
+              <a:lnSpc>
+                <a:spcPct val="120000"/>
+              </a:lnSpc>
+              <a:spcAft>
+                <a:spcPts val="600"/>
+              </a:spcAft>
+            </a:pPr>
+            <a:r>
+              <a:rPr lang="en-US" altLang="zh-CN" sz="1600" dirty="0">
+                <a:latin typeface="Arial" panose="020B0604020202020204" pitchFamily="34" charset="0"/>
+                <a:cs typeface="Arial" panose="020B0604020202020204" pitchFamily="34" charset="0"/>
+              </a:rPr>
+              <a:t>2. I’m the research assistant of MIACA research group Sun Yat-sen University Cancer Center. I focus on medical image segmentation especially multi-modality medical image segmentation. Besides, I am also interested in medical image registration and medical image generation.</a:t>
+            </a:r>
+          </a:p>
+          <a:p>
+            <a:pPr algn="just">
+              <a:lnSpc>
+                <a:spcPct val="120000"/>
+              </a:lnSpc>
+              <a:spcAft>
+                <a:spcPts val="600"/>
+              </a:spcAft>
+            </a:pPr>
+            <a:r>
+              <a:rPr lang="en-US" altLang="zh-CN" sz="1600" dirty="0">
+                <a:latin typeface="Arial" panose="020B0604020202020204" pitchFamily="34" charset="0"/>
+                <a:cs typeface="Arial" panose="020B0604020202020204" pitchFamily="34" charset="0"/>
+              </a:rPr>
+              <a:t>3. I’m a member of Vision Group. I’m mainly in charge of base station. Base station can use object detection, object track and motion forecasting to strategy calculation so that it can provide some strategy support for other robots.</a:t>
             </a:r>
           </a:p>
         </p:txBody>
@@ -5947,7 +5766,7 @@
     </p:spTree>
     <p:extLst>
       <p:ext uri="{BB962C8B-B14F-4D97-AF65-F5344CB8AC3E}">
-        <p14:creationId xmlns:p14="http://schemas.microsoft.com/office/powerpoint/2010/main" val="2632657561"/>
+        <p14:creationId xmlns:p14="http://schemas.microsoft.com/office/powerpoint/2010/main" val="2830355095"/>
       </p:ext>
     </p:extLst>
   </p:cSld>
@@ -5957,7 +5776,7 @@
 </p:sld>
 </file>
 
-<file path=ppt/slides/slide6.xml><?xml version="1.0" encoding="utf-8"?>
+<file path=ppt/slides/slide4.xml><?xml version="1.0" encoding="utf-8"?>
 <p:sld xmlns:a="http://schemas.openxmlformats.org/drawingml/2006/main" xmlns:r="http://schemas.openxmlformats.org/officeDocument/2006/relationships" xmlns:p="http://schemas.openxmlformats.org/presentationml/2006/main">
   <p:cSld>
     <p:spTree>
@@ -6088,7 +5907,7 @@
         <p:spPr>
           <a:xfrm>
             <a:off x="992221" y="669303"/>
-            <a:ext cx="3788281" cy="369332"/>
+            <a:ext cx="1556836" cy="369332"/>
           </a:xfrm>
           <a:prstGeom prst="rect">
             <a:avLst/>
@@ -6106,7 +5925,7 @@
                 <a:latin typeface="Arial" panose="020B0604020202020204" pitchFamily="34" charset="0"/>
                 <a:cs typeface="Arial" panose="020B0604020202020204" pitchFamily="34" charset="0"/>
               </a:rPr>
-              <a:t>The implementation of VectorNet</a:t>
+              <a:t>Publications</a:t>
             </a:r>
             <a:endParaRPr lang="zh-CN" altLang="en-US" b="1" dirty="0">
               <a:latin typeface="Arial" panose="020B0604020202020204" pitchFamily="34" charset="0"/>
@@ -6130,7 +5949,7 @@
         <p:spPr>
           <a:xfrm>
             <a:off x="992221" y="1258242"/>
-            <a:ext cx="10428051" cy="1545295"/>
+            <a:ext cx="10798790" cy="4940327"/>
           </a:xfrm>
           <a:prstGeom prst="rect">
             <a:avLst/>
@@ -6143,128 +5962,300 @@
           </a:bodyPr>
           <a:lstStyle/>
           <a:p>
-            <a:pPr marL="342900" indent="-342900" algn="just">
+            <a:pPr>
               <a:lnSpc>
                 <a:spcPct val="200000"/>
               </a:lnSpc>
-              <a:buAutoNum type="arabicPeriod"/>
             </a:pPr>
             <a:r>
               <a:rPr lang="en-US" altLang="zh-CN" sz="1600" dirty="0">
                 <a:latin typeface="Arial" panose="020B0604020202020204" pitchFamily="34" charset="0"/>
                 <a:cs typeface="Arial" panose="020B0604020202020204" pitchFamily="34" charset="0"/>
               </a:rPr>
-              <a:t>Representing trajectories and maps</a:t>
-            </a:r>
-          </a:p>
-          <a:p>
-            <a:pPr marL="342900" indent="-342900" algn="just">
-              <a:lnSpc>
-                <a:spcPct val="200000"/>
-              </a:lnSpc>
-              <a:buAutoNum type="arabicPeriod"/>
-            </a:pPr>
+              <a:t>《</a:t>
+            </a:r>
+            <a:r>
+              <a:rPr lang="zh-CN" altLang="en-US" sz="1600" dirty="0">
+                <a:latin typeface="Arial" panose="020B0604020202020204" pitchFamily="34" charset="0"/>
+                <a:cs typeface="Arial" panose="020B0604020202020204" pitchFamily="34" charset="0"/>
+              </a:rPr>
+              <a:t>基于深度学习的医学图像配准综述</a:t>
+            </a:r>
             <a:r>
               <a:rPr lang="en-US" altLang="zh-CN" sz="1600" dirty="0">
                 <a:latin typeface="Arial" panose="020B0604020202020204" pitchFamily="34" charset="0"/>
                 <a:cs typeface="Arial" panose="020B0604020202020204" pitchFamily="34" charset="0"/>
               </a:rPr>
-              <a:t>Constructing the polyline subgraphs</a:t>
-            </a:r>
-          </a:p>
-          <a:p>
-            <a:pPr marL="342900" indent="-342900" algn="just">
+              <a:t>》 </a:t>
+            </a:r>
+          </a:p>
+          <a:p>
+            <a:pPr>
               <a:lnSpc>
                 <a:spcPct val="200000"/>
               </a:lnSpc>
-              <a:buAutoNum type="arabicPeriod"/>
             </a:pPr>
             <a:r>
               <a:rPr lang="en-US" altLang="zh-CN" sz="1600" dirty="0">
                 <a:latin typeface="Arial" panose="020B0604020202020204" pitchFamily="34" charset="0"/>
                 <a:cs typeface="Arial" panose="020B0604020202020204" pitchFamily="34" charset="0"/>
               </a:rPr>
-              <a:t>Global graph for high-order interactions</a:t>
-            </a:r>
-          </a:p>
-        </p:txBody>
-      </p:sp>
-      <p:pic>
-        <p:nvPicPr>
-          <p:cNvPr id="2" name="图片 1">
-            <a:extLst>
-              <a:ext uri="{FF2B5EF4-FFF2-40B4-BE49-F238E27FC236}">
-                <a16:creationId xmlns:a16="http://schemas.microsoft.com/office/drawing/2014/main" id="{1CAE9600-A1F7-481A-9535-70A09912EBA5}"/>
-              </a:ext>
-            </a:extLst>
-          </p:cNvPr>
-          <p:cNvPicPr>
-            <a:picLocks noChangeAspect="1"/>
-          </p:cNvPicPr>
-          <p:nvPr/>
-        </p:nvPicPr>
-        <p:blipFill>
-          <a:blip r:embed="rId2"/>
-          <a:stretch>
-            <a:fillRect/>
-          </a:stretch>
-        </p:blipFill>
-        <p:spPr>
-          <a:xfrm>
-            <a:off x="1915527" y="3146254"/>
-            <a:ext cx="7757832" cy="2598645"/>
-          </a:xfrm>
-          <a:prstGeom prst="rect">
-            <a:avLst/>
-          </a:prstGeom>
-        </p:spPr>
-      </p:pic>
-      <p:sp>
-        <p:nvSpPr>
-          <p:cNvPr id="3" name="文本框 2">
-            <a:extLst>
-              <a:ext uri="{FF2B5EF4-FFF2-40B4-BE49-F238E27FC236}">
-                <a16:creationId xmlns:a16="http://schemas.microsoft.com/office/drawing/2014/main" id="{8DF647A1-4A05-4C3B-9587-9B2486A5B3F2}"/>
-              </a:ext>
-            </a:extLst>
-          </p:cNvPr>
-          <p:cNvSpPr txBox="1"/>
-          <p:nvPr/>
-        </p:nvSpPr>
-        <p:spPr>
-          <a:xfrm>
-            <a:off x="3967789" y="5880920"/>
-            <a:ext cx="3653308" cy="307777"/>
-          </a:xfrm>
-          <a:prstGeom prst="rect">
-            <a:avLst/>
-          </a:prstGeom>
-          <a:noFill/>
-        </p:spPr>
-        <p:txBody>
-          <a:bodyPr wrap="none" rtlCol="0">
-            <a:spAutoFit/>
-          </a:bodyPr>
-          <a:lstStyle/>
-          <a:p>
-            <a:r>
-              <a:rPr lang="en-US" altLang="zh-CN" sz="1400" b="1" dirty="0">
+              <a:t>       p.s. [</a:t>
+            </a:r>
+            <a:r>
+              <a:rPr lang="en-US" altLang="zh-CN" sz="1600" b="1" dirty="0">
+                <a:solidFill>
+                  <a:srgbClr val="FF0000"/>
+                </a:solidFill>
                 <a:latin typeface="Arial" panose="020B0604020202020204" pitchFamily="34" charset="0"/>
                 <a:cs typeface="Arial" panose="020B0604020202020204" pitchFamily="34" charset="0"/>
               </a:rPr>
-              <a:t>Figure 1. The total workflow of VectorNet</a:t>
-            </a:r>
-            <a:endParaRPr lang="zh-CN" altLang="en-US" sz="1400" b="1" dirty="0">
-              <a:latin typeface="Arial" panose="020B0604020202020204" pitchFamily="34" charset="0"/>
-              <a:cs typeface="Arial" panose="020B0604020202020204" pitchFamily="34" charset="0"/>
-            </a:endParaRPr>
+              <a:t>rejected</a:t>
+            </a:r>
+            <a:r>
+              <a:rPr lang="en-US" altLang="zh-CN" sz="1600" dirty="0">
+                <a:latin typeface="Arial" panose="020B0604020202020204" pitchFamily="34" charset="0"/>
+                <a:cs typeface="Arial" panose="020B0604020202020204" pitchFamily="34" charset="0"/>
+              </a:rPr>
+              <a:t>]</a:t>
+            </a:r>
+          </a:p>
+          <a:p>
+            <a:pPr>
+              <a:lnSpc>
+                <a:spcPct val="200000"/>
+              </a:lnSpc>
+            </a:pPr>
+            <a:r>
+              <a:rPr lang="en-US" altLang="zh-CN" sz="1600" dirty="0">
+                <a:latin typeface="Arial" panose="020B0604020202020204" pitchFamily="34" charset="0"/>
+                <a:cs typeface="Arial" panose="020B0604020202020204" pitchFamily="34" charset="0"/>
+              </a:rPr>
+              <a:t>《Auto Segmentation of Pelvic OARs On MRI Multi-Sequence Using An Fused-Unet》</a:t>
+            </a:r>
+          </a:p>
+          <a:p>
+            <a:pPr>
+              <a:lnSpc>
+                <a:spcPct val="200000"/>
+              </a:lnSpc>
+            </a:pPr>
+            <a:r>
+              <a:rPr lang="en-US" altLang="zh-CN" sz="1600" dirty="0">
+                <a:latin typeface="Arial" panose="020B0604020202020204" pitchFamily="34" charset="0"/>
+                <a:cs typeface="Arial" panose="020B0604020202020204" pitchFamily="34" charset="0"/>
+              </a:rPr>
+              <a:t>       p.s. [</a:t>
+            </a:r>
+            <a:r>
+              <a:rPr lang="en-US" altLang="zh-CN" sz="1600" b="1" dirty="0">
+                <a:solidFill>
+                  <a:schemeClr val="accent6">
+                    <a:lumMod val="75000"/>
+                  </a:schemeClr>
+                </a:solidFill>
+                <a:latin typeface="Arial" panose="020B0604020202020204" pitchFamily="34" charset="0"/>
+                <a:cs typeface="Arial" panose="020B0604020202020204" pitchFamily="34" charset="0"/>
+              </a:rPr>
+              <a:t>received</a:t>
+            </a:r>
+            <a:r>
+              <a:rPr lang="en-US" altLang="zh-CN" sz="1600" dirty="0">
+                <a:latin typeface="Arial" panose="020B0604020202020204" pitchFamily="34" charset="0"/>
+                <a:cs typeface="Arial" panose="020B0604020202020204" pitchFamily="34" charset="0"/>
+              </a:rPr>
+              <a:t>] (AAPM 2020 </a:t>
+            </a:r>
+            <a:r>
+              <a:rPr lang="en-US" altLang="zh-CN" sz="1600" b="1" dirty="0">
+                <a:latin typeface="Arial" panose="020B0604020202020204" pitchFamily="34" charset="0"/>
+                <a:cs typeface="Arial" panose="020B0604020202020204" pitchFamily="34" charset="0"/>
+              </a:rPr>
+              <a:t>oral presentation </a:t>
+            </a:r>
+            <a:r>
+              <a:rPr lang="en-US" altLang="zh-CN" sz="1600" dirty="0">
+                <a:latin typeface="Arial" panose="020B0604020202020204" pitchFamily="34" charset="0"/>
+                <a:cs typeface="Arial" panose="020B0604020202020204" pitchFamily="34" charset="0"/>
+              </a:rPr>
+              <a:t>&amp; </a:t>
+            </a:r>
+            <a:r>
+              <a:rPr lang="en-US" altLang="zh-CN" sz="1600" b="1" dirty="0">
+                <a:latin typeface="Arial" panose="020B0604020202020204" pitchFamily="34" charset="0"/>
+                <a:cs typeface="Arial" panose="020B0604020202020204" pitchFamily="34" charset="0"/>
+              </a:rPr>
+              <a:t>BLUE RIBBON ePOSTER</a:t>
+            </a:r>
+            <a:r>
+              <a:rPr lang="en-US" altLang="zh-CN" sz="1600" dirty="0">
+                <a:latin typeface="Arial" panose="020B0604020202020204" pitchFamily="34" charset="0"/>
+                <a:cs typeface="Arial" panose="020B0604020202020204" pitchFamily="34" charset="0"/>
+              </a:rPr>
+              <a:t>)</a:t>
+            </a:r>
+          </a:p>
+          <a:p>
+            <a:pPr>
+              <a:lnSpc>
+                <a:spcPct val="200000"/>
+              </a:lnSpc>
+            </a:pPr>
+            <a:r>
+              <a:rPr lang="en-US" altLang="zh-CN" sz="1600" dirty="0">
+                <a:latin typeface="Arial" panose="020B0604020202020204" pitchFamily="34" charset="0"/>
+                <a:cs typeface="Arial" panose="020B0604020202020204" pitchFamily="34" charset="0"/>
+              </a:rPr>
+              <a:t>《A Novel Hybrid Network for H&amp;N Organs At Risk Segmentation》 </a:t>
+            </a:r>
+          </a:p>
+          <a:p>
+            <a:pPr>
+              <a:lnSpc>
+                <a:spcPct val="200000"/>
+              </a:lnSpc>
+            </a:pPr>
+            <a:r>
+              <a:rPr lang="en-US" altLang="zh-CN" sz="1600" dirty="0">
+                <a:latin typeface="Arial" panose="020B0604020202020204" pitchFamily="34" charset="0"/>
+                <a:cs typeface="Arial" panose="020B0604020202020204" pitchFamily="34" charset="0"/>
+              </a:rPr>
+              <a:t>       p.s. [</a:t>
+            </a:r>
+            <a:r>
+              <a:rPr lang="en-US" altLang="zh-CN" sz="1600" b="1" dirty="0">
+                <a:solidFill>
+                  <a:schemeClr val="accent6">
+                    <a:lumMod val="75000"/>
+                  </a:schemeClr>
+                </a:solidFill>
+                <a:latin typeface="Arial" panose="020B0604020202020204" pitchFamily="34" charset="0"/>
+                <a:cs typeface="Arial" panose="020B0604020202020204" pitchFamily="34" charset="0"/>
+              </a:rPr>
+              <a:t>received</a:t>
+            </a:r>
+            <a:r>
+              <a:rPr lang="en-US" altLang="zh-CN" sz="1600" dirty="0">
+                <a:latin typeface="Arial" panose="020B0604020202020204" pitchFamily="34" charset="0"/>
+                <a:cs typeface="Arial" panose="020B0604020202020204" pitchFamily="34" charset="0"/>
+              </a:rPr>
+              <a:t>] (ICBIP 2020 </a:t>
+            </a:r>
+            <a:r>
+              <a:rPr lang="en-US" altLang="zh-CN" sz="1600" b="1" dirty="0">
+                <a:latin typeface="Arial" panose="020B0604020202020204" pitchFamily="34" charset="0"/>
+                <a:cs typeface="Arial" panose="020B0604020202020204" pitchFamily="34" charset="0"/>
+              </a:rPr>
+              <a:t>oral presentation</a:t>
+            </a:r>
+            <a:r>
+              <a:rPr lang="en-US" altLang="zh-CN" sz="1600" dirty="0">
+                <a:latin typeface="Arial" panose="020B0604020202020204" pitchFamily="34" charset="0"/>
+                <a:cs typeface="Arial" panose="020B0604020202020204" pitchFamily="34" charset="0"/>
+              </a:rPr>
+              <a:t>) -- Corresponding SCI Under Review</a:t>
+            </a:r>
+          </a:p>
+          <a:p>
+            <a:pPr>
+              <a:lnSpc>
+                <a:spcPct val="200000"/>
+              </a:lnSpc>
+            </a:pPr>
+            <a:r>
+              <a:rPr lang="en-US" altLang="zh-CN" sz="1600" dirty="0">
+                <a:latin typeface="Arial" panose="020B0604020202020204" pitchFamily="34" charset="0"/>
+                <a:cs typeface="Arial" panose="020B0604020202020204" pitchFamily="34" charset="0"/>
+              </a:rPr>
+              <a:t>《Attention V-Net: A Residual U-Net with Attention Gate Block for Lung Organ At Risk Segmentation》 </a:t>
+            </a:r>
+          </a:p>
+          <a:p>
+            <a:pPr>
+              <a:lnSpc>
+                <a:spcPct val="200000"/>
+              </a:lnSpc>
+            </a:pPr>
+            <a:r>
+              <a:rPr lang="en-US" altLang="zh-CN" sz="1600" dirty="0">
+                <a:latin typeface="Arial" panose="020B0604020202020204" pitchFamily="34" charset="0"/>
+                <a:cs typeface="Arial" panose="020B0604020202020204" pitchFamily="34" charset="0"/>
+              </a:rPr>
+              <a:t>       p.s. [</a:t>
+            </a:r>
+            <a:r>
+              <a:rPr lang="en-US" altLang="zh-CN" sz="1600" b="1" dirty="0">
+                <a:solidFill>
+                  <a:schemeClr val="accent6">
+                    <a:lumMod val="75000"/>
+                  </a:schemeClr>
+                </a:solidFill>
+                <a:latin typeface="Arial" panose="020B0604020202020204" pitchFamily="34" charset="0"/>
+                <a:cs typeface="Arial" panose="020B0604020202020204" pitchFamily="34" charset="0"/>
+              </a:rPr>
+              <a:t>received</a:t>
+            </a:r>
+            <a:r>
+              <a:rPr lang="en-US" altLang="zh-CN" sz="1600" dirty="0">
+                <a:latin typeface="Arial" panose="020B0604020202020204" pitchFamily="34" charset="0"/>
+                <a:cs typeface="Arial" panose="020B0604020202020204" pitchFamily="34" charset="0"/>
+              </a:rPr>
+              <a:t>] (CSAE 2020) -- Corresponding SCI Under Review</a:t>
+            </a:r>
+          </a:p>
+          <a:p>
+            <a:pPr>
+              <a:lnSpc>
+                <a:spcPct val="200000"/>
+              </a:lnSpc>
+            </a:pPr>
+            <a:r>
+              <a:rPr lang="en-US" altLang="zh-CN" sz="1600" dirty="0">
+                <a:latin typeface="Arial" panose="020B0604020202020204" pitchFamily="34" charset="0"/>
+                <a:cs typeface="Arial" panose="020B0604020202020204" pitchFamily="34" charset="0"/>
+              </a:rPr>
+              <a:t>《ZigZag U-Net: Multi-stage medical segmentation network》 </a:t>
+            </a:r>
+          </a:p>
+          <a:p>
+            <a:pPr>
+              <a:lnSpc>
+                <a:spcPct val="200000"/>
+              </a:lnSpc>
+            </a:pPr>
+            <a:r>
+              <a:rPr lang="en-US" altLang="zh-CN" sz="1600" dirty="0">
+                <a:latin typeface="Arial" panose="020B0604020202020204" pitchFamily="34" charset="0"/>
+                <a:cs typeface="Arial" panose="020B0604020202020204" pitchFamily="34" charset="0"/>
+              </a:rPr>
+              <a:t>       p.s. [</a:t>
+            </a:r>
+            <a:r>
+              <a:rPr lang="en-US" altLang="zh-CN" sz="1600" b="1" dirty="0">
+                <a:solidFill>
+                  <a:schemeClr val="accent5">
+                    <a:lumMod val="75000"/>
+                  </a:schemeClr>
+                </a:solidFill>
+                <a:latin typeface="Arial" panose="020B0604020202020204" pitchFamily="34" charset="0"/>
+                <a:cs typeface="Arial" panose="020B0604020202020204" pitchFamily="34" charset="0"/>
+              </a:rPr>
+              <a:t>to be submitted</a:t>
+            </a:r>
+            <a:r>
+              <a:rPr lang="en-US" altLang="zh-CN" sz="1600" dirty="0">
+                <a:latin typeface="Arial" panose="020B0604020202020204" pitchFamily="34" charset="0"/>
+                <a:cs typeface="Arial" panose="020B0604020202020204" pitchFamily="34" charset="0"/>
+              </a:rPr>
+              <a:t>] (inspired by CB-Net)</a:t>
+            </a:r>
           </a:p>
         </p:txBody>
       </p:sp>
     </p:spTree>
     <p:extLst>
       <p:ext uri="{BB962C8B-B14F-4D97-AF65-F5344CB8AC3E}">
-        <p14:creationId xmlns:p14="http://schemas.microsoft.com/office/powerpoint/2010/main" val="1251499563"/>
+        <p14:creationId xmlns:p14="http://schemas.microsoft.com/office/powerpoint/2010/main" val="3035732194"/>
       </p:ext>
     </p:extLst>
   </p:cSld>
@@ -6274,7 +6265,7 @@
 </p:sld>
 </file>
 
-<file path=ppt/slides/slide7.xml><?xml version="1.0" encoding="utf-8"?>
+<file path=ppt/slides/slide5.xml><?xml version="1.0" encoding="utf-8"?>
 <p:sld xmlns:a="http://schemas.openxmlformats.org/drawingml/2006/main" xmlns:r="http://schemas.openxmlformats.org/officeDocument/2006/relationships" xmlns:p="http://schemas.openxmlformats.org/presentationml/2006/main">
   <p:cSld>
     <p:spTree>
@@ -6405,7 +6396,7 @@
         <p:spPr>
           <a:xfrm>
             <a:off x="992221" y="669303"/>
-            <a:ext cx="4108817" cy="369332"/>
+            <a:ext cx="2121093" cy="369332"/>
           </a:xfrm>
           <a:prstGeom prst="rect">
             <a:avLst/>
@@ -6423,7 +6414,7 @@
                 <a:latin typeface="Arial" panose="020B0604020202020204" pitchFamily="34" charset="0"/>
                 <a:cs typeface="Arial" panose="020B0604020202020204" pitchFamily="34" charset="0"/>
               </a:rPr>
-              <a:t>Representing trajectories and maps</a:t>
+              <a:t>Research Interest</a:t>
             </a:r>
             <a:endParaRPr lang="zh-CN" altLang="en-US" b="1" dirty="0">
               <a:latin typeface="Arial" panose="020B0604020202020204" pitchFamily="34" charset="0"/>
@@ -6447,7 +6438,7 @@
         <p:spPr>
           <a:xfrm>
             <a:off x="992221" y="1258242"/>
-            <a:ext cx="10428051" cy="1154675"/>
+            <a:ext cx="10798790" cy="2534027"/>
           </a:xfrm>
           <a:prstGeom prst="rect">
             <a:avLst/>
@@ -6466,184 +6457,19 @@
               </a:lnSpc>
             </a:pPr>
             <a:r>
-              <a:rPr lang="en-US" altLang="zh-CN" sz="1600" dirty="0">
+              <a:rPr lang="en-US" altLang="zh-CN" dirty="0">
                 <a:latin typeface="Arial" panose="020B0604020202020204" pitchFamily="34" charset="0"/>
                 <a:cs typeface="Arial" panose="020B0604020202020204" pitchFamily="34" charset="0"/>
               </a:rPr>
-              <a:t>        There are only the agent trajectory and lane needed to represent according to the requirements. In order to represent lane better, I use average lane width to calculate lane two-side edge line. Besides, I split the trajectory into observed trajectory [0s, 2s) and future trajectory [2s, 5s). </a:t>
-            </a:r>
-          </a:p>
-        </p:txBody>
-      </p:sp>
-      <p:pic>
-        <p:nvPicPr>
-          <p:cNvPr id="3" name="图片 2">
-            <a:extLst>
-              <a:ext uri="{FF2B5EF4-FFF2-40B4-BE49-F238E27FC236}">
-                <a16:creationId xmlns:a16="http://schemas.microsoft.com/office/drawing/2014/main" id="{CC22A32B-AA3F-4AF9-A9AD-3133731D02A1}"/>
-              </a:ext>
-            </a:extLst>
-          </p:cNvPr>
-          <p:cNvPicPr>
-            <a:picLocks noChangeAspect="1"/>
-          </p:cNvPicPr>
-          <p:nvPr/>
-        </p:nvPicPr>
-        <p:blipFill rotWithShape="1">
-          <a:blip r:embed="rId2">
-            <a:extLst>
-              <a:ext uri="{28A0092B-C50C-407E-A947-70E740481C1C}">
-                <a14:useLocalDpi xmlns:a14="http://schemas.microsoft.com/office/drawing/2010/main" val="0"/>
-              </a:ext>
-            </a:extLst>
-          </a:blip>
-          <a:srcRect l="15115" t="12235" r="9311" b="13203"/>
-          <a:stretch/>
-        </p:blipFill>
-        <p:spPr>
-          <a:xfrm>
-            <a:off x="1206646" y="2451731"/>
-            <a:ext cx="4458864" cy="3849299"/>
-          </a:xfrm>
-          <a:prstGeom prst="rect">
-            <a:avLst/>
-          </a:prstGeom>
-        </p:spPr>
-      </p:pic>
-      <p:pic>
-        <p:nvPicPr>
-          <p:cNvPr id="8" name="图片 7">
-            <a:extLst>
-              <a:ext uri="{FF2B5EF4-FFF2-40B4-BE49-F238E27FC236}">
-                <a16:creationId xmlns:a16="http://schemas.microsoft.com/office/drawing/2014/main" id="{62CA7196-30C8-4E5E-98F7-4A39C97F5A59}"/>
-              </a:ext>
-            </a:extLst>
-          </p:cNvPr>
-          <p:cNvPicPr>
-            <a:picLocks noChangeAspect="1"/>
-          </p:cNvPicPr>
-          <p:nvPr/>
-        </p:nvPicPr>
-        <p:blipFill rotWithShape="1">
-          <a:blip r:embed="rId3">
-            <a:extLst>
-              <a:ext uri="{28A0092B-C50C-407E-A947-70E740481C1C}">
-                <a14:useLocalDpi xmlns:a14="http://schemas.microsoft.com/office/drawing/2010/main" val="0"/>
-              </a:ext>
-            </a:extLst>
-          </a:blip>
-          <a:srcRect l="15114" t="10922" r="8738" b="12985"/>
-          <a:stretch/>
-        </p:blipFill>
-        <p:spPr>
-          <a:xfrm>
-            <a:off x="6095999" y="2427027"/>
-            <a:ext cx="4458864" cy="3898706"/>
-          </a:xfrm>
-          <a:prstGeom prst="rect">
-            <a:avLst/>
-          </a:prstGeom>
-        </p:spPr>
-      </p:pic>
-      <p:sp>
-        <p:nvSpPr>
-          <p:cNvPr id="10" name="文本框 9">
-            <a:extLst>
-              <a:ext uri="{FF2B5EF4-FFF2-40B4-BE49-F238E27FC236}">
-                <a16:creationId xmlns:a16="http://schemas.microsoft.com/office/drawing/2014/main" id="{23974CE9-34E5-4450-BA8B-BF97B8F877F1}"/>
-              </a:ext>
-            </a:extLst>
-          </p:cNvPr>
-          <p:cNvSpPr txBox="1"/>
-          <p:nvPr/>
-        </p:nvSpPr>
-        <p:spPr>
-          <a:xfrm>
-            <a:off x="1371249" y="6325733"/>
-            <a:ext cx="4129657" cy="276999"/>
-          </a:xfrm>
-          <a:prstGeom prst="rect">
-            <a:avLst/>
-          </a:prstGeom>
-          <a:noFill/>
-        </p:spPr>
-        <p:txBody>
-          <a:bodyPr wrap="none" rtlCol="0">
-            <a:spAutoFit/>
-          </a:bodyPr>
-          <a:lstStyle/>
-          <a:p>
-            <a:r>
-              <a:rPr lang="en-US" altLang="zh-CN" sz="1200" b="1" dirty="0">
-                <a:latin typeface="Arial" panose="020B0604020202020204" pitchFamily="34" charset="0"/>
-                <a:cs typeface="Arial" panose="020B0604020202020204" pitchFamily="34" charset="0"/>
-              </a:rPr>
-              <a:t>Figure 1. lane centerline and edgeline representations</a:t>
-            </a:r>
-            <a:endParaRPr lang="zh-CN" altLang="en-US" sz="1200" b="1" dirty="0">
-              <a:latin typeface="Arial" panose="020B0604020202020204" pitchFamily="34" charset="0"/>
-              <a:cs typeface="Arial" panose="020B0604020202020204" pitchFamily="34" charset="0"/>
-            </a:endParaRPr>
-          </a:p>
-        </p:txBody>
-      </p:sp>
-      <p:sp>
-        <p:nvSpPr>
-          <p:cNvPr id="11" name="文本框 10">
-            <a:extLst>
-              <a:ext uri="{FF2B5EF4-FFF2-40B4-BE49-F238E27FC236}">
-                <a16:creationId xmlns:a16="http://schemas.microsoft.com/office/drawing/2014/main" id="{6AF40A3B-86E9-4540-8CAD-5A5F463FD615}"/>
-              </a:ext>
-            </a:extLst>
-          </p:cNvPr>
-          <p:cNvSpPr txBox="1"/>
-          <p:nvPr/>
-        </p:nvSpPr>
-        <p:spPr>
-          <a:xfrm>
-            <a:off x="6191770" y="6301030"/>
-            <a:ext cx="4267322" cy="461665"/>
-          </a:xfrm>
-          <a:prstGeom prst="rect">
-            <a:avLst/>
-          </a:prstGeom>
-          <a:noFill/>
-        </p:spPr>
-        <p:txBody>
-          <a:bodyPr wrap="none" rtlCol="0">
-            <a:spAutoFit/>
-          </a:bodyPr>
-          <a:lstStyle/>
-          <a:p>
-            <a:pPr algn="ctr"/>
-            <a:r>
-              <a:rPr lang="en-US" altLang="zh-CN" sz="1200" b="1" dirty="0">
-                <a:latin typeface="Arial" panose="020B0604020202020204" pitchFamily="34" charset="0"/>
-                <a:cs typeface="Arial" panose="020B0604020202020204" pitchFamily="34" charset="0"/>
-              </a:rPr>
-              <a:t>Figure 2. lane centerline and edgeline representations, </a:t>
-            </a:r>
-          </a:p>
-          <a:p>
-            <a:pPr algn="ctr"/>
-            <a:r>
-              <a:rPr lang="en-US" altLang="zh-CN" sz="1200" b="1" dirty="0">
-                <a:latin typeface="Arial" panose="020B0604020202020204" pitchFamily="34" charset="0"/>
-                <a:cs typeface="Arial" panose="020B0604020202020204" pitchFamily="34" charset="0"/>
-              </a:rPr>
-              <a:t>agent observed trajectory, agent future agent trajectory </a:t>
-            </a:r>
-            <a:endParaRPr lang="zh-CN" altLang="en-US" sz="1200" b="1" dirty="0">
-              <a:latin typeface="Arial" panose="020B0604020202020204" pitchFamily="34" charset="0"/>
-              <a:cs typeface="Arial" panose="020B0604020202020204" pitchFamily="34" charset="0"/>
-            </a:endParaRPr>
+              <a:t>        Because of my past research, I may be interested in medical image segmentation, object detection and object track. Actually, I’m not limited to specific computer vision tasks. I’m interested in computer vision tasks which are meaningful and practical. For instance, the tumors and organs at risk automatic contouring on MRI Multi-sequence. MRI Multi-sequence tumors and organs at risk manual contouring is really time consuming and clinical knowledge intensive. So, we use Multi-modality model to perform MRI Multi-sequence automatic contouring which largely reduce the contouring time. </a:t>
+            </a:r>
           </a:p>
         </p:txBody>
       </p:sp>
     </p:spTree>
     <p:extLst>
       <p:ext uri="{BB962C8B-B14F-4D97-AF65-F5344CB8AC3E}">
-        <p14:creationId xmlns:p14="http://schemas.microsoft.com/office/powerpoint/2010/main" val="472302188"/>
+        <p14:creationId xmlns:p14="http://schemas.microsoft.com/office/powerpoint/2010/main" val="2632657561"/>
       </p:ext>
     </p:extLst>
   </p:cSld>
@@ -6653,7 +6479,7 @@
 </p:sld>
 </file>
 
-<file path=ppt/slides/slide8.xml><?xml version="1.0" encoding="utf-8"?>
+<file path=ppt/slides/slide6.xml><?xml version="1.0" encoding="utf-8"?>
 <p:sld xmlns:a="http://schemas.openxmlformats.org/drawingml/2006/main" xmlns:r="http://schemas.openxmlformats.org/officeDocument/2006/relationships" xmlns:p="http://schemas.openxmlformats.org/presentationml/2006/main">
   <p:cSld>
     <p:spTree>
@@ -6670,42 +6496,6 @@
           <a:chExt cx="0" cy="0"/>
         </a:xfrm>
       </p:grpSpPr>
-      <p:pic>
-        <p:nvPicPr>
-          <p:cNvPr id="15" name="图片 14">
-            <a:extLst>
-              <a:ext uri="{FF2B5EF4-FFF2-40B4-BE49-F238E27FC236}">
-                <a16:creationId xmlns:a16="http://schemas.microsoft.com/office/drawing/2014/main" id="{133DA28E-B742-4CA9-8346-F15B2C20A945}"/>
-              </a:ext>
-            </a:extLst>
-          </p:cNvPr>
-          <p:cNvPicPr>
-            <a:picLocks noChangeAspect="1"/>
-          </p:cNvPicPr>
-          <p:nvPr/>
-        </p:nvPicPr>
-        <p:blipFill>
-          <a:blip r:embed="rId2">
-            <a:extLst>
-              <a:ext uri="{28A0092B-C50C-407E-A947-70E740481C1C}">
-                <a14:useLocalDpi xmlns:a14="http://schemas.microsoft.com/office/drawing/2010/main" val="0"/>
-              </a:ext>
-            </a:extLst>
-          </a:blip>
-          <a:stretch>
-            <a:fillRect/>
-          </a:stretch>
-        </p:blipFill>
-        <p:spPr>
-          <a:xfrm>
-            <a:off x="229362" y="2772697"/>
-            <a:ext cx="11733272" cy="2466000"/>
-          </a:xfrm>
-          <a:prstGeom prst="rect">
-            <a:avLst/>
-          </a:prstGeom>
-        </p:spPr>
-      </p:pic>
       <p:sp>
         <p:nvSpPr>
           <p:cNvPr id="4" name="矩形 3">
@@ -6820,7 +6610,7 @@
         <p:spPr>
           <a:xfrm>
             <a:off x="992221" y="669303"/>
-            <a:ext cx="4108817" cy="369332"/>
+            <a:ext cx="3788281" cy="369332"/>
           </a:xfrm>
           <a:prstGeom prst="rect">
             <a:avLst/>
@@ -6838,7 +6628,7 @@
                 <a:latin typeface="Arial" panose="020B0604020202020204" pitchFamily="34" charset="0"/>
                 <a:cs typeface="Arial" panose="020B0604020202020204" pitchFamily="34" charset="0"/>
               </a:rPr>
-              <a:t>Representing trajectories and maps</a:t>
+              <a:t>The implementation of VectorNet</a:t>
             </a:r>
             <a:endParaRPr lang="zh-CN" altLang="en-US" b="1" dirty="0">
               <a:latin typeface="Arial" panose="020B0604020202020204" pitchFamily="34" charset="0"/>
@@ -6862,7 +6652,7 @@
         <p:spPr>
           <a:xfrm>
             <a:off x="992221" y="1258242"/>
-            <a:ext cx="10428051" cy="1154675"/>
+            <a:ext cx="10428051" cy="1545295"/>
           </a:xfrm>
           <a:prstGeom prst="rect">
             <a:avLst/>
@@ -6875,27 +6665,88 @@
           </a:bodyPr>
           <a:lstStyle/>
           <a:p>
-            <a:pPr algn="just">
+            <a:pPr marL="342900" indent="-342900" algn="just">
               <a:lnSpc>
-                <a:spcPct val="150000"/>
+                <a:spcPct val="200000"/>
               </a:lnSpc>
+              <a:buAutoNum type="arabicPeriod"/>
             </a:pPr>
             <a:r>
               <a:rPr lang="en-US" altLang="zh-CN" sz="1600" dirty="0">
                 <a:latin typeface="Arial" panose="020B0604020202020204" pitchFamily="34" charset="0"/>
                 <a:cs typeface="Arial" panose="020B0604020202020204" pitchFamily="34" charset="0"/>
               </a:rPr>
-              <a:t>        Because all of the lanes and trajectories are represented by point sets initially. So, we need to incorporate neighboring two point to vectorize these points and construct vector sets. Then we keep vector sets and remove point sets. Because the future trajectory sample points are our predict target, so we keep them.</a:t>
-            </a:r>
-          </a:p>
-        </p:txBody>
-      </p:sp>
-      <p:sp>
-        <p:nvSpPr>
-          <p:cNvPr id="10" name="文本框 9">
-            <a:extLst>
-              <a:ext uri="{FF2B5EF4-FFF2-40B4-BE49-F238E27FC236}">
-                <a16:creationId xmlns:a16="http://schemas.microsoft.com/office/drawing/2014/main" id="{AC339B83-E3FC-4060-B702-715D9808DA26}"/>
+              <a:t>Representing trajectories and maps</a:t>
+            </a:r>
+          </a:p>
+          <a:p>
+            <a:pPr marL="342900" indent="-342900" algn="just">
+              <a:lnSpc>
+                <a:spcPct val="200000"/>
+              </a:lnSpc>
+              <a:buAutoNum type="arabicPeriod"/>
+            </a:pPr>
+            <a:r>
+              <a:rPr lang="en-US" altLang="zh-CN" sz="1600" dirty="0">
+                <a:latin typeface="Arial" panose="020B0604020202020204" pitchFamily="34" charset="0"/>
+                <a:cs typeface="Arial" panose="020B0604020202020204" pitchFamily="34" charset="0"/>
+              </a:rPr>
+              <a:t>Constructing the polyline subgraphs</a:t>
+            </a:r>
+          </a:p>
+          <a:p>
+            <a:pPr marL="342900" indent="-342900" algn="just">
+              <a:lnSpc>
+                <a:spcPct val="200000"/>
+              </a:lnSpc>
+              <a:buAutoNum type="arabicPeriod"/>
+            </a:pPr>
+            <a:r>
+              <a:rPr lang="en-US" altLang="zh-CN" sz="1600" dirty="0">
+                <a:latin typeface="Arial" panose="020B0604020202020204" pitchFamily="34" charset="0"/>
+                <a:cs typeface="Arial" panose="020B0604020202020204" pitchFamily="34" charset="0"/>
+              </a:rPr>
+              <a:t>Global graph for high-order interactions</a:t>
+            </a:r>
+          </a:p>
+        </p:txBody>
+      </p:sp>
+      <p:pic>
+        <p:nvPicPr>
+          <p:cNvPr id="2" name="图片 1">
+            <a:extLst>
+              <a:ext uri="{FF2B5EF4-FFF2-40B4-BE49-F238E27FC236}">
+                <a16:creationId xmlns:a16="http://schemas.microsoft.com/office/drawing/2014/main" id="{1CAE9600-A1F7-481A-9535-70A09912EBA5}"/>
+              </a:ext>
+            </a:extLst>
+          </p:cNvPr>
+          <p:cNvPicPr>
+            <a:picLocks noChangeAspect="1"/>
+          </p:cNvPicPr>
+          <p:nvPr/>
+        </p:nvPicPr>
+        <p:blipFill>
+          <a:blip r:embed="rId2"/>
+          <a:stretch>
+            <a:fillRect/>
+          </a:stretch>
+        </p:blipFill>
+        <p:spPr>
+          <a:xfrm>
+            <a:off x="1915527" y="3146254"/>
+            <a:ext cx="7757832" cy="2598645"/>
+          </a:xfrm>
+          <a:prstGeom prst="rect">
+            <a:avLst/>
+          </a:prstGeom>
+        </p:spPr>
+      </p:pic>
+      <p:sp>
+        <p:nvSpPr>
+          <p:cNvPr id="3" name="文本框 2">
+            <a:extLst>
+              <a:ext uri="{FF2B5EF4-FFF2-40B4-BE49-F238E27FC236}">
+                <a16:creationId xmlns:a16="http://schemas.microsoft.com/office/drawing/2014/main" id="{8DF647A1-4A05-4C3B-9587-9B2486A5B3F2}"/>
               </a:ext>
             </a:extLst>
           </p:cNvPr>
@@ -6904,8 +6755,8 @@
         </p:nvSpPr>
         <p:spPr>
           <a:xfrm>
-            <a:off x="4115328" y="5484425"/>
-            <a:ext cx="3961341" cy="461665"/>
+            <a:off x="3967789" y="5880920"/>
+            <a:ext cx="3653308" cy="307777"/>
           </a:xfrm>
           <a:prstGeom prst="rect">
             <a:avLst/>
@@ -6918,25 +6769,14 @@
           </a:bodyPr>
           <a:lstStyle/>
           <a:p>
-            <a:pPr algn="ctr"/>
-            <a:r>
-              <a:rPr lang="en-US" altLang="zh-CN" sz="1200" b="1" dirty="0">
+            <a:r>
+              <a:rPr lang="en-US" altLang="zh-CN" sz="1400" b="1" dirty="0">
                 <a:latin typeface="Arial" panose="020B0604020202020204" pitchFamily="34" charset="0"/>
                 <a:cs typeface="Arial" panose="020B0604020202020204" pitchFamily="34" charset="0"/>
               </a:rPr>
-              <a:t>Figure 3. The process of vectorization of agent and </a:t>
-            </a:r>
-          </a:p>
-          <a:p>
-            <a:pPr algn="ctr"/>
-            <a:r>
-              <a:rPr lang="en-US" altLang="zh-CN" sz="1200" b="1" dirty="0">
-                <a:latin typeface="Arial" panose="020B0604020202020204" pitchFamily="34" charset="0"/>
-                <a:cs typeface="Arial" panose="020B0604020202020204" pitchFamily="34" charset="0"/>
-              </a:rPr>
-              <a:t>observed trajectory sample points</a:t>
-            </a:r>
-            <a:endParaRPr lang="zh-CN" altLang="en-US" sz="1200" b="1" dirty="0">
+              <a:t>Figure 1. The total workflow of VectorNet</a:t>
+            </a:r>
+            <a:endParaRPr lang="zh-CN" altLang="en-US" sz="1400" b="1" dirty="0">
               <a:latin typeface="Arial" panose="020B0604020202020204" pitchFamily="34" charset="0"/>
               <a:cs typeface="Arial" panose="020B0604020202020204" pitchFamily="34" charset="0"/>
             </a:endParaRPr>
@@ -6946,7 +6786,7 @@
     </p:spTree>
     <p:extLst>
       <p:ext uri="{BB962C8B-B14F-4D97-AF65-F5344CB8AC3E}">
-        <p14:creationId xmlns:p14="http://schemas.microsoft.com/office/powerpoint/2010/main" val="1450827884"/>
+        <p14:creationId xmlns:p14="http://schemas.microsoft.com/office/powerpoint/2010/main" val="1251499563"/>
       </p:ext>
     </p:extLst>
   </p:cSld>
@@ -6956,7 +6796,7 @@
 </p:sld>
 </file>
 
-<file path=ppt/slides/slide9.xml><?xml version="1.0" encoding="utf-8"?>
+<file path=ppt/slides/slide7.xml><?xml version="1.0" encoding="utf-8"?>
 <p:sld xmlns:a="http://schemas.openxmlformats.org/drawingml/2006/main" xmlns:r="http://schemas.openxmlformats.org/officeDocument/2006/relationships" xmlns:p="http://schemas.openxmlformats.org/presentationml/2006/main">
   <p:cSld>
     <p:spTree>
@@ -7087,7 +6927,7 @@
         <p:spPr>
           <a:xfrm>
             <a:off x="992221" y="669303"/>
-            <a:ext cx="4339650" cy="369332"/>
+            <a:ext cx="4108817" cy="369332"/>
           </a:xfrm>
           <a:prstGeom prst="rect">
             <a:avLst/>
@@ -7105,7 +6945,7 @@
                 <a:latin typeface="Arial" panose="020B0604020202020204" pitchFamily="34" charset="0"/>
                 <a:cs typeface="Arial" panose="020B0604020202020204" pitchFamily="34" charset="0"/>
               </a:rPr>
-              <a:t>Constructing the polyline subgraphs  </a:t>
+              <a:t>Representing trajectories and maps</a:t>
             </a:r>
             <a:endParaRPr lang="zh-CN" altLang="en-US" b="1" dirty="0">
               <a:latin typeface="Arial" panose="020B0604020202020204" pitchFamily="34" charset="0"/>
@@ -7152,21 +6992,689 @@
                 <a:latin typeface="Arial" panose="020B0604020202020204" pitchFamily="34" charset="0"/>
                 <a:cs typeface="Arial" panose="020B0604020202020204" pitchFamily="34" charset="0"/>
               </a:rPr>
-              <a:t>        This stage is actually the </a:t>
-            </a:r>
-            <a:r>
-              <a:rPr lang="en-US" altLang="zh-CN" sz="1600">
+              <a:t>        There are only the agent trajectory and lane needed to represent according to the requirements. In order to represent lane better, I use average lane width to calculate lane two-side edge line. Besides, I split the trajectory into observed trajectory [0s, 2s) and future trajectory [2s, 5s). </a:t>
+            </a:r>
+          </a:p>
+        </p:txBody>
+      </p:sp>
+      <p:pic>
+        <p:nvPicPr>
+          <p:cNvPr id="3" name="图片 2">
+            <a:extLst>
+              <a:ext uri="{FF2B5EF4-FFF2-40B4-BE49-F238E27FC236}">
+                <a16:creationId xmlns:a16="http://schemas.microsoft.com/office/drawing/2014/main" id="{CC22A32B-AA3F-4AF9-A9AD-3133731D02A1}"/>
+              </a:ext>
+            </a:extLst>
+          </p:cNvPr>
+          <p:cNvPicPr>
+            <a:picLocks noChangeAspect="1"/>
+          </p:cNvPicPr>
+          <p:nvPr/>
+        </p:nvPicPr>
+        <p:blipFill rotWithShape="1">
+          <a:blip r:embed="rId2">
+            <a:extLst>
+              <a:ext uri="{28A0092B-C50C-407E-A947-70E740481C1C}">
+                <a14:useLocalDpi xmlns:a14="http://schemas.microsoft.com/office/drawing/2010/main" val="0"/>
+              </a:ext>
+            </a:extLst>
+          </a:blip>
+          <a:srcRect l="15115" t="12235" r="9311" b="13203"/>
+          <a:stretch/>
+        </p:blipFill>
+        <p:spPr>
+          <a:xfrm>
+            <a:off x="1206646" y="2451731"/>
+            <a:ext cx="4458864" cy="3849299"/>
+          </a:xfrm>
+          <a:prstGeom prst="rect">
+            <a:avLst/>
+          </a:prstGeom>
+        </p:spPr>
+      </p:pic>
+      <p:pic>
+        <p:nvPicPr>
+          <p:cNvPr id="8" name="图片 7">
+            <a:extLst>
+              <a:ext uri="{FF2B5EF4-FFF2-40B4-BE49-F238E27FC236}">
+                <a16:creationId xmlns:a16="http://schemas.microsoft.com/office/drawing/2014/main" id="{62CA7196-30C8-4E5E-98F7-4A39C97F5A59}"/>
+              </a:ext>
+            </a:extLst>
+          </p:cNvPr>
+          <p:cNvPicPr>
+            <a:picLocks noChangeAspect="1"/>
+          </p:cNvPicPr>
+          <p:nvPr/>
+        </p:nvPicPr>
+        <p:blipFill rotWithShape="1">
+          <a:blip r:embed="rId3">
+            <a:extLst>
+              <a:ext uri="{28A0092B-C50C-407E-A947-70E740481C1C}">
+                <a14:useLocalDpi xmlns:a14="http://schemas.microsoft.com/office/drawing/2010/main" val="0"/>
+              </a:ext>
+            </a:extLst>
+          </a:blip>
+          <a:srcRect l="15114" t="10922" r="8738" b="12985"/>
+          <a:stretch/>
+        </p:blipFill>
+        <p:spPr>
+          <a:xfrm>
+            <a:off x="6095999" y="2427027"/>
+            <a:ext cx="4458864" cy="3898706"/>
+          </a:xfrm>
+          <a:prstGeom prst="rect">
+            <a:avLst/>
+          </a:prstGeom>
+        </p:spPr>
+      </p:pic>
+      <p:sp>
+        <p:nvSpPr>
+          <p:cNvPr id="10" name="文本框 9">
+            <a:extLst>
+              <a:ext uri="{FF2B5EF4-FFF2-40B4-BE49-F238E27FC236}">
+                <a16:creationId xmlns:a16="http://schemas.microsoft.com/office/drawing/2014/main" id="{23974CE9-34E5-4450-BA8B-BF97B8F877F1}"/>
+              </a:ext>
+            </a:extLst>
+          </p:cNvPr>
+          <p:cNvSpPr txBox="1"/>
+          <p:nvPr/>
+        </p:nvSpPr>
+        <p:spPr>
+          <a:xfrm>
+            <a:off x="1371249" y="6325733"/>
+            <a:ext cx="4129657" cy="276999"/>
+          </a:xfrm>
+          <a:prstGeom prst="rect">
+            <a:avLst/>
+          </a:prstGeom>
+          <a:noFill/>
+        </p:spPr>
+        <p:txBody>
+          <a:bodyPr wrap="none" rtlCol="0">
+            <a:spAutoFit/>
+          </a:bodyPr>
+          <a:lstStyle/>
+          <a:p>
+            <a:r>
+              <a:rPr lang="en-US" altLang="zh-CN" sz="1200" b="1" dirty="0">
                 <a:latin typeface="Arial" panose="020B0604020202020204" pitchFamily="34" charset="0"/>
                 <a:cs typeface="Arial" panose="020B0604020202020204" pitchFamily="34" charset="0"/>
               </a:rPr>
-              <a:t>embedding stage. </a:t>
-            </a:r>
+              <a:t>Figure 1. lane centerline and edgeline representations</a:t>
+            </a:r>
+            <a:endParaRPr lang="zh-CN" altLang="en-US" sz="1200" b="1" dirty="0">
+              <a:latin typeface="Arial" panose="020B0604020202020204" pitchFamily="34" charset="0"/>
+              <a:cs typeface="Arial" panose="020B0604020202020204" pitchFamily="34" charset="0"/>
+            </a:endParaRPr>
+          </a:p>
+        </p:txBody>
+      </p:sp>
+      <p:sp>
+        <p:nvSpPr>
+          <p:cNvPr id="11" name="文本框 10">
+            <a:extLst>
+              <a:ext uri="{FF2B5EF4-FFF2-40B4-BE49-F238E27FC236}">
+                <a16:creationId xmlns:a16="http://schemas.microsoft.com/office/drawing/2014/main" id="{6AF40A3B-86E9-4540-8CAD-5A5F463FD615}"/>
+              </a:ext>
+            </a:extLst>
+          </p:cNvPr>
+          <p:cNvSpPr txBox="1"/>
+          <p:nvPr/>
+        </p:nvSpPr>
+        <p:spPr>
+          <a:xfrm>
+            <a:off x="6191770" y="6301030"/>
+            <a:ext cx="4267322" cy="461665"/>
+          </a:xfrm>
+          <a:prstGeom prst="rect">
+            <a:avLst/>
+          </a:prstGeom>
+          <a:noFill/>
+        </p:spPr>
+        <p:txBody>
+          <a:bodyPr wrap="none" rtlCol="0">
+            <a:spAutoFit/>
+          </a:bodyPr>
+          <a:lstStyle/>
+          <a:p>
+            <a:pPr algn="ctr"/>
+            <a:r>
+              <a:rPr lang="en-US" altLang="zh-CN" sz="1200" b="1" dirty="0">
+                <a:latin typeface="Arial" panose="020B0604020202020204" pitchFamily="34" charset="0"/>
+                <a:cs typeface="Arial" panose="020B0604020202020204" pitchFamily="34" charset="0"/>
+              </a:rPr>
+              <a:t>Figure 2. lane centerline and edgeline representations, </a:t>
+            </a:r>
+          </a:p>
+          <a:p>
+            <a:pPr algn="ctr"/>
+            <a:r>
+              <a:rPr lang="en-US" altLang="zh-CN" sz="1200" b="1" dirty="0">
+                <a:latin typeface="Arial" panose="020B0604020202020204" pitchFamily="34" charset="0"/>
+                <a:cs typeface="Arial" panose="020B0604020202020204" pitchFamily="34" charset="0"/>
+              </a:rPr>
+              <a:t>agent observed trajectory, agent future agent trajectory </a:t>
+            </a:r>
+            <a:endParaRPr lang="zh-CN" altLang="en-US" sz="1200" b="1" dirty="0">
+              <a:latin typeface="Arial" panose="020B0604020202020204" pitchFamily="34" charset="0"/>
+              <a:cs typeface="Arial" panose="020B0604020202020204" pitchFamily="34" charset="0"/>
+            </a:endParaRPr>
+          </a:p>
+        </p:txBody>
+      </p:sp>
+    </p:spTree>
+    <p:extLst>
+      <p:ext uri="{BB962C8B-B14F-4D97-AF65-F5344CB8AC3E}">
+        <p14:creationId xmlns:p14="http://schemas.microsoft.com/office/powerpoint/2010/main" val="472302188"/>
+      </p:ext>
+    </p:extLst>
+  </p:cSld>
+  <p:clrMapOvr>
+    <a:masterClrMapping/>
+  </p:clrMapOvr>
+</p:sld>
+</file>
+
+<file path=ppt/slides/slide8.xml><?xml version="1.0" encoding="utf-8"?>
+<p:sld xmlns:a="http://schemas.openxmlformats.org/drawingml/2006/main" xmlns:r="http://schemas.openxmlformats.org/officeDocument/2006/relationships" xmlns:p="http://schemas.openxmlformats.org/presentationml/2006/main">
+  <p:cSld>
+    <p:spTree>
+      <p:nvGrpSpPr>
+        <p:cNvPr id="1" name=""/>
+        <p:cNvGrpSpPr/>
+        <p:nvPr/>
+      </p:nvGrpSpPr>
+      <p:grpSpPr>
+        <a:xfrm>
+          <a:off x="0" y="0"/>
+          <a:ext cx="0" cy="0"/>
+          <a:chOff x="0" y="0"/>
+          <a:chExt cx="0" cy="0"/>
+        </a:xfrm>
+      </p:grpSpPr>
+      <p:pic>
+        <p:nvPicPr>
+          <p:cNvPr id="15" name="图片 14">
+            <a:extLst>
+              <a:ext uri="{FF2B5EF4-FFF2-40B4-BE49-F238E27FC236}">
+                <a16:creationId xmlns:a16="http://schemas.microsoft.com/office/drawing/2014/main" id="{133DA28E-B742-4CA9-8346-F15B2C20A945}"/>
+              </a:ext>
+            </a:extLst>
+          </p:cNvPr>
+          <p:cNvPicPr>
+            <a:picLocks noChangeAspect="1"/>
+          </p:cNvPicPr>
+          <p:nvPr/>
+        </p:nvPicPr>
+        <p:blipFill>
+          <a:blip r:embed="rId2">
+            <a:extLst>
+              <a:ext uri="{28A0092B-C50C-407E-A947-70E740481C1C}">
+                <a14:useLocalDpi xmlns:a14="http://schemas.microsoft.com/office/drawing/2010/main" val="0"/>
+              </a:ext>
+            </a:extLst>
+          </a:blip>
+          <a:stretch>
+            <a:fillRect/>
+          </a:stretch>
+        </p:blipFill>
+        <p:spPr>
+          <a:xfrm>
+            <a:off x="229362" y="2772697"/>
+            <a:ext cx="11733272" cy="2466000"/>
+          </a:xfrm>
+          <a:prstGeom prst="rect">
+            <a:avLst/>
+          </a:prstGeom>
+        </p:spPr>
+      </p:pic>
+      <p:sp>
+        <p:nvSpPr>
+          <p:cNvPr id="4" name="矩形 3">
+            <a:extLst>
+              <a:ext uri="{FF2B5EF4-FFF2-40B4-BE49-F238E27FC236}">
+                <a16:creationId xmlns:a16="http://schemas.microsoft.com/office/drawing/2014/main" id="{86CA40CB-69A5-4370-BB91-2BF9FD622FD5}"/>
+              </a:ext>
+            </a:extLst>
+          </p:cNvPr>
+          <p:cNvSpPr/>
+          <p:nvPr/>
+        </p:nvSpPr>
+        <p:spPr>
+          <a:xfrm>
+            <a:off x="603315" y="386499"/>
+            <a:ext cx="197963" cy="565608"/>
+          </a:xfrm>
+          <a:prstGeom prst="rect">
+            <a:avLst/>
+          </a:prstGeom>
+          <a:solidFill>
+            <a:schemeClr val="bg2">
+              <a:lumMod val="75000"/>
+            </a:schemeClr>
+          </a:solidFill>
+          <a:ln>
+            <a:noFill/>
+          </a:ln>
+        </p:spPr>
+        <p:style>
+          <a:lnRef idx="2">
+            <a:schemeClr val="accent1">
+              <a:shade val="50000"/>
+            </a:schemeClr>
+          </a:lnRef>
+          <a:fillRef idx="1">
+            <a:schemeClr val="accent1"/>
+          </a:fillRef>
+          <a:effectRef idx="0">
+            <a:schemeClr val="accent1"/>
+          </a:effectRef>
+          <a:fontRef idx="minor">
+            <a:schemeClr val="lt1"/>
+          </a:fontRef>
+        </p:style>
+        <p:txBody>
+          <a:bodyPr rtlCol="0" anchor="ctr"/>
+          <a:lstStyle/>
+          <a:p>
+            <a:pPr algn="ctr"/>
+            <a:endParaRPr lang="zh-CN" altLang="en-US"/>
+          </a:p>
+        </p:txBody>
+      </p:sp>
+      <p:cxnSp>
+        <p:nvCxnSpPr>
+          <p:cNvPr id="6" name="直接连接符 5">
+            <a:extLst>
+              <a:ext uri="{FF2B5EF4-FFF2-40B4-BE49-F238E27FC236}">
+                <a16:creationId xmlns:a16="http://schemas.microsoft.com/office/drawing/2014/main" id="{89D0ED6E-9637-4BA9-9E46-2653A77A44E3}"/>
+              </a:ext>
+            </a:extLst>
+          </p:cNvPr>
+          <p:cNvCxnSpPr/>
+          <p:nvPr/>
+        </p:nvCxnSpPr>
+        <p:spPr>
+          <a:xfrm>
+            <a:off x="920684" y="584762"/>
+            <a:ext cx="10350631" cy="0"/>
+          </a:xfrm>
+          <a:prstGeom prst="line">
+            <a:avLst/>
+          </a:prstGeom>
+          <a:ln>
+            <a:solidFill>
+              <a:schemeClr val="tx2">
+                <a:lumMod val="40000"/>
+                <a:lumOff val="60000"/>
+              </a:schemeClr>
+            </a:solidFill>
+            <a:prstDash val="dash"/>
+          </a:ln>
+        </p:spPr>
+        <p:style>
+          <a:lnRef idx="1">
+            <a:schemeClr val="accent1"/>
+          </a:lnRef>
+          <a:fillRef idx="0">
+            <a:schemeClr val="accent1"/>
+          </a:fillRef>
+          <a:effectRef idx="0">
+            <a:schemeClr val="accent1"/>
+          </a:effectRef>
+          <a:fontRef idx="minor">
+            <a:schemeClr val="tx1"/>
+          </a:fontRef>
+        </p:style>
+      </p:cxnSp>
+      <p:sp>
+        <p:nvSpPr>
+          <p:cNvPr id="7" name="文本框 6">
+            <a:extLst>
+              <a:ext uri="{FF2B5EF4-FFF2-40B4-BE49-F238E27FC236}">
+                <a16:creationId xmlns:a16="http://schemas.microsoft.com/office/drawing/2014/main" id="{FB657D43-34B0-4FC8-BE54-3C2BA4DDB72B}"/>
+              </a:ext>
+            </a:extLst>
+          </p:cNvPr>
+          <p:cNvSpPr txBox="1"/>
+          <p:nvPr/>
+        </p:nvSpPr>
+        <p:spPr>
+          <a:xfrm>
+            <a:off x="992221" y="669303"/>
+            <a:ext cx="4108817" cy="369332"/>
+          </a:xfrm>
+          <a:prstGeom prst="rect">
+            <a:avLst/>
+          </a:prstGeom>
+          <a:noFill/>
+        </p:spPr>
+        <p:txBody>
+          <a:bodyPr wrap="none" rtlCol="0">
+            <a:spAutoFit/>
+          </a:bodyPr>
+          <a:lstStyle/>
+          <a:p>
+            <a:r>
+              <a:rPr lang="en-US" altLang="zh-CN" b="1" dirty="0">
+                <a:latin typeface="Arial" panose="020B0604020202020204" pitchFamily="34" charset="0"/>
+                <a:cs typeface="Arial" panose="020B0604020202020204" pitchFamily="34" charset="0"/>
+              </a:rPr>
+              <a:t>Representing trajectories and maps</a:t>
+            </a:r>
+            <a:endParaRPr lang="zh-CN" altLang="en-US" b="1" dirty="0">
+              <a:latin typeface="Arial" panose="020B0604020202020204" pitchFamily="34" charset="0"/>
+              <a:cs typeface="Arial" panose="020B0604020202020204" pitchFamily="34" charset="0"/>
+            </a:endParaRPr>
+          </a:p>
+        </p:txBody>
+      </p:sp>
+      <p:sp>
+        <p:nvSpPr>
+          <p:cNvPr id="9" name="文本框 8">
+            <a:extLst>
+              <a:ext uri="{FF2B5EF4-FFF2-40B4-BE49-F238E27FC236}">
+                <a16:creationId xmlns:a16="http://schemas.microsoft.com/office/drawing/2014/main" id="{B829983B-D66B-4BAE-95AE-CD2D4EA6EF57}"/>
+              </a:ext>
+            </a:extLst>
+          </p:cNvPr>
+          <p:cNvSpPr txBox="1"/>
+          <p:nvPr/>
+        </p:nvSpPr>
+        <p:spPr>
+          <a:xfrm>
+            <a:off x="992221" y="1258242"/>
+            <a:ext cx="10428051" cy="1154675"/>
+          </a:xfrm>
+          <a:prstGeom prst="rect">
+            <a:avLst/>
+          </a:prstGeom>
+          <a:noFill/>
+        </p:spPr>
+        <p:txBody>
+          <a:bodyPr wrap="square" rtlCol="0">
+            <a:spAutoFit/>
+          </a:bodyPr>
+          <a:lstStyle/>
+          <a:p>
+            <a:pPr algn="just">
+              <a:lnSpc>
+                <a:spcPct val="150000"/>
+              </a:lnSpc>
+            </a:pPr>
             <a:r>
               <a:rPr lang="en-US" altLang="zh-CN" sz="1600" dirty="0">
                 <a:latin typeface="Arial" panose="020B0604020202020204" pitchFamily="34" charset="0"/>
                 <a:cs typeface="Arial" panose="020B0604020202020204" pitchFamily="34" charset="0"/>
               </a:rPr>
-              <a:t>According to the paper, one vector set represents a polyline. As stated before, one lane can be seen as a polyline and the observed trajectory can also be seen as a polyline. So, we will convert these vector sets to polyline level features by constructing the polyline subgraphs.</a:t>
+              <a:t>        Because all of the lanes and trajectories are represented by point sets initially. So, we need to incorporate neighboring two point to vectorize these points and construct vector sets. Then we keep vector sets and remove point sets. Because the future trajectory sample points are our predict target, so we keep them.</a:t>
+            </a:r>
+          </a:p>
+        </p:txBody>
+      </p:sp>
+      <p:sp>
+        <p:nvSpPr>
+          <p:cNvPr id="10" name="文本框 9">
+            <a:extLst>
+              <a:ext uri="{FF2B5EF4-FFF2-40B4-BE49-F238E27FC236}">
+                <a16:creationId xmlns:a16="http://schemas.microsoft.com/office/drawing/2014/main" id="{AC339B83-E3FC-4060-B702-715D9808DA26}"/>
+              </a:ext>
+            </a:extLst>
+          </p:cNvPr>
+          <p:cNvSpPr txBox="1"/>
+          <p:nvPr/>
+        </p:nvSpPr>
+        <p:spPr>
+          <a:xfrm>
+            <a:off x="4115328" y="5484425"/>
+            <a:ext cx="3961341" cy="461665"/>
+          </a:xfrm>
+          <a:prstGeom prst="rect">
+            <a:avLst/>
+          </a:prstGeom>
+          <a:noFill/>
+        </p:spPr>
+        <p:txBody>
+          <a:bodyPr wrap="none" rtlCol="0">
+            <a:spAutoFit/>
+          </a:bodyPr>
+          <a:lstStyle/>
+          <a:p>
+            <a:pPr algn="ctr"/>
+            <a:r>
+              <a:rPr lang="en-US" altLang="zh-CN" sz="1200" b="1" dirty="0">
+                <a:latin typeface="Arial" panose="020B0604020202020204" pitchFamily="34" charset="0"/>
+                <a:cs typeface="Arial" panose="020B0604020202020204" pitchFamily="34" charset="0"/>
+              </a:rPr>
+              <a:t>Figure 3. The process of vectorization of agent and </a:t>
+            </a:r>
+          </a:p>
+          <a:p>
+            <a:pPr algn="ctr"/>
+            <a:r>
+              <a:rPr lang="en-US" altLang="zh-CN" sz="1200" b="1" dirty="0">
+                <a:latin typeface="Arial" panose="020B0604020202020204" pitchFamily="34" charset="0"/>
+                <a:cs typeface="Arial" panose="020B0604020202020204" pitchFamily="34" charset="0"/>
+              </a:rPr>
+              <a:t>observed trajectory sample points</a:t>
+            </a:r>
+            <a:endParaRPr lang="zh-CN" altLang="en-US" sz="1200" b="1" dirty="0">
+              <a:latin typeface="Arial" panose="020B0604020202020204" pitchFamily="34" charset="0"/>
+              <a:cs typeface="Arial" panose="020B0604020202020204" pitchFamily="34" charset="0"/>
+            </a:endParaRPr>
+          </a:p>
+        </p:txBody>
+      </p:sp>
+    </p:spTree>
+    <p:extLst>
+      <p:ext uri="{BB962C8B-B14F-4D97-AF65-F5344CB8AC3E}">
+        <p14:creationId xmlns:p14="http://schemas.microsoft.com/office/powerpoint/2010/main" val="1450827884"/>
+      </p:ext>
+    </p:extLst>
+  </p:cSld>
+  <p:clrMapOvr>
+    <a:masterClrMapping/>
+  </p:clrMapOvr>
+</p:sld>
+</file>
+
+<file path=ppt/slides/slide9.xml><?xml version="1.0" encoding="utf-8"?>
+<p:sld xmlns:a="http://schemas.openxmlformats.org/drawingml/2006/main" xmlns:r="http://schemas.openxmlformats.org/officeDocument/2006/relationships" xmlns:p="http://schemas.openxmlformats.org/presentationml/2006/main">
+  <p:cSld>
+    <p:spTree>
+      <p:nvGrpSpPr>
+        <p:cNvPr id="1" name=""/>
+        <p:cNvGrpSpPr/>
+        <p:nvPr/>
+      </p:nvGrpSpPr>
+      <p:grpSpPr>
+        <a:xfrm>
+          <a:off x="0" y="0"/>
+          <a:ext cx="0" cy="0"/>
+          <a:chOff x="0" y="0"/>
+          <a:chExt cx="0" cy="0"/>
+        </a:xfrm>
+      </p:grpSpPr>
+      <p:sp>
+        <p:nvSpPr>
+          <p:cNvPr id="4" name="矩形 3">
+            <a:extLst>
+              <a:ext uri="{FF2B5EF4-FFF2-40B4-BE49-F238E27FC236}">
+                <a16:creationId xmlns:a16="http://schemas.microsoft.com/office/drawing/2014/main" id="{86CA40CB-69A5-4370-BB91-2BF9FD622FD5}"/>
+              </a:ext>
+            </a:extLst>
+          </p:cNvPr>
+          <p:cNvSpPr/>
+          <p:nvPr/>
+        </p:nvSpPr>
+        <p:spPr>
+          <a:xfrm>
+            <a:off x="603315" y="386499"/>
+            <a:ext cx="197963" cy="565608"/>
+          </a:xfrm>
+          <a:prstGeom prst="rect">
+            <a:avLst/>
+          </a:prstGeom>
+          <a:solidFill>
+            <a:schemeClr val="bg2">
+              <a:lumMod val="75000"/>
+            </a:schemeClr>
+          </a:solidFill>
+          <a:ln>
+            <a:noFill/>
+          </a:ln>
+        </p:spPr>
+        <p:style>
+          <a:lnRef idx="2">
+            <a:schemeClr val="accent1">
+              <a:shade val="50000"/>
+            </a:schemeClr>
+          </a:lnRef>
+          <a:fillRef idx="1">
+            <a:schemeClr val="accent1"/>
+          </a:fillRef>
+          <a:effectRef idx="0">
+            <a:schemeClr val="accent1"/>
+          </a:effectRef>
+          <a:fontRef idx="minor">
+            <a:schemeClr val="lt1"/>
+          </a:fontRef>
+        </p:style>
+        <p:txBody>
+          <a:bodyPr rtlCol="0" anchor="ctr"/>
+          <a:lstStyle/>
+          <a:p>
+            <a:pPr algn="ctr"/>
+            <a:endParaRPr lang="zh-CN" altLang="en-US"/>
+          </a:p>
+        </p:txBody>
+      </p:sp>
+      <p:cxnSp>
+        <p:nvCxnSpPr>
+          <p:cNvPr id="6" name="直接连接符 5">
+            <a:extLst>
+              <a:ext uri="{FF2B5EF4-FFF2-40B4-BE49-F238E27FC236}">
+                <a16:creationId xmlns:a16="http://schemas.microsoft.com/office/drawing/2014/main" id="{89D0ED6E-9637-4BA9-9E46-2653A77A44E3}"/>
+              </a:ext>
+            </a:extLst>
+          </p:cNvPr>
+          <p:cNvCxnSpPr/>
+          <p:nvPr/>
+        </p:nvCxnSpPr>
+        <p:spPr>
+          <a:xfrm>
+            <a:off x="920684" y="584762"/>
+            <a:ext cx="10350631" cy="0"/>
+          </a:xfrm>
+          <a:prstGeom prst="line">
+            <a:avLst/>
+          </a:prstGeom>
+          <a:ln>
+            <a:solidFill>
+              <a:schemeClr val="tx2">
+                <a:lumMod val="40000"/>
+                <a:lumOff val="60000"/>
+              </a:schemeClr>
+            </a:solidFill>
+            <a:prstDash val="dash"/>
+          </a:ln>
+        </p:spPr>
+        <p:style>
+          <a:lnRef idx="1">
+            <a:schemeClr val="accent1"/>
+          </a:lnRef>
+          <a:fillRef idx="0">
+            <a:schemeClr val="accent1"/>
+          </a:fillRef>
+          <a:effectRef idx="0">
+            <a:schemeClr val="accent1"/>
+          </a:effectRef>
+          <a:fontRef idx="minor">
+            <a:schemeClr val="tx1"/>
+          </a:fontRef>
+        </p:style>
+      </p:cxnSp>
+      <p:sp>
+        <p:nvSpPr>
+          <p:cNvPr id="7" name="文本框 6">
+            <a:extLst>
+              <a:ext uri="{FF2B5EF4-FFF2-40B4-BE49-F238E27FC236}">
+                <a16:creationId xmlns:a16="http://schemas.microsoft.com/office/drawing/2014/main" id="{FB657D43-34B0-4FC8-BE54-3C2BA4DDB72B}"/>
+              </a:ext>
+            </a:extLst>
+          </p:cNvPr>
+          <p:cNvSpPr txBox="1"/>
+          <p:nvPr/>
+        </p:nvSpPr>
+        <p:spPr>
+          <a:xfrm>
+            <a:off x="992221" y="669303"/>
+            <a:ext cx="4339650" cy="369332"/>
+          </a:xfrm>
+          <a:prstGeom prst="rect">
+            <a:avLst/>
+          </a:prstGeom>
+          <a:noFill/>
+        </p:spPr>
+        <p:txBody>
+          <a:bodyPr wrap="none" rtlCol="0">
+            <a:spAutoFit/>
+          </a:bodyPr>
+          <a:lstStyle/>
+          <a:p>
+            <a:r>
+              <a:rPr lang="en-US" altLang="zh-CN" b="1" dirty="0">
+                <a:latin typeface="Arial" panose="020B0604020202020204" pitchFamily="34" charset="0"/>
+                <a:cs typeface="Arial" panose="020B0604020202020204" pitchFamily="34" charset="0"/>
+              </a:rPr>
+              <a:t>Constructing the polyline subgraphs  </a:t>
+            </a:r>
+            <a:endParaRPr lang="zh-CN" altLang="en-US" b="1" dirty="0">
+              <a:latin typeface="Arial" panose="020B0604020202020204" pitchFamily="34" charset="0"/>
+              <a:cs typeface="Arial" panose="020B0604020202020204" pitchFamily="34" charset="0"/>
+            </a:endParaRPr>
+          </a:p>
+        </p:txBody>
+      </p:sp>
+      <p:sp>
+        <p:nvSpPr>
+          <p:cNvPr id="9" name="文本框 8">
+            <a:extLst>
+              <a:ext uri="{FF2B5EF4-FFF2-40B4-BE49-F238E27FC236}">
+                <a16:creationId xmlns:a16="http://schemas.microsoft.com/office/drawing/2014/main" id="{B829983B-D66B-4BAE-95AE-CD2D4EA6EF57}"/>
+              </a:ext>
+            </a:extLst>
+          </p:cNvPr>
+          <p:cNvSpPr txBox="1"/>
+          <p:nvPr/>
+        </p:nvSpPr>
+        <p:spPr>
+          <a:xfrm>
+            <a:off x="992221" y="1258242"/>
+            <a:ext cx="10428051" cy="1154675"/>
+          </a:xfrm>
+          <a:prstGeom prst="rect">
+            <a:avLst/>
+          </a:prstGeom>
+          <a:noFill/>
+        </p:spPr>
+        <p:txBody>
+          <a:bodyPr wrap="square" rtlCol="0">
+            <a:spAutoFit/>
+          </a:bodyPr>
+          <a:lstStyle/>
+          <a:p>
+            <a:pPr algn="just">
+              <a:lnSpc>
+                <a:spcPct val="150000"/>
+              </a:lnSpc>
+            </a:pPr>
+            <a:r>
+              <a:rPr lang="en-US" altLang="zh-CN" sz="1600" dirty="0">
+                <a:latin typeface="Arial" panose="020B0604020202020204" pitchFamily="34" charset="0"/>
+                <a:cs typeface="Arial" panose="020B0604020202020204" pitchFamily="34" charset="0"/>
+              </a:rPr>
+              <a:t>        This stage is actually the embedding stage. According to the paper, one vector set represents a polyline. As stated before, one lane can be seen as a polyline and the observed trajectory can also be seen as a polyline. So, we will convert these vector sets to polyline level features by constructing the polyline subgraphs.</a:t>
             </a:r>
           </a:p>
         </p:txBody>

--- a/material/presentation.pptx
+++ b/material/presentation.pptx
@@ -4,6 +4,9 @@
   <p:sldMasterIdLst>
     <p:sldMasterId id="2147483648" r:id="rId1"/>
   </p:sldMasterIdLst>
+  <p:notesMasterIdLst>
+    <p:notesMasterId r:id="rId15"/>
+  </p:notesMasterIdLst>
   <p:sldIdLst>
     <p:sldId id="256" r:id="rId2"/>
     <p:sldId id="258" r:id="rId3"/>
@@ -124,6 +127,439 @@
 </p:presentation>
 </file>
 
+<file path=ppt/notesMasters/notesMaster1.xml><?xml version="1.0" encoding="utf-8"?>
+<p:notesMaster xmlns:a="http://schemas.openxmlformats.org/drawingml/2006/main" xmlns:r="http://schemas.openxmlformats.org/officeDocument/2006/relationships" xmlns:p="http://schemas.openxmlformats.org/presentationml/2006/main">
+  <p:cSld>
+    <p:bg>
+      <p:bgRef idx="1001">
+        <a:schemeClr val="bg1"/>
+      </p:bgRef>
+    </p:bg>
+    <p:spTree>
+      <p:nvGrpSpPr>
+        <p:cNvPr id="1" name=""/>
+        <p:cNvGrpSpPr/>
+        <p:nvPr/>
+      </p:nvGrpSpPr>
+      <p:grpSpPr>
+        <a:xfrm>
+          <a:off x="0" y="0"/>
+          <a:ext cx="0" cy="0"/>
+          <a:chOff x="0" y="0"/>
+          <a:chExt cx="0" cy="0"/>
+        </a:xfrm>
+      </p:grpSpPr>
+      <p:sp>
+        <p:nvSpPr>
+          <p:cNvPr id="2" name="页眉占位符 1"/>
+          <p:cNvSpPr>
+            <a:spLocks noGrp="1"/>
+          </p:cNvSpPr>
+          <p:nvPr>
+            <p:ph type="hdr" sz="quarter"/>
+          </p:nvPr>
+        </p:nvSpPr>
+        <p:spPr>
+          <a:xfrm>
+            <a:off x="0" y="0"/>
+            <a:ext cx="2971800" cy="458788"/>
+          </a:xfrm>
+          <a:prstGeom prst="rect">
+            <a:avLst/>
+          </a:prstGeom>
+        </p:spPr>
+        <p:txBody>
+          <a:bodyPr vert="horz" lIns="91440" tIns="45720" rIns="91440" bIns="45720" rtlCol="0"/>
+          <a:lstStyle>
+            <a:lvl1pPr algn="l">
+              <a:defRPr sz="1200"/>
+            </a:lvl1pPr>
+          </a:lstStyle>
+          <a:p>
+            <a:endParaRPr lang="zh-CN" altLang="en-US"/>
+          </a:p>
+        </p:txBody>
+      </p:sp>
+      <p:sp>
+        <p:nvSpPr>
+          <p:cNvPr id="3" name="日期占位符 2"/>
+          <p:cNvSpPr>
+            <a:spLocks noGrp="1"/>
+          </p:cNvSpPr>
+          <p:nvPr>
+            <p:ph type="dt" idx="1"/>
+          </p:nvPr>
+        </p:nvSpPr>
+        <p:spPr>
+          <a:xfrm>
+            <a:off x="3884613" y="0"/>
+            <a:ext cx="2971800" cy="458788"/>
+          </a:xfrm>
+          <a:prstGeom prst="rect">
+            <a:avLst/>
+          </a:prstGeom>
+        </p:spPr>
+        <p:txBody>
+          <a:bodyPr vert="horz" lIns="91440" tIns="45720" rIns="91440" bIns="45720" rtlCol="0"/>
+          <a:lstStyle>
+            <a:lvl1pPr algn="r">
+              <a:defRPr sz="1200"/>
+            </a:lvl1pPr>
+          </a:lstStyle>
+          <a:p>
+            <a:fld id="{91BD9AAB-B54E-43B8-952F-A0B500B52F4E}" type="datetimeFigureOut">
+              <a:rPr lang="zh-CN" altLang="en-US" smtClean="0"/>
+              <a:t>2020/6/12</a:t>
+            </a:fld>
+            <a:endParaRPr lang="zh-CN" altLang="en-US"/>
+          </a:p>
+        </p:txBody>
+      </p:sp>
+      <p:sp>
+        <p:nvSpPr>
+          <p:cNvPr id="4" name="幻灯片图像占位符 3"/>
+          <p:cNvSpPr>
+            <a:spLocks noGrp="1" noRot="1" noChangeAspect="1"/>
+          </p:cNvSpPr>
+          <p:nvPr>
+            <p:ph type="sldImg" idx="2"/>
+          </p:nvPr>
+        </p:nvSpPr>
+        <p:spPr>
+          <a:xfrm>
+            <a:off x="685800" y="1143000"/>
+            <a:ext cx="5486400" cy="3086100"/>
+          </a:xfrm>
+          <a:prstGeom prst="rect">
+            <a:avLst/>
+          </a:prstGeom>
+          <a:noFill/>
+          <a:ln w="12700">
+            <a:solidFill>
+              <a:prstClr val="black"/>
+            </a:solidFill>
+          </a:ln>
+        </p:spPr>
+        <p:txBody>
+          <a:bodyPr vert="horz" lIns="91440" tIns="45720" rIns="91440" bIns="45720" rtlCol="0" anchor="ctr"/>
+          <a:lstStyle/>
+          <a:p>
+            <a:endParaRPr lang="zh-CN" altLang="en-US"/>
+          </a:p>
+        </p:txBody>
+      </p:sp>
+      <p:sp>
+        <p:nvSpPr>
+          <p:cNvPr id="5" name="备注占位符 4"/>
+          <p:cNvSpPr>
+            <a:spLocks noGrp="1"/>
+          </p:cNvSpPr>
+          <p:nvPr>
+            <p:ph type="body" sz="quarter" idx="3"/>
+          </p:nvPr>
+        </p:nvSpPr>
+        <p:spPr>
+          <a:xfrm>
+            <a:off x="685800" y="4400550"/>
+            <a:ext cx="5486400" cy="3600450"/>
+          </a:xfrm>
+          <a:prstGeom prst="rect">
+            <a:avLst/>
+          </a:prstGeom>
+        </p:spPr>
+        <p:txBody>
+          <a:bodyPr vert="horz" lIns="91440" tIns="45720" rIns="91440" bIns="45720" rtlCol="0"/>
+          <a:lstStyle/>
+          <a:p>
+            <a:pPr lvl="0"/>
+            <a:r>
+              <a:rPr lang="zh-CN" altLang="en-US"/>
+              <a:t>单击此处编辑母版文本样式</a:t>
+            </a:r>
+          </a:p>
+          <a:p>
+            <a:pPr lvl="1"/>
+            <a:r>
+              <a:rPr lang="zh-CN" altLang="en-US"/>
+              <a:t>二级</a:t>
+            </a:r>
+          </a:p>
+          <a:p>
+            <a:pPr lvl="2"/>
+            <a:r>
+              <a:rPr lang="zh-CN" altLang="en-US"/>
+              <a:t>三级</a:t>
+            </a:r>
+          </a:p>
+          <a:p>
+            <a:pPr lvl="3"/>
+            <a:r>
+              <a:rPr lang="zh-CN" altLang="en-US"/>
+              <a:t>四级</a:t>
+            </a:r>
+          </a:p>
+          <a:p>
+            <a:pPr lvl="4"/>
+            <a:r>
+              <a:rPr lang="zh-CN" altLang="en-US"/>
+              <a:t>五级</a:t>
+            </a:r>
+          </a:p>
+        </p:txBody>
+      </p:sp>
+      <p:sp>
+        <p:nvSpPr>
+          <p:cNvPr id="6" name="页脚占位符 5"/>
+          <p:cNvSpPr>
+            <a:spLocks noGrp="1"/>
+          </p:cNvSpPr>
+          <p:nvPr>
+            <p:ph type="ftr" sz="quarter" idx="4"/>
+          </p:nvPr>
+        </p:nvSpPr>
+        <p:spPr>
+          <a:xfrm>
+            <a:off x="0" y="8685213"/>
+            <a:ext cx="2971800" cy="458787"/>
+          </a:xfrm>
+          <a:prstGeom prst="rect">
+            <a:avLst/>
+          </a:prstGeom>
+        </p:spPr>
+        <p:txBody>
+          <a:bodyPr vert="horz" lIns="91440" tIns="45720" rIns="91440" bIns="45720" rtlCol="0" anchor="b"/>
+          <a:lstStyle>
+            <a:lvl1pPr algn="l">
+              <a:defRPr sz="1200"/>
+            </a:lvl1pPr>
+          </a:lstStyle>
+          <a:p>
+            <a:endParaRPr lang="zh-CN" altLang="en-US"/>
+          </a:p>
+        </p:txBody>
+      </p:sp>
+      <p:sp>
+        <p:nvSpPr>
+          <p:cNvPr id="7" name="灯片编号占位符 6"/>
+          <p:cNvSpPr>
+            <a:spLocks noGrp="1"/>
+          </p:cNvSpPr>
+          <p:nvPr>
+            <p:ph type="sldNum" sz="quarter" idx="5"/>
+          </p:nvPr>
+        </p:nvSpPr>
+        <p:spPr>
+          <a:xfrm>
+            <a:off x="3884613" y="8685213"/>
+            <a:ext cx="2971800" cy="458787"/>
+          </a:xfrm>
+          <a:prstGeom prst="rect">
+            <a:avLst/>
+          </a:prstGeom>
+        </p:spPr>
+        <p:txBody>
+          <a:bodyPr vert="horz" lIns="91440" tIns="45720" rIns="91440" bIns="45720" rtlCol="0" anchor="b"/>
+          <a:lstStyle>
+            <a:lvl1pPr algn="r">
+              <a:defRPr sz="1200"/>
+            </a:lvl1pPr>
+          </a:lstStyle>
+          <a:p>
+            <a:fld id="{2B85536C-E919-49D1-BEBD-2162356A10D1}" type="slidenum">
+              <a:rPr lang="zh-CN" altLang="en-US" smtClean="0"/>
+              <a:t>‹#›</a:t>
+            </a:fld>
+            <a:endParaRPr lang="zh-CN" altLang="en-US"/>
+          </a:p>
+        </p:txBody>
+      </p:sp>
+    </p:spTree>
+    <p:extLst>
+      <p:ext uri="{BB962C8B-B14F-4D97-AF65-F5344CB8AC3E}">
+        <p14:creationId xmlns:p14="http://schemas.microsoft.com/office/powerpoint/2010/main" val="3221050656"/>
+      </p:ext>
+    </p:extLst>
+  </p:cSld>
+  <p:clrMap bg1="lt1" tx1="dk1" bg2="lt2" tx2="dk2" accent1="accent1" accent2="accent2" accent3="accent3" accent4="accent4" accent5="accent5" accent6="accent6" hlink="hlink" folHlink="folHlink"/>
+  <p:notesStyle>
+    <a:lvl1pPr marL="0" algn="l" defTabSz="914400" rtl="0" eaLnBrk="1" latinLnBrk="0" hangingPunct="1">
+      <a:defRPr sz="1200" kern="1200">
+        <a:solidFill>
+          <a:schemeClr val="tx1"/>
+        </a:solidFill>
+        <a:latin typeface="+mn-lt"/>
+        <a:ea typeface="+mn-ea"/>
+        <a:cs typeface="+mn-cs"/>
+      </a:defRPr>
+    </a:lvl1pPr>
+    <a:lvl2pPr marL="457200" algn="l" defTabSz="914400" rtl="0" eaLnBrk="1" latinLnBrk="0" hangingPunct="1">
+      <a:defRPr sz="1200" kern="1200">
+        <a:solidFill>
+          <a:schemeClr val="tx1"/>
+        </a:solidFill>
+        <a:latin typeface="+mn-lt"/>
+        <a:ea typeface="+mn-ea"/>
+        <a:cs typeface="+mn-cs"/>
+      </a:defRPr>
+    </a:lvl2pPr>
+    <a:lvl3pPr marL="914400" algn="l" defTabSz="914400" rtl="0" eaLnBrk="1" latinLnBrk="0" hangingPunct="1">
+      <a:defRPr sz="1200" kern="1200">
+        <a:solidFill>
+          <a:schemeClr val="tx1"/>
+        </a:solidFill>
+        <a:latin typeface="+mn-lt"/>
+        <a:ea typeface="+mn-ea"/>
+        <a:cs typeface="+mn-cs"/>
+      </a:defRPr>
+    </a:lvl3pPr>
+    <a:lvl4pPr marL="1371600" algn="l" defTabSz="914400" rtl="0" eaLnBrk="1" latinLnBrk="0" hangingPunct="1">
+      <a:defRPr sz="1200" kern="1200">
+        <a:solidFill>
+          <a:schemeClr val="tx1"/>
+        </a:solidFill>
+        <a:latin typeface="+mn-lt"/>
+        <a:ea typeface="+mn-ea"/>
+        <a:cs typeface="+mn-cs"/>
+      </a:defRPr>
+    </a:lvl4pPr>
+    <a:lvl5pPr marL="1828800" algn="l" defTabSz="914400" rtl="0" eaLnBrk="1" latinLnBrk="0" hangingPunct="1">
+      <a:defRPr sz="1200" kern="1200">
+        <a:solidFill>
+          <a:schemeClr val="tx1"/>
+        </a:solidFill>
+        <a:latin typeface="+mn-lt"/>
+        <a:ea typeface="+mn-ea"/>
+        <a:cs typeface="+mn-cs"/>
+      </a:defRPr>
+    </a:lvl5pPr>
+    <a:lvl6pPr marL="2286000" algn="l" defTabSz="914400" rtl="0" eaLnBrk="1" latinLnBrk="0" hangingPunct="1">
+      <a:defRPr sz="1200" kern="1200">
+        <a:solidFill>
+          <a:schemeClr val="tx1"/>
+        </a:solidFill>
+        <a:latin typeface="+mn-lt"/>
+        <a:ea typeface="+mn-ea"/>
+        <a:cs typeface="+mn-cs"/>
+      </a:defRPr>
+    </a:lvl6pPr>
+    <a:lvl7pPr marL="2743200" algn="l" defTabSz="914400" rtl="0" eaLnBrk="1" latinLnBrk="0" hangingPunct="1">
+      <a:defRPr sz="1200" kern="1200">
+        <a:solidFill>
+          <a:schemeClr val="tx1"/>
+        </a:solidFill>
+        <a:latin typeface="+mn-lt"/>
+        <a:ea typeface="+mn-ea"/>
+        <a:cs typeface="+mn-cs"/>
+      </a:defRPr>
+    </a:lvl7pPr>
+    <a:lvl8pPr marL="3200400" algn="l" defTabSz="914400" rtl="0" eaLnBrk="1" latinLnBrk="0" hangingPunct="1">
+      <a:defRPr sz="1200" kern="1200">
+        <a:solidFill>
+          <a:schemeClr val="tx1"/>
+        </a:solidFill>
+        <a:latin typeface="+mn-lt"/>
+        <a:ea typeface="+mn-ea"/>
+        <a:cs typeface="+mn-cs"/>
+      </a:defRPr>
+    </a:lvl8pPr>
+    <a:lvl9pPr marL="3657600" algn="l" defTabSz="914400" rtl="0" eaLnBrk="1" latinLnBrk="0" hangingPunct="1">
+      <a:defRPr sz="1200" kern="1200">
+        <a:solidFill>
+          <a:schemeClr val="tx1"/>
+        </a:solidFill>
+        <a:latin typeface="+mn-lt"/>
+        <a:ea typeface="+mn-ea"/>
+        <a:cs typeface="+mn-cs"/>
+      </a:defRPr>
+    </a:lvl9pPr>
+  </p:notesStyle>
+</p:notesMaster>
+</file>
+
+<file path=ppt/notesSlides/notesSlide1.xml><?xml version="1.0" encoding="utf-8"?>
+<p:notes xmlns:a="http://schemas.openxmlformats.org/drawingml/2006/main" xmlns:r="http://schemas.openxmlformats.org/officeDocument/2006/relationships" xmlns:p="http://schemas.openxmlformats.org/presentationml/2006/main">
+  <p:cSld>
+    <p:spTree>
+      <p:nvGrpSpPr>
+        <p:cNvPr id="1" name=""/>
+        <p:cNvGrpSpPr/>
+        <p:nvPr/>
+      </p:nvGrpSpPr>
+      <p:grpSpPr>
+        <a:xfrm>
+          <a:off x="0" y="0"/>
+          <a:ext cx="0" cy="0"/>
+          <a:chOff x="0" y="0"/>
+          <a:chExt cx="0" cy="0"/>
+        </a:xfrm>
+      </p:grpSpPr>
+      <p:sp>
+        <p:nvSpPr>
+          <p:cNvPr id="2" name="幻灯片图像占位符 1"/>
+          <p:cNvSpPr>
+            <a:spLocks noGrp="1" noRot="1" noChangeAspect="1"/>
+          </p:cNvSpPr>
+          <p:nvPr>
+            <p:ph type="sldImg"/>
+          </p:nvPr>
+        </p:nvSpPr>
+        <p:spPr/>
+      </p:sp>
+      <p:sp>
+        <p:nvSpPr>
+          <p:cNvPr id="3" name="备注占位符 2"/>
+          <p:cNvSpPr>
+            <a:spLocks noGrp="1"/>
+          </p:cNvSpPr>
+          <p:nvPr>
+            <p:ph type="body" idx="1"/>
+          </p:nvPr>
+        </p:nvSpPr>
+        <p:spPr/>
+        <p:txBody>
+          <a:bodyPr/>
+          <a:lstStyle/>
+          <a:p>
+            <a:endParaRPr lang="zh-CN" altLang="en-US" dirty="0"/>
+          </a:p>
+        </p:txBody>
+      </p:sp>
+      <p:sp>
+        <p:nvSpPr>
+          <p:cNvPr id="4" name="灯片编号占位符 3"/>
+          <p:cNvSpPr>
+            <a:spLocks noGrp="1"/>
+          </p:cNvSpPr>
+          <p:nvPr>
+            <p:ph type="sldNum" sz="quarter" idx="5"/>
+          </p:nvPr>
+        </p:nvSpPr>
+        <p:spPr/>
+        <p:txBody>
+          <a:bodyPr/>
+          <a:lstStyle/>
+          <a:p>
+            <a:fld id="{2B85536C-E919-49D1-BEBD-2162356A10D1}" type="slidenum">
+              <a:rPr lang="zh-CN" altLang="en-US" smtClean="0"/>
+              <a:t>13</a:t>
+            </a:fld>
+            <a:endParaRPr lang="zh-CN" altLang="en-US"/>
+          </a:p>
+        </p:txBody>
+      </p:sp>
+    </p:spTree>
+    <p:extLst>
+      <p:ext uri="{BB962C8B-B14F-4D97-AF65-F5344CB8AC3E}">
+        <p14:creationId xmlns:p14="http://schemas.microsoft.com/office/powerpoint/2010/main" val="3128797241"/>
+      </p:ext>
+    </p:extLst>
+  </p:cSld>
+  <p:clrMapOvr>
+    <a:masterClrMapping/>
+  </p:clrMapOvr>
+</p:notes>
+</file>
+
 <file path=ppt/slideLayouts/slideLayout1.xml><?xml version="1.0" encoding="utf-8"?>
 <p:sldLayout xmlns:a="http://schemas.openxmlformats.org/drawingml/2006/main" xmlns:r="http://schemas.openxmlformats.org/officeDocument/2006/relationships" xmlns:p="http://schemas.openxmlformats.org/presentationml/2006/main" type="title" preserve="1">
   <p:cSld name="标题幻灯片">
@@ -271,7 +707,7 @@
           <a:p>
             <a:fld id="{F40C1254-F1AA-428B-92C5-B10CE42ED55A}" type="datetimeFigureOut">
               <a:rPr lang="zh-CN" altLang="en-US" smtClean="0"/>
-              <a:t>2020/6/11</a:t>
+              <a:t>2020/6/12</a:t>
             </a:fld>
             <a:endParaRPr lang="zh-CN" altLang="en-US"/>
           </a:p>
@@ -469,7 +905,7 @@
           <a:p>
             <a:fld id="{F40C1254-F1AA-428B-92C5-B10CE42ED55A}" type="datetimeFigureOut">
               <a:rPr lang="zh-CN" altLang="en-US" smtClean="0"/>
-              <a:t>2020/6/11</a:t>
+              <a:t>2020/6/12</a:t>
             </a:fld>
             <a:endParaRPr lang="zh-CN" altLang="en-US"/>
           </a:p>
@@ -677,7 +1113,7 @@
           <a:p>
             <a:fld id="{F40C1254-F1AA-428B-92C5-B10CE42ED55A}" type="datetimeFigureOut">
               <a:rPr lang="zh-CN" altLang="en-US" smtClean="0"/>
-              <a:t>2020/6/11</a:t>
+              <a:t>2020/6/12</a:t>
             </a:fld>
             <a:endParaRPr lang="zh-CN" altLang="en-US"/>
           </a:p>
@@ -875,7 +1311,7 @@
           <a:p>
             <a:fld id="{F40C1254-F1AA-428B-92C5-B10CE42ED55A}" type="datetimeFigureOut">
               <a:rPr lang="zh-CN" altLang="en-US" smtClean="0"/>
-              <a:t>2020/6/11</a:t>
+              <a:t>2020/6/12</a:t>
             </a:fld>
             <a:endParaRPr lang="zh-CN" altLang="en-US"/>
           </a:p>
@@ -1150,7 +1586,7 @@
           <a:p>
             <a:fld id="{F40C1254-F1AA-428B-92C5-B10CE42ED55A}" type="datetimeFigureOut">
               <a:rPr lang="zh-CN" altLang="en-US" smtClean="0"/>
-              <a:t>2020/6/11</a:t>
+              <a:t>2020/6/12</a:t>
             </a:fld>
             <a:endParaRPr lang="zh-CN" altLang="en-US"/>
           </a:p>
@@ -1415,7 +1851,7 @@
           <a:p>
             <a:fld id="{F40C1254-F1AA-428B-92C5-B10CE42ED55A}" type="datetimeFigureOut">
               <a:rPr lang="zh-CN" altLang="en-US" smtClean="0"/>
-              <a:t>2020/6/11</a:t>
+              <a:t>2020/6/12</a:t>
             </a:fld>
             <a:endParaRPr lang="zh-CN" altLang="en-US"/>
           </a:p>
@@ -1827,7 +2263,7 @@
           <a:p>
             <a:fld id="{F40C1254-F1AA-428B-92C5-B10CE42ED55A}" type="datetimeFigureOut">
               <a:rPr lang="zh-CN" altLang="en-US" smtClean="0"/>
-              <a:t>2020/6/11</a:t>
+              <a:t>2020/6/12</a:t>
             </a:fld>
             <a:endParaRPr lang="zh-CN" altLang="en-US"/>
           </a:p>
@@ -1968,7 +2404,7 @@
           <a:p>
             <a:fld id="{F40C1254-F1AA-428B-92C5-B10CE42ED55A}" type="datetimeFigureOut">
               <a:rPr lang="zh-CN" altLang="en-US" smtClean="0"/>
-              <a:t>2020/6/11</a:t>
+              <a:t>2020/6/12</a:t>
             </a:fld>
             <a:endParaRPr lang="zh-CN" altLang="en-US"/>
           </a:p>
@@ -2081,7 +2517,7 @@
           <a:p>
             <a:fld id="{F40C1254-F1AA-428B-92C5-B10CE42ED55A}" type="datetimeFigureOut">
               <a:rPr lang="zh-CN" altLang="en-US" smtClean="0"/>
-              <a:t>2020/6/11</a:t>
+              <a:t>2020/6/12</a:t>
             </a:fld>
             <a:endParaRPr lang="zh-CN" altLang="en-US"/>
           </a:p>
@@ -2392,7 +2828,7 @@
           <a:p>
             <a:fld id="{F40C1254-F1AA-428B-92C5-B10CE42ED55A}" type="datetimeFigureOut">
               <a:rPr lang="zh-CN" altLang="en-US" smtClean="0"/>
-              <a:t>2020/6/11</a:t>
+              <a:t>2020/6/12</a:t>
             </a:fld>
             <a:endParaRPr lang="zh-CN" altLang="en-US"/>
           </a:p>
@@ -2680,7 +3116,7 @@
           <a:p>
             <a:fld id="{F40C1254-F1AA-428B-92C5-B10CE42ED55A}" type="datetimeFigureOut">
               <a:rPr lang="zh-CN" altLang="en-US" smtClean="0"/>
-              <a:t>2020/6/11</a:t>
+              <a:t>2020/6/12</a:t>
             </a:fld>
             <a:endParaRPr lang="zh-CN" altLang="en-US"/>
           </a:p>
@@ -2921,7 +3357,7 @@
           <a:p>
             <a:fld id="{F40C1254-F1AA-428B-92C5-B10CE42ED55A}" type="datetimeFigureOut">
               <a:rPr lang="zh-CN" altLang="en-US" smtClean="0"/>
-              <a:t>2020/6/11</a:t>
+              <a:t>2020/6/12</a:t>
             </a:fld>
             <a:endParaRPr lang="zh-CN" altLang="en-US"/>
           </a:p>
@@ -4058,7 +4494,7 @@
                 <a:latin typeface="Arial" panose="020B0604020202020204" pitchFamily="34" charset="0"/>
                 <a:cs typeface="Arial" panose="020B0604020202020204" pitchFamily="34" charset="0"/>
               </a:rPr>
-              <a:t>Figure 6. The total pipeline of self-attention mechanism</a:t>
+              <a:t>Figure 7. The total pipeline of self-attention mechanism</a:t>
             </a:r>
             <a:endParaRPr lang="zh-CN" altLang="en-US" sz="1200" b="1" dirty="0">
               <a:latin typeface="Arial" panose="020B0604020202020204" pitchFamily="34" charset="0"/>
@@ -4136,7 +4572,7 @@
                 <a:latin typeface="Arial" panose="020B0604020202020204" pitchFamily="34" charset="0"/>
                 <a:cs typeface="Arial" panose="020B0604020202020204" pitchFamily="34" charset="0"/>
               </a:rPr>
-              <a:t>Figure 7. The detailed architecture of multi-head attention which is the reference of global graph of VectorNet</a:t>
+              <a:t>Figure 8. The detailed architecture of multi-head attention which is the reference of global graph of VectorNet</a:t>
             </a:r>
             <a:endParaRPr lang="zh-CN" altLang="en-US" sz="1200" b="1" dirty="0">
               <a:latin typeface="Arial" panose="020B0604020202020204" pitchFamily="34" charset="0"/>
@@ -4635,6 +5071,49 @@
           </a:prstGeom>
         </p:spPr>
       </p:pic>
+      <p:sp>
+        <p:nvSpPr>
+          <p:cNvPr id="8" name="文本框 7">
+            <a:extLst>
+              <a:ext uri="{FF2B5EF4-FFF2-40B4-BE49-F238E27FC236}">
+                <a16:creationId xmlns:a16="http://schemas.microsoft.com/office/drawing/2014/main" id="{C0B261F3-4351-4DC0-9E24-F05F666D69D5}"/>
+              </a:ext>
+            </a:extLst>
+          </p:cNvPr>
+          <p:cNvSpPr txBox="1"/>
+          <p:nvPr/>
+        </p:nvSpPr>
+        <p:spPr>
+          <a:xfrm>
+            <a:off x="4510863" y="6335217"/>
+            <a:ext cx="3170271" cy="461665"/>
+          </a:xfrm>
+          <a:prstGeom prst="rect">
+            <a:avLst/>
+          </a:prstGeom>
+          <a:noFill/>
+        </p:spPr>
+        <p:txBody>
+          <a:bodyPr wrap="square" rtlCol="0">
+            <a:spAutoFit/>
+          </a:bodyPr>
+          <a:lstStyle/>
+          <a:p>
+            <a:pPr algn="ctr"/>
+            <a:r>
+              <a:rPr lang="en-US" altLang="zh-CN" sz="1200" b="1" dirty="0">
+                <a:latin typeface="Arial" panose="020B0604020202020204" pitchFamily="34" charset="0"/>
+                <a:cs typeface="Arial" panose="020B0604020202020204" pitchFamily="34" charset="0"/>
+              </a:rPr>
+              <a:t>Figure 9. Global graph interactions and trajectory decoder</a:t>
+            </a:r>
+            <a:endParaRPr lang="zh-CN" altLang="en-US" sz="1200" b="1" dirty="0">
+              <a:latin typeface="Arial" panose="020B0604020202020204" pitchFamily="34" charset="0"/>
+              <a:cs typeface="Arial" panose="020B0604020202020204" pitchFamily="34" charset="0"/>
+            </a:endParaRPr>
+          </a:p>
+        </p:txBody>
+      </p:sp>
     </p:spTree>
     <p:extLst>
       <p:ext uri="{BB962C8B-B14F-4D97-AF65-F5344CB8AC3E}">
@@ -5161,7 +5640,35 @@
                 <a:latin typeface="Arial" panose="020B0604020202020204" pitchFamily="34" charset="0"/>
                 <a:cs typeface="Arial" panose="020B0604020202020204" pitchFamily="34" charset="0"/>
               </a:rPr>
-              <a:t>        Motion forecasting is a very important task in self-driving domain. Because, the autonomous vehicle have to share roads with human drivers who are really stochastic. The main aim of motion forecasting is to avoid the autonomous vehicle crashing with other vehicles. But the main problem of motion forecasting is that there is not a unified representation which can model the road context and other vehicle motions. Before VectorNet, researchers try to rasterize this information because they really want to use ConvNet to encode them. But VectorNet, I think, is really innovative and efficient. VectorNet is more straightforward to utilize the structed HD map. However, VectorNet also have problem. It may be too idealistic. Because the structed HD map may difficult to get in real-time. Besides, the observed trajectory of agent is also difficult to acquire in real-time. So There is still a gap to let VectorNet equipped in the autonomous vehicle.</a:t>
+              <a:t>        Motion forecasting is a very important task in self-driving domain. Because, the autonomous vehicle have to share roads with human drivers who are really stochastic. The main aim of motion forecasting is to avoid the autonomous vehicle crashing with other vehicles. But the main problem of motion forecasting is that there is not a unified representation which can model the road context and other vehicle motions. Before VectorNet, researchers try to rasterize this information because they really want to use ConvNet to encode them. But VectorNet, I think, is really innovative and efficient. VectorNet is more straightforward to utilize the structed HD map. However, VectorNet also has problem. It may be too idealistic. Because the structed HD map may be</a:t>
+            </a:r>
+            <a:r>
+              <a:rPr lang="zh-CN" altLang="en-US" sz="1600" dirty="0">
+                <a:latin typeface="Arial" panose="020B0604020202020204" pitchFamily="34" charset="0"/>
+                <a:cs typeface="Arial" panose="020B0604020202020204" pitchFamily="34" charset="0"/>
+              </a:rPr>
+              <a:t> </a:t>
+            </a:r>
+            <a:r>
+              <a:rPr lang="en-US" altLang="zh-CN" sz="1600" dirty="0">
+                <a:latin typeface="Arial" panose="020B0604020202020204" pitchFamily="34" charset="0"/>
+                <a:cs typeface="Arial" panose="020B0604020202020204" pitchFamily="34" charset="0"/>
+              </a:rPr>
+              <a:t>difficult to get in real-time. Besides, the observed trajectory of agent is also difficult to acquire in real-time. </a:t>
+            </a:r>
+            <a:r>
+              <a:rPr lang="en-US" altLang="zh-CN" sz="1600">
+                <a:latin typeface="Arial" panose="020B0604020202020204" pitchFamily="34" charset="0"/>
+                <a:cs typeface="Arial" panose="020B0604020202020204" pitchFamily="34" charset="0"/>
+              </a:rPr>
+              <a:t>So there </a:t>
+            </a:r>
+            <a:r>
+              <a:rPr lang="en-US" altLang="zh-CN" sz="1600" dirty="0">
+                <a:latin typeface="Arial" panose="020B0604020202020204" pitchFamily="34" charset="0"/>
+                <a:cs typeface="Arial" panose="020B0604020202020204" pitchFamily="34" charset="0"/>
+              </a:rPr>
+              <a:t>is still a gap to let VectorNet equipped in the autonomous vehicle.</a:t>
             </a:r>
           </a:p>
         </p:txBody>
@@ -5651,7 +6158,7 @@
                 <a:latin typeface="Arial" panose="020B0604020202020204" pitchFamily="34" charset="0"/>
                 <a:cs typeface="Arial" panose="020B0604020202020204" pitchFamily="34" charset="0"/>
               </a:rPr>
-              <a:t>Multi-media Emotion Recognition (SRP project From 2019.6 to 2020.4)</a:t>
+              <a:t>Multi-media Emotion Analysis (SRP project From 2019.6 to 2020.4)</a:t>
             </a:r>
           </a:p>
           <a:p>
@@ -6153,7 +6660,14 @@
                 <a:latin typeface="Arial" panose="020B0604020202020204" pitchFamily="34" charset="0"/>
                 <a:cs typeface="Arial" panose="020B0604020202020204" pitchFamily="34" charset="0"/>
               </a:rPr>
-              <a:t>) -- Corresponding SCI Under Review</a:t>
+              <a:t>) -- </a:t>
+            </a:r>
+            <a:r>
+              <a:rPr lang="en-US" altLang="zh-CN" sz="1600" b="1" dirty="0">
+                <a:latin typeface="Arial" panose="020B0604020202020204" pitchFamily="34" charset="0"/>
+                <a:cs typeface="Arial" panose="020B0604020202020204" pitchFamily="34" charset="0"/>
+              </a:rPr>
+              <a:t>Corresponding SCI Under Review</a:t>
             </a:r>
           </a:p>
           <a:p>
@@ -6200,7 +6714,14 @@
                 <a:latin typeface="Arial" panose="020B0604020202020204" pitchFamily="34" charset="0"/>
                 <a:cs typeface="Arial" panose="020B0604020202020204" pitchFamily="34" charset="0"/>
               </a:rPr>
-              <a:t>] (CSAE 2020) -- Corresponding SCI Under Review</a:t>
+              <a:t>] (CSAE 2020) -- </a:t>
+            </a:r>
+            <a:r>
+              <a:rPr lang="en-US" altLang="zh-CN" sz="1600" b="1" dirty="0">
+                <a:latin typeface="Arial" panose="020B0604020202020204" pitchFamily="34" charset="0"/>
+                <a:cs typeface="Arial" panose="020B0604020202020204" pitchFamily="34" charset="0"/>
+              </a:rPr>
+              <a:t>Corresponding SCI Under Review</a:t>
             </a:r>
           </a:p>
           <a:p>
@@ -6438,7 +6959,7 @@
         <p:spPr>
           <a:xfrm>
             <a:off x="992221" y="1258242"/>
-            <a:ext cx="10798790" cy="2534027"/>
+            <a:ext cx="10798790" cy="2949525"/>
           </a:xfrm>
           <a:prstGeom prst="rect">
             <a:avLst/>
@@ -6461,7 +6982,77 @@
                 <a:latin typeface="Arial" panose="020B0604020202020204" pitchFamily="34" charset="0"/>
                 <a:cs typeface="Arial" panose="020B0604020202020204" pitchFamily="34" charset="0"/>
               </a:rPr>
-              <a:t>        Because of my past research, I may be interested in medical image segmentation, object detection and object track. Actually, I’m not limited to specific computer vision tasks. I’m interested in computer vision tasks which are meaningful and practical. For instance, the tumors and organs at risk automatic contouring on MRI Multi-sequence. MRI Multi-sequence tumors and organs at risk manual contouring is really time consuming and clinical knowledge intensive. So, we use Multi-modality model to perform MRI Multi-sequence automatic contouring which largely reduce the contouring time. </a:t>
+              <a:t>        Because of my past research, I may be interested in medical image segmentation, object detection and object track. Actually, I’m not limited to specific computer vision tasks. I’m interested in computer vision tasks which are meaningful and practical. For instance, the tumors and organs at risk automatic contouring on MRI Multi-sequence. MRI Multi-sequence tumors and organs at risk manual contouring is really time consuming and clinical knowledge intensive. So, we use Multi-modality model to perform MRI Multi-sequence automatic contouring so that the model largely reduces the contouring time. By</a:t>
+            </a:r>
+            <a:r>
+              <a:rPr lang="zh-CN" altLang="en-US" dirty="0">
+                <a:latin typeface="Arial" panose="020B0604020202020204" pitchFamily="34" charset="0"/>
+                <a:cs typeface="Arial" panose="020B0604020202020204" pitchFamily="34" charset="0"/>
+              </a:rPr>
+              <a:t> </a:t>
+            </a:r>
+            <a:r>
+              <a:rPr lang="en-US" altLang="zh-CN" dirty="0">
+                <a:latin typeface="Arial" panose="020B0604020202020204" pitchFamily="34" charset="0"/>
+                <a:cs typeface="Arial" panose="020B0604020202020204" pitchFamily="34" charset="0"/>
+              </a:rPr>
+              <a:t>doing</a:t>
+            </a:r>
+            <a:r>
+              <a:rPr lang="zh-CN" altLang="en-US" dirty="0">
+                <a:latin typeface="Arial" panose="020B0604020202020204" pitchFamily="34" charset="0"/>
+                <a:cs typeface="Arial" panose="020B0604020202020204" pitchFamily="34" charset="0"/>
+              </a:rPr>
+              <a:t> </a:t>
+            </a:r>
+            <a:r>
+              <a:rPr lang="en-US" altLang="zh-CN" dirty="0">
+                <a:latin typeface="Arial" panose="020B0604020202020204" pitchFamily="34" charset="0"/>
+                <a:cs typeface="Arial" panose="020B0604020202020204" pitchFamily="34" charset="0"/>
+              </a:rPr>
+              <a:t>like</a:t>
+            </a:r>
+            <a:r>
+              <a:rPr lang="zh-CN" altLang="en-US" dirty="0">
+                <a:latin typeface="Arial" panose="020B0604020202020204" pitchFamily="34" charset="0"/>
+                <a:cs typeface="Arial" panose="020B0604020202020204" pitchFamily="34" charset="0"/>
+              </a:rPr>
+              <a:t> </a:t>
+            </a:r>
+            <a:r>
+              <a:rPr lang="en-US" altLang="zh-CN" dirty="0">
+                <a:latin typeface="Arial" panose="020B0604020202020204" pitchFamily="34" charset="0"/>
+                <a:cs typeface="Arial" panose="020B0604020202020204" pitchFamily="34" charset="0"/>
+              </a:rPr>
+              <a:t>so,</a:t>
+            </a:r>
+            <a:r>
+              <a:rPr lang="zh-CN" altLang="en-US" dirty="0">
+                <a:latin typeface="Arial" panose="020B0604020202020204" pitchFamily="34" charset="0"/>
+                <a:cs typeface="Arial" panose="020B0604020202020204" pitchFamily="34" charset="0"/>
+              </a:rPr>
+              <a:t> </a:t>
+            </a:r>
+            <a:r>
+              <a:rPr lang="en-US" altLang="zh-CN" dirty="0">
+                <a:latin typeface="Arial" panose="020B0604020202020204" pitchFamily="34" charset="0"/>
+                <a:cs typeface="Arial" panose="020B0604020202020204" pitchFamily="34" charset="0"/>
+              </a:rPr>
+              <a:t>the</a:t>
+            </a:r>
+            <a:r>
+              <a:rPr lang="zh-CN" altLang="en-US" dirty="0">
+                <a:latin typeface="Arial" panose="020B0604020202020204" pitchFamily="34" charset="0"/>
+                <a:cs typeface="Arial" panose="020B0604020202020204" pitchFamily="34" charset="0"/>
+              </a:rPr>
+              <a:t> </a:t>
+            </a:r>
+            <a:r>
+              <a:rPr lang="en-US" altLang="zh-CN" dirty="0">
+                <a:latin typeface="Arial" panose="020B0604020202020204" pitchFamily="34" charset="0"/>
+                <a:cs typeface="Arial" panose="020B0604020202020204" pitchFamily="34" charset="0"/>
+              </a:rPr>
+              <a:t>time of whole radiotherapy pipeline can be simplified to a great extent.</a:t>
             </a:r>
           </a:p>
         </p:txBody>
@@ -6755,8 +7346,8 @@
         </p:nvSpPr>
         <p:spPr>
           <a:xfrm>
-            <a:off x="3967789" y="5880920"/>
-            <a:ext cx="3653308" cy="307777"/>
+            <a:off x="4207534" y="5810617"/>
+            <a:ext cx="3173818" cy="276999"/>
           </a:xfrm>
           <a:prstGeom prst="rect">
             <a:avLst/>
@@ -6770,13 +7361,13 @@
           <a:lstStyle/>
           <a:p>
             <a:r>
-              <a:rPr lang="en-US" altLang="zh-CN" sz="1400" b="1" dirty="0">
+              <a:rPr lang="en-US" altLang="zh-CN" sz="1200" b="1" dirty="0">
                 <a:latin typeface="Arial" panose="020B0604020202020204" pitchFamily="34" charset="0"/>
                 <a:cs typeface="Arial" panose="020B0604020202020204" pitchFamily="34" charset="0"/>
               </a:rPr>
               <a:t>Figure 1. The total workflow of VectorNet</a:t>
             </a:r>
-            <a:endParaRPr lang="zh-CN" altLang="en-US" sz="1400" b="1" dirty="0">
+            <a:endParaRPr lang="zh-CN" altLang="en-US" sz="1200" b="1" dirty="0">
               <a:latin typeface="Arial" panose="020B0604020202020204" pitchFamily="34" charset="0"/>
               <a:cs typeface="Arial" panose="020B0604020202020204" pitchFamily="34" charset="0"/>
             </a:endParaRPr>
@@ -7100,7 +7691,7 @@
                 <a:latin typeface="Arial" panose="020B0604020202020204" pitchFamily="34" charset="0"/>
                 <a:cs typeface="Arial" panose="020B0604020202020204" pitchFamily="34" charset="0"/>
               </a:rPr>
-              <a:t>Figure 1. lane centerline and edgeline representations</a:t>
+              <a:t>Figure 2. lane centerline and edgeline representations</a:t>
             </a:r>
             <a:endParaRPr lang="zh-CN" altLang="en-US" sz="1200" b="1" dirty="0">
               <a:latin typeface="Arial" panose="020B0604020202020204" pitchFamily="34" charset="0"/>
@@ -7143,7 +7734,7 @@
                 <a:latin typeface="Arial" panose="020B0604020202020204" pitchFamily="34" charset="0"/>
                 <a:cs typeface="Arial" panose="020B0604020202020204" pitchFamily="34" charset="0"/>
               </a:rPr>
-              <a:t>Figure 2. lane centerline and edgeline representations, </a:t>
+              <a:t>Figure 3. lane centerline and edgeline representations, </a:t>
             </a:r>
           </a:p>
           <a:p>
@@ -7446,7 +8037,7 @@
                 <a:latin typeface="Arial" panose="020B0604020202020204" pitchFamily="34" charset="0"/>
                 <a:cs typeface="Arial" panose="020B0604020202020204" pitchFamily="34" charset="0"/>
               </a:rPr>
-              <a:t>Figure 3. The process of vectorization of agent and </a:t>
+              <a:t>Figure 4. The process of vectorization of agent and </a:t>
             </a:r>
           </a:p>
           <a:p>
@@ -7751,7 +8342,7 @@
                     <a:latin typeface="Arial" panose="020B0604020202020204" pitchFamily="34" charset="0"/>
                     <a:cs typeface="Arial" panose="020B0604020202020204" pitchFamily="34" charset="0"/>
                   </a:rPr>
-                  <a:t>Figure 4. The detailed operation flow about how to get </a:t>
+                  <a:t>Figure 5. The detailed operation flow about how to get </a:t>
                 </a:r>
                 <a14:m>
                   <m:oMath xmlns:m="http://schemas.openxmlformats.org/officeDocument/2006/math">
@@ -8253,7 +8844,7 @@
                     <a:latin typeface="Arial" panose="020B0604020202020204" pitchFamily="34" charset="0"/>
                     <a:cs typeface="Arial" panose="020B0604020202020204" pitchFamily="34" charset="0"/>
                   </a:rPr>
-                  <a:t>Figure 5. The detail operation flow of aggregating </a:t>
+                  <a:t>Figure 6. The detail operation flow of aggregating </a:t>
                 </a:r>
               </a:p>
               <a:p>
@@ -9733,4 +10324,299 @@
     </a:ext>
   </a:extLst>
 </a:theme>
+</file>
+
+<file path=ppt/theme/theme2.xml><?xml version="1.0" encoding="utf-8"?>
+<a:theme xmlns:a="http://schemas.openxmlformats.org/drawingml/2006/main" name="Office 主题​​">
+  <a:themeElements>
+    <a:clrScheme name="Office">
+      <a:dk1>
+        <a:sysClr val="windowText" lastClr="000000"/>
+      </a:dk1>
+      <a:lt1>
+        <a:sysClr val="window" lastClr="FFFFFF"/>
+      </a:lt1>
+      <a:dk2>
+        <a:srgbClr val="44546A"/>
+      </a:dk2>
+      <a:lt2>
+        <a:srgbClr val="E7E6E6"/>
+      </a:lt2>
+      <a:accent1>
+        <a:srgbClr val="4472C4"/>
+      </a:accent1>
+      <a:accent2>
+        <a:srgbClr val="ED7D31"/>
+      </a:accent2>
+      <a:accent3>
+        <a:srgbClr val="A5A5A5"/>
+      </a:accent3>
+      <a:accent4>
+        <a:srgbClr val="FFC000"/>
+      </a:accent4>
+      <a:accent5>
+        <a:srgbClr val="5B9BD5"/>
+      </a:accent5>
+      <a:accent6>
+        <a:srgbClr val="70AD47"/>
+      </a:accent6>
+      <a:hlink>
+        <a:srgbClr val="0563C1"/>
+      </a:hlink>
+      <a:folHlink>
+        <a:srgbClr val="954F72"/>
+      </a:folHlink>
+    </a:clrScheme>
+    <a:fontScheme name="Office">
+      <a:majorFont>
+        <a:latin typeface="等线 Light" panose="020F0302020204030204"/>
+        <a:ea typeface=""/>
+        <a:cs typeface=""/>
+        <a:font script="Jpan" typeface="游ゴシック Light"/>
+        <a:font script="Hang" typeface="맑은 고딕"/>
+        <a:font script="Hans" typeface="等线 Light"/>
+        <a:font script="Hant" typeface="新細明體"/>
+        <a:font script="Arab" typeface="Times New Roman"/>
+        <a:font script="Hebr" typeface="Times New Roman"/>
+        <a:font script="Thai" typeface="Angsana New"/>
+        <a:font script="Ethi" typeface="Nyala"/>
+        <a:font script="Beng" typeface="Vrinda"/>
+        <a:font script="Gujr" typeface="Shruti"/>
+        <a:font script="Khmr" typeface="MoolBoran"/>
+        <a:font script="Knda" typeface="Tunga"/>
+        <a:font script="Guru" typeface="Raavi"/>
+        <a:font script="Cans" typeface="Euphemia"/>
+        <a:font script="Cher" typeface="Plantagenet Cherokee"/>
+        <a:font script="Yiii" typeface="Microsoft Yi Baiti"/>
+        <a:font script="Tibt" typeface="Microsoft Himalaya"/>
+        <a:font script="Thaa" typeface="MV Boli"/>
+        <a:font script="Deva" typeface="Mangal"/>
+        <a:font script="Telu" typeface="Gautami"/>
+        <a:font script="Taml" typeface="Latha"/>
+        <a:font script="Syrc" typeface="Estrangelo Edessa"/>
+        <a:font script="Orya" typeface="Kalinga"/>
+        <a:font script="Mlym" typeface="Kartika"/>
+        <a:font script="Laoo" typeface="DokChampa"/>
+        <a:font script="Sinh" typeface="Iskoola Pota"/>
+        <a:font script="Mong" typeface="Mongolian Baiti"/>
+        <a:font script="Viet" typeface="Times New Roman"/>
+        <a:font script="Uigh" typeface="Microsoft Uighur"/>
+        <a:font script="Geor" typeface="Sylfaen"/>
+        <a:font script="Armn" typeface="Arial"/>
+        <a:font script="Bugi" typeface="Leelawadee UI"/>
+        <a:font script="Bopo" typeface="Microsoft JhengHei"/>
+        <a:font script="Java" typeface="Javanese Text"/>
+        <a:font script="Lisu" typeface="Segoe UI"/>
+        <a:font script="Mymr" typeface="Myanmar Text"/>
+        <a:font script="Nkoo" typeface="Ebrima"/>
+        <a:font script="Olck" typeface="Nirmala UI"/>
+        <a:font script="Osma" typeface="Ebrima"/>
+        <a:font script="Phag" typeface="Phagspa"/>
+        <a:font script="Syrn" typeface="Estrangelo Edessa"/>
+        <a:font script="Syrj" typeface="Estrangelo Edessa"/>
+        <a:font script="Syre" typeface="Estrangelo Edessa"/>
+        <a:font script="Sora" typeface="Nirmala UI"/>
+        <a:font script="Tale" typeface="Microsoft Tai Le"/>
+        <a:font script="Talu" typeface="Microsoft New Tai Lue"/>
+        <a:font script="Tfng" typeface="Ebrima"/>
+      </a:majorFont>
+      <a:minorFont>
+        <a:latin typeface="等线" panose="020F0502020204030204"/>
+        <a:ea typeface=""/>
+        <a:cs typeface=""/>
+        <a:font script="Jpan" typeface="游ゴシック"/>
+        <a:font script="Hang" typeface="맑은 고딕"/>
+        <a:font script="Hans" typeface="等线"/>
+        <a:font script="Hant" typeface="新細明體"/>
+        <a:font script="Arab" typeface="Arial"/>
+        <a:font script="Hebr" typeface="Arial"/>
+        <a:font script="Thai" typeface="Cordia New"/>
+        <a:font script="Ethi" typeface="Nyala"/>
+        <a:font script="Beng" typeface="Vrinda"/>
+        <a:font script="Gujr" typeface="Shruti"/>
+        <a:font script="Khmr" typeface="DaunPenh"/>
+        <a:font script="Knda" typeface="Tunga"/>
+        <a:font script="Guru" typeface="Raavi"/>
+        <a:font script="Cans" typeface="Euphemia"/>
+        <a:font script="Cher" typeface="Plantagenet Cherokee"/>
+        <a:font script="Yiii" typeface="Microsoft Yi Baiti"/>
+        <a:font script="Tibt" typeface="Microsoft Himalaya"/>
+        <a:font script="Thaa" typeface="MV Boli"/>
+        <a:font script="Deva" typeface="Mangal"/>
+        <a:font script="Telu" typeface="Gautami"/>
+        <a:font script="Taml" typeface="Latha"/>
+        <a:font script="Syrc" typeface="Estrangelo Edessa"/>
+        <a:font script="Orya" typeface="Kalinga"/>
+        <a:font script="Mlym" typeface="Kartika"/>
+        <a:font script="Laoo" typeface="DokChampa"/>
+        <a:font script="Sinh" typeface="Iskoola Pota"/>
+        <a:font script="Mong" typeface="Mongolian Baiti"/>
+        <a:font script="Viet" typeface="Arial"/>
+        <a:font script="Uigh" typeface="Microsoft Uighur"/>
+        <a:font script="Geor" typeface="Sylfaen"/>
+        <a:font script="Armn" typeface="Arial"/>
+        <a:font script="Bugi" typeface="Leelawadee UI"/>
+        <a:font script="Bopo" typeface="Microsoft JhengHei"/>
+        <a:font script="Java" typeface="Javanese Text"/>
+        <a:font script="Lisu" typeface="Segoe UI"/>
+        <a:font script="Mymr" typeface="Myanmar Text"/>
+        <a:font script="Nkoo" typeface="Ebrima"/>
+        <a:font script="Olck" typeface="Nirmala UI"/>
+        <a:font script="Osma" typeface="Ebrima"/>
+        <a:font script="Phag" typeface="Phagspa"/>
+        <a:font script="Syrn" typeface="Estrangelo Edessa"/>
+        <a:font script="Syrj" typeface="Estrangelo Edessa"/>
+        <a:font script="Syre" typeface="Estrangelo Edessa"/>
+        <a:font script="Sora" typeface="Nirmala UI"/>
+        <a:font script="Tale" typeface="Microsoft Tai Le"/>
+        <a:font script="Talu" typeface="Microsoft New Tai Lue"/>
+        <a:font script="Tfng" typeface="Ebrima"/>
+      </a:minorFont>
+    </a:fontScheme>
+    <a:fmtScheme name="Office">
+      <a:fillStyleLst>
+        <a:solidFill>
+          <a:schemeClr val="phClr"/>
+        </a:solidFill>
+        <a:gradFill rotWithShape="1">
+          <a:gsLst>
+            <a:gs pos="0">
+              <a:schemeClr val="phClr">
+                <a:lumMod val="110000"/>
+                <a:satMod val="105000"/>
+                <a:tint val="67000"/>
+              </a:schemeClr>
+            </a:gs>
+            <a:gs pos="50000">
+              <a:schemeClr val="phClr">
+                <a:lumMod val="105000"/>
+                <a:satMod val="103000"/>
+                <a:tint val="73000"/>
+              </a:schemeClr>
+            </a:gs>
+            <a:gs pos="100000">
+              <a:schemeClr val="phClr">
+                <a:lumMod val="105000"/>
+                <a:satMod val="109000"/>
+                <a:tint val="81000"/>
+              </a:schemeClr>
+            </a:gs>
+          </a:gsLst>
+          <a:lin ang="5400000" scaled="0"/>
+        </a:gradFill>
+        <a:gradFill rotWithShape="1">
+          <a:gsLst>
+            <a:gs pos="0">
+              <a:schemeClr val="phClr">
+                <a:satMod val="103000"/>
+                <a:lumMod val="102000"/>
+                <a:tint val="94000"/>
+              </a:schemeClr>
+            </a:gs>
+            <a:gs pos="50000">
+              <a:schemeClr val="phClr">
+                <a:satMod val="110000"/>
+                <a:lumMod val="100000"/>
+                <a:shade val="100000"/>
+              </a:schemeClr>
+            </a:gs>
+            <a:gs pos="100000">
+              <a:schemeClr val="phClr">
+                <a:lumMod val="99000"/>
+                <a:satMod val="120000"/>
+                <a:shade val="78000"/>
+              </a:schemeClr>
+            </a:gs>
+          </a:gsLst>
+          <a:lin ang="5400000" scaled="0"/>
+        </a:gradFill>
+      </a:fillStyleLst>
+      <a:lnStyleLst>
+        <a:ln w="6350" cap="flat" cmpd="sng" algn="ctr">
+          <a:solidFill>
+            <a:schemeClr val="phClr"/>
+          </a:solidFill>
+          <a:prstDash val="solid"/>
+          <a:miter lim="800000"/>
+        </a:ln>
+        <a:ln w="12700" cap="flat" cmpd="sng" algn="ctr">
+          <a:solidFill>
+            <a:schemeClr val="phClr"/>
+          </a:solidFill>
+          <a:prstDash val="solid"/>
+          <a:miter lim="800000"/>
+        </a:ln>
+        <a:ln w="19050" cap="flat" cmpd="sng" algn="ctr">
+          <a:solidFill>
+            <a:schemeClr val="phClr"/>
+          </a:solidFill>
+          <a:prstDash val="solid"/>
+          <a:miter lim="800000"/>
+        </a:ln>
+      </a:lnStyleLst>
+      <a:effectStyleLst>
+        <a:effectStyle>
+          <a:effectLst/>
+        </a:effectStyle>
+        <a:effectStyle>
+          <a:effectLst/>
+        </a:effectStyle>
+        <a:effectStyle>
+          <a:effectLst>
+            <a:outerShdw blurRad="57150" dist="19050" dir="5400000" algn="ctr" rotWithShape="0">
+              <a:srgbClr val="000000">
+                <a:alpha val="63000"/>
+              </a:srgbClr>
+            </a:outerShdw>
+          </a:effectLst>
+        </a:effectStyle>
+      </a:effectStyleLst>
+      <a:bgFillStyleLst>
+        <a:solidFill>
+          <a:schemeClr val="phClr"/>
+        </a:solidFill>
+        <a:solidFill>
+          <a:schemeClr val="phClr">
+            <a:tint val="95000"/>
+            <a:satMod val="170000"/>
+          </a:schemeClr>
+        </a:solidFill>
+        <a:gradFill rotWithShape="1">
+          <a:gsLst>
+            <a:gs pos="0">
+              <a:schemeClr val="phClr">
+                <a:tint val="93000"/>
+                <a:satMod val="150000"/>
+                <a:shade val="98000"/>
+                <a:lumMod val="102000"/>
+              </a:schemeClr>
+            </a:gs>
+            <a:gs pos="50000">
+              <a:schemeClr val="phClr">
+                <a:tint val="98000"/>
+                <a:satMod val="130000"/>
+                <a:shade val="90000"/>
+                <a:lumMod val="103000"/>
+              </a:schemeClr>
+            </a:gs>
+            <a:gs pos="100000">
+              <a:schemeClr val="phClr">
+                <a:shade val="63000"/>
+                <a:satMod val="120000"/>
+              </a:schemeClr>
+            </a:gs>
+          </a:gsLst>
+          <a:lin ang="5400000" scaled="0"/>
+        </a:gradFill>
+      </a:bgFillStyleLst>
+    </a:fmtScheme>
+  </a:themeElements>
+  <a:objectDefaults/>
+  <a:extraClrSchemeLst/>
+  <a:extLst>
+    <a:ext uri="{05A4C25C-085E-4340-85A3-A5531E510DB2}">
+      <thm15:themeFamily xmlns:thm15="http://schemas.microsoft.com/office/thememl/2012/main" name="Office Theme" id="{62F939B6-93AF-4DB8-9C6B-D6C7DFDC589F}" vid="{4A3C46E8-61CC-4603-A589-7422A47A8E4A}"/>
+    </a:ext>
+  </a:extLst>
+</a:theme>
 </file>
--- a/material/presentation.pptx
+++ b/material/presentation.pptx
@@ -5,7 +5,7 @@
     <p:sldMasterId id="2147483648" r:id="rId1"/>
   </p:sldMasterIdLst>
   <p:notesMasterIdLst>
-    <p:notesMasterId r:id="rId15"/>
+    <p:notesMasterId r:id="rId16"/>
   </p:notesMasterIdLst>
   <p:sldIdLst>
     <p:sldId id="256" r:id="rId2"/>
@@ -21,6 +21,7 @@
     <p:sldId id="266" r:id="rId12"/>
     <p:sldId id="267" r:id="rId13"/>
     <p:sldId id="268" r:id="rId14"/>
+    <p:sldId id="269" r:id="rId15"/>
   </p:sldIdLst>
   <p:sldSz cx="12192000" cy="6858000"/>
   <p:notesSz cx="6858000" cy="9144000"/>
@@ -209,7 +210,7 @@
           <a:p>
             <a:fld id="{91BD9AAB-B54E-43B8-952F-A0B500B52F4E}" type="datetimeFigureOut">
               <a:rPr lang="zh-CN" altLang="en-US" smtClean="0"/>
-              <a:t>2020/6/12</a:t>
+              <a:t>2020/6/14</a:t>
             </a:fld>
             <a:endParaRPr lang="zh-CN" altLang="en-US"/>
           </a:p>
@@ -541,6 +542,90 @@
           <a:p>
             <a:fld id="{2B85536C-E919-49D1-BEBD-2162356A10D1}" type="slidenum">
               <a:rPr lang="zh-CN" altLang="en-US" smtClean="0"/>
+              <a:t>5</a:t>
+            </a:fld>
+            <a:endParaRPr lang="zh-CN" altLang="en-US"/>
+          </a:p>
+        </p:txBody>
+      </p:sp>
+    </p:spTree>
+    <p:extLst>
+      <p:ext uri="{BB962C8B-B14F-4D97-AF65-F5344CB8AC3E}">
+        <p14:creationId xmlns:p14="http://schemas.microsoft.com/office/powerpoint/2010/main" val="2570078785"/>
+      </p:ext>
+    </p:extLst>
+  </p:cSld>
+  <p:clrMapOvr>
+    <a:masterClrMapping/>
+  </p:clrMapOvr>
+</p:notes>
+</file>
+
+<file path=ppt/notesSlides/notesSlide2.xml><?xml version="1.0" encoding="utf-8"?>
+<p:notes xmlns:a="http://schemas.openxmlformats.org/drawingml/2006/main" xmlns:r="http://schemas.openxmlformats.org/officeDocument/2006/relationships" xmlns:p="http://schemas.openxmlformats.org/presentationml/2006/main">
+  <p:cSld>
+    <p:spTree>
+      <p:nvGrpSpPr>
+        <p:cNvPr id="1" name=""/>
+        <p:cNvGrpSpPr/>
+        <p:nvPr/>
+      </p:nvGrpSpPr>
+      <p:grpSpPr>
+        <a:xfrm>
+          <a:off x="0" y="0"/>
+          <a:ext cx="0" cy="0"/>
+          <a:chOff x="0" y="0"/>
+          <a:chExt cx="0" cy="0"/>
+        </a:xfrm>
+      </p:grpSpPr>
+      <p:sp>
+        <p:nvSpPr>
+          <p:cNvPr id="2" name="幻灯片图像占位符 1"/>
+          <p:cNvSpPr>
+            <a:spLocks noGrp="1" noRot="1" noChangeAspect="1"/>
+          </p:cNvSpPr>
+          <p:nvPr>
+            <p:ph type="sldImg"/>
+          </p:nvPr>
+        </p:nvSpPr>
+        <p:spPr/>
+      </p:sp>
+      <p:sp>
+        <p:nvSpPr>
+          <p:cNvPr id="3" name="备注占位符 2"/>
+          <p:cNvSpPr>
+            <a:spLocks noGrp="1"/>
+          </p:cNvSpPr>
+          <p:nvPr>
+            <p:ph type="body" idx="1"/>
+          </p:nvPr>
+        </p:nvSpPr>
+        <p:spPr/>
+        <p:txBody>
+          <a:bodyPr/>
+          <a:lstStyle/>
+          <a:p>
+            <a:endParaRPr lang="zh-CN" altLang="en-US" dirty="0"/>
+          </a:p>
+        </p:txBody>
+      </p:sp>
+      <p:sp>
+        <p:nvSpPr>
+          <p:cNvPr id="4" name="灯片编号占位符 3"/>
+          <p:cNvSpPr>
+            <a:spLocks noGrp="1"/>
+          </p:cNvSpPr>
+          <p:nvPr>
+            <p:ph type="sldNum" sz="quarter" idx="5"/>
+          </p:nvPr>
+        </p:nvSpPr>
+        <p:spPr/>
+        <p:txBody>
+          <a:bodyPr/>
+          <a:lstStyle/>
+          <a:p>
+            <a:fld id="{2B85536C-E919-49D1-BEBD-2162356A10D1}" type="slidenum">
+              <a:rPr lang="zh-CN" altLang="en-US" smtClean="0"/>
               <a:t>13</a:t>
             </a:fld>
             <a:endParaRPr lang="zh-CN" altLang="en-US"/>
@@ -551,6 +636,90 @@
     <p:extLst>
       <p:ext uri="{BB962C8B-B14F-4D97-AF65-F5344CB8AC3E}">
         <p14:creationId xmlns:p14="http://schemas.microsoft.com/office/powerpoint/2010/main" val="3128797241"/>
+      </p:ext>
+    </p:extLst>
+  </p:cSld>
+  <p:clrMapOvr>
+    <a:masterClrMapping/>
+  </p:clrMapOvr>
+</p:notes>
+</file>
+
+<file path=ppt/notesSlides/notesSlide3.xml><?xml version="1.0" encoding="utf-8"?>
+<p:notes xmlns:a="http://schemas.openxmlformats.org/drawingml/2006/main" xmlns:r="http://schemas.openxmlformats.org/officeDocument/2006/relationships" xmlns:p="http://schemas.openxmlformats.org/presentationml/2006/main">
+  <p:cSld>
+    <p:spTree>
+      <p:nvGrpSpPr>
+        <p:cNvPr id="1" name=""/>
+        <p:cNvGrpSpPr/>
+        <p:nvPr/>
+      </p:nvGrpSpPr>
+      <p:grpSpPr>
+        <a:xfrm>
+          <a:off x="0" y="0"/>
+          <a:ext cx="0" cy="0"/>
+          <a:chOff x="0" y="0"/>
+          <a:chExt cx="0" cy="0"/>
+        </a:xfrm>
+      </p:grpSpPr>
+      <p:sp>
+        <p:nvSpPr>
+          <p:cNvPr id="2" name="幻灯片图像占位符 1"/>
+          <p:cNvSpPr>
+            <a:spLocks noGrp="1" noRot="1" noChangeAspect="1"/>
+          </p:cNvSpPr>
+          <p:nvPr>
+            <p:ph type="sldImg"/>
+          </p:nvPr>
+        </p:nvSpPr>
+        <p:spPr/>
+      </p:sp>
+      <p:sp>
+        <p:nvSpPr>
+          <p:cNvPr id="3" name="备注占位符 2"/>
+          <p:cNvSpPr>
+            <a:spLocks noGrp="1"/>
+          </p:cNvSpPr>
+          <p:nvPr>
+            <p:ph type="body" idx="1"/>
+          </p:nvPr>
+        </p:nvSpPr>
+        <p:spPr/>
+        <p:txBody>
+          <a:bodyPr/>
+          <a:lstStyle/>
+          <a:p>
+            <a:endParaRPr lang="zh-CN" altLang="en-US" dirty="0"/>
+          </a:p>
+        </p:txBody>
+      </p:sp>
+      <p:sp>
+        <p:nvSpPr>
+          <p:cNvPr id="4" name="灯片编号占位符 3"/>
+          <p:cNvSpPr>
+            <a:spLocks noGrp="1"/>
+          </p:cNvSpPr>
+          <p:nvPr>
+            <p:ph type="sldNum" sz="quarter" idx="5"/>
+          </p:nvPr>
+        </p:nvSpPr>
+        <p:spPr/>
+        <p:txBody>
+          <a:bodyPr/>
+          <a:lstStyle/>
+          <a:p>
+            <a:fld id="{2B85536C-E919-49D1-BEBD-2162356A10D1}" type="slidenum">
+              <a:rPr lang="zh-CN" altLang="en-US" smtClean="0"/>
+              <a:t>14</a:t>
+            </a:fld>
+            <a:endParaRPr lang="zh-CN" altLang="en-US"/>
+          </a:p>
+        </p:txBody>
+      </p:sp>
+    </p:spTree>
+    <p:extLst>
+      <p:ext uri="{BB962C8B-B14F-4D97-AF65-F5344CB8AC3E}">
+        <p14:creationId xmlns:p14="http://schemas.microsoft.com/office/powerpoint/2010/main" val="526091975"/>
       </p:ext>
     </p:extLst>
   </p:cSld>
@@ -707,7 +876,7 @@
           <a:p>
             <a:fld id="{F40C1254-F1AA-428B-92C5-B10CE42ED55A}" type="datetimeFigureOut">
               <a:rPr lang="zh-CN" altLang="en-US" smtClean="0"/>
-              <a:t>2020/6/12</a:t>
+              <a:t>2020/6/14</a:t>
             </a:fld>
             <a:endParaRPr lang="zh-CN" altLang="en-US"/>
           </a:p>
@@ -905,7 +1074,7 @@
           <a:p>
             <a:fld id="{F40C1254-F1AA-428B-92C5-B10CE42ED55A}" type="datetimeFigureOut">
               <a:rPr lang="zh-CN" altLang="en-US" smtClean="0"/>
-              <a:t>2020/6/12</a:t>
+              <a:t>2020/6/14</a:t>
             </a:fld>
             <a:endParaRPr lang="zh-CN" altLang="en-US"/>
           </a:p>
@@ -1113,7 +1282,7 @@
           <a:p>
             <a:fld id="{F40C1254-F1AA-428B-92C5-B10CE42ED55A}" type="datetimeFigureOut">
               <a:rPr lang="zh-CN" altLang="en-US" smtClean="0"/>
-              <a:t>2020/6/12</a:t>
+              <a:t>2020/6/14</a:t>
             </a:fld>
             <a:endParaRPr lang="zh-CN" altLang="en-US"/>
           </a:p>
@@ -1311,7 +1480,7 @@
           <a:p>
             <a:fld id="{F40C1254-F1AA-428B-92C5-B10CE42ED55A}" type="datetimeFigureOut">
               <a:rPr lang="zh-CN" altLang="en-US" smtClean="0"/>
-              <a:t>2020/6/12</a:t>
+              <a:t>2020/6/14</a:t>
             </a:fld>
             <a:endParaRPr lang="zh-CN" altLang="en-US"/>
           </a:p>
@@ -1586,7 +1755,7 @@
           <a:p>
             <a:fld id="{F40C1254-F1AA-428B-92C5-B10CE42ED55A}" type="datetimeFigureOut">
               <a:rPr lang="zh-CN" altLang="en-US" smtClean="0"/>
-              <a:t>2020/6/12</a:t>
+              <a:t>2020/6/14</a:t>
             </a:fld>
             <a:endParaRPr lang="zh-CN" altLang="en-US"/>
           </a:p>
@@ -1851,7 +2020,7 @@
           <a:p>
             <a:fld id="{F40C1254-F1AA-428B-92C5-B10CE42ED55A}" type="datetimeFigureOut">
               <a:rPr lang="zh-CN" altLang="en-US" smtClean="0"/>
-              <a:t>2020/6/12</a:t>
+              <a:t>2020/6/14</a:t>
             </a:fld>
             <a:endParaRPr lang="zh-CN" altLang="en-US"/>
           </a:p>
@@ -2263,7 +2432,7 @@
           <a:p>
             <a:fld id="{F40C1254-F1AA-428B-92C5-B10CE42ED55A}" type="datetimeFigureOut">
               <a:rPr lang="zh-CN" altLang="en-US" smtClean="0"/>
-              <a:t>2020/6/12</a:t>
+              <a:t>2020/6/14</a:t>
             </a:fld>
             <a:endParaRPr lang="zh-CN" altLang="en-US"/>
           </a:p>
@@ -2404,7 +2573,7 @@
           <a:p>
             <a:fld id="{F40C1254-F1AA-428B-92C5-B10CE42ED55A}" type="datetimeFigureOut">
               <a:rPr lang="zh-CN" altLang="en-US" smtClean="0"/>
-              <a:t>2020/6/12</a:t>
+              <a:t>2020/6/14</a:t>
             </a:fld>
             <a:endParaRPr lang="zh-CN" altLang="en-US"/>
           </a:p>
@@ -2517,7 +2686,7 @@
           <a:p>
             <a:fld id="{F40C1254-F1AA-428B-92C5-B10CE42ED55A}" type="datetimeFigureOut">
               <a:rPr lang="zh-CN" altLang="en-US" smtClean="0"/>
-              <a:t>2020/6/12</a:t>
+              <a:t>2020/6/14</a:t>
             </a:fld>
             <a:endParaRPr lang="zh-CN" altLang="en-US"/>
           </a:p>
@@ -2828,7 +2997,7 @@
           <a:p>
             <a:fld id="{F40C1254-F1AA-428B-92C5-B10CE42ED55A}" type="datetimeFigureOut">
               <a:rPr lang="zh-CN" altLang="en-US" smtClean="0"/>
-              <a:t>2020/6/12</a:t>
+              <a:t>2020/6/14</a:t>
             </a:fld>
             <a:endParaRPr lang="zh-CN" altLang="en-US"/>
           </a:p>
@@ -3116,7 +3285,7 @@
           <a:p>
             <a:fld id="{F40C1254-F1AA-428B-92C5-B10CE42ED55A}" type="datetimeFigureOut">
               <a:rPr lang="zh-CN" altLang="en-US" smtClean="0"/>
-              <a:t>2020/6/12</a:t>
+              <a:t>2020/6/14</a:t>
             </a:fld>
             <a:endParaRPr lang="zh-CN" altLang="en-US"/>
           </a:p>
@@ -3357,7 +3526,7 @@
           <a:p>
             <a:fld id="{F40C1254-F1AA-428B-92C5-B10CE42ED55A}" type="datetimeFigureOut">
               <a:rPr lang="zh-CN" altLang="en-US" smtClean="0"/>
-              <a:t>2020/6/12</a:t>
+              <a:t>2020/6/14</a:t>
             </a:fld>
             <a:endParaRPr lang="zh-CN" altLang="en-US"/>
           </a:p>
@@ -5616,7 +5785,7 @@
         </p:nvSpPr>
         <p:spPr>
           <a:xfrm>
-            <a:off x="992221" y="1258242"/>
+            <a:off x="983343" y="1258242"/>
             <a:ext cx="10428051" cy="3370666"/>
           </a:xfrm>
           <a:prstGeom prst="rect">
@@ -5640,7 +5809,7 @@
                 <a:latin typeface="Arial" panose="020B0604020202020204" pitchFamily="34" charset="0"/>
                 <a:cs typeface="Arial" panose="020B0604020202020204" pitchFamily="34" charset="0"/>
               </a:rPr>
-              <a:t>        Motion forecasting is a very important task in self-driving domain. Because, the autonomous vehicle have to share roads with human drivers who are really stochastic. The main aim of motion forecasting is to avoid the autonomous vehicle crashing with other vehicles. But the main problem of motion forecasting is that there is not a unified representation which can model the road context and other vehicle motions. Before VectorNet, researchers try to rasterize this information because they really want to use ConvNet to encode them. But VectorNet, I think, is really innovative and efficient. VectorNet is more straightforward to utilize the structed HD map. However, VectorNet also has problem. It may be too idealistic. Because the structed HD map may be</a:t>
+              <a:t>        Motion forecasting is a very important task in self-driving domain. Because, the autonomous vehicle have to share roads with human drivers who are really stochastic. The main aim of motion forecasting is to avoid the autonomous vehicle crashing with other objects. But the main problem of motion forecasting is that there is not an unified representation which can model the road context and other vehicle motions. Before VectorNet, researchers try to rasterize this information because they really want to use ConvNet to encode them. But VectorNet, I think, is really innovative and efficient. VectorNet is more straightforward to utilize the structed HD map. However, VectorNet also has problem. It may be too idealistic. Because the structed HD map may be</a:t>
             </a:r>
             <a:r>
               <a:rPr lang="zh-CN" altLang="en-US" sz="1600" dirty="0">
@@ -5654,21 +5823,7 @@
                 <a:latin typeface="Arial" panose="020B0604020202020204" pitchFamily="34" charset="0"/>
                 <a:cs typeface="Arial" panose="020B0604020202020204" pitchFamily="34" charset="0"/>
               </a:rPr>
-              <a:t>difficult to get in real-time. Besides, the observed trajectory of agent is also difficult to acquire in real-time. </a:t>
-            </a:r>
-            <a:r>
-              <a:rPr lang="en-US" altLang="zh-CN" sz="1600">
-                <a:latin typeface="Arial" panose="020B0604020202020204" pitchFamily="34" charset="0"/>
-                <a:cs typeface="Arial" panose="020B0604020202020204" pitchFamily="34" charset="0"/>
-              </a:rPr>
-              <a:t>So there </a:t>
-            </a:r>
-            <a:r>
-              <a:rPr lang="en-US" altLang="zh-CN" sz="1600" dirty="0">
-                <a:latin typeface="Arial" panose="020B0604020202020204" pitchFamily="34" charset="0"/>
-                <a:cs typeface="Arial" panose="020B0604020202020204" pitchFamily="34" charset="0"/>
-              </a:rPr>
-              <a:t>is still a gap to let VectorNet equipped in the autonomous vehicle.</a:t>
+              <a:t>difficult to get in real-time. Besides, the observed trajectory of agent is also difficult to acquire in real-time. So there is still a gap to let VectorNet equipped in the autonomous vehicle.</a:t>
             </a:r>
           </a:p>
         </p:txBody>
@@ -5686,7 +5841,7 @@
 </p:sld>
 </file>
 
-<file path=ppt/slides/slide2.xml><?xml version="1.0" encoding="utf-8"?>
+<file path=ppt/slides/slide14.xml><?xml version="1.0" encoding="utf-8"?>
 <p:sld xmlns:a="http://schemas.openxmlformats.org/drawingml/2006/main" xmlns:r="http://schemas.openxmlformats.org/officeDocument/2006/relationships" xmlns:p="http://schemas.openxmlformats.org/presentationml/2006/main">
   <p:cSld>
     <p:spTree>
@@ -5804,10 +5959,10 @@
       </p:cxnSp>
       <p:sp>
         <p:nvSpPr>
-          <p:cNvPr id="7" name="文本框 6">
-            <a:extLst>
-              <a:ext uri="{FF2B5EF4-FFF2-40B4-BE49-F238E27FC236}">
-                <a16:creationId xmlns:a16="http://schemas.microsoft.com/office/drawing/2014/main" id="{FB657D43-34B0-4FC8-BE54-3C2BA4DDB72B}"/>
+          <p:cNvPr id="2" name="文本框 1">
+            <a:extLst>
+              <a:ext uri="{FF2B5EF4-FFF2-40B4-BE49-F238E27FC236}">
+                <a16:creationId xmlns:a16="http://schemas.microsoft.com/office/drawing/2014/main" id="{35C27D32-E1E7-4C19-AC3C-109A8636EA42}"/>
               </a:ext>
             </a:extLst>
           </p:cNvPr>
@@ -5816,8 +5971,8 @@
         </p:nvSpPr>
         <p:spPr>
           <a:xfrm>
-            <a:off x="992221" y="669303"/>
-            <a:ext cx="1014060" cy="369332"/>
+            <a:off x="3331460" y="3013501"/>
+            <a:ext cx="5529078" cy="830997"/>
           </a:xfrm>
           <a:prstGeom prst="rect">
             <a:avLst/>
@@ -5831,127 +5986,23 @@
           <a:lstStyle/>
           <a:p>
             <a:r>
-              <a:rPr lang="en-US" altLang="zh-CN" b="1" dirty="0">
-                <a:latin typeface="Arial" panose="020B0604020202020204" pitchFamily="34" charset="0"/>
-                <a:cs typeface="Arial" panose="020B0604020202020204" pitchFamily="34" charset="0"/>
-              </a:rPr>
-              <a:t>Awards</a:t>
-            </a:r>
-            <a:endParaRPr lang="zh-CN" altLang="en-US" b="1" dirty="0">
+              <a:rPr lang="en-US" altLang="zh-CN" sz="4800" dirty="0">
+                <a:latin typeface="Arial" panose="020B0604020202020204" pitchFamily="34" charset="0"/>
+                <a:cs typeface="Arial" panose="020B0604020202020204" pitchFamily="34" charset="0"/>
+              </a:rPr>
+              <a:t>Thanks for listening</a:t>
+            </a:r>
+            <a:endParaRPr lang="zh-CN" altLang="en-US" sz="4800" dirty="0">
               <a:latin typeface="Arial" panose="020B0604020202020204" pitchFamily="34" charset="0"/>
               <a:cs typeface="Arial" panose="020B0604020202020204" pitchFamily="34" charset="0"/>
             </a:endParaRPr>
           </a:p>
         </p:txBody>
       </p:sp>
-      <p:sp>
-        <p:nvSpPr>
-          <p:cNvPr id="9" name="文本框 8">
-            <a:extLst>
-              <a:ext uri="{FF2B5EF4-FFF2-40B4-BE49-F238E27FC236}">
-                <a16:creationId xmlns:a16="http://schemas.microsoft.com/office/drawing/2014/main" id="{B829983B-D66B-4BAE-95AE-CD2D4EA6EF57}"/>
-              </a:ext>
-            </a:extLst>
-          </p:cNvPr>
-          <p:cNvSpPr txBox="1"/>
-          <p:nvPr/>
-        </p:nvSpPr>
-        <p:spPr>
-          <a:xfrm>
-            <a:off x="992221" y="1258242"/>
-            <a:ext cx="10798790" cy="2970557"/>
-          </a:xfrm>
-          <a:prstGeom prst="rect">
-            <a:avLst/>
-          </a:prstGeom>
-          <a:noFill/>
-        </p:spPr>
-        <p:txBody>
-          <a:bodyPr wrap="square" rtlCol="0">
-            <a:spAutoFit/>
-          </a:bodyPr>
-          <a:lstStyle/>
-          <a:p>
-            <a:pPr marL="342900" indent="-342900" algn="just">
-              <a:lnSpc>
-                <a:spcPct val="200000"/>
-              </a:lnSpc>
-              <a:buAutoNum type="arabicPeriod"/>
-            </a:pPr>
-            <a:r>
-              <a:rPr lang="en-US" altLang="zh-CN" sz="1600" dirty="0">
-                <a:latin typeface="Arial" panose="020B0604020202020204" pitchFamily="34" charset="0"/>
-                <a:cs typeface="Arial" panose="020B0604020202020204" pitchFamily="34" charset="0"/>
-              </a:rPr>
-              <a:t>National Scholarship (2017 ~ 2018) [Intellectual education: 1st, Comprehensive assessment: 1st]</a:t>
-            </a:r>
-          </a:p>
-          <a:p>
-            <a:pPr marL="342900" indent="-342900" algn="just">
-              <a:lnSpc>
-                <a:spcPct val="200000"/>
-              </a:lnSpc>
-              <a:buAutoNum type="arabicPeriod"/>
-            </a:pPr>
-            <a:r>
-              <a:rPr lang="en-US" altLang="zh-CN" sz="1600" dirty="0">
-                <a:latin typeface="Arial" panose="020B0604020202020204" pitchFamily="34" charset="0"/>
-                <a:cs typeface="Arial" panose="020B0604020202020204" pitchFamily="34" charset="0"/>
-              </a:rPr>
-              <a:t>The Second Prize Scholarship (2018 ~ 2019) [Intellectual education: 1st, Comprehensive assessment: 3st]</a:t>
-            </a:r>
-          </a:p>
-          <a:p>
-            <a:pPr marL="342900" indent="-342900" algn="just">
-              <a:lnSpc>
-                <a:spcPct val="200000"/>
-              </a:lnSpc>
-              <a:buAutoNum type="arabicPeriod"/>
-            </a:pPr>
-            <a:r>
-              <a:rPr lang="en-US" altLang="zh-CN" sz="1600" dirty="0">
-                <a:latin typeface="Arial" panose="020B0604020202020204" pitchFamily="34" charset="0"/>
-                <a:cs typeface="Arial" panose="020B0604020202020204" pitchFamily="34" charset="0"/>
-              </a:rPr>
-              <a:t>Cstro 16th Conference -- AI and Big Data Part -- ROI Segmentation Challenge -- Head and Neck OAR track -- Champion</a:t>
-            </a:r>
-          </a:p>
-          <a:p>
-            <a:pPr marL="342900" indent="-342900" algn="just">
-              <a:lnSpc>
-                <a:spcPct val="200000"/>
-              </a:lnSpc>
-              <a:buAutoNum type="arabicPeriod"/>
-            </a:pPr>
-            <a:r>
-              <a:rPr lang="en-US" altLang="zh-CN" sz="1600" dirty="0">
-                <a:latin typeface="Arial" panose="020B0604020202020204" pitchFamily="34" charset="0"/>
-                <a:cs typeface="Arial" panose="020B0604020202020204" pitchFamily="34" charset="0"/>
-              </a:rPr>
-              <a:t>National College Students Mathematical Modeling Competition Provincial Third Prize</a:t>
-            </a:r>
-          </a:p>
-          <a:p>
-            <a:pPr marL="342900" indent="-342900" algn="just">
-              <a:lnSpc>
-                <a:spcPct val="200000"/>
-              </a:lnSpc>
-              <a:buAutoNum type="arabicPeriod"/>
-            </a:pPr>
-            <a:r>
-              <a:rPr lang="en-US" altLang="zh-CN" sz="1600" dirty="0">
-                <a:latin typeface="Arial" panose="020B0604020202020204" pitchFamily="34" charset="0"/>
-                <a:cs typeface="Arial" panose="020B0604020202020204" pitchFamily="34" charset="0"/>
-              </a:rPr>
-              <a:t>Taidi Cup 8th Data Mining Challenge Second Prize</a:t>
-            </a:r>
-          </a:p>
-        </p:txBody>
-      </p:sp>
     </p:spTree>
     <p:extLst>
       <p:ext uri="{BB962C8B-B14F-4D97-AF65-F5344CB8AC3E}">
-        <p14:creationId xmlns:p14="http://schemas.microsoft.com/office/powerpoint/2010/main" val="787618689"/>
+        <p14:creationId xmlns:p14="http://schemas.microsoft.com/office/powerpoint/2010/main" val="749954410"/>
       </p:ext>
     </p:extLst>
   </p:cSld>
@@ -5961,7 +6012,7 @@
 </p:sld>
 </file>
 
-<file path=ppt/slides/slide3.xml><?xml version="1.0" encoding="utf-8"?>
+<file path=ppt/slides/slide2.xml><?xml version="1.0" encoding="utf-8"?>
 <p:sld xmlns:a="http://schemas.openxmlformats.org/drawingml/2006/main" xmlns:r="http://schemas.openxmlformats.org/officeDocument/2006/relationships" xmlns:p="http://schemas.openxmlformats.org/presentationml/2006/main">
   <p:cSld>
     <p:spTree>
@@ -6092,7 +6143,7 @@
         <p:spPr>
           <a:xfrm>
             <a:off x="992221" y="669303"/>
-            <a:ext cx="2646878" cy="369332"/>
+            <a:ext cx="1014060" cy="369332"/>
           </a:xfrm>
           <a:prstGeom prst="rect">
             <a:avLst/>
@@ -6110,7 +6161,7 @@
                 <a:latin typeface="Arial" panose="020B0604020202020204" pitchFamily="34" charset="0"/>
                 <a:cs typeface="Arial" panose="020B0604020202020204" pitchFamily="34" charset="0"/>
               </a:rPr>
-              <a:t>Research Experiences</a:t>
+              <a:t>Awards</a:t>
             </a:r>
             <a:endParaRPr lang="zh-CN" altLang="en-US" b="1" dirty="0">
               <a:latin typeface="Arial" panose="020B0604020202020204" pitchFamily="34" charset="0"/>
@@ -6134,7 +6185,7 @@
         <p:spPr>
           <a:xfrm>
             <a:off x="992221" y="1258242"/>
-            <a:ext cx="10798790" cy="4968027"/>
+            <a:ext cx="10798790" cy="2970557"/>
           </a:xfrm>
           <a:prstGeom prst="rect">
             <a:avLst/>
@@ -6158,7 +6209,7 @@
                 <a:latin typeface="Arial" panose="020B0604020202020204" pitchFamily="34" charset="0"/>
                 <a:cs typeface="Arial" panose="020B0604020202020204" pitchFamily="34" charset="0"/>
               </a:rPr>
-              <a:t>Multi-media Emotion Analysis (SRP project From 2019.6 to 2020.4)</a:t>
+              <a:t>National Scholarship (2017 ~ 2018) [Intellectual education: 1st, Comprehensive assessment: 1st]</a:t>
             </a:r>
           </a:p>
           <a:p>
@@ -6173,7 +6224,7 @@
                 <a:latin typeface="Arial" panose="020B0604020202020204" pitchFamily="34" charset="0"/>
                 <a:cs typeface="Arial" panose="020B0604020202020204" pitchFamily="34" charset="0"/>
               </a:rPr>
-              <a:t>Sun Yat-sen University Cancer Center Research Assistant (From 2019.8 to now)</a:t>
+              <a:t>The Second Prize Scholarship (2018 ~ 2019) [Intellectual education: 1st, Comprehensive assessment: 3st]</a:t>
             </a:r>
           </a:p>
           <a:p>
@@ -6188,84 +6239,37 @@
                 <a:latin typeface="Arial" panose="020B0604020202020204" pitchFamily="34" charset="0"/>
                 <a:cs typeface="Arial" panose="020B0604020202020204" pitchFamily="34" charset="0"/>
               </a:rPr>
-              <a:t>SCUT-Robot lab Member of vision group (From 2019.9 to now) </a:t>
+              <a:t>Cstro 16th Conference -- AI and Big Data Part -- ROI Segmentation Challenge -- Head and Neck OAR track -- Champion</a:t>
             </a:r>
           </a:p>
           <a:p>
             <a:pPr marL="342900" indent="-342900" algn="just">
               <a:lnSpc>
-                <a:spcPct val="150000"/>
+                <a:spcPct val="200000"/>
               </a:lnSpc>
               <a:buAutoNum type="arabicPeriod"/>
             </a:pPr>
-            <a:endParaRPr lang="en-US" altLang="zh-CN" dirty="0">
-              <a:latin typeface="Arial" panose="020B0604020202020204" pitchFamily="34" charset="0"/>
-              <a:cs typeface="Arial" panose="020B0604020202020204" pitchFamily="34" charset="0"/>
-            </a:endParaRPr>
-          </a:p>
-          <a:p>
-            <a:pPr algn="just">
+            <a:r>
+              <a:rPr lang="en-US" altLang="zh-CN" sz="1600" dirty="0">
+                <a:latin typeface="Arial" panose="020B0604020202020204" pitchFamily="34" charset="0"/>
+                <a:cs typeface="Arial" panose="020B0604020202020204" pitchFamily="34" charset="0"/>
+              </a:rPr>
+              <a:t>National College Students Mathematical Modeling Competition Provincial Third Prize</a:t>
+            </a:r>
+          </a:p>
+          <a:p>
+            <a:pPr marL="342900" indent="-342900" algn="just">
               <a:lnSpc>
-                <a:spcPct val="150000"/>
+                <a:spcPct val="200000"/>
               </a:lnSpc>
+              <a:buAutoNum type="arabicPeriod"/>
             </a:pPr>
             <a:r>
-              <a:rPr lang="en-US" altLang="zh-CN" dirty="0">
-                <a:latin typeface="Arial" panose="020B0604020202020204" pitchFamily="34" charset="0"/>
-                <a:cs typeface="Arial" panose="020B0604020202020204" pitchFamily="34" charset="0"/>
-              </a:rPr>
-              <a:t>Detailed:</a:t>
-            </a:r>
-          </a:p>
-          <a:p>
-            <a:pPr algn="just">
-              <a:lnSpc>
-                <a:spcPct val="120000"/>
-              </a:lnSpc>
-              <a:spcAft>
-                <a:spcPts val="600"/>
-              </a:spcAft>
-            </a:pPr>
-            <a:r>
               <a:rPr lang="en-US" altLang="zh-CN" sz="1600" dirty="0">
                 <a:latin typeface="Arial" panose="020B0604020202020204" pitchFamily="34" charset="0"/>
                 <a:cs typeface="Arial" panose="020B0604020202020204" pitchFamily="34" charset="0"/>
               </a:rPr>
-              <a:t>1. In this project, I’m mainly in charge of implementation. We try to use neural network to extract the emotion feature representation from Multi-media data like image, video etc. Then we use regression and classification model to model the emotion state.</a:t>
-            </a:r>
-          </a:p>
-          <a:p>
-            <a:pPr algn="just">
-              <a:lnSpc>
-                <a:spcPct val="120000"/>
-              </a:lnSpc>
-              <a:spcAft>
-                <a:spcPts val="600"/>
-              </a:spcAft>
-            </a:pPr>
-            <a:r>
-              <a:rPr lang="en-US" altLang="zh-CN" sz="1600" dirty="0">
-                <a:latin typeface="Arial" panose="020B0604020202020204" pitchFamily="34" charset="0"/>
-                <a:cs typeface="Arial" panose="020B0604020202020204" pitchFamily="34" charset="0"/>
-              </a:rPr>
-              <a:t>2. I’m the research assistant of MIACA research group Sun Yat-sen University Cancer Center. I focus on medical image segmentation especially multi-modality medical image segmentation. Besides, I am also interested in medical image registration and medical image generation.</a:t>
-            </a:r>
-          </a:p>
-          <a:p>
-            <a:pPr algn="just">
-              <a:lnSpc>
-                <a:spcPct val="120000"/>
-              </a:lnSpc>
-              <a:spcAft>
-                <a:spcPts val="600"/>
-              </a:spcAft>
-            </a:pPr>
-            <a:r>
-              <a:rPr lang="en-US" altLang="zh-CN" sz="1600" dirty="0">
-                <a:latin typeface="Arial" panose="020B0604020202020204" pitchFamily="34" charset="0"/>
-                <a:cs typeface="Arial" panose="020B0604020202020204" pitchFamily="34" charset="0"/>
-              </a:rPr>
-              <a:t>3. I’m a member of Vision Group. I’m mainly in charge of base station. Base station can use object detection, object track and motion forecasting to strategy calculation so that it can provide some strategy support for other robots.</a:t>
+              <a:t>Taidi Cup 8th Data Mining Challenge Second Prize</a:t>
             </a:r>
           </a:p>
         </p:txBody>
@@ -6273,7 +6277,7 @@
     </p:spTree>
     <p:extLst>
       <p:ext uri="{BB962C8B-B14F-4D97-AF65-F5344CB8AC3E}">
-        <p14:creationId xmlns:p14="http://schemas.microsoft.com/office/powerpoint/2010/main" val="2830355095"/>
+        <p14:creationId xmlns:p14="http://schemas.microsoft.com/office/powerpoint/2010/main" val="787618689"/>
       </p:ext>
     </p:extLst>
   </p:cSld>
@@ -6283,7 +6287,7 @@
 </p:sld>
 </file>
 
-<file path=ppt/slides/slide4.xml><?xml version="1.0" encoding="utf-8"?>
+<file path=ppt/slides/slide3.xml><?xml version="1.0" encoding="utf-8"?>
 <p:sld xmlns:a="http://schemas.openxmlformats.org/drawingml/2006/main" xmlns:r="http://schemas.openxmlformats.org/officeDocument/2006/relationships" xmlns:p="http://schemas.openxmlformats.org/presentationml/2006/main">
   <p:cSld>
     <p:spTree>
@@ -6414,7 +6418,7 @@
         <p:spPr>
           <a:xfrm>
             <a:off x="992221" y="669303"/>
-            <a:ext cx="1556836" cy="369332"/>
+            <a:ext cx="2646878" cy="369332"/>
           </a:xfrm>
           <a:prstGeom prst="rect">
             <a:avLst/>
@@ -6432,7 +6436,7 @@
                 <a:latin typeface="Arial" panose="020B0604020202020204" pitchFamily="34" charset="0"/>
                 <a:cs typeface="Arial" panose="020B0604020202020204" pitchFamily="34" charset="0"/>
               </a:rPr>
-              <a:t>Publications</a:t>
+              <a:t>Research Experiences</a:t>
             </a:r>
             <a:endParaRPr lang="zh-CN" altLang="en-US" b="1" dirty="0">
               <a:latin typeface="Arial" panose="020B0604020202020204" pitchFamily="34" charset="0"/>
@@ -6456,7 +6460,7 @@
         <p:spPr>
           <a:xfrm>
             <a:off x="992221" y="1258242"/>
-            <a:ext cx="10798790" cy="4940327"/>
+            <a:ext cx="10798790" cy="4968027"/>
           </a:xfrm>
           <a:prstGeom prst="rect">
             <a:avLst/>
@@ -6469,306 +6473,139 @@
           </a:bodyPr>
           <a:lstStyle/>
           <a:p>
-            <a:pPr>
+            <a:pPr marL="342900" indent="-342900" algn="just">
               <a:lnSpc>
                 <a:spcPct val="200000"/>
               </a:lnSpc>
+              <a:buAutoNum type="arabicPeriod"/>
             </a:pPr>
             <a:r>
               <a:rPr lang="en-US" altLang="zh-CN" sz="1600" dirty="0">
                 <a:latin typeface="Arial" panose="020B0604020202020204" pitchFamily="34" charset="0"/>
                 <a:cs typeface="Arial" panose="020B0604020202020204" pitchFamily="34" charset="0"/>
               </a:rPr>
-              <a:t>《</a:t>
-            </a:r>
-            <a:r>
-              <a:rPr lang="zh-CN" altLang="en-US" sz="1600" dirty="0">
-                <a:latin typeface="Arial" panose="020B0604020202020204" pitchFamily="34" charset="0"/>
-                <a:cs typeface="Arial" panose="020B0604020202020204" pitchFamily="34" charset="0"/>
-              </a:rPr>
-              <a:t>基于深度学习的医学图像配准综述</a:t>
-            </a:r>
-            <a:r>
-              <a:rPr lang="en-US" altLang="zh-CN" sz="1600" dirty="0">
-                <a:latin typeface="Arial" panose="020B0604020202020204" pitchFamily="34" charset="0"/>
-                <a:cs typeface="Arial" panose="020B0604020202020204" pitchFamily="34" charset="0"/>
-              </a:rPr>
-              <a:t>》 </a:t>
-            </a:r>
-          </a:p>
-          <a:p>
-            <a:pPr>
+              <a:t>Multi-media Emotion Analysis (SRP project From 2019.6 to 2020.4)</a:t>
+            </a:r>
+          </a:p>
+          <a:p>
+            <a:pPr marL="342900" indent="-342900" algn="just">
               <a:lnSpc>
                 <a:spcPct val="200000"/>
               </a:lnSpc>
+              <a:buAutoNum type="arabicPeriod"/>
             </a:pPr>
             <a:r>
               <a:rPr lang="en-US" altLang="zh-CN" sz="1600" dirty="0">
                 <a:latin typeface="Arial" panose="020B0604020202020204" pitchFamily="34" charset="0"/>
                 <a:cs typeface="Arial" panose="020B0604020202020204" pitchFamily="34" charset="0"/>
               </a:rPr>
-              <a:t>       p.s. [</a:t>
-            </a:r>
-            <a:r>
-              <a:rPr lang="en-US" altLang="zh-CN" sz="1600" b="1" dirty="0">
-                <a:solidFill>
-                  <a:srgbClr val="FF0000"/>
-                </a:solidFill>
-                <a:latin typeface="Arial" panose="020B0604020202020204" pitchFamily="34" charset="0"/>
-                <a:cs typeface="Arial" panose="020B0604020202020204" pitchFamily="34" charset="0"/>
-              </a:rPr>
-              <a:t>rejected</a:t>
-            </a:r>
-            <a:r>
-              <a:rPr lang="en-US" altLang="zh-CN" sz="1600" dirty="0">
-                <a:latin typeface="Arial" panose="020B0604020202020204" pitchFamily="34" charset="0"/>
-                <a:cs typeface="Arial" panose="020B0604020202020204" pitchFamily="34" charset="0"/>
-              </a:rPr>
-              <a:t>]</a:t>
-            </a:r>
-          </a:p>
-          <a:p>
-            <a:pPr>
+              <a:t>Sun Yat-sen University Cancer Center Research Assistant (From 2019.8 to now)</a:t>
+            </a:r>
+          </a:p>
+          <a:p>
+            <a:pPr marL="342900" indent="-342900" algn="just">
               <a:lnSpc>
                 <a:spcPct val="200000"/>
               </a:lnSpc>
+              <a:buAutoNum type="arabicPeriod"/>
             </a:pPr>
             <a:r>
               <a:rPr lang="en-US" altLang="zh-CN" sz="1600" dirty="0">
                 <a:latin typeface="Arial" panose="020B0604020202020204" pitchFamily="34" charset="0"/>
                 <a:cs typeface="Arial" panose="020B0604020202020204" pitchFamily="34" charset="0"/>
               </a:rPr>
-              <a:t>《Auto Segmentation of Pelvic OARs On MRI Multi-Sequence Using An Fused-Unet》</a:t>
-            </a:r>
-          </a:p>
-          <a:p>
-            <a:pPr>
+              <a:t>SCUT-Robot lab Member of Vision Group (From 2019.9 to now) </a:t>
+            </a:r>
+          </a:p>
+          <a:p>
+            <a:pPr marL="342900" indent="-342900" algn="just">
               <a:lnSpc>
-                <a:spcPct val="200000"/>
+                <a:spcPct val="150000"/>
+              </a:lnSpc>
+              <a:buAutoNum type="arabicPeriod"/>
+            </a:pPr>
+            <a:endParaRPr lang="en-US" altLang="zh-CN" dirty="0">
+              <a:latin typeface="Arial" panose="020B0604020202020204" pitchFamily="34" charset="0"/>
+              <a:cs typeface="Arial" panose="020B0604020202020204" pitchFamily="34" charset="0"/>
+            </a:endParaRPr>
+          </a:p>
+          <a:p>
+            <a:pPr algn="just">
+              <a:lnSpc>
+                <a:spcPct val="150000"/>
               </a:lnSpc>
             </a:pPr>
             <a:r>
+              <a:rPr lang="en-US" altLang="zh-CN" dirty="0">
+                <a:latin typeface="Arial" panose="020B0604020202020204" pitchFamily="34" charset="0"/>
+                <a:cs typeface="Arial" panose="020B0604020202020204" pitchFamily="34" charset="0"/>
+              </a:rPr>
+              <a:t>Detailed:</a:t>
+            </a:r>
+          </a:p>
+          <a:p>
+            <a:pPr algn="just">
+              <a:lnSpc>
+                <a:spcPct val="120000"/>
+              </a:lnSpc>
+              <a:spcAft>
+                <a:spcPts val="600"/>
+              </a:spcAft>
+            </a:pPr>
+            <a:r>
               <a:rPr lang="en-US" altLang="zh-CN" sz="1600" dirty="0">
                 <a:latin typeface="Arial" panose="020B0604020202020204" pitchFamily="34" charset="0"/>
                 <a:cs typeface="Arial" panose="020B0604020202020204" pitchFamily="34" charset="0"/>
               </a:rPr>
-              <a:t>       p.s. [</a:t>
-            </a:r>
-            <a:r>
-              <a:rPr lang="en-US" altLang="zh-CN" sz="1600" b="1" dirty="0">
-                <a:solidFill>
-                  <a:schemeClr val="accent6">
-                    <a:lumMod val="75000"/>
-                  </a:schemeClr>
-                </a:solidFill>
-                <a:latin typeface="Arial" panose="020B0604020202020204" pitchFamily="34" charset="0"/>
-                <a:cs typeface="Arial" panose="020B0604020202020204" pitchFamily="34" charset="0"/>
-              </a:rPr>
-              <a:t>received</a:t>
+              <a:t>1. In this project, I’m mainly in charge of implementation. We try to use neural network to extract the emotion feature representation from Multi-media data like image, video,</a:t>
+            </a:r>
+            <a:r>
+              <a:rPr lang="zh-CN" altLang="en-US" sz="1600" dirty="0">
+                <a:latin typeface="Arial" panose="020B0604020202020204" pitchFamily="34" charset="0"/>
+                <a:cs typeface="Arial" panose="020B0604020202020204" pitchFamily="34" charset="0"/>
+              </a:rPr>
+              <a:t> </a:t>
             </a:r>
             <a:r>
               <a:rPr lang="en-US" altLang="zh-CN" sz="1600" dirty="0">
                 <a:latin typeface="Arial" panose="020B0604020202020204" pitchFamily="34" charset="0"/>
                 <a:cs typeface="Arial" panose="020B0604020202020204" pitchFamily="34" charset="0"/>
               </a:rPr>
-              <a:t>] (AAPM 2020 </a:t>
-            </a:r>
-            <a:r>
-              <a:rPr lang="en-US" altLang="zh-CN" sz="1600" b="1" dirty="0">
-                <a:latin typeface="Arial" panose="020B0604020202020204" pitchFamily="34" charset="0"/>
-                <a:cs typeface="Arial" panose="020B0604020202020204" pitchFamily="34" charset="0"/>
-              </a:rPr>
-              <a:t>oral presentation </a:t>
-            </a:r>
+              <a:t>audio etc. Then we use regression and classification model to model the emotion state.</a:t>
+            </a:r>
+          </a:p>
+          <a:p>
+            <a:pPr algn="just">
+              <a:lnSpc>
+                <a:spcPct val="120000"/>
+              </a:lnSpc>
+              <a:spcAft>
+                <a:spcPts val="600"/>
+              </a:spcAft>
+            </a:pPr>
             <a:r>
               <a:rPr lang="en-US" altLang="zh-CN" sz="1600" dirty="0">
                 <a:latin typeface="Arial" panose="020B0604020202020204" pitchFamily="34" charset="0"/>
                 <a:cs typeface="Arial" panose="020B0604020202020204" pitchFamily="34" charset="0"/>
               </a:rPr>
-              <a:t>&amp; </a:t>
-            </a:r>
-            <a:r>
-              <a:rPr lang="en-US" altLang="zh-CN" sz="1600" b="1" dirty="0">
-                <a:latin typeface="Arial" panose="020B0604020202020204" pitchFamily="34" charset="0"/>
-                <a:cs typeface="Arial" panose="020B0604020202020204" pitchFamily="34" charset="0"/>
-              </a:rPr>
-              <a:t>BLUE RIBBON ePOSTER</a:t>
-            </a:r>
+              <a:t>2. I’m the research assistant of MIACA research group Sun Yat-sen University Cancer Center. I focus on medical image segmentation especially multi-modality medical image segmentation. Besides, I am also interested in medical image registration and medical image generation.</a:t>
+            </a:r>
+          </a:p>
+          <a:p>
+            <a:pPr algn="just">
+              <a:lnSpc>
+                <a:spcPct val="120000"/>
+              </a:lnSpc>
+              <a:spcAft>
+                <a:spcPts val="600"/>
+              </a:spcAft>
+            </a:pPr>
             <a:r>
               <a:rPr lang="en-US" altLang="zh-CN" sz="1600" dirty="0">
                 <a:latin typeface="Arial" panose="020B0604020202020204" pitchFamily="34" charset="0"/>
                 <a:cs typeface="Arial" panose="020B0604020202020204" pitchFamily="34" charset="0"/>
               </a:rPr>
-              <a:t>)</a:t>
-            </a:r>
-          </a:p>
-          <a:p>
-            <a:pPr>
-              <a:lnSpc>
-                <a:spcPct val="200000"/>
-              </a:lnSpc>
-            </a:pPr>
-            <a:r>
-              <a:rPr lang="en-US" altLang="zh-CN" sz="1600" dirty="0">
-                <a:latin typeface="Arial" panose="020B0604020202020204" pitchFamily="34" charset="0"/>
-                <a:cs typeface="Arial" panose="020B0604020202020204" pitchFamily="34" charset="0"/>
-              </a:rPr>
-              <a:t>《A Novel Hybrid Network for H&amp;N Organs At Risk Segmentation》 </a:t>
-            </a:r>
-          </a:p>
-          <a:p>
-            <a:pPr>
-              <a:lnSpc>
-                <a:spcPct val="200000"/>
-              </a:lnSpc>
-            </a:pPr>
-            <a:r>
-              <a:rPr lang="en-US" altLang="zh-CN" sz="1600" dirty="0">
-                <a:latin typeface="Arial" panose="020B0604020202020204" pitchFamily="34" charset="0"/>
-                <a:cs typeface="Arial" panose="020B0604020202020204" pitchFamily="34" charset="0"/>
-              </a:rPr>
-              <a:t>       p.s. [</a:t>
-            </a:r>
-            <a:r>
-              <a:rPr lang="en-US" altLang="zh-CN" sz="1600" b="1" dirty="0">
-                <a:solidFill>
-                  <a:schemeClr val="accent6">
-                    <a:lumMod val="75000"/>
-                  </a:schemeClr>
-                </a:solidFill>
-                <a:latin typeface="Arial" panose="020B0604020202020204" pitchFamily="34" charset="0"/>
-                <a:cs typeface="Arial" panose="020B0604020202020204" pitchFamily="34" charset="0"/>
-              </a:rPr>
-              <a:t>received</a:t>
-            </a:r>
-            <a:r>
-              <a:rPr lang="en-US" altLang="zh-CN" sz="1600" dirty="0">
-                <a:latin typeface="Arial" panose="020B0604020202020204" pitchFamily="34" charset="0"/>
-                <a:cs typeface="Arial" panose="020B0604020202020204" pitchFamily="34" charset="0"/>
-              </a:rPr>
-              <a:t>] (ICBIP 2020 </a:t>
-            </a:r>
-            <a:r>
-              <a:rPr lang="en-US" altLang="zh-CN" sz="1600" b="1" dirty="0">
-                <a:latin typeface="Arial" panose="020B0604020202020204" pitchFamily="34" charset="0"/>
-                <a:cs typeface="Arial" panose="020B0604020202020204" pitchFamily="34" charset="0"/>
-              </a:rPr>
-              <a:t>oral presentation</a:t>
-            </a:r>
-            <a:r>
-              <a:rPr lang="en-US" altLang="zh-CN" sz="1600" dirty="0">
-                <a:latin typeface="Arial" panose="020B0604020202020204" pitchFamily="34" charset="0"/>
-                <a:cs typeface="Arial" panose="020B0604020202020204" pitchFamily="34" charset="0"/>
-              </a:rPr>
-              <a:t>) -- </a:t>
-            </a:r>
-            <a:r>
-              <a:rPr lang="en-US" altLang="zh-CN" sz="1600" b="1" dirty="0">
-                <a:latin typeface="Arial" panose="020B0604020202020204" pitchFamily="34" charset="0"/>
-                <a:cs typeface="Arial" panose="020B0604020202020204" pitchFamily="34" charset="0"/>
-              </a:rPr>
-              <a:t>Corresponding SCI Under Review</a:t>
-            </a:r>
-          </a:p>
-          <a:p>
-            <a:pPr>
-              <a:lnSpc>
-                <a:spcPct val="200000"/>
-              </a:lnSpc>
-            </a:pPr>
-            <a:r>
-              <a:rPr lang="en-US" altLang="zh-CN" sz="1600" dirty="0">
-                <a:latin typeface="Arial" panose="020B0604020202020204" pitchFamily="34" charset="0"/>
-                <a:cs typeface="Arial" panose="020B0604020202020204" pitchFamily="34" charset="0"/>
-              </a:rPr>
-              <a:t>《Attention V-Net: A Residual U-Net with Attention Gate Block for Lung Organ At Risk Segmentation》 </a:t>
-            </a:r>
-          </a:p>
-          <a:p>
-            <a:pPr>
-              <a:lnSpc>
-                <a:spcPct val="200000"/>
-              </a:lnSpc>
-            </a:pPr>
-            <a:r>
-              <a:rPr lang="en-US" altLang="zh-CN" sz="1600" dirty="0">
-                <a:latin typeface="Arial" panose="020B0604020202020204" pitchFamily="34" charset="0"/>
-                <a:cs typeface="Arial" panose="020B0604020202020204" pitchFamily="34" charset="0"/>
-              </a:rPr>
-              <a:t>       p.s. [</a:t>
-            </a:r>
-            <a:r>
-              <a:rPr lang="en-US" altLang="zh-CN" sz="1600" b="1" dirty="0">
-                <a:solidFill>
-                  <a:schemeClr val="accent6">
-                    <a:lumMod val="75000"/>
-                  </a:schemeClr>
-                </a:solidFill>
-                <a:latin typeface="Arial" panose="020B0604020202020204" pitchFamily="34" charset="0"/>
-                <a:cs typeface="Arial" panose="020B0604020202020204" pitchFamily="34" charset="0"/>
-              </a:rPr>
-              <a:t>received</a:t>
-            </a:r>
-            <a:r>
-              <a:rPr lang="en-US" altLang="zh-CN" sz="1600" dirty="0">
-                <a:latin typeface="Arial" panose="020B0604020202020204" pitchFamily="34" charset="0"/>
-                <a:cs typeface="Arial" panose="020B0604020202020204" pitchFamily="34" charset="0"/>
-              </a:rPr>
-              <a:t>] (CSAE 2020) -- </a:t>
-            </a:r>
-            <a:r>
-              <a:rPr lang="en-US" altLang="zh-CN" sz="1600" b="1" dirty="0">
-                <a:latin typeface="Arial" panose="020B0604020202020204" pitchFamily="34" charset="0"/>
-                <a:cs typeface="Arial" panose="020B0604020202020204" pitchFamily="34" charset="0"/>
-              </a:rPr>
-              <a:t>Corresponding SCI Under Review</a:t>
-            </a:r>
-          </a:p>
-          <a:p>
-            <a:pPr>
-              <a:lnSpc>
-                <a:spcPct val="200000"/>
-              </a:lnSpc>
-            </a:pPr>
-            <a:r>
-              <a:rPr lang="en-US" altLang="zh-CN" sz="1600" dirty="0">
-                <a:latin typeface="Arial" panose="020B0604020202020204" pitchFamily="34" charset="0"/>
-                <a:cs typeface="Arial" panose="020B0604020202020204" pitchFamily="34" charset="0"/>
-              </a:rPr>
-              <a:t>《ZigZag U-Net: Multi-stage medical segmentation network》 </a:t>
-            </a:r>
-          </a:p>
-          <a:p>
-            <a:pPr>
-              <a:lnSpc>
-                <a:spcPct val="200000"/>
-              </a:lnSpc>
-            </a:pPr>
-            <a:r>
-              <a:rPr lang="en-US" altLang="zh-CN" sz="1600" dirty="0">
-                <a:latin typeface="Arial" panose="020B0604020202020204" pitchFamily="34" charset="0"/>
-                <a:cs typeface="Arial" panose="020B0604020202020204" pitchFamily="34" charset="0"/>
-              </a:rPr>
-              <a:t>       p.s. [</a:t>
-            </a:r>
-            <a:r>
-              <a:rPr lang="en-US" altLang="zh-CN" sz="1600" b="1" dirty="0">
-                <a:solidFill>
-                  <a:schemeClr val="accent5">
-                    <a:lumMod val="75000"/>
-                  </a:schemeClr>
-                </a:solidFill>
-                <a:latin typeface="Arial" panose="020B0604020202020204" pitchFamily="34" charset="0"/>
-                <a:cs typeface="Arial" panose="020B0604020202020204" pitchFamily="34" charset="0"/>
-              </a:rPr>
-              <a:t>to be submitted</a:t>
-            </a:r>
-            <a:r>
-              <a:rPr lang="en-US" altLang="zh-CN" sz="1600" dirty="0">
-                <a:latin typeface="Arial" panose="020B0604020202020204" pitchFamily="34" charset="0"/>
-                <a:cs typeface="Arial" panose="020B0604020202020204" pitchFamily="34" charset="0"/>
-              </a:rPr>
-              <a:t>] (inspired by CB-Net)</a:t>
+              <a:t>3. I’m a member of Vision Group. I’m mainly in charge of base station. Base station can use object detection, object track and motion forecasting to strategy calculation so that it can provide some strategy support for other robots.</a:t>
             </a:r>
           </a:p>
         </p:txBody>
@@ -6776,7 +6613,7 @@
     </p:spTree>
     <p:extLst>
       <p:ext uri="{BB962C8B-B14F-4D97-AF65-F5344CB8AC3E}">
-        <p14:creationId xmlns:p14="http://schemas.microsoft.com/office/powerpoint/2010/main" val="3035732194"/>
+        <p14:creationId xmlns:p14="http://schemas.microsoft.com/office/powerpoint/2010/main" val="2830355095"/>
       </p:ext>
     </p:extLst>
   </p:cSld>
@@ -6786,7 +6623,7 @@
 </p:sld>
 </file>
 
-<file path=ppt/slides/slide5.xml><?xml version="1.0" encoding="utf-8"?>
+<file path=ppt/slides/slide4.xml><?xml version="1.0" encoding="utf-8"?>
 <p:sld xmlns:a="http://schemas.openxmlformats.org/drawingml/2006/main" xmlns:r="http://schemas.openxmlformats.org/officeDocument/2006/relationships" xmlns:p="http://schemas.openxmlformats.org/presentationml/2006/main">
   <p:cSld>
     <p:spTree>
@@ -6917,7 +6754,7 @@
         <p:spPr>
           <a:xfrm>
             <a:off x="992221" y="669303"/>
-            <a:ext cx="2121093" cy="369332"/>
+            <a:ext cx="1556836" cy="369332"/>
           </a:xfrm>
           <a:prstGeom prst="rect">
             <a:avLst/>
@@ -6935,7 +6772,7 @@
                 <a:latin typeface="Arial" panose="020B0604020202020204" pitchFamily="34" charset="0"/>
                 <a:cs typeface="Arial" panose="020B0604020202020204" pitchFamily="34" charset="0"/>
               </a:rPr>
-              <a:t>Research Interest</a:t>
+              <a:t>Publications</a:t>
             </a:r>
             <a:endParaRPr lang="zh-CN" altLang="en-US" b="1" dirty="0">
               <a:latin typeface="Arial" panose="020B0604020202020204" pitchFamily="34" charset="0"/>
@@ -6959,7 +6796,7 @@
         <p:spPr>
           <a:xfrm>
             <a:off x="992221" y="1258242"/>
-            <a:ext cx="10798790" cy="2949525"/>
+            <a:ext cx="10798790" cy="5248103"/>
           </a:xfrm>
           <a:prstGeom prst="rect">
             <a:avLst/>
@@ -6972,95 +6809,365 @@
           </a:bodyPr>
           <a:lstStyle/>
           <a:p>
-            <a:pPr algn="just">
+            <a:pPr>
               <a:lnSpc>
-                <a:spcPct val="150000"/>
+                <a:spcPct val="200000"/>
               </a:lnSpc>
             </a:pPr>
             <a:r>
-              <a:rPr lang="en-US" altLang="zh-CN" dirty="0">
-                <a:latin typeface="Arial" panose="020B0604020202020204" pitchFamily="34" charset="0"/>
-                <a:cs typeface="Arial" panose="020B0604020202020204" pitchFamily="34" charset="0"/>
-              </a:rPr>
-              <a:t>        Because of my past research, I may be interested in medical image segmentation, object detection and object track. Actually, I’m not limited to specific computer vision tasks. I’m interested in computer vision tasks which are meaningful and practical. For instance, the tumors and organs at risk automatic contouring on MRI Multi-sequence. MRI Multi-sequence tumors and organs at risk manual contouring is really time consuming and clinical knowledge intensive. So, we use Multi-modality model to perform MRI Multi-sequence automatic contouring so that the model largely reduces the contouring time. By</a:t>
-            </a:r>
-            <a:r>
-              <a:rPr lang="zh-CN" altLang="en-US" dirty="0">
-                <a:latin typeface="Arial" panose="020B0604020202020204" pitchFamily="34" charset="0"/>
-                <a:cs typeface="Arial" panose="020B0604020202020204" pitchFamily="34" charset="0"/>
-              </a:rPr>
-              <a:t> </a:t>
-            </a:r>
-            <a:r>
-              <a:rPr lang="en-US" altLang="zh-CN" dirty="0">
-                <a:latin typeface="Arial" panose="020B0604020202020204" pitchFamily="34" charset="0"/>
-                <a:cs typeface="Arial" panose="020B0604020202020204" pitchFamily="34" charset="0"/>
-              </a:rPr>
-              <a:t>doing</a:t>
-            </a:r>
-            <a:r>
-              <a:rPr lang="zh-CN" altLang="en-US" dirty="0">
-                <a:latin typeface="Arial" panose="020B0604020202020204" pitchFamily="34" charset="0"/>
-                <a:cs typeface="Arial" panose="020B0604020202020204" pitchFamily="34" charset="0"/>
-              </a:rPr>
-              <a:t> </a:t>
-            </a:r>
-            <a:r>
-              <a:rPr lang="en-US" altLang="zh-CN" dirty="0">
-                <a:latin typeface="Arial" panose="020B0604020202020204" pitchFamily="34" charset="0"/>
-                <a:cs typeface="Arial" panose="020B0604020202020204" pitchFamily="34" charset="0"/>
-              </a:rPr>
-              <a:t>like</a:t>
-            </a:r>
-            <a:r>
-              <a:rPr lang="zh-CN" altLang="en-US" dirty="0">
-                <a:latin typeface="Arial" panose="020B0604020202020204" pitchFamily="34" charset="0"/>
-                <a:cs typeface="Arial" panose="020B0604020202020204" pitchFamily="34" charset="0"/>
-              </a:rPr>
-              <a:t> </a:t>
-            </a:r>
-            <a:r>
-              <a:rPr lang="en-US" altLang="zh-CN" dirty="0">
-                <a:latin typeface="Arial" panose="020B0604020202020204" pitchFamily="34" charset="0"/>
-                <a:cs typeface="Arial" panose="020B0604020202020204" pitchFamily="34" charset="0"/>
-              </a:rPr>
-              <a:t>so,</a:t>
-            </a:r>
-            <a:r>
-              <a:rPr lang="zh-CN" altLang="en-US" dirty="0">
-                <a:latin typeface="Arial" panose="020B0604020202020204" pitchFamily="34" charset="0"/>
-                <a:cs typeface="Arial" panose="020B0604020202020204" pitchFamily="34" charset="0"/>
-              </a:rPr>
-              <a:t> </a:t>
-            </a:r>
-            <a:r>
-              <a:rPr lang="en-US" altLang="zh-CN" dirty="0">
-                <a:latin typeface="Arial" panose="020B0604020202020204" pitchFamily="34" charset="0"/>
-                <a:cs typeface="Arial" panose="020B0604020202020204" pitchFamily="34" charset="0"/>
-              </a:rPr>
-              <a:t>the</a:t>
-            </a:r>
-            <a:r>
-              <a:rPr lang="zh-CN" altLang="en-US" dirty="0">
-                <a:latin typeface="Arial" panose="020B0604020202020204" pitchFamily="34" charset="0"/>
-                <a:cs typeface="Arial" panose="020B0604020202020204" pitchFamily="34" charset="0"/>
-              </a:rPr>
-              <a:t> </a:t>
-            </a:r>
-            <a:r>
-              <a:rPr lang="en-US" altLang="zh-CN" dirty="0">
-                <a:latin typeface="Arial" panose="020B0604020202020204" pitchFamily="34" charset="0"/>
-                <a:cs typeface="Arial" panose="020B0604020202020204" pitchFamily="34" charset="0"/>
-              </a:rPr>
-              <a:t>time of whole radiotherapy pipeline can be simplified to a great extent.</a:t>
-            </a:r>
+              <a:rPr lang="en-US" altLang="zh-CN" sz="1400" dirty="0">
+                <a:latin typeface="Arial" panose="020B0604020202020204" pitchFamily="34" charset="0"/>
+                <a:cs typeface="Arial" panose="020B0604020202020204" pitchFamily="34" charset="0"/>
+              </a:rPr>
+              <a:t>《</a:t>
+            </a:r>
+            <a:r>
+              <a:rPr lang="zh-CN" altLang="en-US" sz="1400" dirty="0">
+                <a:latin typeface="Arial" panose="020B0604020202020204" pitchFamily="34" charset="0"/>
+                <a:cs typeface="Arial" panose="020B0604020202020204" pitchFamily="34" charset="0"/>
+              </a:rPr>
+              <a:t>基于深度学习的医学图像配准综述</a:t>
+            </a:r>
+            <a:r>
+              <a:rPr lang="en-US" altLang="zh-CN" sz="1400" dirty="0">
+                <a:latin typeface="Arial" panose="020B0604020202020204" pitchFamily="34" charset="0"/>
+                <a:cs typeface="Arial" panose="020B0604020202020204" pitchFamily="34" charset="0"/>
+              </a:rPr>
+              <a:t>》 </a:t>
+            </a:r>
+          </a:p>
+          <a:p>
+            <a:pPr>
+              <a:lnSpc>
+                <a:spcPct val="200000"/>
+              </a:lnSpc>
+            </a:pPr>
+            <a:r>
+              <a:rPr lang="en-US" altLang="zh-CN" sz="1400" dirty="0">
+                <a:latin typeface="Arial" panose="020B0604020202020204" pitchFamily="34" charset="0"/>
+                <a:cs typeface="Arial" panose="020B0604020202020204" pitchFamily="34" charset="0"/>
+              </a:rPr>
+              <a:t>       p.s. [</a:t>
+            </a:r>
+            <a:r>
+              <a:rPr lang="en-US" altLang="zh-CN" sz="1400" b="1" dirty="0">
+                <a:solidFill>
+                  <a:srgbClr val="FF0000"/>
+                </a:solidFill>
+                <a:latin typeface="Arial" panose="020B0604020202020204" pitchFamily="34" charset="0"/>
+                <a:cs typeface="Arial" panose="020B0604020202020204" pitchFamily="34" charset="0"/>
+              </a:rPr>
+              <a:t>rejected</a:t>
+            </a:r>
+            <a:r>
+              <a:rPr lang="en-US" altLang="zh-CN" sz="1400" dirty="0">
+                <a:latin typeface="Arial" panose="020B0604020202020204" pitchFamily="34" charset="0"/>
+                <a:cs typeface="Arial" panose="020B0604020202020204" pitchFamily="34" charset="0"/>
+              </a:rPr>
+              <a:t>]</a:t>
+            </a:r>
+          </a:p>
+          <a:p>
+            <a:pPr>
+              <a:lnSpc>
+                <a:spcPct val="200000"/>
+              </a:lnSpc>
+            </a:pPr>
+            <a:r>
+              <a:rPr lang="en-US" altLang="zh-CN" sz="1400" dirty="0">
+                <a:latin typeface="Arial" panose="020B0604020202020204" pitchFamily="34" charset="0"/>
+                <a:cs typeface="Arial" panose="020B0604020202020204" pitchFamily="34" charset="0"/>
+              </a:rPr>
+              <a:t>《Auto Segmentation of Pelvic OARs On MRI Multi-Sequence Using A Fused-Unet》</a:t>
+            </a:r>
+          </a:p>
+          <a:p>
+            <a:pPr>
+              <a:lnSpc>
+                <a:spcPct val="200000"/>
+              </a:lnSpc>
+            </a:pPr>
+            <a:r>
+              <a:rPr lang="en-US" altLang="zh-CN" sz="1400" dirty="0">
+                <a:latin typeface="Arial" panose="020B0604020202020204" pitchFamily="34" charset="0"/>
+                <a:cs typeface="Arial" panose="020B0604020202020204" pitchFamily="34" charset="0"/>
+              </a:rPr>
+              <a:t>       p.s. [</a:t>
+            </a:r>
+            <a:r>
+              <a:rPr lang="en-US" altLang="zh-CN" sz="1400" b="1" dirty="0">
+                <a:solidFill>
+                  <a:schemeClr val="accent6">
+                    <a:lumMod val="75000"/>
+                  </a:schemeClr>
+                </a:solidFill>
+                <a:latin typeface="Arial" panose="020B0604020202020204" pitchFamily="34" charset="0"/>
+                <a:cs typeface="Arial" panose="020B0604020202020204" pitchFamily="34" charset="0"/>
+              </a:rPr>
+              <a:t>received</a:t>
+            </a:r>
+            <a:r>
+              <a:rPr lang="en-US" altLang="zh-CN" sz="1400" dirty="0">
+                <a:latin typeface="Arial" panose="020B0604020202020204" pitchFamily="34" charset="0"/>
+                <a:cs typeface="Arial" panose="020B0604020202020204" pitchFamily="34" charset="0"/>
+              </a:rPr>
+              <a:t>] (AAPM 2020 </a:t>
+            </a:r>
+            <a:r>
+              <a:rPr lang="en-US" altLang="zh-CN" sz="1400" b="1" dirty="0">
+                <a:latin typeface="Arial" panose="020B0604020202020204" pitchFamily="34" charset="0"/>
+                <a:cs typeface="Arial" panose="020B0604020202020204" pitchFamily="34" charset="0"/>
+              </a:rPr>
+              <a:t>oral presentation </a:t>
+            </a:r>
+            <a:r>
+              <a:rPr lang="en-US" altLang="zh-CN" sz="1400" dirty="0">
+                <a:latin typeface="Arial" panose="020B0604020202020204" pitchFamily="34" charset="0"/>
+                <a:cs typeface="Arial" panose="020B0604020202020204" pitchFamily="34" charset="0"/>
+              </a:rPr>
+              <a:t>&amp; </a:t>
+            </a:r>
+            <a:r>
+              <a:rPr lang="en-US" altLang="zh-CN" sz="1400" b="1" dirty="0">
+                <a:latin typeface="Arial" panose="020B0604020202020204" pitchFamily="34" charset="0"/>
+                <a:cs typeface="Arial" panose="020B0604020202020204" pitchFamily="34" charset="0"/>
+              </a:rPr>
+              <a:t>BLUE RIBBON ePOSTER</a:t>
+            </a:r>
+            <a:r>
+              <a:rPr lang="en-US" altLang="zh-CN" sz="1400" dirty="0">
+                <a:latin typeface="Arial" panose="020B0604020202020204" pitchFamily="34" charset="0"/>
+                <a:cs typeface="Arial" panose="020B0604020202020204" pitchFamily="34" charset="0"/>
+              </a:rPr>
+              <a:t>)</a:t>
+            </a:r>
+          </a:p>
+          <a:p>
+            <a:pPr>
+              <a:lnSpc>
+                <a:spcPct val="200000"/>
+              </a:lnSpc>
+            </a:pPr>
+            <a:r>
+              <a:rPr lang="en-US" altLang="zh-CN" sz="1400" dirty="0">
+                <a:latin typeface="Arial" panose="020B0604020202020204" pitchFamily="34" charset="0"/>
+                <a:cs typeface="Arial" panose="020B0604020202020204" pitchFamily="34" charset="0"/>
+              </a:rPr>
+              <a:t>《A Novel Hybrid Network for H&amp;N Organs At Risk Segmentation》 </a:t>
+            </a:r>
+          </a:p>
+          <a:p>
+            <a:pPr>
+              <a:lnSpc>
+                <a:spcPct val="200000"/>
+              </a:lnSpc>
+            </a:pPr>
+            <a:r>
+              <a:rPr lang="en-US" altLang="zh-CN" sz="1400" dirty="0">
+                <a:latin typeface="Arial" panose="020B0604020202020204" pitchFamily="34" charset="0"/>
+                <a:cs typeface="Arial" panose="020B0604020202020204" pitchFamily="34" charset="0"/>
+              </a:rPr>
+              <a:t>       p.s. [</a:t>
+            </a:r>
+            <a:r>
+              <a:rPr lang="en-US" altLang="zh-CN" sz="1400" b="1" dirty="0">
+                <a:solidFill>
+                  <a:schemeClr val="accent6">
+                    <a:lumMod val="75000"/>
+                  </a:schemeClr>
+                </a:solidFill>
+                <a:latin typeface="Arial" panose="020B0604020202020204" pitchFamily="34" charset="0"/>
+                <a:cs typeface="Arial" panose="020B0604020202020204" pitchFamily="34" charset="0"/>
+              </a:rPr>
+              <a:t>received</a:t>
+            </a:r>
+            <a:r>
+              <a:rPr lang="en-US" altLang="zh-CN" sz="1400" dirty="0">
+                <a:latin typeface="Arial" panose="020B0604020202020204" pitchFamily="34" charset="0"/>
+                <a:cs typeface="Arial" panose="020B0604020202020204" pitchFamily="34" charset="0"/>
+              </a:rPr>
+              <a:t>] (ICBIP 2020 </a:t>
+            </a:r>
+            <a:r>
+              <a:rPr lang="en-US" altLang="zh-CN" sz="1400" b="1" dirty="0">
+                <a:latin typeface="Arial" panose="020B0604020202020204" pitchFamily="34" charset="0"/>
+                <a:cs typeface="Arial" panose="020B0604020202020204" pitchFamily="34" charset="0"/>
+              </a:rPr>
+              <a:t>oral presentation</a:t>
+            </a:r>
+            <a:r>
+              <a:rPr lang="en-US" altLang="zh-CN" sz="1400" dirty="0">
+                <a:latin typeface="Arial" panose="020B0604020202020204" pitchFamily="34" charset="0"/>
+                <a:cs typeface="Arial" panose="020B0604020202020204" pitchFamily="34" charset="0"/>
+              </a:rPr>
+              <a:t>) -- </a:t>
+            </a:r>
+            <a:r>
+              <a:rPr lang="en-US" altLang="zh-CN" sz="1400" b="1" dirty="0">
+                <a:latin typeface="Arial" panose="020B0604020202020204" pitchFamily="34" charset="0"/>
+                <a:cs typeface="Arial" panose="020B0604020202020204" pitchFamily="34" charset="0"/>
+              </a:rPr>
+              <a:t>Corresponding SCI Under Review</a:t>
+            </a:r>
+          </a:p>
+          <a:p>
+            <a:pPr>
+              <a:lnSpc>
+                <a:spcPct val="200000"/>
+              </a:lnSpc>
+            </a:pPr>
+            <a:r>
+              <a:rPr lang="en-US" altLang="zh-CN" sz="1400" dirty="0">
+                <a:latin typeface="Arial" panose="020B0604020202020204" pitchFamily="34" charset="0"/>
+                <a:cs typeface="Arial" panose="020B0604020202020204" pitchFamily="34" charset="0"/>
+              </a:rPr>
+              <a:t>《Attention V-Net: A Residual U-Net with Attention Gate Block for Lung Organ At Risk Segmentation》 </a:t>
+            </a:r>
+          </a:p>
+          <a:p>
+            <a:pPr>
+              <a:lnSpc>
+                <a:spcPct val="200000"/>
+              </a:lnSpc>
+            </a:pPr>
+            <a:r>
+              <a:rPr lang="en-US" altLang="zh-CN" sz="1400" dirty="0">
+                <a:latin typeface="Arial" panose="020B0604020202020204" pitchFamily="34" charset="0"/>
+                <a:cs typeface="Arial" panose="020B0604020202020204" pitchFamily="34" charset="0"/>
+              </a:rPr>
+              <a:t>       p.s. [</a:t>
+            </a:r>
+            <a:r>
+              <a:rPr lang="en-US" altLang="zh-CN" sz="1400" b="1" dirty="0">
+                <a:solidFill>
+                  <a:schemeClr val="accent6">
+                    <a:lumMod val="75000"/>
+                  </a:schemeClr>
+                </a:solidFill>
+                <a:latin typeface="Arial" panose="020B0604020202020204" pitchFamily="34" charset="0"/>
+                <a:cs typeface="Arial" panose="020B0604020202020204" pitchFamily="34" charset="0"/>
+              </a:rPr>
+              <a:t>received</a:t>
+            </a:r>
+            <a:r>
+              <a:rPr lang="en-US" altLang="zh-CN" sz="1400" dirty="0">
+                <a:latin typeface="Arial" panose="020B0604020202020204" pitchFamily="34" charset="0"/>
+                <a:cs typeface="Arial" panose="020B0604020202020204" pitchFamily="34" charset="0"/>
+              </a:rPr>
+              <a:t>] (CSAE 2020) -- </a:t>
+            </a:r>
+            <a:r>
+              <a:rPr lang="en-US" altLang="zh-CN" sz="1400" b="1" dirty="0">
+                <a:latin typeface="Arial" panose="020B0604020202020204" pitchFamily="34" charset="0"/>
+                <a:cs typeface="Arial" panose="020B0604020202020204" pitchFamily="34" charset="0"/>
+              </a:rPr>
+              <a:t>Corresponding SCI Under Review</a:t>
+            </a:r>
+          </a:p>
+          <a:p>
+            <a:pPr>
+              <a:lnSpc>
+                <a:spcPct val="200000"/>
+              </a:lnSpc>
+            </a:pPr>
+            <a:r>
+              <a:rPr lang="en-US" altLang="zh-CN" sz="1400" dirty="0">
+                <a:latin typeface="Arial" panose="020B0604020202020204" pitchFamily="34" charset="0"/>
+                <a:cs typeface="Arial" panose="020B0604020202020204" pitchFamily="34" charset="0"/>
+              </a:rPr>
+              <a:t>《ZigZag U-Net: Multi-stage medical segmentation network》 </a:t>
+            </a:r>
+          </a:p>
+          <a:p>
+            <a:pPr>
+              <a:lnSpc>
+                <a:spcPct val="200000"/>
+              </a:lnSpc>
+            </a:pPr>
+            <a:r>
+              <a:rPr lang="en-US" altLang="zh-CN" sz="1400" dirty="0">
+                <a:latin typeface="Arial" panose="020B0604020202020204" pitchFamily="34" charset="0"/>
+                <a:cs typeface="Arial" panose="020B0604020202020204" pitchFamily="34" charset="0"/>
+              </a:rPr>
+              <a:t>       p.s. [</a:t>
+            </a:r>
+            <a:r>
+              <a:rPr lang="en-US" altLang="zh-CN" sz="1400" b="1" dirty="0">
+                <a:solidFill>
+                  <a:schemeClr val="accent5">
+                    <a:lumMod val="75000"/>
+                  </a:schemeClr>
+                </a:solidFill>
+                <a:latin typeface="Arial" panose="020B0604020202020204" pitchFamily="34" charset="0"/>
+                <a:cs typeface="Arial" panose="020B0604020202020204" pitchFamily="34" charset="0"/>
+              </a:rPr>
+              <a:t>to be submitted</a:t>
+            </a:r>
+            <a:r>
+              <a:rPr lang="en-US" altLang="zh-CN" sz="1400" dirty="0">
+                <a:latin typeface="Arial" panose="020B0604020202020204" pitchFamily="34" charset="0"/>
+                <a:cs typeface="Arial" panose="020B0604020202020204" pitchFamily="34" charset="0"/>
+              </a:rPr>
+              <a:t>] (inspired by CB-Net)</a:t>
+            </a:r>
+          </a:p>
+          <a:p>
+            <a:pPr>
+              <a:lnSpc>
+                <a:spcPct val="200000"/>
+              </a:lnSpc>
+            </a:pPr>
+            <a:r>
+              <a:rPr lang="en-US" altLang="zh-CN" sz="1400" dirty="0">
+                <a:latin typeface="Arial" panose="020B0604020202020204" pitchFamily="34" charset="0"/>
+                <a:cs typeface="Arial" panose="020B0604020202020204" pitchFamily="34" charset="0"/>
+              </a:rPr>
+              <a:t>《Defect of insulator detection based on region》</a:t>
+            </a:r>
+          </a:p>
+          <a:p>
+            <a:pPr>
+              <a:lnSpc>
+                <a:spcPct val="200000"/>
+              </a:lnSpc>
+            </a:pPr>
+            <a:r>
+              <a:rPr lang="en-US" altLang="zh-CN" sz="1400" dirty="0">
+                <a:latin typeface="Arial" panose="020B0604020202020204" pitchFamily="34" charset="0"/>
+                <a:cs typeface="Arial" panose="020B0604020202020204" pitchFamily="34" charset="0"/>
+              </a:rPr>
+              <a:t>       p.s. [</a:t>
+            </a:r>
+            <a:r>
+              <a:rPr lang="en-US" altLang="zh-CN" sz="1400" b="1" dirty="0">
+                <a:solidFill>
+                  <a:schemeClr val="accent5">
+                    <a:lumMod val="75000"/>
+                  </a:schemeClr>
+                </a:solidFill>
+                <a:latin typeface="Arial" panose="020B0604020202020204" pitchFamily="34" charset="0"/>
+                <a:cs typeface="Arial" panose="020B0604020202020204" pitchFamily="34" charset="0"/>
+              </a:rPr>
+              <a:t>to be submitted</a:t>
+            </a:r>
+            <a:r>
+              <a:rPr lang="en-US" altLang="zh-CN" sz="1400" dirty="0">
+                <a:latin typeface="Arial" panose="020B0604020202020204" pitchFamily="34" charset="0"/>
+                <a:cs typeface="Arial" panose="020B0604020202020204" pitchFamily="34" charset="0"/>
+              </a:rPr>
+              <a:t>] (The entry paper of taidi cup data mining challenge)</a:t>
+            </a:r>
+            <a:endParaRPr lang="en-US" altLang="zh-CN" sz="1600" dirty="0">
+              <a:latin typeface="Arial" panose="020B0604020202020204" pitchFamily="34" charset="0"/>
+              <a:cs typeface="Arial" panose="020B0604020202020204" pitchFamily="34" charset="0"/>
+            </a:endParaRPr>
           </a:p>
         </p:txBody>
       </p:sp>
     </p:spTree>
     <p:extLst>
       <p:ext uri="{BB962C8B-B14F-4D97-AF65-F5344CB8AC3E}">
-        <p14:creationId xmlns:p14="http://schemas.microsoft.com/office/powerpoint/2010/main" val="2632657561"/>
+        <p14:creationId xmlns:p14="http://schemas.microsoft.com/office/powerpoint/2010/main" val="3035732194"/>
       </p:ext>
     </p:extLst>
   </p:cSld>
@@ -7070,7 +7177,7 @@
 </p:sld>
 </file>
 
-<file path=ppt/slides/slide6.xml><?xml version="1.0" encoding="utf-8"?>
+<file path=ppt/slides/slide5.xml><?xml version="1.0" encoding="utf-8"?>
 <p:sld xmlns:a="http://schemas.openxmlformats.org/drawingml/2006/main" xmlns:r="http://schemas.openxmlformats.org/officeDocument/2006/relationships" xmlns:p="http://schemas.openxmlformats.org/presentationml/2006/main">
   <p:cSld>
     <p:spTree>
@@ -7201,7 +7308,7 @@
         <p:spPr>
           <a:xfrm>
             <a:off x="992221" y="669303"/>
-            <a:ext cx="3788281" cy="369332"/>
+            <a:ext cx="2121093" cy="369332"/>
           </a:xfrm>
           <a:prstGeom prst="rect">
             <a:avLst/>
@@ -7219,7 +7326,7 @@
                 <a:latin typeface="Arial" panose="020B0604020202020204" pitchFamily="34" charset="0"/>
                 <a:cs typeface="Arial" panose="020B0604020202020204" pitchFamily="34" charset="0"/>
               </a:rPr>
-              <a:t>The implementation of VectorNet</a:t>
+              <a:t>Research Interest</a:t>
             </a:r>
             <a:endParaRPr lang="zh-CN" altLang="en-US" b="1" dirty="0">
               <a:latin typeface="Arial" panose="020B0604020202020204" pitchFamily="34" charset="0"/>
@@ -7243,7 +7350,7 @@
         <p:spPr>
           <a:xfrm>
             <a:off x="992221" y="1258242"/>
-            <a:ext cx="10428051" cy="1545295"/>
+            <a:ext cx="10798790" cy="2632003"/>
           </a:xfrm>
           <a:prstGeom prst="rect">
             <a:avLst/>
@@ -7256,128 +7363,95 @@
           </a:bodyPr>
           <a:lstStyle/>
           <a:p>
-            <a:pPr marL="342900" indent="-342900" algn="just">
+            <a:pPr algn="just">
               <a:lnSpc>
-                <a:spcPct val="200000"/>
+                <a:spcPct val="150000"/>
               </a:lnSpc>
-              <a:buAutoNum type="arabicPeriod"/>
             </a:pPr>
             <a:r>
               <a:rPr lang="en-US" altLang="zh-CN" sz="1600" dirty="0">
                 <a:latin typeface="Arial" panose="020B0604020202020204" pitchFamily="34" charset="0"/>
                 <a:cs typeface="Arial" panose="020B0604020202020204" pitchFamily="34" charset="0"/>
               </a:rPr>
-              <a:t>Representing trajectories and maps</a:t>
-            </a:r>
-          </a:p>
-          <a:p>
-            <a:pPr marL="342900" indent="-342900" algn="just">
-              <a:lnSpc>
-                <a:spcPct val="200000"/>
-              </a:lnSpc>
-              <a:buAutoNum type="arabicPeriod"/>
-            </a:pPr>
+              <a:t>        Because of my past research, I may be interested in medical image segmentation, object detection and object track. Actually, I’m not limited to specific computer vision tasks. I’m interested in computer vision tasks which are meaningful and practical. For instance, the task about the tumors and organs at risk automatic contouring on MRI Multi-sequence. MRI Multi-sequence tumors and organs at risk manual contouring is really time consuming and clinical knowledge intensive. So, we use Multi-modality model to perform MRI Multi-sequence automatic contouring so that the model largely reduces the contouring time. By</a:t>
+            </a:r>
+            <a:r>
+              <a:rPr lang="zh-CN" altLang="en-US" sz="1600" dirty="0">
+                <a:latin typeface="Arial" panose="020B0604020202020204" pitchFamily="34" charset="0"/>
+                <a:cs typeface="Arial" panose="020B0604020202020204" pitchFamily="34" charset="0"/>
+              </a:rPr>
+              <a:t> </a:t>
+            </a:r>
             <a:r>
               <a:rPr lang="en-US" altLang="zh-CN" sz="1600" dirty="0">
                 <a:latin typeface="Arial" panose="020B0604020202020204" pitchFamily="34" charset="0"/>
                 <a:cs typeface="Arial" panose="020B0604020202020204" pitchFamily="34" charset="0"/>
               </a:rPr>
-              <a:t>Constructing the polyline subgraphs</a:t>
-            </a:r>
-          </a:p>
-          <a:p>
-            <a:pPr marL="342900" indent="-342900" algn="just">
-              <a:lnSpc>
-                <a:spcPct val="200000"/>
-              </a:lnSpc>
-              <a:buAutoNum type="arabicPeriod"/>
-            </a:pPr>
+              <a:t>doing</a:t>
+            </a:r>
+            <a:r>
+              <a:rPr lang="zh-CN" altLang="en-US" sz="1600" dirty="0">
+                <a:latin typeface="Arial" panose="020B0604020202020204" pitchFamily="34" charset="0"/>
+                <a:cs typeface="Arial" panose="020B0604020202020204" pitchFamily="34" charset="0"/>
+              </a:rPr>
+              <a:t> </a:t>
+            </a:r>
             <a:r>
               <a:rPr lang="en-US" altLang="zh-CN" sz="1600" dirty="0">
                 <a:latin typeface="Arial" panose="020B0604020202020204" pitchFamily="34" charset="0"/>
                 <a:cs typeface="Arial" panose="020B0604020202020204" pitchFamily="34" charset="0"/>
               </a:rPr>
-              <a:t>Global graph for high-order interactions</a:t>
-            </a:r>
-          </a:p>
-        </p:txBody>
-      </p:sp>
-      <p:pic>
-        <p:nvPicPr>
-          <p:cNvPr id="2" name="图片 1">
-            <a:extLst>
-              <a:ext uri="{FF2B5EF4-FFF2-40B4-BE49-F238E27FC236}">
-                <a16:creationId xmlns:a16="http://schemas.microsoft.com/office/drawing/2014/main" id="{1CAE9600-A1F7-481A-9535-70A09912EBA5}"/>
-              </a:ext>
-            </a:extLst>
-          </p:cNvPr>
-          <p:cNvPicPr>
-            <a:picLocks noChangeAspect="1"/>
-          </p:cNvPicPr>
-          <p:nvPr/>
-        </p:nvPicPr>
-        <p:blipFill>
-          <a:blip r:embed="rId2"/>
-          <a:stretch>
-            <a:fillRect/>
-          </a:stretch>
-        </p:blipFill>
-        <p:spPr>
-          <a:xfrm>
-            <a:off x="1915527" y="3146254"/>
-            <a:ext cx="7757832" cy="2598645"/>
-          </a:xfrm>
-          <a:prstGeom prst="rect">
-            <a:avLst/>
-          </a:prstGeom>
-        </p:spPr>
-      </p:pic>
-      <p:sp>
-        <p:nvSpPr>
-          <p:cNvPr id="3" name="文本框 2">
-            <a:extLst>
-              <a:ext uri="{FF2B5EF4-FFF2-40B4-BE49-F238E27FC236}">
-                <a16:creationId xmlns:a16="http://schemas.microsoft.com/office/drawing/2014/main" id="{8DF647A1-4A05-4C3B-9587-9B2486A5B3F2}"/>
-              </a:ext>
-            </a:extLst>
-          </p:cNvPr>
-          <p:cNvSpPr txBox="1"/>
-          <p:nvPr/>
-        </p:nvSpPr>
-        <p:spPr>
-          <a:xfrm>
-            <a:off x="4207534" y="5810617"/>
-            <a:ext cx="3173818" cy="276999"/>
-          </a:xfrm>
-          <a:prstGeom prst="rect">
-            <a:avLst/>
-          </a:prstGeom>
-          <a:noFill/>
-        </p:spPr>
-        <p:txBody>
-          <a:bodyPr wrap="none" rtlCol="0">
-            <a:spAutoFit/>
-          </a:bodyPr>
-          <a:lstStyle/>
-          <a:p>
-            <a:r>
-              <a:rPr lang="en-US" altLang="zh-CN" sz="1200" b="1" dirty="0">
-                <a:latin typeface="Arial" panose="020B0604020202020204" pitchFamily="34" charset="0"/>
-                <a:cs typeface="Arial" panose="020B0604020202020204" pitchFamily="34" charset="0"/>
-              </a:rPr>
-              <a:t>Figure 1. The total workflow of VectorNet</a:t>
-            </a:r>
-            <a:endParaRPr lang="zh-CN" altLang="en-US" sz="1200" b="1" dirty="0">
-              <a:latin typeface="Arial" panose="020B0604020202020204" pitchFamily="34" charset="0"/>
-              <a:cs typeface="Arial" panose="020B0604020202020204" pitchFamily="34" charset="0"/>
-            </a:endParaRPr>
+              <a:t>like</a:t>
+            </a:r>
+            <a:r>
+              <a:rPr lang="zh-CN" altLang="en-US" sz="1600" dirty="0">
+                <a:latin typeface="Arial" panose="020B0604020202020204" pitchFamily="34" charset="0"/>
+                <a:cs typeface="Arial" panose="020B0604020202020204" pitchFamily="34" charset="0"/>
+              </a:rPr>
+              <a:t> </a:t>
+            </a:r>
+            <a:r>
+              <a:rPr lang="en-US" altLang="zh-CN" sz="1600" dirty="0">
+                <a:latin typeface="Arial" panose="020B0604020202020204" pitchFamily="34" charset="0"/>
+                <a:cs typeface="Arial" panose="020B0604020202020204" pitchFamily="34" charset="0"/>
+              </a:rPr>
+              <a:t>so,</a:t>
+            </a:r>
+            <a:r>
+              <a:rPr lang="zh-CN" altLang="en-US" sz="1600" dirty="0">
+                <a:latin typeface="Arial" panose="020B0604020202020204" pitchFamily="34" charset="0"/>
+                <a:cs typeface="Arial" panose="020B0604020202020204" pitchFamily="34" charset="0"/>
+              </a:rPr>
+              <a:t> </a:t>
+            </a:r>
+            <a:r>
+              <a:rPr lang="en-US" altLang="zh-CN" sz="1600" dirty="0">
+                <a:latin typeface="Arial" panose="020B0604020202020204" pitchFamily="34" charset="0"/>
+                <a:cs typeface="Arial" panose="020B0604020202020204" pitchFamily="34" charset="0"/>
+              </a:rPr>
+              <a:t>we can largely ease the pressure of clinical doctor and the</a:t>
+            </a:r>
+            <a:r>
+              <a:rPr lang="zh-CN" altLang="en-US" sz="1600" dirty="0">
+                <a:latin typeface="Arial" panose="020B0604020202020204" pitchFamily="34" charset="0"/>
+                <a:cs typeface="Arial" panose="020B0604020202020204" pitchFamily="34" charset="0"/>
+              </a:rPr>
+              <a:t> </a:t>
+            </a:r>
+            <a:r>
+              <a:rPr lang="en-US" altLang="zh-CN" sz="1600" dirty="0">
+                <a:latin typeface="Arial" panose="020B0604020202020204" pitchFamily="34" charset="0"/>
+                <a:cs typeface="Arial" panose="020B0604020202020204" pitchFamily="34" charset="0"/>
+              </a:rPr>
+              <a:t>time of whole radiotherapy pipeline can be simplified to a great extent.</a:t>
+            </a:r>
           </a:p>
         </p:txBody>
       </p:sp>
     </p:spTree>
     <p:extLst>
       <p:ext uri="{BB962C8B-B14F-4D97-AF65-F5344CB8AC3E}">
-        <p14:creationId xmlns:p14="http://schemas.microsoft.com/office/powerpoint/2010/main" val="1251499563"/>
+        <p14:creationId xmlns:p14="http://schemas.microsoft.com/office/powerpoint/2010/main" val="2632657561"/>
       </p:ext>
     </p:extLst>
   </p:cSld>
@@ -7387,7 +7461,7 @@
 </p:sld>
 </file>
 
-<file path=ppt/slides/slide7.xml><?xml version="1.0" encoding="utf-8"?>
+<file path=ppt/slides/slide6.xml><?xml version="1.0" encoding="utf-8"?>
 <p:sld xmlns:a="http://schemas.openxmlformats.org/drawingml/2006/main" xmlns:r="http://schemas.openxmlformats.org/officeDocument/2006/relationships" xmlns:p="http://schemas.openxmlformats.org/presentationml/2006/main">
   <p:cSld>
     <p:spTree>
@@ -7518,7 +7592,7 @@
         <p:spPr>
           <a:xfrm>
             <a:off x="992221" y="669303"/>
-            <a:ext cx="4108817" cy="369332"/>
+            <a:ext cx="3788281" cy="369332"/>
           </a:xfrm>
           <a:prstGeom prst="rect">
             <a:avLst/>
@@ -7536,7 +7610,7 @@
                 <a:latin typeface="Arial" panose="020B0604020202020204" pitchFamily="34" charset="0"/>
                 <a:cs typeface="Arial" panose="020B0604020202020204" pitchFamily="34" charset="0"/>
               </a:rPr>
-              <a:t>Representing trajectories and maps</a:t>
+              <a:t>The implementation of VectorNet</a:t>
             </a:r>
             <a:endParaRPr lang="zh-CN" altLang="en-US" b="1" dirty="0">
               <a:latin typeface="Arial" panose="020B0604020202020204" pitchFamily="34" charset="0"/>
@@ -7560,7 +7634,7 @@
         <p:spPr>
           <a:xfrm>
             <a:off x="992221" y="1258242"/>
-            <a:ext cx="10428051" cy="1154675"/>
+            <a:ext cx="10428051" cy="1545295"/>
           </a:xfrm>
           <a:prstGeom prst="rect">
             <a:avLst/>
@@ -7573,27 +7647,58 @@
           </a:bodyPr>
           <a:lstStyle/>
           <a:p>
-            <a:pPr algn="just">
+            <a:pPr marL="342900" indent="-342900" algn="just">
               <a:lnSpc>
-                <a:spcPct val="150000"/>
+                <a:spcPct val="200000"/>
               </a:lnSpc>
+              <a:buAutoNum type="arabicPeriod"/>
             </a:pPr>
             <a:r>
               <a:rPr lang="en-US" altLang="zh-CN" sz="1600" dirty="0">
                 <a:latin typeface="Arial" panose="020B0604020202020204" pitchFamily="34" charset="0"/>
                 <a:cs typeface="Arial" panose="020B0604020202020204" pitchFamily="34" charset="0"/>
               </a:rPr>
-              <a:t>        There are only the agent trajectory and lane needed to represent according to the requirements. In order to represent lane better, I use average lane width to calculate lane two-side edge line. Besides, I split the trajectory into observed trajectory [0s, 2s) and future trajectory [2s, 5s). </a:t>
+              <a:t>Representing trajectories and maps</a:t>
+            </a:r>
+          </a:p>
+          <a:p>
+            <a:pPr marL="342900" indent="-342900" algn="just">
+              <a:lnSpc>
+                <a:spcPct val="200000"/>
+              </a:lnSpc>
+              <a:buAutoNum type="arabicPeriod"/>
+            </a:pPr>
+            <a:r>
+              <a:rPr lang="en-US" altLang="zh-CN" sz="1600" dirty="0">
+                <a:latin typeface="Arial" panose="020B0604020202020204" pitchFamily="34" charset="0"/>
+                <a:cs typeface="Arial" panose="020B0604020202020204" pitchFamily="34" charset="0"/>
+              </a:rPr>
+              <a:t>Constructing the polyline subgraphs</a:t>
+            </a:r>
+          </a:p>
+          <a:p>
+            <a:pPr marL="342900" indent="-342900" algn="just">
+              <a:lnSpc>
+                <a:spcPct val="200000"/>
+              </a:lnSpc>
+              <a:buAutoNum type="arabicPeriod"/>
+            </a:pPr>
+            <a:r>
+              <a:rPr lang="en-US" altLang="zh-CN" sz="1600" dirty="0">
+                <a:latin typeface="Arial" panose="020B0604020202020204" pitchFamily="34" charset="0"/>
+                <a:cs typeface="Arial" panose="020B0604020202020204" pitchFamily="34" charset="0"/>
+              </a:rPr>
+              <a:t>Global graph for high-order interactions</a:t>
             </a:r>
           </a:p>
         </p:txBody>
       </p:sp>
       <p:pic>
         <p:nvPicPr>
-          <p:cNvPr id="3" name="图片 2">
-            <a:extLst>
-              <a:ext uri="{FF2B5EF4-FFF2-40B4-BE49-F238E27FC236}">
-                <a16:creationId xmlns:a16="http://schemas.microsoft.com/office/drawing/2014/main" id="{CC22A32B-AA3F-4AF9-A9AD-3133731D02A1}"/>
+          <p:cNvPr id="2" name="图片 1">
+            <a:extLst>
+              <a:ext uri="{FF2B5EF4-FFF2-40B4-BE49-F238E27FC236}">
+                <a16:creationId xmlns:a16="http://schemas.microsoft.com/office/drawing/2014/main" id="{1CAE9600-A1F7-481A-9535-70A09912EBA5}"/>
               </a:ext>
             </a:extLst>
           </p:cNvPr>
@@ -7602,78 +7707,38 @@
           </p:cNvPicPr>
           <p:nvPr/>
         </p:nvPicPr>
-        <p:blipFill rotWithShape="1">
-          <a:blip r:embed="rId2">
-            <a:extLst>
-              <a:ext uri="{28A0092B-C50C-407E-A947-70E740481C1C}">
-                <a14:useLocalDpi xmlns:a14="http://schemas.microsoft.com/office/drawing/2010/main" val="0"/>
-              </a:ext>
-            </a:extLst>
-          </a:blip>
-          <a:srcRect l="15115" t="12235" r="9311" b="13203"/>
-          <a:stretch/>
+        <p:blipFill>
+          <a:blip r:embed="rId2"/>
+          <a:stretch>
+            <a:fillRect/>
+          </a:stretch>
         </p:blipFill>
         <p:spPr>
           <a:xfrm>
-            <a:off x="1206646" y="2451731"/>
-            <a:ext cx="4458864" cy="3849299"/>
+            <a:off x="1915527" y="3146254"/>
+            <a:ext cx="7757832" cy="2598645"/>
           </a:xfrm>
           <a:prstGeom prst="rect">
             <a:avLst/>
           </a:prstGeom>
         </p:spPr>
       </p:pic>
-      <p:pic>
-        <p:nvPicPr>
-          <p:cNvPr id="8" name="图片 7">
-            <a:extLst>
-              <a:ext uri="{FF2B5EF4-FFF2-40B4-BE49-F238E27FC236}">
-                <a16:creationId xmlns:a16="http://schemas.microsoft.com/office/drawing/2014/main" id="{62CA7196-30C8-4E5E-98F7-4A39C97F5A59}"/>
-              </a:ext>
-            </a:extLst>
-          </p:cNvPr>
-          <p:cNvPicPr>
-            <a:picLocks noChangeAspect="1"/>
-          </p:cNvPicPr>
+      <p:sp>
+        <p:nvSpPr>
+          <p:cNvPr id="3" name="文本框 2">
+            <a:extLst>
+              <a:ext uri="{FF2B5EF4-FFF2-40B4-BE49-F238E27FC236}">
+                <a16:creationId xmlns:a16="http://schemas.microsoft.com/office/drawing/2014/main" id="{8DF647A1-4A05-4C3B-9587-9B2486A5B3F2}"/>
+              </a:ext>
+            </a:extLst>
+          </p:cNvPr>
+          <p:cNvSpPr txBox="1"/>
           <p:nvPr/>
-        </p:nvPicPr>
-        <p:blipFill rotWithShape="1">
-          <a:blip r:embed="rId3">
-            <a:extLst>
-              <a:ext uri="{28A0092B-C50C-407E-A947-70E740481C1C}">
-                <a14:useLocalDpi xmlns:a14="http://schemas.microsoft.com/office/drawing/2010/main" val="0"/>
-              </a:ext>
-            </a:extLst>
-          </a:blip>
-          <a:srcRect l="15114" t="10922" r="8738" b="12985"/>
-          <a:stretch/>
-        </p:blipFill>
+        </p:nvSpPr>
         <p:spPr>
           <a:xfrm>
-            <a:off x="6095999" y="2427027"/>
-            <a:ext cx="4458864" cy="3898706"/>
-          </a:xfrm>
-          <a:prstGeom prst="rect">
-            <a:avLst/>
-          </a:prstGeom>
-        </p:spPr>
-      </p:pic>
-      <p:sp>
-        <p:nvSpPr>
-          <p:cNvPr id="10" name="文本框 9">
-            <a:extLst>
-              <a:ext uri="{FF2B5EF4-FFF2-40B4-BE49-F238E27FC236}">
-                <a16:creationId xmlns:a16="http://schemas.microsoft.com/office/drawing/2014/main" id="{23974CE9-34E5-4450-BA8B-BF97B8F877F1}"/>
-              </a:ext>
-            </a:extLst>
-          </p:cNvPr>
-          <p:cNvSpPr txBox="1"/>
-          <p:nvPr/>
-        </p:nvSpPr>
-        <p:spPr>
-          <a:xfrm>
-            <a:off x="1371249" y="6325733"/>
-            <a:ext cx="4129657" cy="276999"/>
+            <a:off x="4207534" y="5810617"/>
+            <a:ext cx="3173818" cy="276999"/>
           </a:xfrm>
           <a:prstGeom prst="rect">
             <a:avLst/>
@@ -7691,7 +7756,7 @@
                 <a:latin typeface="Arial" panose="020B0604020202020204" pitchFamily="34" charset="0"/>
                 <a:cs typeface="Arial" panose="020B0604020202020204" pitchFamily="34" charset="0"/>
               </a:rPr>
-              <a:t>Figure 2. lane centerline and edgeline representations</a:t>
+              <a:t>Figure 1. The total workflow of VectorNet</a:t>
             </a:r>
             <a:endParaRPr lang="zh-CN" altLang="en-US" sz="1200" b="1" dirty="0">
               <a:latin typeface="Arial" panose="020B0604020202020204" pitchFamily="34" charset="0"/>
@@ -7700,63 +7765,10 @@
           </a:p>
         </p:txBody>
       </p:sp>
-      <p:sp>
-        <p:nvSpPr>
-          <p:cNvPr id="11" name="文本框 10">
-            <a:extLst>
-              <a:ext uri="{FF2B5EF4-FFF2-40B4-BE49-F238E27FC236}">
-                <a16:creationId xmlns:a16="http://schemas.microsoft.com/office/drawing/2014/main" id="{6AF40A3B-86E9-4540-8CAD-5A5F463FD615}"/>
-              </a:ext>
-            </a:extLst>
-          </p:cNvPr>
-          <p:cNvSpPr txBox="1"/>
-          <p:nvPr/>
-        </p:nvSpPr>
-        <p:spPr>
-          <a:xfrm>
-            <a:off x="6191770" y="6301030"/>
-            <a:ext cx="4267322" cy="461665"/>
-          </a:xfrm>
-          <a:prstGeom prst="rect">
-            <a:avLst/>
-          </a:prstGeom>
-          <a:noFill/>
-        </p:spPr>
-        <p:txBody>
-          <a:bodyPr wrap="none" rtlCol="0">
-            <a:spAutoFit/>
-          </a:bodyPr>
-          <a:lstStyle/>
-          <a:p>
-            <a:pPr algn="ctr"/>
-            <a:r>
-              <a:rPr lang="en-US" altLang="zh-CN" sz="1200" b="1" dirty="0">
-                <a:latin typeface="Arial" panose="020B0604020202020204" pitchFamily="34" charset="0"/>
-                <a:cs typeface="Arial" panose="020B0604020202020204" pitchFamily="34" charset="0"/>
-              </a:rPr>
-              <a:t>Figure 3. lane centerline and edgeline representations, </a:t>
-            </a:r>
-          </a:p>
-          <a:p>
-            <a:pPr algn="ctr"/>
-            <a:r>
-              <a:rPr lang="en-US" altLang="zh-CN" sz="1200" b="1" dirty="0">
-                <a:latin typeface="Arial" panose="020B0604020202020204" pitchFamily="34" charset="0"/>
-                <a:cs typeface="Arial" panose="020B0604020202020204" pitchFamily="34" charset="0"/>
-              </a:rPr>
-              <a:t>agent observed trajectory, agent future agent trajectory </a:t>
-            </a:r>
-            <a:endParaRPr lang="zh-CN" altLang="en-US" sz="1200" b="1" dirty="0">
-              <a:latin typeface="Arial" panose="020B0604020202020204" pitchFamily="34" charset="0"/>
-              <a:cs typeface="Arial" panose="020B0604020202020204" pitchFamily="34" charset="0"/>
-            </a:endParaRPr>
-          </a:p>
-        </p:txBody>
-      </p:sp>
     </p:spTree>
     <p:extLst>
       <p:ext uri="{BB962C8B-B14F-4D97-AF65-F5344CB8AC3E}">
-        <p14:creationId xmlns:p14="http://schemas.microsoft.com/office/powerpoint/2010/main" val="472302188"/>
+        <p14:creationId xmlns:p14="http://schemas.microsoft.com/office/powerpoint/2010/main" val="1251499563"/>
       </p:ext>
     </p:extLst>
   </p:cSld>
@@ -7766,7 +7778,7 @@
 </p:sld>
 </file>
 
-<file path=ppt/slides/slide8.xml><?xml version="1.0" encoding="utf-8"?>
+<file path=ppt/slides/slide7.xml><?xml version="1.0" encoding="utf-8"?>
 <p:sld xmlns:a="http://schemas.openxmlformats.org/drawingml/2006/main" xmlns:r="http://schemas.openxmlformats.org/officeDocument/2006/relationships" xmlns:p="http://schemas.openxmlformats.org/presentationml/2006/main">
   <p:cSld>
     <p:spTree>
@@ -7783,42 +7795,6 @@
           <a:chExt cx="0" cy="0"/>
         </a:xfrm>
       </p:grpSpPr>
-      <p:pic>
-        <p:nvPicPr>
-          <p:cNvPr id="15" name="图片 14">
-            <a:extLst>
-              <a:ext uri="{FF2B5EF4-FFF2-40B4-BE49-F238E27FC236}">
-                <a16:creationId xmlns:a16="http://schemas.microsoft.com/office/drawing/2014/main" id="{133DA28E-B742-4CA9-8346-F15B2C20A945}"/>
-              </a:ext>
-            </a:extLst>
-          </p:cNvPr>
-          <p:cNvPicPr>
-            <a:picLocks noChangeAspect="1"/>
-          </p:cNvPicPr>
-          <p:nvPr/>
-        </p:nvPicPr>
-        <p:blipFill>
-          <a:blip r:embed="rId2">
-            <a:extLst>
-              <a:ext uri="{28A0092B-C50C-407E-A947-70E740481C1C}">
-                <a14:useLocalDpi xmlns:a14="http://schemas.microsoft.com/office/drawing/2010/main" val="0"/>
-              </a:ext>
-            </a:extLst>
-          </a:blip>
-          <a:stretch>
-            <a:fillRect/>
-          </a:stretch>
-        </p:blipFill>
-        <p:spPr>
-          <a:xfrm>
-            <a:off x="229362" y="2772697"/>
-            <a:ext cx="11733272" cy="2466000"/>
-          </a:xfrm>
-          <a:prstGeom prst="rect">
-            <a:avLst/>
-          </a:prstGeom>
-        </p:spPr>
-      </p:pic>
       <p:sp>
         <p:nvSpPr>
           <p:cNvPr id="4" name="矩形 3">
@@ -7998,7 +7974,436 @@
                 <a:latin typeface="Arial" panose="020B0604020202020204" pitchFamily="34" charset="0"/>
                 <a:cs typeface="Arial" panose="020B0604020202020204" pitchFamily="34" charset="0"/>
               </a:rPr>
-              <a:t>        Because all of the lanes and trajectories are represented by point sets initially. So, we need to incorporate neighboring two point to vectorize these points and construct vector sets. Then we keep vector sets and remove point sets. Because the future trajectory sample points are our predict target, so we keep them.</a:t>
+              <a:t>        There are only the agent trajectory and lane needed to represent according to the requirements. In order to represent lane better, I use average lane width to calculate lane two-side </a:t>
+            </a:r>
+            <a:r>
+              <a:rPr lang="en-US" altLang="zh-CN" sz="1600">
+                <a:latin typeface="Arial" panose="020B0604020202020204" pitchFamily="34" charset="0"/>
+                <a:cs typeface="Arial" panose="020B0604020202020204" pitchFamily="34" charset="0"/>
+              </a:rPr>
+              <a:t>edge lines. </a:t>
+            </a:r>
+            <a:r>
+              <a:rPr lang="en-US" altLang="zh-CN" sz="1600" dirty="0">
+                <a:latin typeface="Arial" panose="020B0604020202020204" pitchFamily="34" charset="0"/>
+                <a:cs typeface="Arial" panose="020B0604020202020204" pitchFamily="34" charset="0"/>
+              </a:rPr>
+              <a:t>Besides, I split the trajectory into observed trajectory [0s, 2s) and future trajectory [2s, 5s). </a:t>
+            </a:r>
+          </a:p>
+        </p:txBody>
+      </p:sp>
+      <p:pic>
+        <p:nvPicPr>
+          <p:cNvPr id="3" name="图片 2">
+            <a:extLst>
+              <a:ext uri="{FF2B5EF4-FFF2-40B4-BE49-F238E27FC236}">
+                <a16:creationId xmlns:a16="http://schemas.microsoft.com/office/drawing/2014/main" id="{CC22A32B-AA3F-4AF9-A9AD-3133731D02A1}"/>
+              </a:ext>
+            </a:extLst>
+          </p:cNvPr>
+          <p:cNvPicPr>
+            <a:picLocks noChangeAspect="1"/>
+          </p:cNvPicPr>
+          <p:nvPr/>
+        </p:nvPicPr>
+        <p:blipFill rotWithShape="1">
+          <a:blip r:embed="rId2">
+            <a:extLst>
+              <a:ext uri="{28A0092B-C50C-407E-A947-70E740481C1C}">
+                <a14:useLocalDpi xmlns:a14="http://schemas.microsoft.com/office/drawing/2010/main" val="0"/>
+              </a:ext>
+            </a:extLst>
+          </a:blip>
+          <a:srcRect l="15115" t="12235" r="9311" b="13203"/>
+          <a:stretch/>
+        </p:blipFill>
+        <p:spPr>
+          <a:xfrm>
+            <a:off x="1206646" y="2451731"/>
+            <a:ext cx="4458864" cy="3849299"/>
+          </a:xfrm>
+          <a:prstGeom prst="rect">
+            <a:avLst/>
+          </a:prstGeom>
+        </p:spPr>
+      </p:pic>
+      <p:pic>
+        <p:nvPicPr>
+          <p:cNvPr id="8" name="图片 7">
+            <a:extLst>
+              <a:ext uri="{FF2B5EF4-FFF2-40B4-BE49-F238E27FC236}">
+                <a16:creationId xmlns:a16="http://schemas.microsoft.com/office/drawing/2014/main" id="{62CA7196-30C8-4E5E-98F7-4A39C97F5A59}"/>
+              </a:ext>
+            </a:extLst>
+          </p:cNvPr>
+          <p:cNvPicPr>
+            <a:picLocks noChangeAspect="1"/>
+          </p:cNvPicPr>
+          <p:nvPr/>
+        </p:nvPicPr>
+        <p:blipFill rotWithShape="1">
+          <a:blip r:embed="rId3">
+            <a:extLst>
+              <a:ext uri="{28A0092B-C50C-407E-A947-70E740481C1C}">
+                <a14:useLocalDpi xmlns:a14="http://schemas.microsoft.com/office/drawing/2010/main" val="0"/>
+              </a:ext>
+            </a:extLst>
+          </a:blip>
+          <a:srcRect l="15114" t="10922" r="8738" b="12985"/>
+          <a:stretch/>
+        </p:blipFill>
+        <p:spPr>
+          <a:xfrm>
+            <a:off x="6095999" y="2427027"/>
+            <a:ext cx="4458864" cy="3898706"/>
+          </a:xfrm>
+          <a:prstGeom prst="rect">
+            <a:avLst/>
+          </a:prstGeom>
+        </p:spPr>
+      </p:pic>
+      <p:sp>
+        <p:nvSpPr>
+          <p:cNvPr id="10" name="文本框 9">
+            <a:extLst>
+              <a:ext uri="{FF2B5EF4-FFF2-40B4-BE49-F238E27FC236}">
+                <a16:creationId xmlns:a16="http://schemas.microsoft.com/office/drawing/2014/main" id="{23974CE9-34E5-4450-BA8B-BF97B8F877F1}"/>
+              </a:ext>
+            </a:extLst>
+          </p:cNvPr>
+          <p:cNvSpPr txBox="1"/>
+          <p:nvPr/>
+        </p:nvSpPr>
+        <p:spPr>
+          <a:xfrm>
+            <a:off x="1371249" y="6325733"/>
+            <a:ext cx="4129657" cy="276999"/>
+          </a:xfrm>
+          <a:prstGeom prst="rect">
+            <a:avLst/>
+          </a:prstGeom>
+          <a:noFill/>
+        </p:spPr>
+        <p:txBody>
+          <a:bodyPr wrap="none" rtlCol="0">
+            <a:spAutoFit/>
+          </a:bodyPr>
+          <a:lstStyle/>
+          <a:p>
+            <a:r>
+              <a:rPr lang="en-US" altLang="zh-CN" sz="1200" b="1" dirty="0">
+                <a:latin typeface="Arial" panose="020B0604020202020204" pitchFamily="34" charset="0"/>
+                <a:cs typeface="Arial" panose="020B0604020202020204" pitchFamily="34" charset="0"/>
+              </a:rPr>
+              <a:t>Figure 2. lane centerline and edgeline representations</a:t>
+            </a:r>
+            <a:endParaRPr lang="zh-CN" altLang="en-US" sz="1200" b="1" dirty="0">
+              <a:latin typeface="Arial" panose="020B0604020202020204" pitchFamily="34" charset="0"/>
+              <a:cs typeface="Arial" panose="020B0604020202020204" pitchFamily="34" charset="0"/>
+            </a:endParaRPr>
+          </a:p>
+        </p:txBody>
+      </p:sp>
+      <p:sp>
+        <p:nvSpPr>
+          <p:cNvPr id="11" name="文本框 10">
+            <a:extLst>
+              <a:ext uri="{FF2B5EF4-FFF2-40B4-BE49-F238E27FC236}">
+                <a16:creationId xmlns:a16="http://schemas.microsoft.com/office/drawing/2014/main" id="{6AF40A3B-86E9-4540-8CAD-5A5F463FD615}"/>
+              </a:ext>
+            </a:extLst>
+          </p:cNvPr>
+          <p:cNvSpPr txBox="1"/>
+          <p:nvPr/>
+        </p:nvSpPr>
+        <p:spPr>
+          <a:xfrm>
+            <a:off x="6191770" y="6301030"/>
+            <a:ext cx="4267322" cy="461665"/>
+          </a:xfrm>
+          <a:prstGeom prst="rect">
+            <a:avLst/>
+          </a:prstGeom>
+          <a:noFill/>
+        </p:spPr>
+        <p:txBody>
+          <a:bodyPr wrap="none" rtlCol="0">
+            <a:spAutoFit/>
+          </a:bodyPr>
+          <a:lstStyle/>
+          <a:p>
+            <a:pPr algn="ctr"/>
+            <a:r>
+              <a:rPr lang="en-US" altLang="zh-CN" sz="1200" b="1" dirty="0">
+                <a:latin typeface="Arial" panose="020B0604020202020204" pitchFamily="34" charset="0"/>
+                <a:cs typeface="Arial" panose="020B0604020202020204" pitchFamily="34" charset="0"/>
+              </a:rPr>
+              <a:t>Figure 3. lane centerline and edgeline representations, </a:t>
+            </a:r>
+          </a:p>
+          <a:p>
+            <a:pPr algn="ctr"/>
+            <a:r>
+              <a:rPr lang="en-US" altLang="zh-CN" sz="1200" b="1" dirty="0">
+                <a:latin typeface="Arial" panose="020B0604020202020204" pitchFamily="34" charset="0"/>
+                <a:cs typeface="Arial" panose="020B0604020202020204" pitchFamily="34" charset="0"/>
+              </a:rPr>
+              <a:t>agent observed trajectory, agent future agent trajectory </a:t>
+            </a:r>
+            <a:endParaRPr lang="zh-CN" altLang="en-US" sz="1200" b="1" dirty="0">
+              <a:latin typeface="Arial" panose="020B0604020202020204" pitchFamily="34" charset="0"/>
+              <a:cs typeface="Arial" panose="020B0604020202020204" pitchFamily="34" charset="0"/>
+            </a:endParaRPr>
+          </a:p>
+        </p:txBody>
+      </p:sp>
+    </p:spTree>
+    <p:extLst>
+      <p:ext uri="{BB962C8B-B14F-4D97-AF65-F5344CB8AC3E}">
+        <p14:creationId xmlns:p14="http://schemas.microsoft.com/office/powerpoint/2010/main" val="472302188"/>
+      </p:ext>
+    </p:extLst>
+  </p:cSld>
+  <p:clrMapOvr>
+    <a:masterClrMapping/>
+  </p:clrMapOvr>
+</p:sld>
+</file>
+
+<file path=ppt/slides/slide8.xml><?xml version="1.0" encoding="utf-8"?>
+<p:sld xmlns:a="http://schemas.openxmlformats.org/drawingml/2006/main" xmlns:r="http://schemas.openxmlformats.org/officeDocument/2006/relationships" xmlns:p="http://schemas.openxmlformats.org/presentationml/2006/main">
+  <p:cSld>
+    <p:spTree>
+      <p:nvGrpSpPr>
+        <p:cNvPr id="1" name=""/>
+        <p:cNvGrpSpPr/>
+        <p:nvPr/>
+      </p:nvGrpSpPr>
+      <p:grpSpPr>
+        <a:xfrm>
+          <a:off x="0" y="0"/>
+          <a:ext cx="0" cy="0"/>
+          <a:chOff x="0" y="0"/>
+          <a:chExt cx="0" cy="0"/>
+        </a:xfrm>
+      </p:grpSpPr>
+      <p:pic>
+        <p:nvPicPr>
+          <p:cNvPr id="15" name="图片 14">
+            <a:extLst>
+              <a:ext uri="{FF2B5EF4-FFF2-40B4-BE49-F238E27FC236}">
+                <a16:creationId xmlns:a16="http://schemas.microsoft.com/office/drawing/2014/main" id="{133DA28E-B742-4CA9-8346-F15B2C20A945}"/>
+              </a:ext>
+            </a:extLst>
+          </p:cNvPr>
+          <p:cNvPicPr>
+            <a:picLocks noChangeAspect="1"/>
+          </p:cNvPicPr>
+          <p:nvPr/>
+        </p:nvPicPr>
+        <p:blipFill>
+          <a:blip r:embed="rId2">
+            <a:extLst>
+              <a:ext uri="{28A0092B-C50C-407E-A947-70E740481C1C}">
+                <a14:useLocalDpi xmlns:a14="http://schemas.microsoft.com/office/drawing/2010/main" val="0"/>
+              </a:ext>
+            </a:extLst>
+          </a:blip>
+          <a:stretch>
+            <a:fillRect/>
+          </a:stretch>
+        </p:blipFill>
+        <p:spPr>
+          <a:xfrm>
+            <a:off x="229362" y="2772697"/>
+            <a:ext cx="11733272" cy="2466000"/>
+          </a:xfrm>
+          <a:prstGeom prst="rect">
+            <a:avLst/>
+          </a:prstGeom>
+        </p:spPr>
+      </p:pic>
+      <p:sp>
+        <p:nvSpPr>
+          <p:cNvPr id="4" name="矩形 3">
+            <a:extLst>
+              <a:ext uri="{FF2B5EF4-FFF2-40B4-BE49-F238E27FC236}">
+                <a16:creationId xmlns:a16="http://schemas.microsoft.com/office/drawing/2014/main" id="{86CA40CB-69A5-4370-BB91-2BF9FD622FD5}"/>
+              </a:ext>
+            </a:extLst>
+          </p:cNvPr>
+          <p:cNvSpPr/>
+          <p:nvPr/>
+        </p:nvSpPr>
+        <p:spPr>
+          <a:xfrm>
+            <a:off x="603315" y="386499"/>
+            <a:ext cx="197963" cy="565608"/>
+          </a:xfrm>
+          <a:prstGeom prst="rect">
+            <a:avLst/>
+          </a:prstGeom>
+          <a:solidFill>
+            <a:schemeClr val="bg2">
+              <a:lumMod val="75000"/>
+            </a:schemeClr>
+          </a:solidFill>
+          <a:ln>
+            <a:noFill/>
+          </a:ln>
+        </p:spPr>
+        <p:style>
+          <a:lnRef idx="2">
+            <a:schemeClr val="accent1">
+              <a:shade val="50000"/>
+            </a:schemeClr>
+          </a:lnRef>
+          <a:fillRef idx="1">
+            <a:schemeClr val="accent1"/>
+          </a:fillRef>
+          <a:effectRef idx="0">
+            <a:schemeClr val="accent1"/>
+          </a:effectRef>
+          <a:fontRef idx="minor">
+            <a:schemeClr val="lt1"/>
+          </a:fontRef>
+        </p:style>
+        <p:txBody>
+          <a:bodyPr rtlCol="0" anchor="ctr"/>
+          <a:lstStyle/>
+          <a:p>
+            <a:pPr algn="ctr"/>
+            <a:endParaRPr lang="zh-CN" altLang="en-US"/>
+          </a:p>
+        </p:txBody>
+      </p:sp>
+      <p:cxnSp>
+        <p:nvCxnSpPr>
+          <p:cNvPr id="6" name="直接连接符 5">
+            <a:extLst>
+              <a:ext uri="{FF2B5EF4-FFF2-40B4-BE49-F238E27FC236}">
+                <a16:creationId xmlns:a16="http://schemas.microsoft.com/office/drawing/2014/main" id="{89D0ED6E-9637-4BA9-9E46-2653A77A44E3}"/>
+              </a:ext>
+            </a:extLst>
+          </p:cNvPr>
+          <p:cNvCxnSpPr/>
+          <p:nvPr/>
+        </p:nvCxnSpPr>
+        <p:spPr>
+          <a:xfrm>
+            <a:off x="920684" y="584762"/>
+            <a:ext cx="10350631" cy="0"/>
+          </a:xfrm>
+          <a:prstGeom prst="line">
+            <a:avLst/>
+          </a:prstGeom>
+          <a:ln>
+            <a:solidFill>
+              <a:schemeClr val="tx2">
+                <a:lumMod val="40000"/>
+                <a:lumOff val="60000"/>
+              </a:schemeClr>
+            </a:solidFill>
+            <a:prstDash val="dash"/>
+          </a:ln>
+        </p:spPr>
+        <p:style>
+          <a:lnRef idx="1">
+            <a:schemeClr val="accent1"/>
+          </a:lnRef>
+          <a:fillRef idx="0">
+            <a:schemeClr val="accent1"/>
+          </a:fillRef>
+          <a:effectRef idx="0">
+            <a:schemeClr val="accent1"/>
+          </a:effectRef>
+          <a:fontRef idx="minor">
+            <a:schemeClr val="tx1"/>
+          </a:fontRef>
+        </p:style>
+      </p:cxnSp>
+      <p:sp>
+        <p:nvSpPr>
+          <p:cNvPr id="7" name="文本框 6">
+            <a:extLst>
+              <a:ext uri="{FF2B5EF4-FFF2-40B4-BE49-F238E27FC236}">
+                <a16:creationId xmlns:a16="http://schemas.microsoft.com/office/drawing/2014/main" id="{FB657D43-34B0-4FC8-BE54-3C2BA4DDB72B}"/>
+              </a:ext>
+            </a:extLst>
+          </p:cNvPr>
+          <p:cNvSpPr txBox="1"/>
+          <p:nvPr/>
+        </p:nvSpPr>
+        <p:spPr>
+          <a:xfrm>
+            <a:off x="992221" y="669303"/>
+            <a:ext cx="4108817" cy="369332"/>
+          </a:xfrm>
+          <a:prstGeom prst="rect">
+            <a:avLst/>
+          </a:prstGeom>
+          <a:noFill/>
+        </p:spPr>
+        <p:txBody>
+          <a:bodyPr wrap="none" rtlCol="0">
+            <a:spAutoFit/>
+          </a:bodyPr>
+          <a:lstStyle/>
+          <a:p>
+            <a:r>
+              <a:rPr lang="en-US" altLang="zh-CN" b="1" dirty="0">
+                <a:latin typeface="Arial" panose="020B0604020202020204" pitchFamily="34" charset="0"/>
+                <a:cs typeface="Arial" panose="020B0604020202020204" pitchFamily="34" charset="0"/>
+              </a:rPr>
+              <a:t>Representing trajectories and maps</a:t>
+            </a:r>
+            <a:endParaRPr lang="zh-CN" altLang="en-US" b="1" dirty="0">
+              <a:latin typeface="Arial" panose="020B0604020202020204" pitchFamily="34" charset="0"/>
+              <a:cs typeface="Arial" panose="020B0604020202020204" pitchFamily="34" charset="0"/>
+            </a:endParaRPr>
+          </a:p>
+        </p:txBody>
+      </p:sp>
+      <p:sp>
+        <p:nvSpPr>
+          <p:cNvPr id="9" name="文本框 8">
+            <a:extLst>
+              <a:ext uri="{FF2B5EF4-FFF2-40B4-BE49-F238E27FC236}">
+                <a16:creationId xmlns:a16="http://schemas.microsoft.com/office/drawing/2014/main" id="{B829983B-D66B-4BAE-95AE-CD2D4EA6EF57}"/>
+              </a:ext>
+            </a:extLst>
+          </p:cNvPr>
+          <p:cNvSpPr txBox="1"/>
+          <p:nvPr/>
+        </p:nvSpPr>
+        <p:spPr>
+          <a:xfrm>
+            <a:off x="992221" y="1258242"/>
+            <a:ext cx="10428051" cy="1154675"/>
+          </a:xfrm>
+          <a:prstGeom prst="rect">
+            <a:avLst/>
+          </a:prstGeom>
+          <a:noFill/>
+        </p:spPr>
+        <p:txBody>
+          <a:bodyPr wrap="square" rtlCol="0">
+            <a:spAutoFit/>
+          </a:bodyPr>
+          <a:lstStyle/>
+          <a:p>
+            <a:pPr algn="just">
+              <a:lnSpc>
+                <a:spcPct val="150000"/>
+              </a:lnSpc>
+            </a:pPr>
+            <a:r>
+              <a:rPr lang="en-US" altLang="zh-CN" sz="1600" dirty="0">
+                <a:latin typeface="Arial" panose="020B0604020202020204" pitchFamily="34" charset="0"/>
+                <a:cs typeface="Arial" panose="020B0604020202020204" pitchFamily="34" charset="0"/>
+              </a:rPr>
+              <a:t>        Because all of the lanes and trajectories are represented by point sets initially. So, we need to incorporate neighboring two points to vectorize these points and construct vector sets. Then we keep vector sets and remove point sets. Because the future trajectory sample points are our predict target, so we keep them.</a:t>
             </a:r>
           </a:p>
         </p:txBody>

--- a/material/presentation.pptx
+++ b/material/presentation.pptx
@@ -210,7 +210,7 @@
           <a:p>
             <a:fld id="{91BD9AAB-B54E-43B8-952F-A0B500B52F4E}" type="datetimeFigureOut">
               <a:rPr lang="zh-CN" altLang="en-US" smtClean="0"/>
-              <a:t>2020/6/14</a:t>
+              <a:t>2020/6/16</a:t>
             </a:fld>
             <a:endParaRPr lang="zh-CN" altLang="en-US"/>
           </a:p>
@@ -876,7 +876,7 @@
           <a:p>
             <a:fld id="{F40C1254-F1AA-428B-92C5-B10CE42ED55A}" type="datetimeFigureOut">
               <a:rPr lang="zh-CN" altLang="en-US" smtClean="0"/>
-              <a:t>2020/6/14</a:t>
+              <a:t>2020/6/16</a:t>
             </a:fld>
             <a:endParaRPr lang="zh-CN" altLang="en-US"/>
           </a:p>
@@ -1074,7 +1074,7 @@
           <a:p>
             <a:fld id="{F40C1254-F1AA-428B-92C5-B10CE42ED55A}" type="datetimeFigureOut">
               <a:rPr lang="zh-CN" altLang="en-US" smtClean="0"/>
-              <a:t>2020/6/14</a:t>
+              <a:t>2020/6/16</a:t>
             </a:fld>
             <a:endParaRPr lang="zh-CN" altLang="en-US"/>
           </a:p>
@@ -1282,7 +1282,7 @@
           <a:p>
             <a:fld id="{F40C1254-F1AA-428B-92C5-B10CE42ED55A}" type="datetimeFigureOut">
               <a:rPr lang="zh-CN" altLang="en-US" smtClean="0"/>
-              <a:t>2020/6/14</a:t>
+              <a:t>2020/6/16</a:t>
             </a:fld>
             <a:endParaRPr lang="zh-CN" altLang="en-US"/>
           </a:p>
@@ -1480,7 +1480,7 @@
           <a:p>
             <a:fld id="{F40C1254-F1AA-428B-92C5-B10CE42ED55A}" type="datetimeFigureOut">
               <a:rPr lang="zh-CN" altLang="en-US" smtClean="0"/>
-              <a:t>2020/6/14</a:t>
+              <a:t>2020/6/16</a:t>
             </a:fld>
             <a:endParaRPr lang="zh-CN" altLang="en-US"/>
           </a:p>
@@ -1755,7 +1755,7 @@
           <a:p>
             <a:fld id="{F40C1254-F1AA-428B-92C5-B10CE42ED55A}" type="datetimeFigureOut">
               <a:rPr lang="zh-CN" altLang="en-US" smtClean="0"/>
-              <a:t>2020/6/14</a:t>
+              <a:t>2020/6/16</a:t>
             </a:fld>
             <a:endParaRPr lang="zh-CN" altLang="en-US"/>
           </a:p>
@@ -2020,7 +2020,7 @@
           <a:p>
             <a:fld id="{F40C1254-F1AA-428B-92C5-B10CE42ED55A}" type="datetimeFigureOut">
               <a:rPr lang="zh-CN" altLang="en-US" smtClean="0"/>
-              <a:t>2020/6/14</a:t>
+              <a:t>2020/6/16</a:t>
             </a:fld>
             <a:endParaRPr lang="zh-CN" altLang="en-US"/>
           </a:p>
@@ -2432,7 +2432,7 @@
           <a:p>
             <a:fld id="{F40C1254-F1AA-428B-92C5-B10CE42ED55A}" type="datetimeFigureOut">
               <a:rPr lang="zh-CN" altLang="en-US" smtClean="0"/>
-              <a:t>2020/6/14</a:t>
+              <a:t>2020/6/16</a:t>
             </a:fld>
             <a:endParaRPr lang="zh-CN" altLang="en-US"/>
           </a:p>
@@ -2573,7 +2573,7 @@
           <a:p>
             <a:fld id="{F40C1254-F1AA-428B-92C5-B10CE42ED55A}" type="datetimeFigureOut">
               <a:rPr lang="zh-CN" altLang="en-US" smtClean="0"/>
-              <a:t>2020/6/14</a:t>
+              <a:t>2020/6/16</a:t>
             </a:fld>
             <a:endParaRPr lang="zh-CN" altLang="en-US"/>
           </a:p>
@@ -2686,7 +2686,7 @@
           <a:p>
             <a:fld id="{F40C1254-F1AA-428B-92C5-B10CE42ED55A}" type="datetimeFigureOut">
               <a:rPr lang="zh-CN" altLang="en-US" smtClean="0"/>
-              <a:t>2020/6/14</a:t>
+              <a:t>2020/6/16</a:t>
             </a:fld>
             <a:endParaRPr lang="zh-CN" altLang="en-US"/>
           </a:p>
@@ -2997,7 +2997,7 @@
           <a:p>
             <a:fld id="{F40C1254-F1AA-428B-92C5-B10CE42ED55A}" type="datetimeFigureOut">
               <a:rPr lang="zh-CN" altLang="en-US" smtClean="0"/>
-              <a:t>2020/6/14</a:t>
+              <a:t>2020/6/16</a:t>
             </a:fld>
             <a:endParaRPr lang="zh-CN" altLang="en-US"/>
           </a:p>
@@ -3285,7 +3285,7 @@
           <a:p>
             <a:fld id="{F40C1254-F1AA-428B-92C5-B10CE42ED55A}" type="datetimeFigureOut">
               <a:rPr lang="zh-CN" altLang="en-US" smtClean="0"/>
-              <a:t>2020/6/14</a:t>
+              <a:t>2020/6/16</a:t>
             </a:fld>
             <a:endParaRPr lang="zh-CN" altLang="en-US"/>
           </a:p>
@@ -3526,7 +3526,7 @@
           <a:p>
             <a:fld id="{F40C1254-F1AA-428B-92C5-B10CE42ED55A}" type="datetimeFigureOut">
               <a:rPr lang="zh-CN" altLang="en-US" smtClean="0"/>
-              <a:t>2020/6/14</a:t>
+              <a:t>2020/6/16</a:t>
             </a:fld>
             <a:endParaRPr lang="zh-CN" altLang="en-US"/>
           </a:p>
@@ -9701,8 +9701,8 @@
           </p:sp>
         </mc:Fallback>
       </mc:AlternateContent>
-      <mc:AlternateContent xmlns:mc="http://schemas.openxmlformats.org/markup-compatibility/2006" xmlns:a14="http://schemas.microsoft.com/office/drawing/2010/main">
-        <mc:Choice Requires="a14">
+      <mc:AlternateContent xmlns:mc="http://schemas.openxmlformats.org/markup-compatibility/2006">
+        <mc:Choice xmlns:a14="http://schemas.microsoft.com/office/drawing/2010/main" Requires="a14">
           <p:sp>
             <p:nvSpPr>
               <p:cNvPr id="46" name="矩形 45">
@@ -9718,7 +9718,7 @@
             <p:spPr>
               <a:xfrm>
                 <a:off x="4900324" y="2821013"/>
-                <a:ext cx="7291676" cy="607987"/>
+                <a:ext cx="7261219" cy="620554"/>
               </a:xfrm>
               <a:prstGeom prst="rect">
                 <a:avLst/>
@@ -10084,11 +10084,11 @@
                       </m:sub>
                       <m:sup>
                         <m:r>
-                          <a:rPr lang="en-US" altLang="zh-CN" sz="1400" b="1" i="1">
-                            <a:latin typeface="Cambria Math" panose="02040503050406030204" pitchFamily="18" charset="0"/>
-                            <a:cs typeface="Arial" panose="020B0604020202020204" pitchFamily="34" charset="0"/>
-                          </a:rPr>
-                          <m:t>𝟎</m:t>
+                          <a:rPr lang="en-US" altLang="zh-CN" sz="1400" b="1" i="1" smtClean="0">
+                            <a:latin typeface="Cambria Math" panose="02040503050406030204" pitchFamily="18" charset="0"/>
+                            <a:cs typeface="Arial" panose="020B0604020202020204" pitchFamily="34" charset="0"/>
+                          </a:rPr>
+                          <m:t>𝒍</m:t>
                         </m:r>
                       </m:sup>
                     </m:sSubSup>
@@ -10132,11 +10132,11 @@
                       </m:sub>
                       <m:sup>
                         <m:r>
-                          <a:rPr lang="en-US" altLang="zh-CN" sz="1400" b="1" i="1">
-                            <a:latin typeface="Cambria Math" panose="02040503050406030204" pitchFamily="18" charset="0"/>
-                            <a:cs typeface="Arial" panose="020B0604020202020204" pitchFamily="34" charset="0"/>
-                          </a:rPr>
-                          <m:t>𝟎</m:t>
+                          <a:rPr lang="en-US" altLang="zh-CN" sz="1400" b="1" i="1" smtClean="0">
+                            <a:latin typeface="Cambria Math" panose="02040503050406030204" pitchFamily="18" charset="0"/>
+                            <a:cs typeface="Arial" panose="020B0604020202020204" pitchFamily="34" charset="0"/>
+                          </a:rPr>
+                          <m:t>𝒍</m:t>
                         </m:r>
                       </m:sup>
                     </m:sSubSup>
@@ -10199,11 +10199,11 @@
                       </m:sub>
                       <m:sup>
                         <m:r>
-                          <a:rPr lang="en-US" altLang="zh-CN" sz="1400" b="1" i="1">
-                            <a:latin typeface="Cambria Math" panose="02040503050406030204" pitchFamily="18" charset="0"/>
-                            <a:cs typeface="Arial" panose="020B0604020202020204" pitchFamily="34" charset="0"/>
-                          </a:rPr>
-                          <m:t>𝟎</m:t>
+                          <a:rPr lang="en-US" altLang="zh-CN" sz="1400" b="1" i="1" smtClean="0">
+                            <a:latin typeface="Cambria Math" panose="02040503050406030204" pitchFamily="18" charset="0"/>
+                            <a:cs typeface="Arial" panose="020B0604020202020204" pitchFamily="34" charset="0"/>
+                          </a:rPr>
+                          <m:t>𝒍</m:t>
                         </m:r>
                       </m:sup>
                     </m:sSubSup>
@@ -10280,11 +10280,11 @@
                       </m:sub>
                       <m:sup>
                         <m:r>
-                          <a:rPr lang="en-US" altLang="zh-CN" sz="1400" b="1" i="1">
-                            <a:latin typeface="Cambria Math" panose="02040503050406030204" pitchFamily="18" charset="0"/>
-                            <a:cs typeface="Arial" panose="020B0604020202020204" pitchFamily="34" charset="0"/>
-                          </a:rPr>
-                          <m:t>𝟎</m:t>
+                          <a:rPr lang="en-US" altLang="zh-CN" sz="1400" b="1" i="1" smtClean="0">
+                            <a:latin typeface="Cambria Math" panose="02040503050406030204" pitchFamily="18" charset="0"/>
+                            <a:cs typeface="Arial" panose="020B0604020202020204" pitchFamily="34" charset="0"/>
+                          </a:rPr>
+                          <m:t>𝒍</m:t>
                         </m:r>
                       </m:sup>
                     </m:sSubSup>
@@ -10328,11 +10328,11 @@
                       </m:sub>
                       <m:sup>
                         <m:r>
-                          <a:rPr lang="en-US" altLang="zh-CN" sz="1400" b="1" i="1">
-                            <a:latin typeface="Cambria Math" panose="02040503050406030204" pitchFamily="18" charset="0"/>
-                            <a:cs typeface="Arial" panose="020B0604020202020204" pitchFamily="34" charset="0"/>
-                          </a:rPr>
-                          <m:t>𝟎</m:t>
+                          <a:rPr lang="en-US" altLang="zh-CN" sz="1400" b="1" i="1" smtClean="0">
+                            <a:latin typeface="Cambria Math" panose="02040503050406030204" pitchFamily="18" charset="0"/>
+                            <a:cs typeface="Arial" panose="020B0604020202020204" pitchFamily="34" charset="0"/>
+                          </a:rPr>
+                          <m:t>𝒍</m:t>
                         </m:r>
                       </m:sup>
                     </m:sSubSup>
@@ -10378,7 +10378,7 @@
             </p:txBody>
           </p:sp>
         </mc:Choice>
-        <mc:Fallback xmlns="">
+        <mc:Fallback>
           <p:sp>
             <p:nvSpPr>
               <p:cNvPr id="46" name="矩形 45">
@@ -10396,7 +10396,7 @@
             <p:spPr>
               <a:xfrm>
                 <a:off x="4900324" y="2821013"/>
-                <a:ext cx="7291676" cy="607987"/>
+                <a:ext cx="7261219" cy="620554"/>
               </a:xfrm>
               <a:prstGeom prst="rect">
                 <a:avLst/>
@@ -10404,7 +10404,7 @@
               <a:blipFill>
                 <a:blip r:embed="rId6"/>
                 <a:stretch>
-                  <a:fillRect b="-4000"/>
+                  <a:fillRect b="-2941"/>
                 </a:stretch>
               </a:blipFill>
             </p:spPr>
